--- a/Descriptions/WwwQrCodeImages.pptx
+++ b/Descriptions/WwwQrCodeImages.pptx
@@ -6,7 +6,12 @@
   </p:sldMasterIdLst>
   <p:sldIdLst>
     <p:sldId id="267" r:id="rId2"/>
-    <p:sldId id="269" r:id="rId3"/>
+    <p:sldId id="272" r:id="rId3"/>
+    <p:sldId id="273" r:id="rId4"/>
+    <p:sldId id="274" r:id="rId5"/>
+    <p:sldId id="270" r:id="rId6"/>
+    <p:sldId id="271" r:id="rId7"/>
+    <p:sldId id="269" r:id="rId8"/>
   </p:sldIdLst>
   <p:sldSz cx="12192000" cy="6858000"/>
   <p:notesSz cx="6661150" cy="9866313"/>
@@ -3275,7 +3280,7 @@
         </p:nvSpPr>
         <p:spPr>
           <a:xfrm>
-            <a:off x="2988403" y="2094488"/>
+            <a:off x="3277847" y="2094488"/>
             <a:ext cx="957346" cy="273141"/>
           </a:xfrm>
           <a:prstGeom prst="rect">
@@ -3388,7 +3393,7 @@
         </p:nvCxnSpPr>
         <p:spPr>
           <a:xfrm flipV="1">
-            <a:off x="2481002" y="1914337"/>
+            <a:off x="2632302" y="1914337"/>
             <a:ext cx="0" cy="166815"/>
           </a:xfrm>
           <a:prstGeom prst="line">
@@ -3501,9 +3506,9 @@
           <p:nvPr/>
         </p:nvCxnSpPr>
         <p:spPr>
-          <a:xfrm flipV="1">
-            <a:off x="2584807" y="1905891"/>
-            <a:ext cx="5403944" cy="8140"/>
+          <a:xfrm>
+            <a:off x="2632302" y="1904603"/>
+            <a:ext cx="5645893" cy="1288"/>
           </a:xfrm>
           <a:prstGeom prst="line">
             <a:avLst/>
@@ -3538,7 +3543,7 @@
         </p:nvSpPr>
         <p:spPr>
           <a:xfrm>
-            <a:off x="3992301" y="2101626"/>
+            <a:off x="4281745" y="2101626"/>
             <a:ext cx="639633" cy="273141"/>
           </a:xfrm>
           <a:prstGeom prst="rect">
@@ -3743,7 +3748,7 @@
         </p:nvSpPr>
         <p:spPr>
           <a:xfrm>
-            <a:off x="4362259" y="2793114"/>
+            <a:off x="4651703" y="2793114"/>
             <a:ext cx="708249" cy="273141"/>
           </a:xfrm>
           <a:prstGeom prst="rect">
@@ -3816,8 +3821,8 @@
         </p:nvSpPr>
         <p:spPr>
           <a:xfrm>
-            <a:off x="2052488" y="2086037"/>
-            <a:ext cx="820798" cy="296211"/>
+            <a:off x="1906365" y="2086037"/>
+            <a:ext cx="1256366" cy="296211"/>
           </a:xfrm>
           <a:prstGeom prst="flowChartPunchedCard">
             <a:avLst/>
@@ -3860,7 +3865,7 @@
                 <a:latin typeface="Arial" panose="020B0604020202020204" pitchFamily="34" charset="0"/>
                 <a:cs typeface="Arial" panose="020B0604020202020204" pitchFamily="34" charset="0"/>
               </a:rPr>
-              <a:t>Index.html</a:t>
+              <a:t>QrCodeFiles.htm</a:t>
             </a:r>
           </a:p>
         </p:txBody>
@@ -3879,7 +3884,7 @@
         </p:nvSpPr>
         <p:spPr>
           <a:xfrm>
-            <a:off x="4760517" y="2109107"/>
+            <a:off x="5049961" y="2109107"/>
             <a:ext cx="691196" cy="273141"/>
           </a:xfrm>
           <a:prstGeom prst="rect">
@@ -3952,7 +3957,7 @@
         </p:nvSpPr>
         <p:spPr>
           <a:xfrm>
-            <a:off x="5500570" y="2109107"/>
+            <a:off x="5790014" y="2109107"/>
             <a:ext cx="434409" cy="273141"/>
           </a:xfrm>
           <a:prstGeom prst="rect">
@@ -4022,7 +4027,7 @@
         </p:nvSpPr>
         <p:spPr>
           <a:xfrm>
-            <a:off x="3899761" y="3233112"/>
+            <a:off x="4189205" y="3233112"/>
             <a:ext cx="1628926" cy="273141"/>
           </a:xfrm>
           <a:prstGeom prst="rect">
@@ -4166,7 +4171,7 @@
         </p:nvCxnSpPr>
         <p:spPr>
           <a:xfrm flipV="1">
-            <a:off x="4701068" y="2597211"/>
+            <a:off x="4990512" y="2597211"/>
             <a:ext cx="0" cy="166815"/>
           </a:xfrm>
           <a:prstGeom prst="line">
@@ -4204,7 +4209,7 @@
         </p:nvCxnSpPr>
         <p:spPr>
           <a:xfrm flipV="1">
-            <a:off x="3494554" y="1913273"/>
+            <a:off x="3783998" y="1913273"/>
             <a:ext cx="0" cy="166815"/>
           </a:xfrm>
           <a:prstGeom prst="line">
@@ -4242,7 +4247,7 @@
         </p:nvCxnSpPr>
         <p:spPr>
           <a:xfrm flipV="1">
-            <a:off x="4307322" y="1927673"/>
+            <a:off x="4596766" y="1927673"/>
             <a:ext cx="0" cy="166815"/>
           </a:xfrm>
           <a:prstGeom prst="line">
@@ -4280,7 +4285,7 @@
         </p:nvCxnSpPr>
         <p:spPr>
           <a:xfrm flipV="1">
-            <a:off x="5070511" y="1934811"/>
+            <a:off x="5359955" y="1934811"/>
             <a:ext cx="0" cy="166815"/>
           </a:xfrm>
           <a:prstGeom prst="line">
@@ -4318,7 +4323,7 @@
         </p:nvCxnSpPr>
         <p:spPr>
           <a:xfrm flipV="1">
-            <a:off x="5737234" y="1934811"/>
+            <a:off x="6026678" y="1934811"/>
             <a:ext cx="0" cy="166815"/>
           </a:xfrm>
           <a:prstGeom prst="line">
@@ -4356,7 +4361,7 @@
         </p:nvCxnSpPr>
         <p:spPr>
           <a:xfrm flipV="1">
-            <a:off x="4698730" y="2597211"/>
+            <a:off x="4988174" y="2597211"/>
             <a:ext cx="1716694" cy="8140"/>
           </a:xfrm>
           <a:prstGeom prst="line">
@@ -4394,7 +4399,7 @@
         </p:nvCxnSpPr>
         <p:spPr>
           <a:xfrm flipV="1">
-            <a:off x="4698730" y="1908098"/>
+            <a:off x="4988174" y="1908098"/>
             <a:ext cx="0" cy="717713"/>
           </a:xfrm>
           <a:prstGeom prst="line">
@@ -4639,7 +4644,7 @@
         </p:nvSpPr>
         <p:spPr>
           <a:xfrm>
-            <a:off x="6967728" y="2108209"/>
+            <a:off x="7257172" y="2108209"/>
             <a:ext cx="647420" cy="273141"/>
           </a:xfrm>
           <a:prstGeom prst="rect">
@@ -4704,7 +4709,7 @@
         </p:nvCxnSpPr>
         <p:spPr>
           <a:xfrm flipV="1">
-            <a:off x="7290993" y="1917221"/>
+            <a:off x="7580437" y="1917221"/>
             <a:ext cx="0" cy="166815"/>
           </a:xfrm>
           <a:prstGeom prst="line">
@@ -4958,7 +4963,7 @@
         </p:nvSpPr>
         <p:spPr>
           <a:xfrm>
-            <a:off x="5979032" y="2103129"/>
+            <a:off x="6268476" y="2103129"/>
             <a:ext cx="935999" cy="273141"/>
           </a:xfrm>
           <a:prstGeom prst="rect">
@@ -5033,7 +5038,7 @@
         </p:nvCxnSpPr>
         <p:spPr>
           <a:xfrm flipV="1">
-            <a:off x="6415424" y="1941394"/>
+            <a:off x="6704868" y="1941394"/>
             <a:ext cx="0" cy="166815"/>
           </a:xfrm>
           <a:prstGeom prst="line">
@@ -5178,7 +5183,7 @@
         </p:nvSpPr>
         <p:spPr>
           <a:xfrm>
-            <a:off x="7665486" y="2109107"/>
+            <a:off x="7954930" y="2109107"/>
             <a:ext cx="647420" cy="273141"/>
           </a:xfrm>
           <a:prstGeom prst="rect">
@@ -5243,7 +5248,7 @@
         </p:nvCxnSpPr>
         <p:spPr>
           <a:xfrm flipV="1">
-            <a:off x="7988751" y="1918119"/>
+            <a:off x="8278195" y="1918119"/>
             <a:ext cx="0" cy="166815"/>
           </a:xfrm>
           <a:prstGeom prst="line">
@@ -5279,7 +5284,7 @@
         </p:nvSpPr>
         <p:spPr>
           <a:xfrm>
-            <a:off x="5796612" y="2799329"/>
+            <a:off x="6086056" y="2799329"/>
             <a:ext cx="1171116" cy="273141"/>
           </a:xfrm>
           <a:prstGeom prst="rect">
@@ -5354,7 +5359,7 @@
         </p:nvCxnSpPr>
         <p:spPr>
           <a:xfrm flipV="1">
-            <a:off x="6415424" y="2608076"/>
+            <a:off x="6704868" y="2608076"/>
             <a:ext cx="0" cy="166815"/>
           </a:xfrm>
           <a:prstGeom prst="line">
@@ -5392,7 +5397,7 @@
         </p:nvCxnSpPr>
         <p:spPr>
           <a:xfrm flipV="1">
-            <a:off x="4714224" y="3066603"/>
+            <a:off x="5003668" y="3066603"/>
             <a:ext cx="0" cy="166815"/>
           </a:xfrm>
           <a:prstGeom prst="line">
@@ -5428,7 +5433,7 @@
         </p:nvSpPr>
         <p:spPr>
           <a:xfrm>
-            <a:off x="2003934" y="3805354"/>
+            <a:off x="2293378" y="3805354"/>
             <a:ext cx="1288003" cy="296211"/>
           </a:xfrm>
           <a:prstGeom prst="flowChartPunchedCard">
@@ -5491,7 +5496,7 @@
         </p:nvSpPr>
         <p:spPr>
           <a:xfrm>
-            <a:off x="6522030" y="3809662"/>
+            <a:off x="6811474" y="3809662"/>
             <a:ext cx="1288003" cy="296211"/>
           </a:xfrm>
           <a:prstGeom prst="flowChartPunchedCard">
@@ -5556,7 +5561,7 @@
         </p:nvCxnSpPr>
         <p:spPr>
           <a:xfrm flipV="1">
-            <a:off x="4525374" y="3645747"/>
+            <a:off x="4814818" y="3645747"/>
             <a:ext cx="0" cy="166815"/>
           </a:xfrm>
           <a:prstGeom prst="line">
@@ -5594,7 +5599,7 @@
         </p:nvCxnSpPr>
         <p:spPr>
           <a:xfrm flipV="1">
-            <a:off x="2698891" y="3620921"/>
+            <a:off x="2988335" y="3620921"/>
             <a:ext cx="4506566" cy="24826"/>
           </a:xfrm>
           <a:prstGeom prst="line">
@@ -5632,7 +5637,7 @@
         </p:nvCxnSpPr>
         <p:spPr>
           <a:xfrm flipV="1">
-            <a:off x="4707228" y="3506253"/>
+            <a:off x="4996672" y="3506253"/>
             <a:ext cx="0" cy="166815"/>
           </a:xfrm>
           <a:prstGeom prst="line">
@@ -5670,7 +5675,7 @@
         </p:nvCxnSpPr>
         <p:spPr>
           <a:xfrm flipV="1">
-            <a:off x="2701228" y="3638539"/>
+            <a:off x="2990672" y="3638539"/>
             <a:ext cx="0" cy="166815"/>
           </a:xfrm>
           <a:prstGeom prst="line">
@@ -5708,7 +5713,7 @@
         </p:nvCxnSpPr>
         <p:spPr>
           <a:xfrm flipV="1">
-            <a:off x="7205457" y="3638539"/>
+            <a:off x="7494901" y="3638539"/>
             <a:ext cx="0" cy="166815"/>
           </a:xfrm>
           <a:prstGeom prst="line">
@@ -5744,7 +5749,7 @@
         </p:nvSpPr>
         <p:spPr>
           <a:xfrm>
-            <a:off x="3392254" y="3822779"/>
+            <a:off x="3681698" y="3822779"/>
             <a:ext cx="1866749" cy="296211"/>
           </a:xfrm>
           <a:prstGeom prst="flowChartPunchedCard">
@@ -5809,7 +5814,7 @@
         </p:nvCxnSpPr>
         <p:spPr>
           <a:xfrm flipV="1">
-            <a:off x="5442755" y="3645747"/>
+            <a:off x="5732199" y="3645747"/>
             <a:ext cx="5191" cy="594474"/>
           </a:xfrm>
           <a:prstGeom prst="line">
@@ -5845,7 +5850,7 @@
         </p:nvSpPr>
         <p:spPr>
           <a:xfrm>
-            <a:off x="4362259" y="4250438"/>
+            <a:off x="4651703" y="4250438"/>
             <a:ext cx="1957255" cy="296211"/>
           </a:xfrm>
           <a:prstGeom prst="flowChartPunchedCard">
@@ -5910,7 +5915,7 @@
         </p:nvCxnSpPr>
         <p:spPr>
           <a:xfrm flipH="1" flipV="1">
-            <a:off x="6398807" y="3648504"/>
+            <a:off x="6688251" y="3648504"/>
             <a:ext cx="16617" cy="1241877"/>
           </a:xfrm>
           <a:prstGeom prst="line">
@@ -5946,7 +5951,7 @@
         </p:nvSpPr>
         <p:spPr>
           <a:xfrm>
-            <a:off x="5676620" y="4906190"/>
+            <a:off x="5966064" y="4906190"/>
             <a:ext cx="1475228" cy="1095314"/>
           </a:xfrm>
           <a:prstGeom prst="flowChartPunchedCard">
@@ -6125,6 +6130,195 @@
               <a:latin typeface="Arial" panose="020B0604020202020204" pitchFamily="34" charset="0"/>
               <a:cs typeface="Arial" panose="020B0604020202020204" pitchFamily="34" charset="0"/>
             </a:endParaRPr>
+          </a:p>
+        </p:txBody>
+      </p:sp>
+      <p:sp>
+        <p:nvSpPr>
+          <p:cNvPr id="63" name="Flussdiagramm: Karte 62">
+            <a:extLst>
+              <a:ext uri="{FF2B5EF4-FFF2-40B4-BE49-F238E27FC236}">
+                <a16:creationId xmlns:a16="http://schemas.microsoft.com/office/drawing/2014/main" id="{9A0938B7-2D6F-DBD2-7687-6BBB0E396E7C}"/>
+              </a:ext>
+            </a:extLst>
+          </p:cNvPr>
+          <p:cNvSpPr/>
+          <p:nvPr/>
+        </p:nvSpPr>
+        <p:spPr>
+          <a:xfrm>
+            <a:off x="1880052" y="2400211"/>
+            <a:ext cx="1256366" cy="296211"/>
+          </a:xfrm>
+          <a:prstGeom prst="flowChartPunchedCard">
+            <a:avLst/>
+          </a:prstGeom>
+          <a:solidFill>
+            <a:srgbClr val="FFFF00"/>
+          </a:solidFill>
+          <a:ln>
+            <a:solidFill>
+              <a:schemeClr val="tx1"/>
+            </a:solidFill>
+          </a:ln>
+        </p:spPr>
+        <p:style>
+          <a:lnRef idx="2">
+            <a:schemeClr val="accent1">
+              <a:shade val="50000"/>
+            </a:schemeClr>
+          </a:lnRef>
+          <a:fillRef idx="1">
+            <a:schemeClr val="accent1"/>
+          </a:fillRef>
+          <a:effectRef idx="0">
+            <a:schemeClr val="accent1"/>
+          </a:effectRef>
+          <a:fontRef idx="minor">
+            <a:schemeClr val="lt1"/>
+          </a:fontRef>
+        </p:style>
+        <p:txBody>
+          <a:bodyPr rtlCol="0" anchor="ctr"/>
+          <a:lstStyle/>
+          <a:p>
+            <a:pPr algn="ctr"/>
+            <a:r>
+              <a:rPr lang="de-CH" sz="1000" b="1" dirty="0">
+                <a:solidFill>
+                  <a:schemeClr val="tx1"/>
+                </a:solidFill>
+                <a:latin typeface="Arial" panose="020B0604020202020204" pitchFamily="34" charset="0"/>
+                <a:cs typeface="Arial" panose="020B0604020202020204" pitchFamily="34" charset="0"/>
+              </a:rPr>
+              <a:t>QrCodeShow.htm</a:t>
+            </a:r>
+          </a:p>
+        </p:txBody>
+      </p:sp>
+      <p:sp>
+        <p:nvSpPr>
+          <p:cNvPr id="65" name="Flussdiagramm: Karte 64">
+            <a:extLst>
+              <a:ext uri="{FF2B5EF4-FFF2-40B4-BE49-F238E27FC236}">
+                <a16:creationId xmlns:a16="http://schemas.microsoft.com/office/drawing/2014/main" id="{F3497316-988C-FDC1-8D76-97C72F7B54F9}"/>
+              </a:ext>
+            </a:extLst>
+          </p:cNvPr>
+          <p:cNvSpPr/>
+          <p:nvPr/>
+        </p:nvSpPr>
+        <p:spPr>
+          <a:xfrm>
+            <a:off x="1906365" y="2719092"/>
+            <a:ext cx="1256366" cy="296211"/>
+          </a:xfrm>
+          <a:prstGeom prst="flowChartPunchedCard">
+            <a:avLst/>
+          </a:prstGeom>
+          <a:solidFill>
+            <a:srgbClr val="FFFF00"/>
+          </a:solidFill>
+          <a:ln>
+            <a:solidFill>
+              <a:schemeClr val="tx1"/>
+            </a:solidFill>
+          </a:ln>
+        </p:spPr>
+        <p:style>
+          <a:lnRef idx="2">
+            <a:schemeClr val="accent1">
+              <a:shade val="50000"/>
+            </a:schemeClr>
+          </a:lnRef>
+          <a:fillRef idx="1">
+            <a:schemeClr val="accent1"/>
+          </a:fillRef>
+          <a:effectRef idx="0">
+            <a:schemeClr val="accent1"/>
+          </a:effectRef>
+          <a:fontRef idx="minor">
+            <a:schemeClr val="lt1"/>
+          </a:fontRef>
+        </p:style>
+        <p:txBody>
+          <a:bodyPr rtlCol="0" anchor="ctr"/>
+          <a:lstStyle/>
+          <a:p>
+            <a:pPr algn="ctr"/>
+            <a:r>
+              <a:rPr lang="de-CH" sz="1000" b="1" dirty="0">
+                <a:solidFill>
+                  <a:schemeClr val="tx1"/>
+                </a:solidFill>
+                <a:latin typeface="Arial" panose="020B0604020202020204" pitchFamily="34" charset="0"/>
+                <a:cs typeface="Arial" panose="020B0604020202020204" pitchFamily="34" charset="0"/>
+              </a:rPr>
+              <a:t>QrCodeScan.htm</a:t>
+            </a:r>
+          </a:p>
+        </p:txBody>
+      </p:sp>
+      <p:sp>
+        <p:nvSpPr>
+          <p:cNvPr id="66" name="Flussdiagramm: Karte 65">
+            <a:extLst>
+              <a:ext uri="{FF2B5EF4-FFF2-40B4-BE49-F238E27FC236}">
+                <a16:creationId xmlns:a16="http://schemas.microsoft.com/office/drawing/2014/main" id="{66D5A90D-A7A5-3C6E-5596-E2236F127C80}"/>
+              </a:ext>
+            </a:extLst>
+          </p:cNvPr>
+          <p:cNvSpPr/>
+          <p:nvPr/>
+        </p:nvSpPr>
+        <p:spPr>
+          <a:xfrm>
+            <a:off x="1880052" y="3040713"/>
+            <a:ext cx="1256366" cy="296211"/>
+          </a:xfrm>
+          <a:prstGeom prst="flowChartPunchedCard">
+            <a:avLst/>
+          </a:prstGeom>
+          <a:solidFill>
+            <a:srgbClr val="FFFF00"/>
+          </a:solidFill>
+          <a:ln>
+            <a:solidFill>
+              <a:schemeClr val="tx1"/>
+            </a:solidFill>
+          </a:ln>
+        </p:spPr>
+        <p:style>
+          <a:lnRef idx="2">
+            <a:schemeClr val="accent1">
+              <a:shade val="50000"/>
+            </a:schemeClr>
+          </a:lnRef>
+          <a:fillRef idx="1">
+            <a:schemeClr val="accent1"/>
+          </a:fillRef>
+          <a:effectRef idx="0">
+            <a:schemeClr val="accent1"/>
+          </a:effectRef>
+          <a:fontRef idx="minor">
+            <a:schemeClr val="lt1"/>
+          </a:fontRef>
+        </p:style>
+        <p:txBody>
+          <a:bodyPr rtlCol="0" anchor="ctr"/>
+          <a:lstStyle/>
+          <a:p>
+            <a:pPr algn="ctr"/>
+            <a:r>
+              <a:rPr lang="de-CH" sz="1000" b="1" dirty="0">
+                <a:solidFill>
+                  <a:schemeClr val="tx1"/>
+                </a:solidFill>
+                <a:latin typeface="Arial" panose="020B0604020202020204" pitchFamily="34" charset="0"/>
+                <a:cs typeface="Arial" panose="020B0604020202020204" pitchFamily="34" charset="0"/>
+              </a:rPr>
+              <a:t>QrCodePrint.htm</a:t>
+            </a:r>
           </a:p>
         </p:txBody>
       </p:sp>
@@ -6160,10 +6354,62 @@
       </p:grpSpPr>
       <p:sp>
         <p:nvSpPr>
-          <p:cNvPr id="34" name="Rechteck 33">
-            <a:extLst>
-              <a:ext uri="{FF2B5EF4-FFF2-40B4-BE49-F238E27FC236}">
-                <a16:creationId xmlns:a16="http://schemas.microsoft.com/office/drawing/2014/main" id="{2AC48952-86F7-4066-BA0C-BD6EC49EBED9}"/>
+          <p:cNvPr id="4" name="Textfeld 3">
+            <a:extLst>
+              <a:ext uri="{FF2B5EF4-FFF2-40B4-BE49-F238E27FC236}">
+                <a16:creationId xmlns:a16="http://schemas.microsoft.com/office/drawing/2014/main" id="{716F0A7E-FD24-6255-7CAD-214E6BFB5D8A}"/>
+              </a:ext>
+            </a:extLst>
+          </p:cNvPr>
+          <p:cNvSpPr txBox="1"/>
+          <p:nvPr/>
+        </p:nvSpPr>
+        <p:spPr>
+          <a:xfrm>
+            <a:off x="8959804" y="2331796"/>
+            <a:ext cx="1664339" cy="276999"/>
+          </a:xfrm>
+          <a:prstGeom prst="rect">
+            <a:avLst/>
+          </a:prstGeom>
+          <a:noFill/>
+        </p:spPr>
+        <p:txBody>
+          <a:bodyPr wrap="square" rtlCol="0">
+            <a:spAutoFit/>
+          </a:bodyPr>
+          <a:lstStyle/>
+          <a:p>
+            <a:r>
+              <a:rPr lang="de-CH" sz="1200" dirty="0">
+                <a:latin typeface="Arial" panose="020B0604020202020204" pitchFamily="34" charset="0"/>
+                <a:cs typeface="Arial" panose="020B0604020202020204" pitchFamily="34" charset="0"/>
+              </a:rPr>
+              <a:t>Any </a:t>
+            </a:r>
+            <a:r>
+              <a:rPr lang="de-CH" sz="1200" dirty="0" err="1">
+                <a:latin typeface="Arial" panose="020B0604020202020204" pitchFamily="34" charset="0"/>
+                <a:cs typeface="Arial" panose="020B0604020202020204" pitchFamily="34" charset="0"/>
+              </a:rPr>
+              <a:t>text</a:t>
+            </a:r>
+            <a:r>
+              <a:rPr lang="de-CH" sz="1200" dirty="0">
+                <a:latin typeface="Arial" panose="020B0604020202020204" pitchFamily="34" charset="0"/>
+                <a:cs typeface="Arial" panose="020B0604020202020204" pitchFamily="34" charset="0"/>
+              </a:rPr>
+              <a:t> ….</a:t>
+            </a:r>
+          </a:p>
+        </p:txBody>
+      </p:sp>
+      <p:sp>
+        <p:nvSpPr>
+          <p:cNvPr id="5" name="Rechteck 4">
+            <a:extLst>
+              <a:ext uri="{FF2B5EF4-FFF2-40B4-BE49-F238E27FC236}">
+                <a16:creationId xmlns:a16="http://schemas.microsoft.com/office/drawing/2014/main" id="{7263F778-9976-655D-EA25-7ABBB3167909}"/>
               </a:ext>
             </a:extLst>
           </p:cNvPr>
@@ -6172,8 +6418,8 @@
         </p:nvSpPr>
         <p:spPr>
           <a:xfrm>
-            <a:off x="2027100" y="3480575"/>
-            <a:ext cx="1407482" cy="879948"/>
+            <a:off x="3028079" y="217244"/>
+            <a:ext cx="4104932" cy="273141"/>
           </a:xfrm>
           <a:prstGeom prst="rect">
             <a:avLst/>
@@ -6207,37 +6453,34 @@
           <a:p>
             <a:pPr algn="ctr"/>
             <a:r>
-              <a:rPr lang="de-CH" sz="1400" dirty="0">
-                <a:solidFill>
-                  <a:schemeClr val="tx1"/>
-                </a:solidFill>
-                <a:latin typeface="Arial" panose="020B0604020202020204" pitchFamily="34" charset="0"/>
-                <a:cs typeface="Arial" panose="020B0604020202020204" pitchFamily="34" charset="0"/>
-              </a:rPr>
-              <a:t>Vorstufe-</a:t>
-            </a:r>
-          </a:p>
-          <a:p>
-            <a:pPr algn="ctr"/>
-            <a:r>
-              <a:rPr lang="de-CH" sz="1400" dirty="0">
-                <a:solidFill>
-                  <a:schemeClr val="tx1"/>
-                </a:solidFill>
-                <a:latin typeface="Arial" panose="020B0604020202020204" pitchFamily="34" charset="0"/>
-                <a:cs typeface="Arial" panose="020B0604020202020204" pitchFamily="34" charset="0"/>
-              </a:rPr>
-              <a:t>Repository</a:t>
-            </a:r>
-          </a:p>
-        </p:txBody>
-      </p:sp>
-      <p:sp>
-        <p:nvSpPr>
-          <p:cNvPr id="35" name="Rechteck 34">
-            <a:extLst>
-              <a:ext uri="{FF2B5EF4-FFF2-40B4-BE49-F238E27FC236}">
-                <a16:creationId xmlns:a16="http://schemas.microsoft.com/office/drawing/2014/main" id="{0945EA82-B834-4309-8FB9-81AC052F20CE}"/>
+              <a:rPr lang="de-CH" sz="1000" b="1" dirty="0" err="1">
+                <a:solidFill>
+                  <a:schemeClr val="tx1"/>
+                </a:solidFill>
+                <a:latin typeface="Arial" panose="020B0604020202020204" pitchFamily="34" charset="0"/>
+                <a:cs typeface="Arial" panose="020B0604020202020204" pitchFamily="34" charset="0"/>
+              </a:rPr>
+              <a:t>onloadQrCodeFiles</a:t>
+            </a:r>
+            <a:r>
+              <a:rPr lang="de-CH" sz="1000" b="1" dirty="0">
+                <a:solidFill>
+                  <a:schemeClr val="tx1"/>
+                </a:solidFill>
+                <a:latin typeface="Arial" panose="020B0604020202020204" pitchFamily="34" charset="0"/>
+                <a:cs typeface="Arial" panose="020B0604020202020204" pitchFamily="34" charset="0"/>
+              </a:rPr>
+              <a:t>() </a:t>
+            </a:r>
+          </a:p>
+        </p:txBody>
+      </p:sp>
+      <p:sp>
+        <p:nvSpPr>
+          <p:cNvPr id="6" name="Rechteck 5">
+            <a:extLst>
+              <a:ext uri="{FF2B5EF4-FFF2-40B4-BE49-F238E27FC236}">
+                <a16:creationId xmlns:a16="http://schemas.microsoft.com/office/drawing/2014/main" id="{295788B4-CBE6-33F4-522C-9657BF0FC4DE}"/>
               </a:ext>
             </a:extLst>
           </p:cNvPr>
@@ -6246,8 +6489,8 @@
         </p:nvSpPr>
         <p:spPr>
           <a:xfrm>
-            <a:off x="4502573" y="3472013"/>
-            <a:ext cx="1407482" cy="879948"/>
+            <a:off x="3024788" y="658003"/>
+            <a:ext cx="4104932" cy="273141"/>
           </a:xfrm>
           <a:prstGeom prst="rect">
             <a:avLst/>
@@ -6281,37 +6524,64 @@
           <a:p>
             <a:pPr algn="ctr"/>
             <a:r>
-              <a:rPr lang="de-CH" sz="1400" dirty="0">
-                <a:solidFill>
-                  <a:schemeClr val="tx1"/>
-                </a:solidFill>
-                <a:latin typeface="Arial" panose="020B0604020202020204" pitchFamily="34" charset="0"/>
-                <a:cs typeface="Arial" panose="020B0604020202020204" pitchFamily="34" charset="0"/>
-              </a:rPr>
-              <a:t>Lokales Computer</a:t>
-            </a:r>
-          </a:p>
-          <a:p>
-            <a:pPr algn="ctr"/>
-            <a:r>
-              <a:rPr lang="de-CH" sz="1400" dirty="0">
-                <a:solidFill>
-                  <a:schemeClr val="tx1"/>
-                </a:solidFill>
-                <a:latin typeface="Arial" panose="020B0604020202020204" pitchFamily="34" charset="0"/>
-                <a:cs typeface="Arial" panose="020B0604020202020204" pitchFamily="34" charset="0"/>
-              </a:rPr>
-              <a:t>Repository</a:t>
-            </a:r>
-          </a:p>
-        </p:txBody>
-      </p:sp>
-      <p:sp>
-        <p:nvSpPr>
-          <p:cNvPr id="36" name="Rechteck 35">
-            <a:extLst>
-              <a:ext uri="{FF2B5EF4-FFF2-40B4-BE49-F238E27FC236}">
-                <a16:creationId xmlns:a16="http://schemas.microsoft.com/office/drawing/2014/main" id="{DAAFEABE-C481-430C-BE61-D49BFF226C7D}"/>
+              <a:rPr lang="en-US" sz="1000" b="1" dirty="0" err="1">
+                <a:solidFill>
+                  <a:schemeClr val="tx1"/>
+                </a:solidFill>
+                <a:latin typeface="Arial" panose="020B0604020202020204" pitchFamily="34" charset="0"/>
+                <a:cs typeface="Arial" panose="020B0604020202020204" pitchFamily="34" charset="0"/>
+              </a:rPr>
+              <a:t>callbackSeasonStartYearFiles</a:t>
+            </a:r>
+            <a:r>
+              <a:rPr lang="en-US" sz="1000" b="1" dirty="0">
+                <a:solidFill>
+                  <a:schemeClr val="tx1"/>
+                </a:solidFill>
+                <a:latin typeface="Arial" panose="020B0604020202020204" pitchFamily="34" charset="0"/>
+                <a:cs typeface="Arial" panose="020B0604020202020204" pitchFamily="34" charset="0"/>
+              </a:rPr>
+              <a:t>(</a:t>
+            </a:r>
+            <a:r>
+              <a:rPr lang="en-US" sz="1000" b="1" dirty="0" err="1">
+                <a:solidFill>
+                  <a:schemeClr val="tx1"/>
+                </a:solidFill>
+                <a:latin typeface="Arial" panose="020B0604020202020204" pitchFamily="34" charset="0"/>
+                <a:cs typeface="Arial" panose="020B0604020202020204" pitchFamily="34" charset="0"/>
+              </a:rPr>
+              <a:t>i_season_start_year</a:t>
+            </a:r>
+            <a:r>
+              <a:rPr lang="en-US" sz="1000" b="1" dirty="0">
+                <a:solidFill>
+                  <a:schemeClr val="tx1"/>
+                </a:solidFill>
+                <a:latin typeface="Arial" panose="020B0604020202020204" pitchFamily="34" charset="0"/>
+                <a:cs typeface="Arial" panose="020B0604020202020204" pitchFamily="34" charset="0"/>
+              </a:rPr>
+              <a:t>)</a:t>
+            </a:r>
+            <a:r>
+              <a:rPr lang="de-CH" sz="1000" b="1" dirty="0">
+                <a:solidFill>
+                  <a:schemeClr val="tx1"/>
+                </a:solidFill>
+                <a:latin typeface="Arial" panose="020B0604020202020204" pitchFamily="34" charset="0"/>
+                <a:cs typeface="Arial" panose="020B0604020202020204" pitchFamily="34" charset="0"/>
+              </a:rPr>
+              <a:t> </a:t>
+            </a:r>
+          </a:p>
+        </p:txBody>
+      </p:sp>
+      <p:sp>
+        <p:nvSpPr>
+          <p:cNvPr id="7" name="Rechteck 6">
+            <a:extLst>
+              <a:ext uri="{FF2B5EF4-FFF2-40B4-BE49-F238E27FC236}">
+                <a16:creationId xmlns:a16="http://schemas.microsoft.com/office/drawing/2014/main" id="{B52A1434-3AB9-E710-1682-B3E8E11CA00A}"/>
               </a:ext>
             </a:extLst>
           </p:cNvPr>
@@ -6320,8 +6590,8 @@
         </p:nvSpPr>
         <p:spPr>
           <a:xfrm>
-            <a:off x="6752762" y="3472013"/>
-            <a:ext cx="1407482" cy="879948"/>
+            <a:off x="3024787" y="1100707"/>
+            <a:ext cx="4104932" cy="273141"/>
           </a:xfrm>
           <a:prstGeom prst="rect">
             <a:avLst/>
@@ -6355,50 +6625,358 @@
           <a:p>
             <a:pPr algn="ctr"/>
             <a:r>
-              <a:rPr lang="de-CH" sz="1400" dirty="0">
-                <a:solidFill>
-                  <a:schemeClr val="tx1"/>
-                </a:solidFill>
-                <a:latin typeface="Arial" panose="020B0604020202020204" pitchFamily="34" charset="0"/>
-                <a:cs typeface="Arial" panose="020B0604020202020204" pitchFamily="34" charset="0"/>
-              </a:rPr>
-              <a:t>GitHub </a:t>
-            </a:r>
-          </a:p>
+              <a:rPr lang="de-CH" sz="1000" b="1" dirty="0" err="1">
+                <a:solidFill>
+                  <a:schemeClr val="tx1"/>
+                </a:solidFill>
+                <a:latin typeface="Arial" panose="020B0604020202020204" pitchFamily="34" charset="0"/>
+                <a:cs typeface="Arial" panose="020B0604020202020204" pitchFamily="34" charset="0"/>
+              </a:rPr>
+              <a:t>afterCreateQrFileXmlIfNotAlreadyExisting</a:t>
+            </a:r>
+            <a:r>
+              <a:rPr lang="de-CH" sz="1000" b="1" dirty="0">
+                <a:solidFill>
+                  <a:schemeClr val="tx1"/>
+                </a:solidFill>
+                <a:latin typeface="Arial" panose="020B0604020202020204" pitchFamily="34" charset="0"/>
+                <a:cs typeface="Arial" panose="020B0604020202020204" pitchFamily="34" charset="0"/>
+              </a:rPr>
+              <a:t>()</a:t>
+            </a:r>
+          </a:p>
+        </p:txBody>
+      </p:sp>
+      <p:sp>
+        <p:nvSpPr>
+          <p:cNvPr id="8" name="Rechteck 7">
+            <a:extLst>
+              <a:ext uri="{FF2B5EF4-FFF2-40B4-BE49-F238E27FC236}">
+                <a16:creationId xmlns:a16="http://schemas.microsoft.com/office/drawing/2014/main" id="{69842A84-9481-63FA-36A6-9BB956381567}"/>
+              </a:ext>
+            </a:extLst>
+          </p:cNvPr>
+          <p:cNvSpPr/>
+          <p:nvPr/>
+        </p:nvSpPr>
+        <p:spPr>
+          <a:xfrm>
+            <a:off x="3024787" y="1525668"/>
+            <a:ext cx="4104932" cy="273141"/>
+          </a:xfrm>
+          <a:prstGeom prst="rect">
+            <a:avLst/>
+          </a:prstGeom>
+          <a:noFill/>
+          <a:ln>
+            <a:solidFill>
+              <a:schemeClr val="tx1"/>
+            </a:solidFill>
+          </a:ln>
+        </p:spPr>
+        <p:style>
+          <a:lnRef idx="2">
+            <a:schemeClr val="accent1">
+              <a:shade val="50000"/>
+            </a:schemeClr>
+          </a:lnRef>
+          <a:fillRef idx="1">
+            <a:schemeClr val="accent1"/>
+          </a:fillRef>
+          <a:effectRef idx="0">
+            <a:schemeClr val="accent1"/>
+          </a:effectRef>
+          <a:fontRef idx="minor">
+            <a:schemeClr val="lt1"/>
+          </a:fontRef>
+        </p:style>
+        <p:txBody>
+          <a:bodyPr rtlCol="0" anchor="ctr"/>
+          <a:lstStyle/>
           <a:p>
             <a:pPr algn="ctr"/>
             <a:r>
-              <a:rPr lang="de-CH" sz="1400" dirty="0">
-                <a:solidFill>
-                  <a:schemeClr val="tx1"/>
-                </a:solidFill>
-                <a:latin typeface="Arial" panose="020B0604020202020204" pitchFamily="34" charset="0"/>
-                <a:cs typeface="Arial" panose="020B0604020202020204" pitchFamily="34" charset="0"/>
-              </a:rPr>
-              <a:t>Server</a:t>
-            </a:r>
-          </a:p>
+              <a:rPr lang="de-CH" sz="1000" b="1" dirty="0" err="1">
+                <a:solidFill>
+                  <a:schemeClr val="tx1"/>
+                </a:solidFill>
+                <a:latin typeface="Arial" panose="020B0604020202020204" pitchFamily="34" charset="0"/>
+                <a:cs typeface="Arial" panose="020B0604020202020204" pitchFamily="34" charset="0"/>
+              </a:rPr>
+              <a:t>afterLoadOfQrFilesXml</a:t>
+            </a:r>
+            <a:r>
+              <a:rPr lang="de-CH" sz="1000" b="1" dirty="0">
+                <a:solidFill>
+                  <a:schemeClr val="tx1"/>
+                </a:solidFill>
+                <a:latin typeface="Arial" panose="020B0604020202020204" pitchFamily="34" charset="0"/>
+                <a:cs typeface="Arial" panose="020B0604020202020204" pitchFamily="34" charset="0"/>
+              </a:rPr>
+              <a:t>()</a:t>
+            </a:r>
+          </a:p>
+        </p:txBody>
+      </p:sp>
+      <p:sp>
+        <p:nvSpPr>
+          <p:cNvPr id="9" name="Rechteck 8">
+            <a:extLst>
+              <a:ext uri="{FF2B5EF4-FFF2-40B4-BE49-F238E27FC236}">
+                <a16:creationId xmlns:a16="http://schemas.microsoft.com/office/drawing/2014/main" id="{2B04D07B-7ACB-2F54-CDE1-CC2748383635}"/>
+              </a:ext>
+            </a:extLst>
+          </p:cNvPr>
+          <p:cNvSpPr/>
+          <p:nvPr/>
+        </p:nvSpPr>
+        <p:spPr>
+          <a:xfrm>
+            <a:off x="3024787" y="1952591"/>
+            <a:ext cx="4104932" cy="273141"/>
+          </a:xfrm>
+          <a:prstGeom prst="rect">
+            <a:avLst/>
+          </a:prstGeom>
+          <a:noFill/>
+          <a:ln>
+            <a:solidFill>
+              <a:schemeClr val="tx1"/>
+            </a:solidFill>
+          </a:ln>
+        </p:spPr>
+        <p:style>
+          <a:lnRef idx="2">
+            <a:schemeClr val="accent1">
+              <a:shade val="50000"/>
+            </a:schemeClr>
+          </a:lnRef>
+          <a:fillRef idx="1">
+            <a:schemeClr val="accent1"/>
+          </a:fillRef>
+          <a:effectRef idx="0">
+            <a:schemeClr val="accent1"/>
+          </a:effectRef>
+          <a:fontRef idx="minor">
+            <a:schemeClr val="lt1"/>
+          </a:fontRef>
+        </p:style>
+        <p:txBody>
+          <a:bodyPr rtlCol="0" anchor="ctr"/>
+          <a:lstStyle/>
           <a:p>
             <a:pPr algn="ctr"/>
             <a:r>
-              <a:rPr lang="de-CH" sz="1400" dirty="0">
-                <a:solidFill>
-                  <a:schemeClr val="tx1"/>
-                </a:solidFill>
-                <a:latin typeface="Arial" panose="020B0604020202020204" pitchFamily="34" charset="0"/>
-                <a:cs typeface="Arial" panose="020B0604020202020204" pitchFamily="34" charset="0"/>
-              </a:rPr>
-              <a:t>Repository</a:t>
+              <a:rPr lang="de-CH" sz="1000" b="1" dirty="0" err="1">
+                <a:solidFill>
+                  <a:schemeClr val="tx1"/>
+                </a:solidFill>
+                <a:latin typeface="Arial" panose="020B0604020202020204" pitchFamily="34" charset="0"/>
+                <a:cs typeface="Arial" panose="020B0604020202020204" pitchFamily="34" charset="0"/>
+              </a:rPr>
+              <a:t>afterLoadOfSupporterXmlFile</a:t>
+            </a:r>
+            <a:r>
+              <a:rPr lang="de-CH" sz="1000" b="1" dirty="0">
+                <a:solidFill>
+                  <a:schemeClr val="tx1"/>
+                </a:solidFill>
+                <a:latin typeface="Arial" panose="020B0604020202020204" pitchFamily="34" charset="0"/>
+                <a:cs typeface="Arial" panose="020B0604020202020204" pitchFamily="34" charset="0"/>
+              </a:rPr>
+              <a:t>(</a:t>
+            </a:r>
+            <a:r>
+              <a:rPr lang="de-CH" sz="1000" b="1" dirty="0" err="1">
+                <a:solidFill>
+                  <a:schemeClr val="tx1"/>
+                </a:solidFill>
+                <a:latin typeface="Arial" panose="020B0604020202020204" pitchFamily="34" charset="0"/>
+                <a:cs typeface="Arial" panose="020B0604020202020204" pitchFamily="34" charset="0"/>
+              </a:rPr>
+              <a:t>i_supporter_xml</a:t>
+            </a:r>
+            <a:r>
+              <a:rPr lang="de-CH" sz="1000" b="1" dirty="0">
+                <a:solidFill>
+                  <a:schemeClr val="tx1"/>
+                </a:solidFill>
+                <a:latin typeface="Arial" panose="020B0604020202020204" pitchFamily="34" charset="0"/>
+                <a:cs typeface="Arial" panose="020B0604020202020204" pitchFamily="34" charset="0"/>
+              </a:rPr>
+              <a:t>)</a:t>
+            </a:r>
+          </a:p>
+        </p:txBody>
+      </p:sp>
+      <p:sp>
+        <p:nvSpPr>
+          <p:cNvPr id="10" name="Rechteck 9">
+            <a:extLst>
+              <a:ext uri="{FF2B5EF4-FFF2-40B4-BE49-F238E27FC236}">
+                <a16:creationId xmlns:a16="http://schemas.microsoft.com/office/drawing/2014/main" id="{7E2C6E96-72B2-3D8B-C252-6E3FBC0C4BA5}"/>
+              </a:ext>
+            </a:extLst>
+          </p:cNvPr>
+          <p:cNvSpPr/>
+          <p:nvPr/>
+        </p:nvSpPr>
+        <p:spPr>
+          <a:xfrm>
+            <a:off x="3024787" y="2386769"/>
+            <a:ext cx="4104932" cy="273141"/>
+          </a:xfrm>
+          <a:prstGeom prst="rect">
+            <a:avLst/>
+          </a:prstGeom>
+          <a:noFill/>
+          <a:ln>
+            <a:solidFill>
+              <a:schemeClr val="tx1"/>
+            </a:solidFill>
+          </a:ln>
+        </p:spPr>
+        <p:style>
+          <a:lnRef idx="2">
+            <a:schemeClr val="accent1">
+              <a:shade val="50000"/>
+            </a:schemeClr>
+          </a:lnRef>
+          <a:fillRef idx="1">
+            <a:schemeClr val="accent1"/>
+          </a:fillRef>
+          <a:effectRef idx="0">
+            <a:schemeClr val="accent1"/>
+          </a:effectRef>
+          <a:fontRef idx="minor">
+            <a:schemeClr val="lt1"/>
+          </a:fontRef>
+        </p:style>
+        <p:txBody>
+          <a:bodyPr rtlCol="0" anchor="ctr"/>
+          <a:lstStyle/>
+          <a:p>
+            <a:pPr algn="ctr"/>
+            <a:r>
+              <a:rPr lang="de-CH" sz="1000" b="1" dirty="0" err="1">
+                <a:solidFill>
+                  <a:schemeClr val="tx1"/>
+                </a:solidFill>
+                <a:latin typeface="Arial" panose="020B0604020202020204" pitchFamily="34" charset="0"/>
+                <a:cs typeface="Arial" panose="020B0604020202020204" pitchFamily="34" charset="0"/>
+              </a:rPr>
+              <a:t>setSupporterDataArrayFromXmlObject</a:t>
+            </a:r>
+            <a:r>
+              <a:rPr lang="de-CH" sz="1000" b="1" dirty="0">
+                <a:solidFill>
+                  <a:schemeClr val="tx1"/>
+                </a:solidFill>
+                <a:latin typeface="Arial" panose="020B0604020202020204" pitchFamily="34" charset="0"/>
+                <a:cs typeface="Arial" panose="020B0604020202020204" pitchFamily="34" charset="0"/>
+              </a:rPr>
+              <a:t>(</a:t>
+            </a:r>
+            <a:r>
+              <a:rPr lang="de-CH" sz="1000" b="1" dirty="0" err="1">
+                <a:solidFill>
+                  <a:schemeClr val="tx1"/>
+                </a:solidFill>
+                <a:latin typeface="Arial" panose="020B0604020202020204" pitchFamily="34" charset="0"/>
+                <a:cs typeface="Arial" panose="020B0604020202020204" pitchFamily="34" charset="0"/>
+              </a:rPr>
+              <a:t>i_supporter_xml</a:t>
+            </a:r>
+            <a:r>
+              <a:rPr lang="de-CH" sz="1000" b="1" dirty="0">
+                <a:solidFill>
+                  <a:schemeClr val="tx1"/>
+                </a:solidFill>
+                <a:latin typeface="Arial" panose="020B0604020202020204" pitchFamily="34" charset="0"/>
+                <a:cs typeface="Arial" panose="020B0604020202020204" pitchFamily="34" charset="0"/>
+              </a:rPr>
+              <a:t>)</a:t>
+            </a:r>
+          </a:p>
+        </p:txBody>
+      </p:sp>
+      <p:sp>
+        <p:nvSpPr>
+          <p:cNvPr id="11" name="Rechteck 10">
+            <a:extLst>
+              <a:ext uri="{FF2B5EF4-FFF2-40B4-BE49-F238E27FC236}">
+                <a16:creationId xmlns:a16="http://schemas.microsoft.com/office/drawing/2014/main" id="{03C67A5E-41A2-6299-E455-5662208A7528}"/>
+              </a:ext>
+            </a:extLst>
+          </p:cNvPr>
+          <p:cNvSpPr/>
+          <p:nvPr/>
+        </p:nvSpPr>
+        <p:spPr>
+          <a:xfrm>
+            <a:off x="3024787" y="2827519"/>
+            <a:ext cx="4104932" cy="273141"/>
+          </a:xfrm>
+          <a:prstGeom prst="rect">
+            <a:avLst/>
+          </a:prstGeom>
+          <a:noFill/>
+          <a:ln>
+            <a:solidFill>
+              <a:schemeClr val="tx1"/>
+            </a:solidFill>
+          </a:ln>
+        </p:spPr>
+        <p:style>
+          <a:lnRef idx="2">
+            <a:schemeClr val="accent1">
+              <a:shade val="50000"/>
+            </a:schemeClr>
+          </a:lnRef>
+          <a:fillRef idx="1">
+            <a:schemeClr val="accent1"/>
+          </a:fillRef>
+          <a:effectRef idx="0">
+            <a:schemeClr val="accent1"/>
+          </a:effectRef>
+          <a:fontRef idx="minor">
+            <a:schemeClr val="lt1"/>
+          </a:fontRef>
+        </p:style>
+        <p:txBody>
+          <a:bodyPr rtlCol="0" anchor="ctr"/>
+          <a:lstStyle/>
+          <a:p>
+            <a:pPr algn="ctr"/>
+            <a:r>
+              <a:rPr lang="de-CH" sz="1000" b="1" dirty="0" err="1">
+                <a:solidFill>
+                  <a:schemeClr val="tx1"/>
+                </a:solidFill>
+                <a:latin typeface="Arial" panose="020B0604020202020204" pitchFamily="34" charset="0"/>
+                <a:cs typeface="Arial" panose="020B0604020202020204" pitchFamily="34" charset="0"/>
+              </a:rPr>
+              <a:t>callbackAfterUpdateAndSaveOfQrFilesXml</a:t>
+            </a:r>
+            <a:r>
+              <a:rPr lang="de-CH" sz="1000" b="1" dirty="0">
+                <a:solidFill>
+                  <a:schemeClr val="tx1"/>
+                </a:solidFill>
+                <a:latin typeface="Arial" panose="020B0604020202020204" pitchFamily="34" charset="0"/>
+                <a:cs typeface="Arial" panose="020B0604020202020204" pitchFamily="34" charset="0"/>
+              </a:rPr>
+              <a:t>()</a:t>
             </a:r>
           </a:p>
         </p:txBody>
       </p:sp>
       <p:cxnSp>
         <p:nvCxnSpPr>
-          <p:cNvPr id="37" name="Gerade Verbindung mit Pfeil 36">
-            <a:extLst>
-              <a:ext uri="{FF2B5EF4-FFF2-40B4-BE49-F238E27FC236}">
-                <a16:creationId xmlns:a16="http://schemas.microsoft.com/office/drawing/2014/main" id="{6F0F54C1-4E92-481A-8D30-CF1742F14802}"/>
+          <p:cNvPr id="12" name="Gerader Verbinder 11">
+            <a:extLst>
+              <a:ext uri="{FF2B5EF4-FFF2-40B4-BE49-F238E27FC236}">
+                <a16:creationId xmlns:a16="http://schemas.microsoft.com/office/drawing/2014/main" id="{FC94E7D1-F894-BEB4-BB84-28E4EDB5B375}"/>
               </a:ext>
             </a:extLst>
           </p:cNvPr>
@@ -6408,8 +6986,5023 @@
           <p:nvPr/>
         </p:nvCxnSpPr>
         <p:spPr>
+          <a:xfrm flipV="1">
+            <a:off x="5037064" y="490385"/>
+            <a:ext cx="0" cy="154303"/>
+          </a:xfrm>
+          <a:prstGeom prst="line">
+            <a:avLst/>
+          </a:prstGeom>
+          <a:ln w="22225">
+            <a:solidFill>
+              <a:schemeClr val="tx1"/>
+            </a:solidFill>
+          </a:ln>
+        </p:spPr>
+        <p:style>
+          <a:lnRef idx="1">
+            <a:schemeClr val="accent1"/>
+          </a:lnRef>
+          <a:fillRef idx="0">
+            <a:schemeClr val="accent1"/>
+          </a:fillRef>
+          <a:effectRef idx="0">
+            <a:schemeClr val="accent1"/>
+          </a:effectRef>
+          <a:fontRef idx="minor">
+            <a:schemeClr val="tx1"/>
+          </a:fontRef>
+        </p:style>
+      </p:cxnSp>
+      <p:cxnSp>
+        <p:nvCxnSpPr>
+          <p:cNvPr id="17" name="Gerader Verbinder 16">
+            <a:extLst>
+              <a:ext uri="{FF2B5EF4-FFF2-40B4-BE49-F238E27FC236}">
+                <a16:creationId xmlns:a16="http://schemas.microsoft.com/office/drawing/2014/main" id="{951F2811-5F6C-7F43-4A78-AD7B5EC6F989}"/>
+              </a:ext>
+            </a:extLst>
+          </p:cNvPr>
+          <p:cNvCxnSpPr>
+            <a:cxnSpLocks/>
+          </p:cNvCxnSpPr>
+          <p:nvPr/>
+        </p:nvCxnSpPr>
+        <p:spPr>
+          <a:xfrm flipV="1">
+            <a:off x="5043643" y="931144"/>
+            <a:ext cx="0" cy="154303"/>
+          </a:xfrm>
+          <a:prstGeom prst="line">
+            <a:avLst/>
+          </a:prstGeom>
+          <a:ln w="22225">
+            <a:solidFill>
+              <a:schemeClr val="tx1"/>
+            </a:solidFill>
+          </a:ln>
+        </p:spPr>
+        <p:style>
+          <a:lnRef idx="1">
+            <a:schemeClr val="accent1"/>
+          </a:lnRef>
+          <a:fillRef idx="0">
+            <a:schemeClr val="accent1"/>
+          </a:fillRef>
+          <a:effectRef idx="0">
+            <a:schemeClr val="accent1"/>
+          </a:effectRef>
+          <a:fontRef idx="minor">
+            <a:schemeClr val="tx1"/>
+          </a:fontRef>
+        </p:style>
+      </p:cxnSp>
+      <p:cxnSp>
+        <p:nvCxnSpPr>
+          <p:cNvPr id="18" name="Gerader Verbinder 17">
+            <a:extLst>
+              <a:ext uri="{FF2B5EF4-FFF2-40B4-BE49-F238E27FC236}">
+                <a16:creationId xmlns:a16="http://schemas.microsoft.com/office/drawing/2014/main" id="{267625F0-3A15-ABBA-A26F-E344DE8778B9}"/>
+              </a:ext>
+            </a:extLst>
+          </p:cNvPr>
+          <p:cNvCxnSpPr>
+            <a:cxnSpLocks/>
+          </p:cNvCxnSpPr>
+          <p:nvPr/>
+        </p:nvCxnSpPr>
+        <p:spPr>
+          <a:xfrm flipV="1">
+            <a:off x="5041639" y="1367267"/>
+            <a:ext cx="0" cy="154303"/>
+          </a:xfrm>
+          <a:prstGeom prst="line">
+            <a:avLst/>
+          </a:prstGeom>
+          <a:ln w="22225">
+            <a:solidFill>
+              <a:schemeClr val="tx1"/>
+            </a:solidFill>
+          </a:ln>
+        </p:spPr>
+        <p:style>
+          <a:lnRef idx="1">
+            <a:schemeClr val="accent1"/>
+          </a:lnRef>
+          <a:fillRef idx="0">
+            <a:schemeClr val="accent1"/>
+          </a:fillRef>
+          <a:effectRef idx="0">
+            <a:schemeClr val="accent1"/>
+          </a:effectRef>
+          <a:fontRef idx="minor">
+            <a:schemeClr val="tx1"/>
+          </a:fontRef>
+        </p:style>
+      </p:cxnSp>
+      <p:cxnSp>
+        <p:nvCxnSpPr>
+          <p:cNvPr id="19" name="Gerader Verbinder 18">
+            <a:extLst>
+              <a:ext uri="{FF2B5EF4-FFF2-40B4-BE49-F238E27FC236}">
+                <a16:creationId xmlns:a16="http://schemas.microsoft.com/office/drawing/2014/main" id="{365F353A-4687-FA66-B5CB-8B00C01582B8}"/>
+              </a:ext>
+            </a:extLst>
+          </p:cNvPr>
+          <p:cNvCxnSpPr>
+            <a:cxnSpLocks/>
+          </p:cNvCxnSpPr>
+          <p:nvPr/>
+        </p:nvCxnSpPr>
+        <p:spPr>
+          <a:xfrm flipV="1">
+            <a:off x="5043643" y="1788798"/>
+            <a:ext cx="0" cy="154303"/>
+          </a:xfrm>
+          <a:prstGeom prst="line">
+            <a:avLst/>
+          </a:prstGeom>
+          <a:ln w="22225">
+            <a:solidFill>
+              <a:schemeClr val="tx1"/>
+            </a:solidFill>
+          </a:ln>
+        </p:spPr>
+        <p:style>
+          <a:lnRef idx="1">
+            <a:schemeClr val="accent1"/>
+          </a:lnRef>
+          <a:fillRef idx="0">
+            <a:schemeClr val="accent1"/>
+          </a:fillRef>
+          <a:effectRef idx="0">
+            <a:schemeClr val="accent1"/>
+          </a:effectRef>
+          <a:fontRef idx="minor">
+            <a:schemeClr val="tx1"/>
+          </a:fontRef>
+        </p:style>
+      </p:cxnSp>
+      <p:cxnSp>
+        <p:nvCxnSpPr>
+          <p:cNvPr id="20" name="Gerader Verbinder 19">
+            <a:extLst>
+              <a:ext uri="{FF2B5EF4-FFF2-40B4-BE49-F238E27FC236}">
+                <a16:creationId xmlns:a16="http://schemas.microsoft.com/office/drawing/2014/main" id="{93C1B2E7-C069-C92C-F572-6BBB66934FFC}"/>
+              </a:ext>
+            </a:extLst>
+          </p:cNvPr>
+          <p:cNvCxnSpPr>
+            <a:cxnSpLocks/>
+          </p:cNvCxnSpPr>
+          <p:nvPr/>
+        </p:nvCxnSpPr>
+        <p:spPr>
+          <a:xfrm flipV="1">
+            <a:off x="5043643" y="2217730"/>
+            <a:ext cx="0" cy="154303"/>
+          </a:xfrm>
+          <a:prstGeom prst="line">
+            <a:avLst/>
+          </a:prstGeom>
+          <a:ln w="22225">
+            <a:solidFill>
+              <a:schemeClr val="tx1"/>
+            </a:solidFill>
+          </a:ln>
+        </p:spPr>
+        <p:style>
+          <a:lnRef idx="1">
+            <a:schemeClr val="accent1"/>
+          </a:lnRef>
+          <a:fillRef idx="0">
+            <a:schemeClr val="accent1"/>
+          </a:fillRef>
+          <a:effectRef idx="0">
+            <a:schemeClr val="accent1"/>
+          </a:effectRef>
+          <a:fontRef idx="minor">
+            <a:schemeClr val="tx1"/>
+          </a:fontRef>
+        </p:style>
+      </p:cxnSp>
+      <p:sp>
+        <p:nvSpPr>
+          <p:cNvPr id="21" name="Rechteck 20">
+            <a:extLst>
+              <a:ext uri="{FF2B5EF4-FFF2-40B4-BE49-F238E27FC236}">
+                <a16:creationId xmlns:a16="http://schemas.microsoft.com/office/drawing/2014/main" id="{DBC11FAB-0C66-D8BB-1514-BEEDA2B0DD7A}"/>
+              </a:ext>
+            </a:extLst>
+          </p:cNvPr>
+          <p:cNvSpPr/>
+          <p:nvPr/>
+        </p:nvSpPr>
+        <p:spPr>
           <a:xfrm>
-            <a:off x="1280385" y="3795415"/>
+            <a:off x="3019494" y="3235388"/>
+            <a:ext cx="4104932" cy="273141"/>
+          </a:xfrm>
+          <a:prstGeom prst="rect">
+            <a:avLst/>
+          </a:prstGeom>
+          <a:noFill/>
+          <a:ln>
+            <a:solidFill>
+              <a:schemeClr val="tx1"/>
+            </a:solidFill>
+          </a:ln>
+        </p:spPr>
+        <p:style>
+          <a:lnRef idx="2">
+            <a:schemeClr val="accent1">
+              <a:shade val="50000"/>
+            </a:schemeClr>
+          </a:lnRef>
+          <a:fillRef idx="1">
+            <a:schemeClr val="accent1"/>
+          </a:fillRef>
+          <a:effectRef idx="0">
+            <a:schemeClr val="accent1"/>
+          </a:effectRef>
+          <a:fontRef idx="minor">
+            <a:schemeClr val="lt1"/>
+          </a:fontRef>
+        </p:style>
+        <p:txBody>
+          <a:bodyPr rtlCol="0" anchor="ctr"/>
+          <a:lstStyle/>
+          <a:p>
+            <a:pPr algn="ctr"/>
+            <a:r>
+              <a:rPr lang="de-CH" sz="1000" b="1" dirty="0" err="1">
+                <a:solidFill>
+                  <a:schemeClr val="tx1"/>
+                </a:solidFill>
+                <a:latin typeface="Arial" panose="020B0604020202020204" pitchFamily="34" charset="0"/>
+                <a:cs typeface="Arial" panose="020B0604020202020204" pitchFamily="34" charset="0"/>
+              </a:rPr>
+              <a:t>createAllControls</a:t>
+            </a:r>
+            <a:r>
+              <a:rPr lang="de-CH" sz="1000" b="1" dirty="0">
+                <a:solidFill>
+                  <a:schemeClr val="tx1"/>
+                </a:solidFill>
+                <a:latin typeface="Arial" panose="020B0604020202020204" pitchFamily="34" charset="0"/>
+                <a:cs typeface="Arial" panose="020B0604020202020204" pitchFamily="34" charset="0"/>
+              </a:rPr>
+              <a:t>() </a:t>
+            </a:r>
+          </a:p>
+        </p:txBody>
+      </p:sp>
+      <p:sp>
+        <p:nvSpPr>
+          <p:cNvPr id="22" name="Rechteck 21">
+            <a:extLst>
+              <a:ext uri="{FF2B5EF4-FFF2-40B4-BE49-F238E27FC236}">
+                <a16:creationId xmlns:a16="http://schemas.microsoft.com/office/drawing/2014/main" id="{8E400C60-EE76-E6C1-8DC1-4ADAAF32E7B1}"/>
+              </a:ext>
+            </a:extLst>
+          </p:cNvPr>
+          <p:cNvSpPr/>
+          <p:nvPr/>
+        </p:nvSpPr>
+        <p:spPr>
+          <a:xfrm>
+            <a:off x="3006338" y="3672048"/>
+            <a:ext cx="4104932" cy="273141"/>
+          </a:xfrm>
+          <a:prstGeom prst="rect">
+            <a:avLst/>
+          </a:prstGeom>
+          <a:noFill/>
+          <a:ln>
+            <a:solidFill>
+              <a:schemeClr val="tx1"/>
+            </a:solidFill>
+          </a:ln>
+        </p:spPr>
+        <p:style>
+          <a:lnRef idx="2">
+            <a:schemeClr val="accent1">
+              <a:shade val="50000"/>
+            </a:schemeClr>
+          </a:lnRef>
+          <a:fillRef idx="1">
+            <a:schemeClr val="accent1"/>
+          </a:fillRef>
+          <a:effectRef idx="0">
+            <a:schemeClr val="accent1"/>
+          </a:effectRef>
+          <a:fontRef idx="minor">
+            <a:schemeClr val="lt1"/>
+          </a:fontRef>
+        </p:style>
+        <p:txBody>
+          <a:bodyPr rtlCol="0" anchor="ctr"/>
+          <a:lstStyle/>
+          <a:p>
+            <a:pPr algn="ctr"/>
+            <a:r>
+              <a:rPr lang="en-US" sz="1000" b="1" dirty="0" err="1">
+                <a:solidFill>
+                  <a:schemeClr val="tx1"/>
+                </a:solidFill>
+                <a:latin typeface="Arial" panose="020B0604020202020204" pitchFamily="34" charset="0"/>
+                <a:cs typeface="Arial" panose="020B0604020202020204" pitchFamily="34" charset="0"/>
+              </a:rPr>
+              <a:t>loadSeasonXmlFileCreateConcertData</a:t>
+            </a:r>
+            <a:r>
+              <a:rPr lang="en-US" sz="1000" b="1" dirty="0">
+                <a:solidFill>
+                  <a:schemeClr val="tx1"/>
+                </a:solidFill>
+                <a:latin typeface="Arial" panose="020B0604020202020204" pitchFamily="34" charset="0"/>
+                <a:cs typeface="Arial" panose="020B0604020202020204" pitchFamily="34" charset="0"/>
+              </a:rPr>
+              <a:t>(</a:t>
+            </a:r>
+            <a:r>
+              <a:rPr lang="en-US" sz="1000" b="1" dirty="0" err="1">
+                <a:solidFill>
+                  <a:schemeClr val="tx1"/>
+                </a:solidFill>
+                <a:latin typeface="Arial" panose="020B0604020202020204" pitchFamily="34" charset="0"/>
+                <a:cs typeface="Arial" panose="020B0604020202020204" pitchFamily="34" charset="0"/>
+              </a:rPr>
+              <a:t>g_season_start_year</a:t>
+            </a:r>
+            <a:r>
+              <a:rPr lang="en-US" sz="1000" b="1" dirty="0">
+                <a:solidFill>
+                  <a:schemeClr val="tx1"/>
+                </a:solidFill>
+                <a:latin typeface="Arial" panose="020B0604020202020204" pitchFamily="34" charset="0"/>
+                <a:cs typeface="Arial" panose="020B0604020202020204" pitchFamily="34" charset="0"/>
+              </a:rPr>
+              <a:t>)</a:t>
+            </a:r>
+            <a:endParaRPr lang="de-CH" sz="1000" b="1" dirty="0">
+              <a:solidFill>
+                <a:schemeClr val="tx1"/>
+              </a:solidFill>
+              <a:latin typeface="Arial" panose="020B0604020202020204" pitchFamily="34" charset="0"/>
+              <a:cs typeface="Arial" panose="020B0604020202020204" pitchFamily="34" charset="0"/>
+            </a:endParaRPr>
+          </a:p>
+        </p:txBody>
+      </p:sp>
+      <p:sp>
+        <p:nvSpPr>
+          <p:cNvPr id="23" name="Rechteck 22">
+            <a:extLst>
+              <a:ext uri="{FF2B5EF4-FFF2-40B4-BE49-F238E27FC236}">
+                <a16:creationId xmlns:a16="http://schemas.microsoft.com/office/drawing/2014/main" id="{7CF5A2C2-F747-1723-0A19-350CF0F4D073}"/>
+              </a:ext>
+            </a:extLst>
+          </p:cNvPr>
+          <p:cNvSpPr/>
+          <p:nvPr/>
+        </p:nvSpPr>
+        <p:spPr>
+          <a:xfrm>
+            <a:off x="3008345" y="4100310"/>
+            <a:ext cx="4104932" cy="273141"/>
+          </a:xfrm>
+          <a:prstGeom prst="rect">
+            <a:avLst/>
+          </a:prstGeom>
+          <a:noFill/>
+          <a:ln>
+            <a:solidFill>
+              <a:schemeClr val="tx1"/>
+            </a:solidFill>
+          </a:ln>
+        </p:spPr>
+        <p:style>
+          <a:lnRef idx="2">
+            <a:schemeClr val="accent1">
+              <a:shade val="50000"/>
+            </a:schemeClr>
+          </a:lnRef>
+          <a:fillRef idx="1">
+            <a:schemeClr val="accent1"/>
+          </a:fillRef>
+          <a:effectRef idx="0">
+            <a:schemeClr val="accent1"/>
+          </a:effectRef>
+          <a:fontRef idx="minor">
+            <a:schemeClr val="lt1"/>
+          </a:fontRef>
+        </p:style>
+        <p:txBody>
+          <a:bodyPr rtlCol="0" anchor="ctr"/>
+          <a:lstStyle/>
+          <a:p>
+            <a:pPr algn="ctr"/>
+            <a:r>
+              <a:rPr lang="de-CH" sz="1000" b="1" dirty="0" err="1">
+                <a:solidFill>
+                  <a:schemeClr val="tx1"/>
+                </a:solidFill>
+                <a:latin typeface="Arial" panose="020B0604020202020204" pitchFamily="34" charset="0"/>
+                <a:cs typeface="Arial" panose="020B0604020202020204" pitchFamily="34" charset="0"/>
+              </a:rPr>
+              <a:t>afterLoadSeasonXmlFileCreateConcertData</a:t>
+            </a:r>
+            <a:r>
+              <a:rPr lang="de-CH" sz="1000" b="1" dirty="0">
+                <a:solidFill>
+                  <a:schemeClr val="tx1"/>
+                </a:solidFill>
+                <a:latin typeface="Arial" panose="020B0604020202020204" pitchFamily="34" charset="0"/>
+                <a:cs typeface="Arial" panose="020B0604020202020204" pitchFamily="34" charset="0"/>
+              </a:rPr>
+              <a:t>(</a:t>
+            </a:r>
+            <a:r>
+              <a:rPr lang="de-CH" sz="1000" b="1" dirty="0" err="1">
+                <a:solidFill>
+                  <a:schemeClr val="tx1"/>
+                </a:solidFill>
+                <a:latin typeface="Arial" panose="020B0604020202020204" pitchFamily="34" charset="0"/>
+                <a:cs typeface="Arial" panose="020B0604020202020204" pitchFamily="34" charset="0"/>
+              </a:rPr>
+              <a:t>i_xml</a:t>
+            </a:r>
+            <a:r>
+              <a:rPr lang="de-CH" sz="1000" b="1" dirty="0">
+                <a:solidFill>
+                  <a:schemeClr val="tx1"/>
+                </a:solidFill>
+                <a:latin typeface="Arial" panose="020B0604020202020204" pitchFamily="34" charset="0"/>
+                <a:cs typeface="Arial" panose="020B0604020202020204" pitchFamily="34" charset="0"/>
+              </a:rPr>
+              <a:t>)</a:t>
+            </a:r>
+          </a:p>
+        </p:txBody>
+      </p:sp>
+      <p:cxnSp>
+        <p:nvCxnSpPr>
+          <p:cNvPr id="24" name="Gerader Verbinder 23">
+            <a:extLst>
+              <a:ext uri="{FF2B5EF4-FFF2-40B4-BE49-F238E27FC236}">
+                <a16:creationId xmlns:a16="http://schemas.microsoft.com/office/drawing/2014/main" id="{7785A745-F86B-8BD6-0A15-7303658662E2}"/>
+              </a:ext>
+            </a:extLst>
+          </p:cNvPr>
+          <p:cNvCxnSpPr>
+            <a:cxnSpLocks/>
+          </p:cNvCxnSpPr>
+          <p:nvPr/>
+        </p:nvCxnSpPr>
+        <p:spPr>
+          <a:xfrm flipV="1">
+            <a:off x="5054796" y="2659910"/>
+            <a:ext cx="0" cy="154303"/>
+          </a:xfrm>
+          <a:prstGeom prst="line">
+            <a:avLst/>
+          </a:prstGeom>
+          <a:ln w="22225">
+            <a:solidFill>
+              <a:schemeClr val="tx1"/>
+            </a:solidFill>
+          </a:ln>
+        </p:spPr>
+        <p:style>
+          <a:lnRef idx="1">
+            <a:schemeClr val="accent1"/>
+          </a:lnRef>
+          <a:fillRef idx="0">
+            <a:schemeClr val="accent1"/>
+          </a:fillRef>
+          <a:effectRef idx="0">
+            <a:schemeClr val="accent1"/>
+          </a:effectRef>
+          <a:fontRef idx="minor">
+            <a:schemeClr val="tx1"/>
+          </a:fontRef>
+        </p:style>
+      </p:cxnSp>
+      <p:cxnSp>
+        <p:nvCxnSpPr>
+          <p:cNvPr id="25" name="Gerader Verbinder 24">
+            <a:extLst>
+              <a:ext uri="{FF2B5EF4-FFF2-40B4-BE49-F238E27FC236}">
+                <a16:creationId xmlns:a16="http://schemas.microsoft.com/office/drawing/2014/main" id="{DF67D671-728E-076A-8A50-EE8EFF41681F}"/>
+              </a:ext>
+            </a:extLst>
+          </p:cNvPr>
+          <p:cNvCxnSpPr>
+            <a:cxnSpLocks/>
+          </p:cNvCxnSpPr>
+          <p:nvPr/>
+        </p:nvCxnSpPr>
+        <p:spPr>
+          <a:xfrm flipV="1">
+            <a:off x="5056799" y="3094076"/>
+            <a:ext cx="0" cy="154303"/>
+          </a:xfrm>
+          <a:prstGeom prst="line">
+            <a:avLst/>
+          </a:prstGeom>
+          <a:ln w="22225">
+            <a:solidFill>
+              <a:schemeClr val="tx1"/>
+            </a:solidFill>
+          </a:ln>
+        </p:spPr>
+        <p:style>
+          <a:lnRef idx="1">
+            <a:schemeClr val="accent1"/>
+          </a:lnRef>
+          <a:fillRef idx="0">
+            <a:schemeClr val="accent1"/>
+          </a:fillRef>
+          <a:effectRef idx="0">
+            <a:schemeClr val="accent1"/>
+          </a:effectRef>
+          <a:fontRef idx="minor">
+            <a:schemeClr val="tx1"/>
+          </a:fontRef>
+        </p:style>
+      </p:cxnSp>
+      <p:cxnSp>
+        <p:nvCxnSpPr>
+          <p:cNvPr id="26" name="Gerader Verbinder 25">
+            <a:extLst>
+              <a:ext uri="{FF2B5EF4-FFF2-40B4-BE49-F238E27FC236}">
+                <a16:creationId xmlns:a16="http://schemas.microsoft.com/office/drawing/2014/main" id="{3CA9A3F3-3BE7-0447-2DC2-1D13F994690E}"/>
+              </a:ext>
+            </a:extLst>
+          </p:cNvPr>
+          <p:cNvCxnSpPr>
+            <a:cxnSpLocks/>
+          </p:cNvCxnSpPr>
+          <p:nvPr/>
+        </p:nvCxnSpPr>
+        <p:spPr>
+          <a:xfrm flipV="1">
+            <a:off x="5060089" y="3501939"/>
+            <a:ext cx="0" cy="154303"/>
+          </a:xfrm>
+          <a:prstGeom prst="line">
+            <a:avLst/>
+          </a:prstGeom>
+          <a:ln w="22225">
+            <a:solidFill>
+              <a:schemeClr val="tx1"/>
+            </a:solidFill>
+          </a:ln>
+        </p:spPr>
+        <p:style>
+          <a:lnRef idx="1">
+            <a:schemeClr val="accent1"/>
+          </a:lnRef>
+          <a:fillRef idx="0">
+            <a:schemeClr val="accent1"/>
+          </a:fillRef>
+          <a:effectRef idx="0">
+            <a:schemeClr val="accent1"/>
+          </a:effectRef>
+          <a:fontRef idx="minor">
+            <a:schemeClr val="tx1"/>
+          </a:fontRef>
+        </p:style>
+      </p:cxnSp>
+      <p:sp>
+        <p:nvSpPr>
+          <p:cNvPr id="27" name="Rechteck 26">
+            <a:extLst>
+              <a:ext uri="{FF2B5EF4-FFF2-40B4-BE49-F238E27FC236}">
+                <a16:creationId xmlns:a16="http://schemas.microsoft.com/office/drawing/2014/main" id="{6BB000C0-DDF1-A7B4-AA50-CCD1539EE68B}"/>
+              </a:ext>
+            </a:extLst>
+          </p:cNvPr>
+          <p:cNvSpPr/>
+          <p:nvPr/>
+        </p:nvSpPr>
+        <p:spPr>
+          <a:xfrm>
+            <a:off x="3010721" y="4510408"/>
+            <a:ext cx="4104932" cy="273141"/>
+          </a:xfrm>
+          <a:prstGeom prst="rect">
+            <a:avLst/>
+          </a:prstGeom>
+          <a:noFill/>
+          <a:ln>
+            <a:solidFill>
+              <a:schemeClr val="tx1"/>
+            </a:solidFill>
+          </a:ln>
+        </p:spPr>
+        <p:style>
+          <a:lnRef idx="2">
+            <a:schemeClr val="accent1">
+              <a:shade val="50000"/>
+            </a:schemeClr>
+          </a:lnRef>
+          <a:fillRef idx="1">
+            <a:schemeClr val="accent1"/>
+          </a:fillRef>
+          <a:effectRef idx="0">
+            <a:schemeClr val="accent1"/>
+          </a:effectRef>
+          <a:fontRef idx="minor">
+            <a:schemeClr val="lt1"/>
+          </a:fontRef>
+        </p:style>
+        <p:txBody>
+          <a:bodyPr rtlCol="0" anchor="ctr"/>
+          <a:lstStyle/>
+          <a:p>
+            <a:pPr algn="ctr"/>
+            <a:r>
+              <a:rPr lang="de-CH" sz="1000" b="1" dirty="0" err="1">
+                <a:solidFill>
+                  <a:schemeClr val="tx1"/>
+                </a:solidFill>
+                <a:latin typeface="Arial" panose="020B0604020202020204" pitchFamily="34" charset="0"/>
+                <a:cs typeface="Arial" panose="020B0604020202020204" pitchFamily="34" charset="0"/>
+              </a:rPr>
+              <a:t>setConcertDataArrayFromXmlObject</a:t>
+            </a:r>
+            <a:r>
+              <a:rPr lang="de-CH" sz="1000" b="1" dirty="0">
+                <a:solidFill>
+                  <a:schemeClr val="tx1"/>
+                </a:solidFill>
+                <a:latin typeface="Arial" panose="020B0604020202020204" pitchFamily="34" charset="0"/>
+                <a:cs typeface="Arial" panose="020B0604020202020204" pitchFamily="34" charset="0"/>
+              </a:rPr>
+              <a:t>(</a:t>
+            </a:r>
+            <a:r>
+              <a:rPr lang="de-CH" sz="1000" b="1" dirty="0" err="1">
+                <a:solidFill>
+                  <a:schemeClr val="tx1"/>
+                </a:solidFill>
+                <a:latin typeface="Arial" panose="020B0604020202020204" pitchFamily="34" charset="0"/>
+                <a:cs typeface="Arial" panose="020B0604020202020204" pitchFamily="34" charset="0"/>
+              </a:rPr>
+              <a:t>i_xml</a:t>
+            </a:r>
+            <a:r>
+              <a:rPr lang="de-CH" sz="1000" b="1" dirty="0">
+                <a:solidFill>
+                  <a:schemeClr val="tx1"/>
+                </a:solidFill>
+                <a:latin typeface="Arial" panose="020B0604020202020204" pitchFamily="34" charset="0"/>
+                <a:cs typeface="Arial" panose="020B0604020202020204" pitchFamily="34" charset="0"/>
+              </a:rPr>
+              <a:t>)</a:t>
+            </a:r>
+          </a:p>
+        </p:txBody>
+      </p:sp>
+      <p:sp>
+        <p:nvSpPr>
+          <p:cNvPr id="28" name="Rechteck 27">
+            <a:extLst>
+              <a:ext uri="{FF2B5EF4-FFF2-40B4-BE49-F238E27FC236}">
+                <a16:creationId xmlns:a16="http://schemas.microsoft.com/office/drawing/2014/main" id="{86F40E99-D7AA-9722-FB56-C9BF2DF1BE48}"/>
+              </a:ext>
+            </a:extLst>
+          </p:cNvPr>
+          <p:cNvSpPr/>
+          <p:nvPr/>
+        </p:nvSpPr>
+        <p:spPr>
+          <a:xfrm>
+            <a:off x="3012915" y="5264914"/>
+            <a:ext cx="4104932" cy="273141"/>
+          </a:xfrm>
+          <a:prstGeom prst="rect">
+            <a:avLst/>
+          </a:prstGeom>
+          <a:noFill/>
+          <a:ln>
+            <a:solidFill>
+              <a:schemeClr val="tx1"/>
+            </a:solidFill>
+          </a:ln>
+        </p:spPr>
+        <p:style>
+          <a:lnRef idx="2">
+            <a:schemeClr val="accent1">
+              <a:shade val="50000"/>
+            </a:schemeClr>
+          </a:lnRef>
+          <a:fillRef idx="1">
+            <a:schemeClr val="accent1"/>
+          </a:fillRef>
+          <a:effectRef idx="0">
+            <a:schemeClr val="accent1"/>
+          </a:effectRef>
+          <a:fontRef idx="minor">
+            <a:schemeClr val="lt1"/>
+          </a:fontRef>
+        </p:style>
+        <p:txBody>
+          <a:bodyPr rtlCol="0" anchor="ctr"/>
+          <a:lstStyle/>
+          <a:p>
+            <a:pPr algn="ctr"/>
+            <a:r>
+              <a:rPr lang="de-CH" sz="1000" b="1" dirty="0">
+                <a:solidFill>
+                  <a:schemeClr val="tx1"/>
+                </a:solidFill>
+                <a:latin typeface="Arial" panose="020B0604020202020204" pitchFamily="34" charset="0"/>
+                <a:cs typeface="Arial" panose="020B0604020202020204" pitchFamily="34" charset="0"/>
+              </a:rPr>
+              <a:t>on </a:t>
+            </a:r>
+          </a:p>
+        </p:txBody>
+      </p:sp>
+      <p:sp>
+        <p:nvSpPr>
+          <p:cNvPr id="29" name="Rechteck 28">
+            <a:extLst>
+              <a:ext uri="{FF2B5EF4-FFF2-40B4-BE49-F238E27FC236}">
+                <a16:creationId xmlns:a16="http://schemas.microsoft.com/office/drawing/2014/main" id="{0522FFC5-1FFA-AB21-F286-7FEB207512BE}"/>
+              </a:ext>
+            </a:extLst>
+          </p:cNvPr>
+          <p:cNvSpPr/>
+          <p:nvPr/>
+        </p:nvSpPr>
+        <p:spPr>
+          <a:xfrm>
+            <a:off x="3022411" y="5606909"/>
+            <a:ext cx="4104932" cy="273141"/>
+          </a:xfrm>
+          <a:prstGeom prst="rect">
+            <a:avLst/>
+          </a:prstGeom>
+          <a:noFill/>
+          <a:ln>
+            <a:solidFill>
+              <a:schemeClr val="tx1"/>
+            </a:solidFill>
+          </a:ln>
+        </p:spPr>
+        <p:style>
+          <a:lnRef idx="2">
+            <a:schemeClr val="accent1">
+              <a:shade val="50000"/>
+            </a:schemeClr>
+          </a:lnRef>
+          <a:fillRef idx="1">
+            <a:schemeClr val="accent1"/>
+          </a:fillRef>
+          <a:effectRef idx="0">
+            <a:schemeClr val="accent1"/>
+          </a:effectRef>
+          <a:fontRef idx="minor">
+            <a:schemeClr val="lt1"/>
+          </a:fontRef>
+        </p:style>
+        <p:txBody>
+          <a:bodyPr rtlCol="0" anchor="ctr"/>
+          <a:lstStyle/>
+          <a:p>
+            <a:pPr algn="ctr"/>
+            <a:r>
+              <a:rPr lang="de-CH" sz="1000" b="1" dirty="0">
+                <a:solidFill>
+                  <a:schemeClr val="tx1"/>
+                </a:solidFill>
+                <a:latin typeface="Arial" panose="020B0604020202020204" pitchFamily="34" charset="0"/>
+                <a:cs typeface="Arial" panose="020B0604020202020204" pitchFamily="34" charset="0"/>
+              </a:rPr>
+              <a:t>on </a:t>
+            </a:r>
+          </a:p>
+        </p:txBody>
+      </p:sp>
+      <p:sp>
+        <p:nvSpPr>
+          <p:cNvPr id="30" name="Rechteck 29">
+            <a:extLst>
+              <a:ext uri="{FF2B5EF4-FFF2-40B4-BE49-F238E27FC236}">
+                <a16:creationId xmlns:a16="http://schemas.microsoft.com/office/drawing/2014/main" id="{8851F83B-74A9-AED6-3262-A6A9C6B9F493}"/>
+              </a:ext>
+            </a:extLst>
+          </p:cNvPr>
+          <p:cNvSpPr/>
+          <p:nvPr/>
+        </p:nvSpPr>
+        <p:spPr>
+          <a:xfrm>
+            <a:off x="3024787" y="5911752"/>
+            <a:ext cx="4104932" cy="273141"/>
+          </a:xfrm>
+          <a:prstGeom prst="rect">
+            <a:avLst/>
+          </a:prstGeom>
+          <a:noFill/>
+          <a:ln>
+            <a:solidFill>
+              <a:schemeClr val="tx1"/>
+            </a:solidFill>
+          </a:ln>
+        </p:spPr>
+        <p:style>
+          <a:lnRef idx="2">
+            <a:schemeClr val="accent1">
+              <a:shade val="50000"/>
+            </a:schemeClr>
+          </a:lnRef>
+          <a:fillRef idx="1">
+            <a:schemeClr val="accent1"/>
+          </a:fillRef>
+          <a:effectRef idx="0">
+            <a:schemeClr val="accent1"/>
+          </a:effectRef>
+          <a:fontRef idx="minor">
+            <a:schemeClr val="lt1"/>
+          </a:fontRef>
+        </p:style>
+        <p:txBody>
+          <a:bodyPr rtlCol="0" anchor="ctr"/>
+          <a:lstStyle/>
+          <a:p>
+            <a:pPr algn="ctr"/>
+            <a:r>
+              <a:rPr lang="de-CH" sz="1000" b="1" dirty="0">
+                <a:solidFill>
+                  <a:schemeClr val="tx1"/>
+                </a:solidFill>
+                <a:latin typeface="Arial" panose="020B0604020202020204" pitchFamily="34" charset="0"/>
+                <a:cs typeface="Arial" panose="020B0604020202020204" pitchFamily="34" charset="0"/>
+              </a:rPr>
+              <a:t>on </a:t>
+            </a:r>
+          </a:p>
+        </p:txBody>
+      </p:sp>
+      <p:sp>
+        <p:nvSpPr>
+          <p:cNvPr id="31" name="Rechteck 30">
+            <a:extLst>
+              <a:ext uri="{FF2B5EF4-FFF2-40B4-BE49-F238E27FC236}">
+                <a16:creationId xmlns:a16="http://schemas.microsoft.com/office/drawing/2014/main" id="{8297DB0E-1A07-7912-2409-4E461B6DA23D}"/>
+              </a:ext>
+            </a:extLst>
+          </p:cNvPr>
+          <p:cNvSpPr/>
+          <p:nvPr/>
+        </p:nvSpPr>
+        <p:spPr>
+          <a:xfrm>
+            <a:off x="3026981" y="6232087"/>
+            <a:ext cx="4104932" cy="273141"/>
+          </a:xfrm>
+          <a:prstGeom prst="rect">
+            <a:avLst/>
+          </a:prstGeom>
+          <a:noFill/>
+          <a:ln>
+            <a:solidFill>
+              <a:schemeClr val="tx1"/>
+            </a:solidFill>
+          </a:ln>
+        </p:spPr>
+        <p:style>
+          <a:lnRef idx="2">
+            <a:schemeClr val="accent1">
+              <a:shade val="50000"/>
+            </a:schemeClr>
+          </a:lnRef>
+          <a:fillRef idx="1">
+            <a:schemeClr val="accent1"/>
+          </a:fillRef>
+          <a:effectRef idx="0">
+            <a:schemeClr val="accent1"/>
+          </a:effectRef>
+          <a:fontRef idx="minor">
+            <a:schemeClr val="lt1"/>
+          </a:fontRef>
+        </p:style>
+        <p:txBody>
+          <a:bodyPr rtlCol="0" anchor="ctr"/>
+          <a:lstStyle/>
+          <a:p>
+            <a:pPr algn="ctr"/>
+            <a:r>
+              <a:rPr lang="de-CH" sz="1000" b="1" dirty="0">
+                <a:solidFill>
+                  <a:schemeClr val="tx1"/>
+                </a:solidFill>
+                <a:latin typeface="Arial" panose="020B0604020202020204" pitchFamily="34" charset="0"/>
+                <a:cs typeface="Arial" panose="020B0604020202020204" pitchFamily="34" charset="0"/>
+              </a:rPr>
+              <a:t>on </a:t>
+            </a:r>
+          </a:p>
+        </p:txBody>
+      </p:sp>
+      <p:cxnSp>
+        <p:nvCxnSpPr>
+          <p:cNvPr id="32" name="Gerader Verbinder 31">
+            <a:extLst>
+              <a:ext uri="{FF2B5EF4-FFF2-40B4-BE49-F238E27FC236}">
+                <a16:creationId xmlns:a16="http://schemas.microsoft.com/office/drawing/2014/main" id="{C9D397A6-07D5-D270-0E21-30CE10683B32}"/>
+              </a:ext>
+            </a:extLst>
+          </p:cNvPr>
+          <p:cNvCxnSpPr>
+            <a:cxnSpLocks/>
+          </p:cNvCxnSpPr>
+          <p:nvPr/>
+        </p:nvCxnSpPr>
+        <p:spPr>
+          <a:xfrm flipV="1">
+            <a:off x="5062661" y="3945189"/>
+            <a:ext cx="0" cy="154303"/>
+          </a:xfrm>
+          <a:prstGeom prst="line">
+            <a:avLst/>
+          </a:prstGeom>
+          <a:ln w="22225">
+            <a:solidFill>
+              <a:schemeClr val="tx1"/>
+            </a:solidFill>
+          </a:ln>
+        </p:spPr>
+        <p:style>
+          <a:lnRef idx="1">
+            <a:schemeClr val="accent1"/>
+          </a:lnRef>
+          <a:fillRef idx="0">
+            <a:schemeClr val="accent1"/>
+          </a:fillRef>
+          <a:effectRef idx="0">
+            <a:schemeClr val="accent1"/>
+          </a:effectRef>
+          <a:fontRef idx="minor">
+            <a:schemeClr val="tx1"/>
+          </a:fontRef>
+        </p:style>
+      </p:cxnSp>
+      <p:cxnSp>
+        <p:nvCxnSpPr>
+          <p:cNvPr id="33" name="Gerader Verbinder 32">
+            <a:extLst>
+              <a:ext uri="{FF2B5EF4-FFF2-40B4-BE49-F238E27FC236}">
+                <a16:creationId xmlns:a16="http://schemas.microsoft.com/office/drawing/2014/main" id="{34094E63-C8D4-944F-F30D-26FB87F6AA1F}"/>
+              </a:ext>
+            </a:extLst>
+          </p:cNvPr>
+          <p:cNvCxnSpPr>
+            <a:cxnSpLocks/>
+          </p:cNvCxnSpPr>
+          <p:nvPr/>
+        </p:nvCxnSpPr>
+        <p:spPr>
+          <a:xfrm flipV="1">
+            <a:off x="5065233" y="4366209"/>
+            <a:ext cx="0" cy="154303"/>
+          </a:xfrm>
+          <a:prstGeom prst="line">
+            <a:avLst/>
+          </a:prstGeom>
+          <a:ln w="22225">
+            <a:solidFill>
+              <a:schemeClr val="tx1"/>
+            </a:solidFill>
+          </a:ln>
+        </p:spPr>
+        <p:style>
+          <a:lnRef idx="1">
+            <a:schemeClr val="accent1"/>
+          </a:lnRef>
+          <a:fillRef idx="0">
+            <a:schemeClr val="accent1"/>
+          </a:fillRef>
+          <a:effectRef idx="0">
+            <a:schemeClr val="accent1"/>
+          </a:effectRef>
+          <a:fontRef idx="minor">
+            <a:schemeClr val="tx1"/>
+          </a:fontRef>
+        </p:style>
+      </p:cxnSp>
+    </p:spTree>
+    <p:extLst>
+      <p:ext uri="{BB962C8B-B14F-4D97-AF65-F5344CB8AC3E}">
+        <p14:creationId xmlns:p14="http://schemas.microsoft.com/office/powerpoint/2010/main" val="2583538104"/>
+      </p:ext>
+    </p:extLst>
+  </p:cSld>
+  <p:clrMapOvr>
+    <a:masterClrMapping/>
+  </p:clrMapOvr>
+</p:sld>
+</file>
+
+<file path=ppt/slides/slide3.xml><?xml version="1.0" encoding="utf-8"?>
+<p:sld xmlns:a="http://schemas.openxmlformats.org/drawingml/2006/main" xmlns:r="http://schemas.openxmlformats.org/officeDocument/2006/relationships" xmlns:p="http://schemas.openxmlformats.org/presentationml/2006/main">
+  <p:cSld>
+    <p:spTree>
+      <p:nvGrpSpPr>
+        <p:cNvPr id="1" name=""/>
+        <p:cNvGrpSpPr/>
+        <p:nvPr/>
+      </p:nvGrpSpPr>
+      <p:grpSpPr>
+        <a:xfrm>
+          <a:off x="0" y="0"/>
+          <a:ext cx="0" cy="0"/>
+          <a:chOff x="0" y="0"/>
+          <a:chExt cx="0" cy="0"/>
+        </a:xfrm>
+      </p:grpSpPr>
+      <p:sp>
+        <p:nvSpPr>
+          <p:cNvPr id="5" name="Rechteck 4">
+            <a:extLst>
+              <a:ext uri="{FF2B5EF4-FFF2-40B4-BE49-F238E27FC236}">
+                <a16:creationId xmlns:a16="http://schemas.microsoft.com/office/drawing/2014/main" id="{7263F778-9976-655D-EA25-7ABBB3167909}"/>
+              </a:ext>
+            </a:extLst>
+          </p:cNvPr>
+          <p:cNvSpPr/>
+          <p:nvPr/>
+        </p:nvSpPr>
+        <p:spPr>
+          <a:xfrm>
+            <a:off x="1332142" y="217244"/>
+            <a:ext cx="2815563" cy="273141"/>
+          </a:xfrm>
+          <a:prstGeom prst="rect">
+            <a:avLst/>
+          </a:prstGeom>
+          <a:noFill/>
+          <a:ln>
+            <a:solidFill>
+              <a:schemeClr val="tx1"/>
+            </a:solidFill>
+          </a:ln>
+        </p:spPr>
+        <p:style>
+          <a:lnRef idx="2">
+            <a:schemeClr val="accent1">
+              <a:shade val="50000"/>
+            </a:schemeClr>
+          </a:lnRef>
+          <a:fillRef idx="1">
+            <a:schemeClr val="accent1"/>
+          </a:fillRef>
+          <a:effectRef idx="0">
+            <a:schemeClr val="accent1"/>
+          </a:effectRef>
+          <a:fontRef idx="minor">
+            <a:schemeClr val="lt1"/>
+          </a:fontRef>
+        </p:style>
+        <p:txBody>
+          <a:bodyPr rtlCol="0" anchor="ctr"/>
+          <a:lstStyle/>
+          <a:p>
+            <a:pPr algn="ctr"/>
+            <a:r>
+              <a:rPr lang="de-CH" sz="1000" b="1" dirty="0" err="1">
+                <a:solidFill>
+                  <a:schemeClr val="tx1"/>
+                </a:solidFill>
+                <a:latin typeface="Arial" panose="020B0604020202020204" pitchFamily="34" charset="0"/>
+                <a:cs typeface="Arial" panose="020B0604020202020204" pitchFamily="34" charset="0"/>
+              </a:rPr>
+              <a:t>eventClickQrSupporterButton</a:t>
+            </a:r>
+            <a:r>
+              <a:rPr lang="de-CH" sz="1000" b="1" dirty="0">
+                <a:solidFill>
+                  <a:schemeClr val="tx1"/>
+                </a:solidFill>
+                <a:latin typeface="Arial" panose="020B0604020202020204" pitchFamily="34" charset="0"/>
+                <a:cs typeface="Arial" panose="020B0604020202020204" pitchFamily="34" charset="0"/>
+              </a:rPr>
+              <a:t>()</a:t>
+            </a:r>
+          </a:p>
+        </p:txBody>
+      </p:sp>
+      <p:sp>
+        <p:nvSpPr>
+          <p:cNvPr id="6" name="Rechteck 5">
+            <a:extLst>
+              <a:ext uri="{FF2B5EF4-FFF2-40B4-BE49-F238E27FC236}">
+                <a16:creationId xmlns:a16="http://schemas.microsoft.com/office/drawing/2014/main" id="{295788B4-CBE6-33F4-522C-9657BF0FC4DE}"/>
+              </a:ext>
+            </a:extLst>
+          </p:cNvPr>
+          <p:cNvSpPr/>
+          <p:nvPr/>
+        </p:nvSpPr>
+        <p:spPr>
+          <a:xfrm>
+            <a:off x="1328851" y="658003"/>
+            <a:ext cx="2815563" cy="396026"/>
+          </a:xfrm>
+          <a:prstGeom prst="rect">
+            <a:avLst/>
+          </a:prstGeom>
+          <a:noFill/>
+          <a:ln>
+            <a:solidFill>
+              <a:schemeClr val="tx1"/>
+            </a:solidFill>
+          </a:ln>
+        </p:spPr>
+        <p:style>
+          <a:lnRef idx="2">
+            <a:schemeClr val="accent1">
+              <a:shade val="50000"/>
+            </a:schemeClr>
+          </a:lnRef>
+          <a:fillRef idx="1">
+            <a:schemeClr val="accent1"/>
+          </a:fillRef>
+          <a:effectRef idx="0">
+            <a:schemeClr val="accent1"/>
+          </a:effectRef>
+          <a:fontRef idx="minor">
+            <a:schemeClr val="lt1"/>
+          </a:fontRef>
+        </p:style>
+        <p:txBody>
+          <a:bodyPr rtlCol="0" anchor="ctr"/>
+          <a:lstStyle/>
+          <a:p>
+            <a:pPr algn="ctr"/>
+            <a:r>
+              <a:rPr lang="de-CH" sz="1000" b="1" dirty="0" err="1">
+                <a:solidFill>
+                  <a:schemeClr val="tx1"/>
+                </a:solidFill>
+                <a:latin typeface="Arial" panose="020B0604020202020204" pitchFamily="34" charset="0"/>
+                <a:cs typeface="Arial" panose="020B0604020202020204" pitchFamily="34" charset="0"/>
+              </a:rPr>
+              <a:t>setActiveCategory</a:t>
+            </a:r>
+            <a:endParaRPr lang="de-CH" sz="1000" b="1" dirty="0">
+              <a:solidFill>
+                <a:schemeClr val="tx1"/>
+              </a:solidFill>
+              <a:latin typeface="Arial" panose="020B0604020202020204" pitchFamily="34" charset="0"/>
+              <a:cs typeface="Arial" panose="020B0604020202020204" pitchFamily="34" charset="0"/>
+            </a:endParaRPr>
+          </a:p>
+          <a:p>
+            <a:pPr algn="ctr"/>
+            <a:r>
+              <a:rPr lang="de-CH" sz="1000" b="1" dirty="0" err="1">
+                <a:solidFill>
+                  <a:schemeClr val="tx1"/>
+                </a:solidFill>
+                <a:latin typeface="Arial" panose="020B0604020202020204" pitchFamily="34" charset="0"/>
+                <a:cs typeface="Arial" panose="020B0604020202020204" pitchFamily="34" charset="0"/>
+              </a:rPr>
+              <a:t>QrStrings.getQrCategorySupporterString</a:t>
+            </a:r>
+            <a:r>
+              <a:rPr lang="de-CH" sz="1000" b="1" dirty="0">
+                <a:solidFill>
+                  <a:schemeClr val="tx1"/>
+                </a:solidFill>
+                <a:latin typeface="Arial" panose="020B0604020202020204" pitchFamily="34" charset="0"/>
+                <a:cs typeface="Arial" panose="020B0604020202020204" pitchFamily="34" charset="0"/>
+              </a:rPr>
+              <a:t>()</a:t>
+            </a:r>
+          </a:p>
+        </p:txBody>
+      </p:sp>
+      <p:sp>
+        <p:nvSpPr>
+          <p:cNvPr id="7" name="Rechteck 6">
+            <a:extLst>
+              <a:ext uri="{FF2B5EF4-FFF2-40B4-BE49-F238E27FC236}">
+                <a16:creationId xmlns:a16="http://schemas.microsoft.com/office/drawing/2014/main" id="{B52A1434-3AB9-E710-1682-B3E8E11CA00A}"/>
+              </a:ext>
+            </a:extLst>
+          </p:cNvPr>
+          <p:cNvSpPr/>
+          <p:nvPr/>
+        </p:nvSpPr>
+        <p:spPr>
+          <a:xfrm>
+            <a:off x="1328850" y="1219121"/>
+            <a:ext cx="2815563" cy="273141"/>
+          </a:xfrm>
+          <a:prstGeom prst="rect">
+            <a:avLst/>
+          </a:prstGeom>
+          <a:noFill/>
+          <a:ln>
+            <a:solidFill>
+              <a:schemeClr val="tx1"/>
+            </a:solidFill>
+          </a:ln>
+        </p:spPr>
+        <p:style>
+          <a:lnRef idx="2">
+            <a:schemeClr val="accent1">
+              <a:shade val="50000"/>
+            </a:schemeClr>
+          </a:lnRef>
+          <a:fillRef idx="1">
+            <a:schemeClr val="accent1"/>
+          </a:fillRef>
+          <a:effectRef idx="0">
+            <a:schemeClr val="accent1"/>
+          </a:effectRef>
+          <a:fontRef idx="minor">
+            <a:schemeClr val="lt1"/>
+          </a:fontRef>
+        </p:style>
+        <p:txBody>
+          <a:bodyPr rtlCol="0" anchor="ctr"/>
+          <a:lstStyle/>
+          <a:p>
+            <a:pPr algn="ctr"/>
+            <a:r>
+              <a:rPr lang="en-US" sz="1000" b="1" dirty="0" err="1">
+                <a:solidFill>
+                  <a:schemeClr val="tx1"/>
+                </a:solidFill>
+                <a:latin typeface="Arial" panose="020B0604020202020204" pitchFamily="34" charset="0"/>
+                <a:cs typeface="Arial" panose="020B0604020202020204" pitchFamily="34" charset="0"/>
+              </a:rPr>
+              <a:t>g_files_active_number</a:t>
+            </a:r>
+            <a:r>
+              <a:rPr lang="en-US" sz="1000" b="1" dirty="0">
+                <a:solidFill>
+                  <a:schemeClr val="tx1"/>
+                </a:solidFill>
+                <a:latin typeface="Arial" panose="020B0604020202020204" pitchFamily="34" charset="0"/>
+                <a:cs typeface="Arial" panose="020B0604020202020204" pitchFamily="34" charset="0"/>
+              </a:rPr>
+              <a:t> = 1</a:t>
+            </a:r>
+            <a:endParaRPr lang="de-CH" sz="1000" b="1" dirty="0">
+              <a:solidFill>
+                <a:schemeClr val="tx1"/>
+              </a:solidFill>
+              <a:latin typeface="Arial" panose="020B0604020202020204" pitchFamily="34" charset="0"/>
+              <a:cs typeface="Arial" panose="020B0604020202020204" pitchFamily="34" charset="0"/>
+            </a:endParaRPr>
+          </a:p>
+        </p:txBody>
+      </p:sp>
+      <p:sp>
+        <p:nvSpPr>
+          <p:cNvPr id="8" name="Rechteck 7">
+            <a:extLst>
+              <a:ext uri="{FF2B5EF4-FFF2-40B4-BE49-F238E27FC236}">
+                <a16:creationId xmlns:a16="http://schemas.microsoft.com/office/drawing/2014/main" id="{69842A84-9481-63FA-36A6-9BB956381567}"/>
+              </a:ext>
+            </a:extLst>
+          </p:cNvPr>
+          <p:cNvSpPr/>
+          <p:nvPr/>
+        </p:nvSpPr>
+        <p:spPr>
+          <a:xfrm>
+            <a:off x="1328850" y="1644082"/>
+            <a:ext cx="2815563" cy="273141"/>
+          </a:xfrm>
+          <a:prstGeom prst="rect">
+            <a:avLst/>
+          </a:prstGeom>
+          <a:noFill/>
+          <a:ln>
+            <a:solidFill>
+              <a:schemeClr val="tx1"/>
+            </a:solidFill>
+          </a:ln>
+        </p:spPr>
+        <p:style>
+          <a:lnRef idx="2">
+            <a:schemeClr val="accent1">
+              <a:shade val="50000"/>
+            </a:schemeClr>
+          </a:lnRef>
+          <a:fillRef idx="1">
+            <a:schemeClr val="accent1"/>
+          </a:fillRef>
+          <a:effectRef idx="0">
+            <a:schemeClr val="accent1"/>
+          </a:effectRef>
+          <a:fontRef idx="minor">
+            <a:schemeClr val="lt1"/>
+          </a:fontRef>
+        </p:style>
+        <p:txBody>
+          <a:bodyPr rtlCol="0" anchor="ctr"/>
+          <a:lstStyle/>
+          <a:p>
+            <a:pPr algn="ctr"/>
+            <a:r>
+              <a:rPr lang="de-CH" sz="1000" b="1" dirty="0" err="1">
+                <a:solidFill>
+                  <a:schemeClr val="tx1"/>
+                </a:solidFill>
+                <a:latin typeface="Arial" panose="020B0604020202020204" pitchFamily="34" charset="0"/>
+                <a:cs typeface="Arial" panose="020B0604020202020204" pitchFamily="34" charset="0"/>
+              </a:rPr>
+              <a:t>setSupporterDropdown</a:t>
+            </a:r>
+            <a:r>
+              <a:rPr lang="de-CH" sz="1000" b="1" dirty="0">
+                <a:solidFill>
+                  <a:schemeClr val="tx1"/>
+                </a:solidFill>
+                <a:latin typeface="Arial" panose="020B0604020202020204" pitchFamily="34" charset="0"/>
+                <a:cs typeface="Arial" panose="020B0604020202020204" pitchFamily="34" charset="0"/>
+              </a:rPr>
+              <a:t>()</a:t>
+            </a:r>
+          </a:p>
+        </p:txBody>
+      </p:sp>
+      <p:sp>
+        <p:nvSpPr>
+          <p:cNvPr id="9" name="Rechteck 8">
+            <a:extLst>
+              <a:ext uri="{FF2B5EF4-FFF2-40B4-BE49-F238E27FC236}">
+                <a16:creationId xmlns:a16="http://schemas.microsoft.com/office/drawing/2014/main" id="{2B04D07B-7ACB-2F54-CDE1-CC2748383635}"/>
+              </a:ext>
+            </a:extLst>
+          </p:cNvPr>
+          <p:cNvSpPr/>
+          <p:nvPr/>
+        </p:nvSpPr>
+        <p:spPr>
+          <a:xfrm>
+            <a:off x="1328850" y="2071005"/>
+            <a:ext cx="2815563" cy="273141"/>
+          </a:xfrm>
+          <a:prstGeom prst="rect">
+            <a:avLst/>
+          </a:prstGeom>
+          <a:noFill/>
+          <a:ln>
+            <a:solidFill>
+              <a:schemeClr val="tx1"/>
+            </a:solidFill>
+          </a:ln>
+        </p:spPr>
+        <p:style>
+          <a:lnRef idx="2">
+            <a:schemeClr val="accent1">
+              <a:shade val="50000"/>
+            </a:schemeClr>
+          </a:lnRef>
+          <a:fillRef idx="1">
+            <a:schemeClr val="accent1"/>
+          </a:fillRef>
+          <a:effectRef idx="0">
+            <a:schemeClr val="accent1"/>
+          </a:effectRef>
+          <a:fontRef idx="minor">
+            <a:schemeClr val="lt1"/>
+          </a:fontRef>
+        </p:style>
+        <p:txBody>
+          <a:bodyPr rtlCol="0" anchor="ctr"/>
+          <a:lstStyle/>
+          <a:p>
+            <a:pPr algn="ctr"/>
+            <a:r>
+              <a:rPr lang="de-CH" sz="1000" b="1" dirty="0" err="1">
+                <a:solidFill>
+                  <a:schemeClr val="tx1"/>
+                </a:solidFill>
+                <a:latin typeface="Arial" panose="020B0604020202020204" pitchFamily="34" charset="0"/>
+                <a:cs typeface="Arial" panose="020B0604020202020204" pitchFamily="34" charset="0"/>
+              </a:rPr>
+              <a:t>setControlsSupporter</a:t>
+            </a:r>
+            <a:r>
+              <a:rPr lang="de-CH" sz="1000" b="1" dirty="0">
+                <a:solidFill>
+                  <a:schemeClr val="tx1"/>
+                </a:solidFill>
+                <a:latin typeface="Arial" panose="020B0604020202020204" pitchFamily="34" charset="0"/>
+                <a:cs typeface="Arial" panose="020B0604020202020204" pitchFamily="34" charset="0"/>
+              </a:rPr>
+              <a:t>()</a:t>
+            </a:r>
+          </a:p>
+        </p:txBody>
+      </p:sp>
+      <p:sp>
+        <p:nvSpPr>
+          <p:cNvPr id="10" name="Rechteck 9">
+            <a:extLst>
+              <a:ext uri="{FF2B5EF4-FFF2-40B4-BE49-F238E27FC236}">
+                <a16:creationId xmlns:a16="http://schemas.microsoft.com/office/drawing/2014/main" id="{7E2C6E96-72B2-3D8B-C252-6E3FBC0C4BA5}"/>
+              </a:ext>
+            </a:extLst>
+          </p:cNvPr>
+          <p:cNvSpPr/>
+          <p:nvPr/>
+        </p:nvSpPr>
+        <p:spPr>
+          <a:xfrm>
+            <a:off x="1328850" y="2505183"/>
+            <a:ext cx="2815563" cy="273141"/>
+          </a:xfrm>
+          <a:prstGeom prst="rect">
+            <a:avLst/>
+          </a:prstGeom>
+          <a:noFill/>
+          <a:ln>
+            <a:solidFill>
+              <a:schemeClr val="tx1"/>
+            </a:solidFill>
+          </a:ln>
+        </p:spPr>
+        <p:style>
+          <a:lnRef idx="2">
+            <a:schemeClr val="accent1">
+              <a:shade val="50000"/>
+            </a:schemeClr>
+          </a:lnRef>
+          <a:fillRef idx="1">
+            <a:schemeClr val="accent1"/>
+          </a:fillRef>
+          <a:effectRef idx="0">
+            <a:schemeClr val="accent1"/>
+          </a:effectRef>
+          <a:fontRef idx="minor">
+            <a:schemeClr val="lt1"/>
+          </a:fontRef>
+        </p:style>
+        <p:txBody>
+          <a:bodyPr rtlCol="0" anchor="ctr"/>
+          <a:lstStyle/>
+          <a:p>
+            <a:pPr algn="ctr"/>
+            <a:r>
+              <a:rPr lang="de-CH" sz="1000" b="1" dirty="0" err="1">
+                <a:solidFill>
+                  <a:schemeClr val="tx1"/>
+                </a:solidFill>
+                <a:latin typeface="Arial" panose="020B0604020202020204" pitchFamily="34" charset="0"/>
+                <a:cs typeface="Arial" panose="020B0604020202020204" pitchFamily="34" charset="0"/>
+              </a:rPr>
+              <a:t>displayControlSupporters</a:t>
+            </a:r>
+            <a:r>
+              <a:rPr lang="de-CH" sz="1000" b="1" dirty="0">
+                <a:solidFill>
+                  <a:schemeClr val="tx1"/>
+                </a:solidFill>
+                <a:latin typeface="Arial" panose="020B0604020202020204" pitchFamily="34" charset="0"/>
+                <a:cs typeface="Arial" panose="020B0604020202020204" pitchFamily="34" charset="0"/>
+              </a:rPr>
+              <a:t>()</a:t>
+            </a:r>
+          </a:p>
+        </p:txBody>
+      </p:sp>
+      <p:sp>
+        <p:nvSpPr>
+          <p:cNvPr id="11" name="Rechteck 10">
+            <a:extLst>
+              <a:ext uri="{FF2B5EF4-FFF2-40B4-BE49-F238E27FC236}">
+                <a16:creationId xmlns:a16="http://schemas.microsoft.com/office/drawing/2014/main" id="{03C67A5E-41A2-6299-E455-5662208A7528}"/>
+              </a:ext>
+            </a:extLst>
+          </p:cNvPr>
+          <p:cNvSpPr/>
+          <p:nvPr/>
+        </p:nvSpPr>
+        <p:spPr>
+          <a:xfrm>
+            <a:off x="1328850" y="2945933"/>
+            <a:ext cx="2815563" cy="273141"/>
+          </a:xfrm>
+          <a:prstGeom prst="rect">
+            <a:avLst/>
+          </a:prstGeom>
+          <a:noFill/>
+          <a:ln>
+            <a:solidFill>
+              <a:schemeClr val="tx1"/>
+            </a:solidFill>
+          </a:ln>
+        </p:spPr>
+        <p:style>
+          <a:lnRef idx="2">
+            <a:schemeClr val="accent1">
+              <a:shade val="50000"/>
+            </a:schemeClr>
+          </a:lnRef>
+          <a:fillRef idx="1">
+            <a:schemeClr val="accent1"/>
+          </a:fillRef>
+          <a:effectRef idx="0">
+            <a:schemeClr val="accent1"/>
+          </a:effectRef>
+          <a:fontRef idx="minor">
+            <a:schemeClr val="lt1"/>
+          </a:fontRef>
+        </p:style>
+        <p:txBody>
+          <a:bodyPr rtlCol="0" anchor="ctr"/>
+          <a:lstStyle/>
+          <a:p>
+            <a:pPr algn="ctr"/>
+            <a:r>
+              <a:rPr lang="de-CH" sz="1000" b="1" dirty="0" err="1">
+                <a:solidFill>
+                  <a:schemeClr val="tx1"/>
+                </a:solidFill>
+                <a:latin typeface="Arial" panose="020B0604020202020204" pitchFamily="34" charset="0"/>
+                <a:cs typeface="Arial" panose="020B0604020202020204" pitchFamily="34" charset="0"/>
+              </a:rPr>
+              <a:t>setCategoryButtonSupporterSelected</a:t>
+            </a:r>
+            <a:r>
+              <a:rPr lang="de-CH" sz="1000" b="1" dirty="0">
+                <a:solidFill>
+                  <a:schemeClr val="tx1"/>
+                </a:solidFill>
+                <a:latin typeface="Arial" panose="020B0604020202020204" pitchFamily="34" charset="0"/>
+                <a:cs typeface="Arial" panose="020B0604020202020204" pitchFamily="34" charset="0"/>
+              </a:rPr>
+              <a:t>()</a:t>
+            </a:r>
+          </a:p>
+        </p:txBody>
+      </p:sp>
+      <p:cxnSp>
+        <p:nvCxnSpPr>
+          <p:cNvPr id="12" name="Gerader Verbinder 11">
+            <a:extLst>
+              <a:ext uri="{FF2B5EF4-FFF2-40B4-BE49-F238E27FC236}">
+                <a16:creationId xmlns:a16="http://schemas.microsoft.com/office/drawing/2014/main" id="{FC94E7D1-F894-BEB4-BB84-28E4EDB5B375}"/>
+              </a:ext>
+            </a:extLst>
+          </p:cNvPr>
+          <p:cNvCxnSpPr>
+            <a:cxnSpLocks/>
+          </p:cNvCxnSpPr>
+          <p:nvPr/>
+        </p:nvCxnSpPr>
+        <p:spPr>
+          <a:xfrm flipV="1">
+            <a:off x="2701736" y="490385"/>
+            <a:ext cx="0" cy="154303"/>
+          </a:xfrm>
+          <a:prstGeom prst="line">
+            <a:avLst/>
+          </a:prstGeom>
+          <a:ln w="22225">
+            <a:solidFill>
+              <a:schemeClr val="tx1"/>
+            </a:solidFill>
+          </a:ln>
+        </p:spPr>
+        <p:style>
+          <a:lnRef idx="1">
+            <a:schemeClr val="accent1"/>
+          </a:lnRef>
+          <a:fillRef idx="0">
+            <a:schemeClr val="accent1"/>
+          </a:fillRef>
+          <a:effectRef idx="0">
+            <a:schemeClr val="accent1"/>
+          </a:effectRef>
+          <a:fontRef idx="minor">
+            <a:schemeClr val="tx1"/>
+          </a:fontRef>
+        </p:style>
+      </p:cxnSp>
+      <p:cxnSp>
+        <p:nvCxnSpPr>
+          <p:cNvPr id="17" name="Gerader Verbinder 16">
+            <a:extLst>
+              <a:ext uri="{FF2B5EF4-FFF2-40B4-BE49-F238E27FC236}">
+                <a16:creationId xmlns:a16="http://schemas.microsoft.com/office/drawing/2014/main" id="{951F2811-5F6C-7F43-4A78-AD7B5EC6F989}"/>
+              </a:ext>
+            </a:extLst>
+          </p:cNvPr>
+          <p:cNvCxnSpPr>
+            <a:cxnSpLocks/>
+          </p:cNvCxnSpPr>
+          <p:nvPr/>
+        </p:nvCxnSpPr>
+        <p:spPr>
+          <a:xfrm flipV="1">
+            <a:off x="2708315" y="1042975"/>
+            <a:ext cx="0" cy="154303"/>
+          </a:xfrm>
+          <a:prstGeom prst="line">
+            <a:avLst/>
+          </a:prstGeom>
+          <a:ln w="22225">
+            <a:solidFill>
+              <a:schemeClr val="tx1"/>
+            </a:solidFill>
+          </a:ln>
+        </p:spPr>
+        <p:style>
+          <a:lnRef idx="1">
+            <a:schemeClr val="accent1"/>
+          </a:lnRef>
+          <a:fillRef idx="0">
+            <a:schemeClr val="accent1"/>
+          </a:fillRef>
+          <a:effectRef idx="0">
+            <a:schemeClr val="accent1"/>
+          </a:effectRef>
+          <a:fontRef idx="minor">
+            <a:schemeClr val="tx1"/>
+          </a:fontRef>
+        </p:style>
+      </p:cxnSp>
+      <p:cxnSp>
+        <p:nvCxnSpPr>
+          <p:cNvPr id="18" name="Gerader Verbinder 17">
+            <a:extLst>
+              <a:ext uri="{FF2B5EF4-FFF2-40B4-BE49-F238E27FC236}">
+                <a16:creationId xmlns:a16="http://schemas.microsoft.com/office/drawing/2014/main" id="{267625F0-3A15-ABBA-A26F-E344DE8778B9}"/>
+              </a:ext>
+            </a:extLst>
+          </p:cNvPr>
+          <p:cNvCxnSpPr>
+            <a:cxnSpLocks/>
+          </p:cNvCxnSpPr>
+          <p:nvPr/>
+        </p:nvCxnSpPr>
+        <p:spPr>
+          <a:xfrm flipV="1">
+            <a:off x="2706311" y="1485681"/>
+            <a:ext cx="0" cy="154303"/>
+          </a:xfrm>
+          <a:prstGeom prst="line">
+            <a:avLst/>
+          </a:prstGeom>
+          <a:ln w="22225">
+            <a:solidFill>
+              <a:schemeClr val="tx1"/>
+            </a:solidFill>
+          </a:ln>
+        </p:spPr>
+        <p:style>
+          <a:lnRef idx="1">
+            <a:schemeClr val="accent1"/>
+          </a:lnRef>
+          <a:fillRef idx="0">
+            <a:schemeClr val="accent1"/>
+          </a:fillRef>
+          <a:effectRef idx="0">
+            <a:schemeClr val="accent1"/>
+          </a:effectRef>
+          <a:fontRef idx="minor">
+            <a:schemeClr val="tx1"/>
+          </a:fontRef>
+        </p:style>
+      </p:cxnSp>
+      <p:cxnSp>
+        <p:nvCxnSpPr>
+          <p:cNvPr id="19" name="Gerader Verbinder 18">
+            <a:extLst>
+              <a:ext uri="{FF2B5EF4-FFF2-40B4-BE49-F238E27FC236}">
+                <a16:creationId xmlns:a16="http://schemas.microsoft.com/office/drawing/2014/main" id="{365F353A-4687-FA66-B5CB-8B00C01582B8}"/>
+              </a:ext>
+            </a:extLst>
+          </p:cNvPr>
+          <p:cNvCxnSpPr>
+            <a:cxnSpLocks/>
+          </p:cNvCxnSpPr>
+          <p:nvPr/>
+        </p:nvCxnSpPr>
+        <p:spPr>
+          <a:xfrm flipV="1">
+            <a:off x="2708315" y="1907212"/>
+            <a:ext cx="0" cy="154303"/>
+          </a:xfrm>
+          <a:prstGeom prst="line">
+            <a:avLst/>
+          </a:prstGeom>
+          <a:ln w="22225">
+            <a:solidFill>
+              <a:schemeClr val="tx1"/>
+            </a:solidFill>
+          </a:ln>
+        </p:spPr>
+        <p:style>
+          <a:lnRef idx="1">
+            <a:schemeClr val="accent1"/>
+          </a:lnRef>
+          <a:fillRef idx="0">
+            <a:schemeClr val="accent1"/>
+          </a:fillRef>
+          <a:effectRef idx="0">
+            <a:schemeClr val="accent1"/>
+          </a:effectRef>
+          <a:fontRef idx="minor">
+            <a:schemeClr val="tx1"/>
+          </a:fontRef>
+        </p:style>
+      </p:cxnSp>
+      <p:cxnSp>
+        <p:nvCxnSpPr>
+          <p:cNvPr id="20" name="Gerader Verbinder 19">
+            <a:extLst>
+              <a:ext uri="{FF2B5EF4-FFF2-40B4-BE49-F238E27FC236}">
+                <a16:creationId xmlns:a16="http://schemas.microsoft.com/office/drawing/2014/main" id="{93C1B2E7-C069-C92C-F572-6BBB66934FFC}"/>
+              </a:ext>
+            </a:extLst>
+          </p:cNvPr>
+          <p:cNvCxnSpPr>
+            <a:cxnSpLocks/>
+          </p:cNvCxnSpPr>
+          <p:nvPr/>
+        </p:nvCxnSpPr>
+        <p:spPr>
+          <a:xfrm flipV="1">
+            <a:off x="2708315" y="2336144"/>
+            <a:ext cx="0" cy="154303"/>
+          </a:xfrm>
+          <a:prstGeom prst="line">
+            <a:avLst/>
+          </a:prstGeom>
+          <a:ln w="22225">
+            <a:solidFill>
+              <a:schemeClr val="tx1"/>
+            </a:solidFill>
+          </a:ln>
+        </p:spPr>
+        <p:style>
+          <a:lnRef idx="1">
+            <a:schemeClr val="accent1"/>
+          </a:lnRef>
+          <a:fillRef idx="0">
+            <a:schemeClr val="accent1"/>
+          </a:fillRef>
+          <a:effectRef idx="0">
+            <a:schemeClr val="accent1"/>
+          </a:effectRef>
+          <a:fontRef idx="minor">
+            <a:schemeClr val="tx1"/>
+          </a:fontRef>
+        </p:style>
+      </p:cxnSp>
+      <p:cxnSp>
+        <p:nvCxnSpPr>
+          <p:cNvPr id="24" name="Gerader Verbinder 23">
+            <a:extLst>
+              <a:ext uri="{FF2B5EF4-FFF2-40B4-BE49-F238E27FC236}">
+                <a16:creationId xmlns:a16="http://schemas.microsoft.com/office/drawing/2014/main" id="{7785A745-F86B-8BD6-0A15-7303658662E2}"/>
+              </a:ext>
+            </a:extLst>
+          </p:cNvPr>
+          <p:cNvCxnSpPr>
+            <a:cxnSpLocks/>
+          </p:cNvCxnSpPr>
+          <p:nvPr/>
+        </p:nvCxnSpPr>
+        <p:spPr>
+          <a:xfrm flipV="1">
+            <a:off x="2719468" y="2778324"/>
+            <a:ext cx="0" cy="154303"/>
+          </a:xfrm>
+          <a:prstGeom prst="line">
+            <a:avLst/>
+          </a:prstGeom>
+          <a:ln w="22225">
+            <a:solidFill>
+              <a:schemeClr val="tx1"/>
+            </a:solidFill>
+          </a:ln>
+        </p:spPr>
+        <p:style>
+          <a:lnRef idx="1">
+            <a:schemeClr val="accent1"/>
+          </a:lnRef>
+          <a:fillRef idx="0">
+            <a:schemeClr val="accent1"/>
+          </a:fillRef>
+          <a:effectRef idx="0">
+            <a:schemeClr val="accent1"/>
+          </a:effectRef>
+          <a:fontRef idx="minor">
+            <a:schemeClr val="tx1"/>
+          </a:fontRef>
+        </p:style>
+      </p:cxnSp>
+      <p:sp>
+        <p:nvSpPr>
+          <p:cNvPr id="61" name="Rechteck 60">
+            <a:extLst>
+              <a:ext uri="{FF2B5EF4-FFF2-40B4-BE49-F238E27FC236}">
+                <a16:creationId xmlns:a16="http://schemas.microsoft.com/office/drawing/2014/main" id="{9FE9AA7D-5BDF-6DAE-513C-97F1CB836011}"/>
+              </a:ext>
+            </a:extLst>
+          </p:cNvPr>
+          <p:cNvSpPr/>
+          <p:nvPr/>
+        </p:nvSpPr>
+        <p:spPr>
+          <a:xfrm>
+            <a:off x="4266119" y="210667"/>
+            <a:ext cx="2815563" cy="273141"/>
+          </a:xfrm>
+          <a:prstGeom prst="rect">
+            <a:avLst/>
+          </a:prstGeom>
+          <a:noFill/>
+          <a:ln>
+            <a:solidFill>
+              <a:schemeClr val="tx1"/>
+            </a:solidFill>
+          </a:ln>
+        </p:spPr>
+        <p:style>
+          <a:lnRef idx="2">
+            <a:schemeClr val="accent1">
+              <a:shade val="50000"/>
+            </a:schemeClr>
+          </a:lnRef>
+          <a:fillRef idx="1">
+            <a:schemeClr val="accent1"/>
+          </a:fillRef>
+          <a:effectRef idx="0">
+            <a:schemeClr val="accent1"/>
+          </a:effectRef>
+          <a:fontRef idx="minor">
+            <a:schemeClr val="lt1"/>
+          </a:fontRef>
+        </p:style>
+        <p:txBody>
+          <a:bodyPr rtlCol="0" anchor="ctr"/>
+          <a:lstStyle/>
+          <a:p>
+            <a:pPr algn="ctr"/>
+            <a:r>
+              <a:rPr lang="de-CH" sz="1000" b="1" dirty="0" err="1">
+                <a:solidFill>
+                  <a:schemeClr val="tx1"/>
+                </a:solidFill>
+                <a:latin typeface="Arial" panose="020B0604020202020204" pitchFamily="34" charset="0"/>
+                <a:cs typeface="Arial" panose="020B0604020202020204" pitchFamily="34" charset="0"/>
+              </a:rPr>
+              <a:t>eventClickQrSponsorButton</a:t>
+            </a:r>
+            <a:r>
+              <a:rPr lang="de-CH" sz="1000" b="1" dirty="0">
+                <a:solidFill>
+                  <a:schemeClr val="tx1"/>
+                </a:solidFill>
+                <a:latin typeface="Arial" panose="020B0604020202020204" pitchFamily="34" charset="0"/>
+                <a:cs typeface="Arial" panose="020B0604020202020204" pitchFamily="34" charset="0"/>
+              </a:rPr>
+              <a:t>()</a:t>
+            </a:r>
+          </a:p>
+        </p:txBody>
+      </p:sp>
+      <p:sp>
+        <p:nvSpPr>
+          <p:cNvPr id="62" name="Rechteck 61">
+            <a:extLst>
+              <a:ext uri="{FF2B5EF4-FFF2-40B4-BE49-F238E27FC236}">
+                <a16:creationId xmlns:a16="http://schemas.microsoft.com/office/drawing/2014/main" id="{8C7DAC7B-ECA6-6B6A-02EB-640C16841FB7}"/>
+              </a:ext>
+            </a:extLst>
+          </p:cNvPr>
+          <p:cNvSpPr/>
+          <p:nvPr/>
+        </p:nvSpPr>
+        <p:spPr>
+          <a:xfrm>
+            <a:off x="4262828" y="651426"/>
+            <a:ext cx="2815563" cy="396026"/>
+          </a:xfrm>
+          <a:prstGeom prst="rect">
+            <a:avLst/>
+          </a:prstGeom>
+          <a:noFill/>
+          <a:ln>
+            <a:solidFill>
+              <a:schemeClr val="tx1"/>
+            </a:solidFill>
+          </a:ln>
+        </p:spPr>
+        <p:style>
+          <a:lnRef idx="2">
+            <a:schemeClr val="accent1">
+              <a:shade val="50000"/>
+            </a:schemeClr>
+          </a:lnRef>
+          <a:fillRef idx="1">
+            <a:schemeClr val="accent1"/>
+          </a:fillRef>
+          <a:effectRef idx="0">
+            <a:schemeClr val="accent1"/>
+          </a:effectRef>
+          <a:fontRef idx="minor">
+            <a:schemeClr val="lt1"/>
+          </a:fontRef>
+        </p:style>
+        <p:txBody>
+          <a:bodyPr rtlCol="0" anchor="ctr"/>
+          <a:lstStyle/>
+          <a:p>
+            <a:pPr algn="ctr"/>
+            <a:r>
+              <a:rPr lang="de-CH" sz="1000" b="1" dirty="0" err="1">
+                <a:solidFill>
+                  <a:schemeClr val="tx1"/>
+                </a:solidFill>
+                <a:latin typeface="Arial" panose="020B0604020202020204" pitchFamily="34" charset="0"/>
+                <a:cs typeface="Arial" panose="020B0604020202020204" pitchFamily="34" charset="0"/>
+              </a:rPr>
+              <a:t>setActiveCategory</a:t>
+            </a:r>
+            <a:endParaRPr lang="de-CH" sz="1000" b="1" dirty="0">
+              <a:solidFill>
+                <a:schemeClr val="tx1"/>
+              </a:solidFill>
+              <a:latin typeface="Arial" panose="020B0604020202020204" pitchFamily="34" charset="0"/>
+              <a:cs typeface="Arial" panose="020B0604020202020204" pitchFamily="34" charset="0"/>
+            </a:endParaRPr>
+          </a:p>
+          <a:p>
+            <a:pPr algn="ctr"/>
+            <a:r>
+              <a:rPr lang="de-CH" sz="1000" b="1" dirty="0" err="1">
+                <a:solidFill>
+                  <a:schemeClr val="tx1"/>
+                </a:solidFill>
+                <a:latin typeface="Arial" panose="020B0604020202020204" pitchFamily="34" charset="0"/>
+                <a:cs typeface="Arial" panose="020B0604020202020204" pitchFamily="34" charset="0"/>
+              </a:rPr>
+              <a:t>QrStrings.getQrCategorySponsorString</a:t>
+            </a:r>
+            <a:r>
+              <a:rPr lang="de-CH" sz="1000" b="1" dirty="0">
+                <a:solidFill>
+                  <a:schemeClr val="tx1"/>
+                </a:solidFill>
+                <a:latin typeface="Arial" panose="020B0604020202020204" pitchFamily="34" charset="0"/>
+                <a:cs typeface="Arial" panose="020B0604020202020204" pitchFamily="34" charset="0"/>
+              </a:rPr>
+              <a:t>()</a:t>
+            </a:r>
+          </a:p>
+        </p:txBody>
+      </p:sp>
+      <p:sp>
+        <p:nvSpPr>
+          <p:cNvPr id="63" name="Rechteck 62">
+            <a:extLst>
+              <a:ext uri="{FF2B5EF4-FFF2-40B4-BE49-F238E27FC236}">
+                <a16:creationId xmlns:a16="http://schemas.microsoft.com/office/drawing/2014/main" id="{5DFF3F4D-CF0A-DF64-8644-44198E01D8FA}"/>
+              </a:ext>
+            </a:extLst>
+          </p:cNvPr>
+          <p:cNvSpPr/>
+          <p:nvPr/>
+        </p:nvSpPr>
+        <p:spPr>
+          <a:xfrm>
+            <a:off x="4262827" y="1212544"/>
+            <a:ext cx="2815563" cy="273141"/>
+          </a:xfrm>
+          <a:prstGeom prst="rect">
+            <a:avLst/>
+          </a:prstGeom>
+          <a:noFill/>
+          <a:ln>
+            <a:solidFill>
+              <a:schemeClr val="tx1"/>
+            </a:solidFill>
+          </a:ln>
+        </p:spPr>
+        <p:style>
+          <a:lnRef idx="2">
+            <a:schemeClr val="accent1">
+              <a:shade val="50000"/>
+            </a:schemeClr>
+          </a:lnRef>
+          <a:fillRef idx="1">
+            <a:schemeClr val="accent1"/>
+          </a:fillRef>
+          <a:effectRef idx="0">
+            <a:schemeClr val="accent1"/>
+          </a:effectRef>
+          <a:fontRef idx="minor">
+            <a:schemeClr val="lt1"/>
+          </a:fontRef>
+        </p:style>
+        <p:txBody>
+          <a:bodyPr rtlCol="0" anchor="ctr"/>
+          <a:lstStyle/>
+          <a:p>
+            <a:pPr algn="ctr"/>
+            <a:r>
+              <a:rPr lang="en-US" sz="1000" b="1" dirty="0" err="1">
+                <a:solidFill>
+                  <a:schemeClr val="tx1"/>
+                </a:solidFill>
+                <a:latin typeface="Arial" panose="020B0604020202020204" pitchFamily="34" charset="0"/>
+                <a:cs typeface="Arial" panose="020B0604020202020204" pitchFamily="34" charset="0"/>
+              </a:rPr>
+              <a:t>g_files_active_number</a:t>
+            </a:r>
+            <a:r>
+              <a:rPr lang="en-US" sz="1000" b="1" dirty="0">
+                <a:solidFill>
+                  <a:schemeClr val="tx1"/>
+                </a:solidFill>
+                <a:latin typeface="Arial" panose="020B0604020202020204" pitchFamily="34" charset="0"/>
+                <a:cs typeface="Arial" panose="020B0604020202020204" pitchFamily="34" charset="0"/>
+              </a:rPr>
+              <a:t> = 1</a:t>
+            </a:r>
+            <a:endParaRPr lang="de-CH" sz="1000" b="1" dirty="0">
+              <a:solidFill>
+                <a:schemeClr val="tx1"/>
+              </a:solidFill>
+              <a:latin typeface="Arial" panose="020B0604020202020204" pitchFamily="34" charset="0"/>
+              <a:cs typeface="Arial" panose="020B0604020202020204" pitchFamily="34" charset="0"/>
+            </a:endParaRPr>
+          </a:p>
+        </p:txBody>
+      </p:sp>
+      <p:sp>
+        <p:nvSpPr>
+          <p:cNvPr id="64" name="Rechteck 63">
+            <a:extLst>
+              <a:ext uri="{FF2B5EF4-FFF2-40B4-BE49-F238E27FC236}">
+                <a16:creationId xmlns:a16="http://schemas.microsoft.com/office/drawing/2014/main" id="{74B35A73-6709-CCE6-193F-4C2F674C6FD3}"/>
+              </a:ext>
+            </a:extLst>
+          </p:cNvPr>
+          <p:cNvSpPr/>
+          <p:nvPr/>
+        </p:nvSpPr>
+        <p:spPr>
+          <a:xfrm>
+            <a:off x="4262827" y="1637505"/>
+            <a:ext cx="2815563" cy="273141"/>
+          </a:xfrm>
+          <a:prstGeom prst="rect">
+            <a:avLst/>
+          </a:prstGeom>
+          <a:noFill/>
+          <a:ln>
+            <a:solidFill>
+              <a:schemeClr val="tx1"/>
+            </a:solidFill>
+          </a:ln>
+        </p:spPr>
+        <p:style>
+          <a:lnRef idx="2">
+            <a:schemeClr val="accent1">
+              <a:shade val="50000"/>
+            </a:schemeClr>
+          </a:lnRef>
+          <a:fillRef idx="1">
+            <a:schemeClr val="accent1"/>
+          </a:fillRef>
+          <a:effectRef idx="0">
+            <a:schemeClr val="accent1"/>
+          </a:effectRef>
+          <a:fontRef idx="minor">
+            <a:schemeClr val="lt1"/>
+          </a:fontRef>
+        </p:style>
+        <p:txBody>
+          <a:bodyPr rtlCol="0" anchor="ctr"/>
+          <a:lstStyle/>
+          <a:p>
+            <a:pPr algn="ctr"/>
+            <a:r>
+              <a:rPr lang="de-CH" sz="1000" b="1" dirty="0" err="1">
+                <a:solidFill>
+                  <a:schemeClr val="tx1"/>
+                </a:solidFill>
+                <a:latin typeface="Arial" panose="020B0604020202020204" pitchFamily="34" charset="0"/>
+                <a:cs typeface="Arial" panose="020B0604020202020204" pitchFamily="34" charset="0"/>
+              </a:rPr>
+              <a:t>setSponsorDropdown</a:t>
+            </a:r>
+            <a:r>
+              <a:rPr lang="de-CH" sz="1000" b="1" dirty="0">
+                <a:solidFill>
+                  <a:schemeClr val="tx1"/>
+                </a:solidFill>
+                <a:latin typeface="Arial" panose="020B0604020202020204" pitchFamily="34" charset="0"/>
+                <a:cs typeface="Arial" panose="020B0604020202020204" pitchFamily="34" charset="0"/>
+              </a:rPr>
+              <a:t>()</a:t>
+            </a:r>
+          </a:p>
+        </p:txBody>
+      </p:sp>
+      <p:sp>
+        <p:nvSpPr>
+          <p:cNvPr id="65" name="Rechteck 64">
+            <a:extLst>
+              <a:ext uri="{FF2B5EF4-FFF2-40B4-BE49-F238E27FC236}">
+                <a16:creationId xmlns:a16="http://schemas.microsoft.com/office/drawing/2014/main" id="{C0E02345-0313-4683-5AE3-8813F45E1705}"/>
+              </a:ext>
+            </a:extLst>
+          </p:cNvPr>
+          <p:cNvSpPr/>
+          <p:nvPr/>
+        </p:nvSpPr>
+        <p:spPr>
+          <a:xfrm>
+            <a:off x="4262827" y="2064428"/>
+            <a:ext cx="2815563" cy="273141"/>
+          </a:xfrm>
+          <a:prstGeom prst="rect">
+            <a:avLst/>
+          </a:prstGeom>
+          <a:noFill/>
+          <a:ln>
+            <a:solidFill>
+              <a:schemeClr val="tx1"/>
+            </a:solidFill>
+          </a:ln>
+        </p:spPr>
+        <p:style>
+          <a:lnRef idx="2">
+            <a:schemeClr val="accent1">
+              <a:shade val="50000"/>
+            </a:schemeClr>
+          </a:lnRef>
+          <a:fillRef idx="1">
+            <a:schemeClr val="accent1"/>
+          </a:fillRef>
+          <a:effectRef idx="0">
+            <a:schemeClr val="accent1"/>
+          </a:effectRef>
+          <a:fontRef idx="minor">
+            <a:schemeClr val="lt1"/>
+          </a:fontRef>
+        </p:style>
+        <p:txBody>
+          <a:bodyPr rtlCol="0" anchor="ctr"/>
+          <a:lstStyle/>
+          <a:p>
+            <a:pPr algn="ctr"/>
+            <a:r>
+              <a:rPr lang="de-CH" sz="1000" b="1" dirty="0" err="1">
+                <a:solidFill>
+                  <a:schemeClr val="tx1"/>
+                </a:solidFill>
+                <a:latin typeface="Arial" panose="020B0604020202020204" pitchFamily="34" charset="0"/>
+                <a:cs typeface="Arial" panose="020B0604020202020204" pitchFamily="34" charset="0"/>
+              </a:rPr>
+              <a:t>setControlsSponsor</a:t>
+            </a:r>
+            <a:r>
+              <a:rPr lang="de-CH" sz="1000" b="1" dirty="0">
+                <a:solidFill>
+                  <a:schemeClr val="tx1"/>
+                </a:solidFill>
+                <a:latin typeface="Arial" panose="020B0604020202020204" pitchFamily="34" charset="0"/>
+                <a:cs typeface="Arial" panose="020B0604020202020204" pitchFamily="34" charset="0"/>
+              </a:rPr>
+              <a:t>()</a:t>
+            </a:r>
+          </a:p>
+        </p:txBody>
+      </p:sp>
+      <p:sp>
+        <p:nvSpPr>
+          <p:cNvPr id="66" name="Rechteck 65">
+            <a:extLst>
+              <a:ext uri="{FF2B5EF4-FFF2-40B4-BE49-F238E27FC236}">
+                <a16:creationId xmlns:a16="http://schemas.microsoft.com/office/drawing/2014/main" id="{68DAF751-104F-FA05-9F8E-85590F2E9DA9}"/>
+              </a:ext>
+            </a:extLst>
+          </p:cNvPr>
+          <p:cNvSpPr/>
+          <p:nvPr/>
+        </p:nvSpPr>
+        <p:spPr>
+          <a:xfrm>
+            <a:off x="4262827" y="2498606"/>
+            <a:ext cx="2815563" cy="273141"/>
+          </a:xfrm>
+          <a:prstGeom prst="rect">
+            <a:avLst/>
+          </a:prstGeom>
+          <a:noFill/>
+          <a:ln>
+            <a:solidFill>
+              <a:schemeClr val="tx1"/>
+            </a:solidFill>
+          </a:ln>
+        </p:spPr>
+        <p:style>
+          <a:lnRef idx="2">
+            <a:schemeClr val="accent1">
+              <a:shade val="50000"/>
+            </a:schemeClr>
+          </a:lnRef>
+          <a:fillRef idx="1">
+            <a:schemeClr val="accent1"/>
+          </a:fillRef>
+          <a:effectRef idx="0">
+            <a:schemeClr val="accent1"/>
+          </a:effectRef>
+          <a:fontRef idx="minor">
+            <a:schemeClr val="lt1"/>
+          </a:fontRef>
+        </p:style>
+        <p:txBody>
+          <a:bodyPr rtlCol="0" anchor="ctr"/>
+          <a:lstStyle/>
+          <a:p>
+            <a:pPr algn="ctr"/>
+            <a:r>
+              <a:rPr lang="de-CH" sz="1000" b="1" dirty="0" err="1">
+                <a:solidFill>
+                  <a:schemeClr val="tx1"/>
+                </a:solidFill>
+                <a:latin typeface="Arial" panose="020B0604020202020204" pitchFamily="34" charset="0"/>
+                <a:cs typeface="Arial" panose="020B0604020202020204" pitchFamily="34" charset="0"/>
+              </a:rPr>
+              <a:t>displayControlSponsor</a:t>
+            </a:r>
+            <a:r>
+              <a:rPr lang="de-CH" sz="1000" b="1" dirty="0">
+                <a:solidFill>
+                  <a:schemeClr val="tx1"/>
+                </a:solidFill>
+                <a:latin typeface="Arial" panose="020B0604020202020204" pitchFamily="34" charset="0"/>
+                <a:cs typeface="Arial" panose="020B0604020202020204" pitchFamily="34" charset="0"/>
+              </a:rPr>
+              <a:t>()</a:t>
+            </a:r>
+          </a:p>
+        </p:txBody>
+      </p:sp>
+      <p:sp>
+        <p:nvSpPr>
+          <p:cNvPr id="67" name="Rechteck 66">
+            <a:extLst>
+              <a:ext uri="{FF2B5EF4-FFF2-40B4-BE49-F238E27FC236}">
+                <a16:creationId xmlns:a16="http://schemas.microsoft.com/office/drawing/2014/main" id="{8FDB9152-F6A6-09A1-D545-EF6704976188}"/>
+              </a:ext>
+            </a:extLst>
+          </p:cNvPr>
+          <p:cNvSpPr/>
+          <p:nvPr/>
+        </p:nvSpPr>
+        <p:spPr>
+          <a:xfrm>
+            <a:off x="4262827" y="2939356"/>
+            <a:ext cx="2815563" cy="273141"/>
+          </a:xfrm>
+          <a:prstGeom prst="rect">
+            <a:avLst/>
+          </a:prstGeom>
+          <a:noFill/>
+          <a:ln>
+            <a:solidFill>
+              <a:schemeClr val="tx1"/>
+            </a:solidFill>
+          </a:ln>
+        </p:spPr>
+        <p:style>
+          <a:lnRef idx="2">
+            <a:schemeClr val="accent1">
+              <a:shade val="50000"/>
+            </a:schemeClr>
+          </a:lnRef>
+          <a:fillRef idx="1">
+            <a:schemeClr val="accent1"/>
+          </a:fillRef>
+          <a:effectRef idx="0">
+            <a:schemeClr val="accent1"/>
+          </a:effectRef>
+          <a:fontRef idx="minor">
+            <a:schemeClr val="lt1"/>
+          </a:fontRef>
+        </p:style>
+        <p:txBody>
+          <a:bodyPr rtlCol="0" anchor="ctr"/>
+          <a:lstStyle/>
+          <a:p>
+            <a:pPr algn="ctr"/>
+            <a:r>
+              <a:rPr lang="de-CH" sz="1000" b="1" dirty="0" err="1">
+                <a:solidFill>
+                  <a:schemeClr val="tx1"/>
+                </a:solidFill>
+                <a:latin typeface="Arial" panose="020B0604020202020204" pitchFamily="34" charset="0"/>
+                <a:cs typeface="Arial" panose="020B0604020202020204" pitchFamily="34" charset="0"/>
+              </a:rPr>
+              <a:t>setCategoryButtonSponsorSelected</a:t>
+            </a:r>
+            <a:r>
+              <a:rPr lang="de-CH" sz="1000" b="1" dirty="0">
+                <a:solidFill>
+                  <a:schemeClr val="tx1"/>
+                </a:solidFill>
+                <a:latin typeface="Arial" panose="020B0604020202020204" pitchFamily="34" charset="0"/>
+                <a:cs typeface="Arial" panose="020B0604020202020204" pitchFamily="34" charset="0"/>
+              </a:rPr>
+              <a:t>()</a:t>
+            </a:r>
+          </a:p>
+        </p:txBody>
+      </p:sp>
+      <p:cxnSp>
+        <p:nvCxnSpPr>
+          <p:cNvPr id="68" name="Gerader Verbinder 67">
+            <a:extLst>
+              <a:ext uri="{FF2B5EF4-FFF2-40B4-BE49-F238E27FC236}">
+                <a16:creationId xmlns:a16="http://schemas.microsoft.com/office/drawing/2014/main" id="{0316F603-616E-9FA5-6F9E-4DCA92690381}"/>
+              </a:ext>
+            </a:extLst>
+          </p:cNvPr>
+          <p:cNvCxnSpPr>
+            <a:cxnSpLocks/>
+          </p:cNvCxnSpPr>
+          <p:nvPr/>
+        </p:nvCxnSpPr>
+        <p:spPr>
+          <a:xfrm flipV="1">
+            <a:off x="5635713" y="483808"/>
+            <a:ext cx="0" cy="154303"/>
+          </a:xfrm>
+          <a:prstGeom prst="line">
+            <a:avLst/>
+          </a:prstGeom>
+          <a:ln w="22225">
+            <a:solidFill>
+              <a:schemeClr val="tx1"/>
+            </a:solidFill>
+          </a:ln>
+        </p:spPr>
+        <p:style>
+          <a:lnRef idx="1">
+            <a:schemeClr val="accent1"/>
+          </a:lnRef>
+          <a:fillRef idx="0">
+            <a:schemeClr val="accent1"/>
+          </a:fillRef>
+          <a:effectRef idx="0">
+            <a:schemeClr val="accent1"/>
+          </a:effectRef>
+          <a:fontRef idx="minor">
+            <a:schemeClr val="tx1"/>
+          </a:fontRef>
+        </p:style>
+      </p:cxnSp>
+      <p:cxnSp>
+        <p:nvCxnSpPr>
+          <p:cNvPr id="69" name="Gerader Verbinder 68">
+            <a:extLst>
+              <a:ext uri="{FF2B5EF4-FFF2-40B4-BE49-F238E27FC236}">
+                <a16:creationId xmlns:a16="http://schemas.microsoft.com/office/drawing/2014/main" id="{4C746665-025B-C48D-E914-2952032FDE5F}"/>
+              </a:ext>
+            </a:extLst>
+          </p:cNvPr>
+          <p:cNvCxnSpPr>
+            <a:cxnSpLocks/>
+          </p:cNvCxnSpPr>
+          <p:nvPr/>
+        </p:nvCxnSpPr>
+        <p:spPr>
+          <a:xfrm flipV="1">
+            <a:off x="5642292" y="1036398"/>
+            <a:ext cx="0" cy="154303"/>
+          </a:xfrm>
+          <a:prstGeom prst="line">
+            <a:avLst/>
+          </a:prstGeom>
+          <a:ln w="22225">
+            <a:solidFill>
+              <a:schemeClr val="tx1"/>
+            </a:solidFill>
+          </a:ln>
+        </p:spPr>
+        <p:style>
+          <a:lnRef idx="1">
+            <a:schemeClr val="accent1"/>
+          </a:lnRef>
+          <a:fillRef idx="0">
+            <a:schemeClr val="accent1"/>
+          </a:fillRef>
+          <a:effectRef idx="0">
+            <a:schemeClr val="accent1"/>
+          </a:effectRef>
+          <a:fontRef idx="minor">
+            <a:schemeClr val="tx1"/>
+          </a:fontRef>
+        </p:style>
+      </p:cxnSp>
+      <p:cxnSp>
+        <p:nvCxnSpPr>
+          <p:cNvPr id="70" name="Gerader Verbinder 69">
+            <a:extLst>
+              <a:ext uri="{FF2B5EF4-FFF2-40B4-BE49-F238E27FC236}">
+                <a16:creationId xmlns:a16="http://schemas.microsoft.com/office/drawing/2014/main" id="{94FDDFAC-BFFC-5BDF-1792-939051B43AD2}"/>
+              </a:ext>
+            </a:extLst>
+          </p:cNvPr>
+          <p:cNvCxnSpPr>
+            <a:cxnSpLocks/>
+          </p:cNvCxnSpPr>
+          <p:nvPr/>
+        </p:nvCxnSpPr>
+        <p:spPr>
+          <a:xfrm flipV="1">
+            <a:off x="5640288" y="1479104"/>
+            <a:ext cx="0" cy="154303"/>
+          </a:xfrm>
+          <a:prstGeom prst="line">
+            <a:avLst/>
+          </a:prstGeom>
+          <a:ln w="22225">
+            <a:solidFill>
+              <a:schemeClr val="tx1"/>
+            </a:solidFill>
+          </a:ln>
+        </p:spPr>
+        <p:style>
+          <a:lnRef idx="1">
+            <a:schemeClr val="accent1"/>
+          </a:lnRef>
+          <a:fillRef idx="0">
+            <a:schemeClr val="accent1"/>
+          </a:fillRef>
+          <a:effectRef idx="0">
+            <a:schemeClr val="accent1"/>
+          </a:effectRef>
+          <a:fontRef idx="minor">
+            <a:schemeClr val="tx1"/>
+          </a:fontRef>
+        </p:style>
+      </p:cxnSp>
+      <p:cxnSp>
+        <p:nvCxnSpPr>
+          <p:cNvPr id="71" name="Gerader Verbinder 70">
+            <a:extLst>
+              <a:ext uri="{FF2B5EF4-FFF2-40B4-BE49-F238E27FC236}">
+                <a16:creationId xmlns:a16="http://schemas.microsoft.com/office/drawing/2014/main" id="{17AD9F03-3B19-3172-2EF1-9A41B55820F7}"/>
+              </a:ext>
+            </a:extLst>
+          </p:cNvPr>
+          <p:cNvCxnSpPr>
+            <a:cxnSpLocks/>
+          </p:cNvCxnSpPr>
+          <p:nvPr/>
+        </p:nvCxnSpPr>
+        <p:spPr>
+          <a:xfrm flipV="1">
+            <a:off x="5642292" y="1900635"/>
+            <a:ext cx="0" cy="154303"/>
+          </a:xfrm>
+          <a:prstGeom prst="line">
+            <a:avLst/>
+          </a:prstGeom>
+          <a:ln w="22225">
+            <a:solidFill>
+              <a:schemeClr val="tx1"/>
+            </a:solidFill>
+          </a:ln>
+        </p:spPr>
+        <p:style>
+          <a:lnRef idx="1">
+            <a:schemeClr val="accent1"/>
+          </a:lnRef>
+          <a:fillRef idx="0">
+            <a:schemeClr val="accent1"/>
+          </a:fillRef>
+          <a:effectRef idx="0">
+            <a:schemeClr val="accent1"/>
+          </a:effectRef>
+          <a:fontRef idx="minor">
+            <a:schemeClr val="tx1"/>
+          </a:fontRef>
+        </p:style>
+      </p:cxnSp>
+      <p:cxnSp>
+        <p:nvCxnSpPr>
+          <p:cNvPr id="72" name="Gerader Verbinder 71">
+            <a:extLst>
+              <a:ext uri="{FF2B5EF4-FFF2-40B4-BE49-F238E27FC236}">
+                <a16:creationId xmlns:a16="http://schemas.microsoft.com/office/drawing/2014/main" id="{58664CD2-0D51-F0E1-9320-5BA7E671116C}"/>
+              </a:ext>
+            </a:extLst>
+          </p:cNvPr>
+          <p:cNvCxnSpPr>
+            <a:cxnSpLocks/>
+          </p:cNvCxnSpPr>
+          <p:nvPr/>
+        </p:nvCxnSpPr>
+        <p:spPr>
+          <a:xfrm flipV="1">
+            <a:off x="5642292" y="2329567"/>
+            <a:ext cx="0" cy="154303"/>
+          </a:xfrm>
+          <a:prstGeom prst="line">
+            <a:avLst/>
+          </a:prstGeom>
+          <a:ln w="22225">
+            <a:solidFill>
+              <a:schemeClr val="tx1"/>
+            </a:solidFill>
+          </a:ln>
+        </p:spPr>
+        <p:style>
+          <a:lnRef idx="1">
+            <a:schemeClr val="accent1"/>
+          </a:lnRef>
+          <a:fillRef idx="0">
+            <a:schemeClr val="accent1"/>
+          </a:fillRef>
+          <a:effectRef idx="0">
+            <a:schemeClr val="accent1"/>
+          </a:effectRef>
+          <a:fontRef idx="minor">
+            <a:schemeClr val="tx1"/>
+          </a:fontRef>
+        </p:style>
+      </p:cxnSp>
+      <p:cxnSp>
+        <p:nvCxnSpPr>
+          <p:cNvPr id="73" name="Gerader Verbinder 72">
+            <a:extLst>
+              <a:ext uri="{FF2B5EF4-FFF2-40B4-BE49-F238E27FC236}">
+                <a16:creationId xmlns:a16="http://schemas.microsoft.com/office/drawing/2014/main" id="{035C8852-DB17-D3C2-5184-8F6282F2A983}"/>
+              </a:ext>
+            </a:extLst>
+          </p:cNvPr>
+          <p:cNvCxnSpPr>
+            <a:cxnSpLocks/>
+          </p:cNvCxnSpPr>
+          <p:nvPr/>
+        </p:nvCxnSpPr>
+        <p:spPr>
+          <a:xfrm flipV="1">
+            <a:off x="5653445" y="2771747"/>
+            <a:ext cx="0" cy="154303"/>
+          </a:xfrm>
+          <a:prstGeom prst="line">
+            <a:avLst/>
+          </a:prstGeom>
+          <a:ln w="22225">
+            <a:solidFill>
+              <a:schemeClr val="tx1"/>
+            </a:solidFill>
+          </a:ln>
+        </p:spPr>
+        <p:style>
+          <a:lnRef idx="1">
+            <a:schemeClr val="accent1"/>
+          </a:lnRef>
+          <a:fillRef idx="0">
+            <a:schemeClr val="accent1"/>
+          </a:fillRef>
+          <a:effectRef idx="0">
+            <a:schemeClr val="accent1"/>
+          </a:effectRef>
+          <a:fontRef idx="minor">
+            <a:schemeClr val="tx1"/>
+          </a:fontRef>
+        </p:style>
+      </p:cxnSp>
+      <p:sp>
+        <p:nvSpPr>
+          <p:cNvPr id="74" name="Rechteck 73">
+            <a:extLst>
+              <a:ext uri="{FF2B5EF4-FFF2-40B4-BE49-F238E27FC236}">
+                <a16:creationId xmlns:a16="http://schemas.microsoft.com/office/drawing/2014/main" id="{495A0A1A-23FC-75CC-6CBB-032A47CF749E}"/>
+              </a:ext>
+            </a:extLst>
+          </p:cNvPr>
+          <p:cNvSpPr/>
+          <p:nvPr/>
+        </p:nvSpPr>
+        <p:spPr>
+          <a:xfrm>
+            <a:off x="1325563" y="3348575"/>
+            <a:ext cx="2815563" cy="273141"/>
+          </a:xfrm>
+          <a:prstGeom prst="rect">
+            <a:avLst/>
+          </a:prstGeom>
+          <a:noFill/>
+          <a:ln>
+            <a:solidFill>
+              <a:schemeClr val="tx1"/>
+            </a:solidFill>
+          </a:ln>
+        </p:spPr>
+        <p:style>
+          <a:lnRef idx="2">
+            <a:schemeClr val="accent1">
+              <a:shade val="50000"/>
+            </a:schemeClr>
+          </a:lnRef>
+          <a:fillRef idx="1">
+            <a:schemeClr val="accent1"/>
+          </a:fillRef>
+          <a:effectRef idx="0">
+            <a:schemeClr val="accent1"/>
+          </a:effectRef>
+          <a:fontRef idx="minor">
+            <a:schemeClr val="lt1"/>
+          </a:fontRef>
+        </p:style>
+        <p:txBody>
+          <a:bodyPr rtlCol="0" anchor="ctr"/>
+          <a:lstStyle/>
+          <a:p>
+            <a:pPr algn="ctr"/>
+            <a:r>
+              <a:rPr lang="de-CH" sz="1000" b="1" dirty="0" err="1">
+                <a:solidFill>
+                  <a:schemeClr val="tx1"/>
+                </a:solidFill>
+                <a:latin typeface="Arial" panose="020B0604020202020204" pitchFamily="34" charset="0"/>
+                <a:cs typeface="Arial" panose="020B0604020202020204" pitchFamily="34" charset="0"/>
+              </a:rPr>
+              <a:t>eventClickQrSupporterButton</a:t>
+            </a:r>
+            <a:r>
+              <a:rPr lang="de-CH" sz="1000" b="1" dirty="0">
+                <a:solidFill>
+                  <a:schemeClr val="tx1"/>
+                </a:solidFill>
+                <a:latin typeface="Arial" panose="020B0604020202020204" pitchFamily="34" charset="0"/>
+                <a:cs typeface="Arial" panose="020B0604020202020204" pitchFamily="34" charset="0"/>
+              </a:rPr>
+              <a:t>()</a:t>
+            </a:r>
+          </a:p>
+        </p:txBody>
+      </p:sp>
+      <p:sp>
+        <p:nvSpPr>
+          <p:cNvPr id="75" name="Rechteck 74">
+            <a:extLst>
+              <a:ext uri="{FF2B5EF4-FFF2-40B4-BE49-F238E27FC236}">
+                <a16:creationId xmlns:a16="http://schemas.microsoft.com/office/drawing/2014/main" id="{FFAF7A74-4D07-A5E0-03E1-0E9E39B6ED9B}"/>
+              </a:ext>
+            </a:extLst>
+          </p:cNvPr>
+          <p:cNvSpPr/>
+          <p:nvPr/>
+        </p:nvSpPr>
+        <p:spPr>
+          <a:xfrm>
+            <a:off x="1322272" y="3789334"/>
+            <a:ext cx="2815563" cy="396026"/>
+          </a:xfrm>
+          <a:prstGeom prst="rect">
+            <a:avLst/>
+          </a:prstGeom>
+          <a:noFill/>
+          <a:ln>
+            <a:solidFill>
+              <a:schemeClr val="tx1"/>
+            </a:solidFill>
+          </a:ln>
+        </p:spPr>
+        <p:style>
+          <a:lnRef idx="2">
+            <a:schemeClr val="accent1">
+              <a:shade val="50000"/>
+            </a:schemeClr>
+          </a:lnRef>
+          <a:fillRef idx="1">
+            <a:schemeClr val="accent1"/>
+          </a:fillRef>
+          <a:effectRef idx="0">
+            <a:schemeClr val="accent1"/>
+          </a:effectRef>
+          <a:fontRef idx="minor">
+            <a:schemeClr val="lt1"/>
+          </a:fontRef>
+        </p:style>
+        <p:txBody>
+          <a:bodyPr rtlCol="0" anchor="ctr"/>
+          <a:lstStyle/>
+          <a:p>
+            <a:pPr algn="ctr"/>
+            <a:r>
+              <a:rPr lang="de-CH" sz="1000" b="1" dirty="0" err="1">
+                <a:solidFill>
+                  <a:schemeClr val="tx1"/>
+                </a:solidFill>
+                <a:latin typeface="Arial" panose="020B0604020202020204" pitchFamily="34" charset="0"/>
+                <a:cs typeface="Arial" panose="020B0604020202020204" pitchFamily="34" charset="0"/>
+              </a:rPr>
+              <a:t>setActiveCategory</a:t>
+            </a:r>
+            <a:endParaRPr lang="de-CH" sz="1000" b="1" dirty="0">
+              <a:solidFill>
+                <a:schemeClr val="tx1"/>
+              </a:solidFill>
+              <a:latin typeface="Arial" panose="020B0604020202020204" pitchFamily="34" charset="0"/>
+              <a:cs typeface="Arial" panose="020B0604020202020204" pitchFamily="34" charset="0"/>
+            </a:endParaRPr>
+          </a:p>
+          <a:p>
+            <a:pPr algn="ctr"/>
+            <a:r>
+              <a:rPr lang="de-CH" sz="1000" b="1" dirty="0" err="1">
+                <a:solidFill>
+                  <a:schemeClr val="tx1"/>
+                </a:solidFill>
+                <a:latin typeface="Arial" panose="020B0604020202020204" pitchFamily="34" charset="0"/>
+                <a:cs typeface="Arial" panose="020B0604020202020204" pitchFamily="34" charset="0"/>
+              </a:rPr>
+              <a:t>QrStrings.getQrCategoryFreeString</a:t>
+            </a:r>
+            <a:r>
+              <a:rPr lang="de-CH" sz="1000" b="1" dirty="0">
+                <a:solidFill>
+                  <a:schemeClr val="tx1"/>
+                </a:solidFill>
+                <a:latin typeface="Arial" panose="020B0604020202020204" pitchFamily="34" charset="0"/>
+                <a:cs typeface="Arial" panose="020B0604020202020204" pitchFamily="34" charset="0"/>
+              </a:rPr>
+              <a:t>()</a:t>
+            </a:r>
+          </a:p>
+        </p:txBody>
+      </p:sp>
+      <p:sp>
+        <p:nvSpPr>
+          <p:cNvPr id="76" name="Rechteck 75">
+            <a:extLst>
+              <a:ext uri="{FF2B5EF4-FFF2-40B4-BE49-F238E27FC236}">
+                <a16:creationId xmlns:a16="http://schemas.microsoft.com/office/drawing/2014/main" id="{91084F6F-2738-2728-B623-30D0E4193A39}"/>
+              </a:ext>
+            </a:extLst>
+          </p:cNvPr>
+          <p:cNvSpPr/>
+          <p:nvPr/>
+        </p:nvSpPr>
+        <p:spPr>
+          <a:xfrm>
+            <a:off x="1322271" y="4350452"/>
+            <a:ext cx="2815563" cy="273141"/>
+          </a:xfrm>
+          <a:prstGeom prst="rect">
+            <a:avLst/>
+          </a:prstGeom>
+          <a:noFill/>
+          <a:ln>
+            <a:solidFill>
+              <a:schemeClr val="tx1"/>
+            </a:solidFill>
+          </a:ln>
+        </p:spPr>
+        <p:style>
+          <a:lnRef idx="2">
+            <a:schemeClr val="accent1">
+              <a:shade val="50000"/>
+            </a:schemeClr>
+          </a:lnRef>
+          <a:fillRef idx="1">
+            <a:schemeClr val="accent1"/>
+          </a:fillRef>
+          <a:effectRef idx="0">
+            <a:schemeClr val="accent1"/>
+          </a:effectRef>
+          <a:fontRef idx="minor">
+            <a:schemeClr val="lt1"/>
+          </a:fontRef>
+        </p:style>
+        <p:txBody>
+          <a:bodyPr rtlCol="0" anchor="ctr"/>
+          <a:lstStyle/>
+          <a:p>
+            <a:pPr algn="ctr"/>
+            <a:r>
+              <a:rPr lang="en-US" sz="1000" b="1" dirty="0" err="1">
+                <a:solidFill>
+                  <a:schemeClr val="tx1"/>
+                </a:solidFill>
+                <a:latin typeface="Arial" panose="020B0604020202020204" pitchFamily="34" charset="0"/>
+                <a:cs typeface="Arial" panose="020B0604020202020204" pitchFamily="34" charset="0"/>
+              </a:rPr>
+              <a:t>g_files_active_number</a:t>
+            </a:r>
+            <a:r>
+              <a:rPr lang="en-US" sz="1000" b="1" dirty="0">
+                <a:solidFill>
+                  <a:schemeClr val="tx1"/>
+                </a:solidFill>
+                <a:latin typeface="Arial" panose="020B0604020202020204" pitchFamily="34" charset="0"/>
+                <a:cs typeface="Arial" panose="020B0604020202020204" pitchFamily="34" charset="0"/>
+              </a:rPr>
+              <a:t> = 1</a:t>
+            </a:r>
+            <a:endParaRPr lang="de-CH" sz="1000" b="1" dirty="0">
+              <a:solidFill>
+                <a:schemeClr val="tx1"/>
+              </a:solidFill>
+              <a:latin typeface="Arial" panose="020B0604020202020204" pitchFamily="34" charset="0"/>
+              <a:cs typeface="Arial" panose="020B0604020202020204" pitchFamily="34" charset="0"/>
+            </a:endParaRPr>
+          </a:p>
+        </p:txBody>
+      </p:sp>
+      <p:sp>
+        <p:nvSpPr>
+          <p:cNvPr id="77" name="Rechteck 76">
+            <a:extLst>
+              <a:ext uri="{FF2B5EF4-FFF2-40B4-BE49-F238E27FC236}">
+                <a16:creationId xmlns:a16="http://schemas.microsoft.com/office/drawing/2014/main" id="{01815CC9-F5F1-6E0A-5221-F83A31BA751B}"/>
+              </a:ext>
+            </a:extLst>
+          </p:cNvPr>
+          <p:cNvSpPr/>
+          <p:nvPr/>
+        </p:nvSpPr>
+        <p:spPr>
+          <a:xfrm>
+            <a:off x="1322271" y="4775413"/>
+            <a:ext cx="2815563" cy="273141"/>
+          </a:xfrm>
+          <a:prstGeom prst="rect">
+            <a:avLst/>
+          </a:prstGeom>
+          <a:noFill/>
+          <a:ln>
+            <a:solidFill>
+              <a:schemeClr val="tx1"/>
+            </a:solidFill>
+          </a:ln>
+        </p:spPr>
+        <p:style>
+          <a:lnRef idx="2">
+            <a:schemeClr val="accent1">
+              <a:shade val="50000"/>
+            </a:schemeClr>
+          </a:lnRef>
+          <a:fillRef idx="1">
+            <a:schemeClr val="accent1"/>
+          </a:fillRef>
+          <a:effectRef idx="0">
+            <a:schemeClr val="accent1"/>
+          </a:effectRef>
+          <a:fontRef idx="minor">
+            <a:schemeClr val="lt1"/>
+          </a:fontRef>
+        </p:style>
+        <p:txBody>
+          <a:bodyPr rtlCol="0" anchor="ctr"/>
+          <a:lstStyle/>
+          <a:p>
+            <a:pPr algn="ctr"/>
+            <a:r>
+              <a:rPr lang="de-CH" sz="1000" b="1" dirty="0" err="1">
+                <a:solidFill>
+                  <a:schemeClr val="tx1"/>
+                </a:solidFill>
+                <a:latin typeface="Arial" panose="020B0604020202020204" pitchFamily="34" charset="0"/>
+                <a:cs typeface="Arial" panose="020B0604020202020204" pitchFamily="34" charset="0"/>
+              </a:rPr>
+              <a:t>setFreeDropdown</a:t>
+            </a:r>
+            <a:r>
+              <a:rPr lang="de-CH" sz="1000" b="1" dirty="0">
+                <a:solidFill>
+                  <a:schemeClr val="tx1"/>
+                </a:solidFill>
+                <a:latin typeface="Arial" panose="020B0604020202020204" pitchFamily="34" charset="0"/>
+                <a:cs typeface="Arial" panose="020B0604020202020204" pitchFamily="34" charset="0"/>
+              </a:rPr>
+              <a:t>()</a:t>
+            </a:r>
+          </a:p>
+        </p:txBody>
+      </p:sp>
+      <p:sp>
+        <p:nvSpPr>
+          <p:cNvPr id="78" name="Rechteck 77">
+            <a:extLst>
+              <a:ext uri="{FF2B5EF4-FFF2-40B4-BE49-F238E27FC236}">
+                <a16:creationId xmlns:a16="http://schemas.microsoft.com/office/drawing/2014/main" id="{94F188E5-01D0-BF5B-C9B6-658147D60C8B}"/>
+              </a:ext>
+            </a:extLst>
+          </p:cNvPr>
+          <p:cNvSpPr/>
+          <p:nvPr/>
+        </p:nvSpPr>
+        <p:spPr>
+          <a:xfrm>
+            <a:off x="1322271" y="5202336"/>
+            <a:ext cx="2815563" cy="273141"/>
+          </a:xfrm>
+          <a:prstGeom prst="rect">
+            <a:avLst/>
+          </a:prstGeom>
+          <a:noFill/>
+          <a:ln>
+            <a:solidFill>
+              <a:schemeClr val="tx1"/>
+            </a:solidFill>
+          </a:ln>
+        </p:spPr>
+        <p:style>
+          <a:lnRef idx="2">
+            <a:schemeClr val="accent1">
+              <a:shade val="50000"/>
+            </a:schemeClr>
+          </a:lnRef>
+          <a:fillRef idx="1">
+            <a:schemeClr val="accent1"/>
+          </a:fillRef>
+          <a:effectRef idx="0">
+            <a:schemeClr val="accent1"/>
+          </a:effectRef>
+          <a:fontRef idx="minor">
+            <a:schemeClr val="lt1"/>
+          </a:fontRef>
+        </p:style>
+        <p:txBody>
+          <a:bodyPr rtlCol="0" anchor="ctr"/>
+          <a:lstStyle/>
+          <a:p>
+            <a:pPr algn="ctr"/>
+            <a:r>
+              <a:rPr lang="de-CH" sz="1000" b="1" dirty="0" err="1">
+                <a:solidFill>
+                  <a:schemeClr val="tx1"/>
+                </a:solidFill>
+                <a:latin typeface="Arial" panose="020B0604020202020204" pitchFamily="34" charset="0"/>
+                <a:cs typeface="Arial" panose="020B0604020202020204" pitchFamily="34" charset="0"/>
+              </a:rPr>
+              <a:t>setControlsFree</a:t>
+            </a:r>
+            <a:r>
+              <a:rPr lang="de-CH" sz="1000" b="1" dirty="0">
+                <a:solidFill>
+                  <a:schemeClr val="tx1"/>
+                </a:solidFill>
+                <a:latin typeface="Arial" panose="020B0604020202020204" pitchFamily="34" charset="0"/>
+                <a:cs typeface="Arial" panose="020B0604020202020204" pitchFamily="34" charset="0"/>
+              </a:rPr>
+              <a:t>()</a:t>
+            </a:r>
+          </a:p>
+        </p:txBody>
+      </p:sp>
+      <p:sp>
+        <p:nvSpPr>
+          <p:cNvPr id="79" name="Rechteck 78">
+            <a:extLst>
+              <a:ext uri="{FF2B5EF4-FFF2-40B4-BE49-F238E27FC236}">
+                <a16:creationId xmlns:a16="http://schemas.microsoft.com/office/drawing/2014/main" id="{7113FD12-AF4C-F929-AD6E-DB44F402B0EA}"/>
+              </a:ext>
+            </a:extLst>
+          </p:cNvPr>
+          <p:cNvSpPr/>
+          <p:nvPr/>
+        </p:nvSpPr>
+        <p:spPr>
+          <a:xfrm>
+            <a:off x="1322271" y="5636514"/>
+            <a:ext cx="2815563" cy="273141"/>
+          </a:xfrm>
+          <a:prstGeom prst="rect">
+            <a:avLst/>
+          </a:prstGeom>
+          <a:noFill/>
+          <a:ln>
+            <a:solidFill>
+              <a:schemeClr val="tx1"/>
+            </a:solidFill>
+          </a:ln>
+        </p:spPr>
+        <p:style>
+          <a:lnRef idx="2">
+            <a:schemeClr val="accent1">
+              <a:shade val="50000"/>
+            </a:schemeClr>
+          </a:lnRef>
+          <a:fillRef idx="1">
+            <a:schemeClr val="accent1"/>
+          </a:fillRef>
+          <a:effectRef idx="0">
+            <a:schemeClr val="accent1"/>
+          </a:effectRef>
+          <a:fontRef idx="minor">
+            <a:schemeClr val="lt1"/>
+          </a:fontRef>
+        </p:style>
+        <p:txBody>
+          <a:bodyPr rtlCol="0" anchor="ctr"/>
+          <a:lstStyle/>
+          <a:p>
+            <a:pPr algn="ctr"/>
+            <a:r>
+              <a:rPr lang="de-CH" sz="1000" b="1" dirty="0" err="1">
+                <a:solidFill>
+                  <a:schemeClr val="tx1"/>
+                </a:solidFill>
+                <a:latin typeface="Arial" panose="020B0604020202020204" pitchFamily="34" charset="0"/>
+                <a:cs typeface="Arial" panose="020B0604020202020204" pitchFamily="34" charset="0"/>
+              </a:rPr>
+              <a:t>displayControlFree</a:t>
+            </a:r>
+            <a:r>
+              <a:rPr lang="de-CH" sz="1000" b="1" dirty="0">
+                <a:solidFill>
+                  <a:schemeClr val="tx1"/>
+                </a:solidFill>
+                <a:latin typeface="Arial" panose="020B0604020202020204" pitchFamily="34" charset="0"/>
+                <a:cs typeface="Arial" panose="020B0604020202020204" pitchFamily="34" charset="0"/>
+              </a:rPr>
+              <a:t>()</a:t>
+            </a:r>
+          </a:p>
+        </p:txBody>
+      </p:sp>
+      <p:sp>
+        <p:nvSpPr>
+          <p:cNvPr id="80" name="Rechteck 79">
+            <a:extLst>
+              <a:ext uri="{FF2B5EF4-FFF2-40B4-BE49-F238E27FC236}">
+                <a16:creationId xmlns:a16="http://schemas.microsoft.com/office/drawing/2014/main" id="{A5540288-F6C8-67D6-649C-796441F89963}"/>
+              </a:ext>
+            </a:extLst>
+          </p:cNvPr>
+          <p:cNvSpPr/>
+          <p:nvPr/>
+        </p:nvSpPr>
+        <p:spPr>
+          <a:xfrm>
+            <a:off x="1322271" y="6077264"/>
+            <a:ext cx="2815563" cy="273141"/>
+          </a:xfrm>
+          <a:prstGeom prst="rect">
+            <a:avLst/>
+          </a:prstGeom>
+          <a:noFill/>
+          <a:ln>
+            <a:solidFill>
+              <a:schemeClr val="tx1"/>
+            </a:solidFill>
+          </a:ln>
+        </p:spPr>
+        <p:style>
+          <a:lnRef idx="2">
+            <a:schemeClr val="accent1">
+              <a:shade val="50000"/>
+            </a:schemeClr>
+          </a:lnRef>
+          <a:fillRef idx="1">
+            <a:schemeClr val="accent1"/>
+          </a:fillRef>
+          <a:effectRef idx="0">
+            <a:schemeClr val="accent1"/>
+          </a:effectRef>
+          <a:fontRef idx="minor">
+            <a:schemeClr val="lt1"/>
+          </a:fontRef>
+        </p:style>
+        <p:txBody>
+          <a:bodyPr rtlCol="0" anchor="ctr"/>
+          <a:lstStyle/>
+          <a:p>
+            <a:pPr algn="ctr"/>
+            <a:r>
+              <a:rPr lang="de-CH" sz="1000" b="1" dirty="0" err="1">
+                <a:solidFill>
+                  <a:schemeClr val="tx1"/>
+                </a:solidFill>
+                <a:latin typeface="Arial" panose="020B0604020202020204" pitchFamily="34" charset="0"/>
+                <a:cs typeface="Arial" panose="020B0604020202020204" pitchFamily="34" charset="0"/>
+              </a:rPr>
+              <a:t>setCategoryButtonFreeSelected</a:t>
+            </a:r>
+            <a:r>
+              <a:rPr lang="de-CH" sz="1000" b="1" dirty="0">
+                <a:solidFill>
+                  <a:schemeClr val="tx1"/>
+                </a:solidFill>
+                <a:latin typeface="Arial" panose="020B0604020202020204" pitchFamily="34" charset="0"/>
+                <a:cs typeface="Arial" panose="020B0604020202020204" pitchFamily="34" charset="0"/>
+              </a:rPr>
+              <a:t>()</a:t>
+            </a:r>
+          </a:p>
+        </p:txBody>
+      </p:sp>
+      <p:cxnSp>
+        <p:nvCxnSpPr>
+          <p:cNvPr id="81" name="Gerader Verbinder 80">
+            <a:extLst>
+              <a:ext uri="{FF2B5EF4-FFF2-40B4-BE49-F238E27FC236}">
+                <a16:creationId xmlns:a16="http://schemas.microsoft.com/office/drawing/2014/main" id="{ED69C761-3146-0CF1-C471-90E65B121834}"/>
+              </a:ext>
+            </a:extLst>
+          </p:cNvPr>
+          <p:cNvCxnSpPr>
+            <a:cxnSpLocks/>
+          </p:cNvCxnSpPr>
+          <p:nvPr/>
+        </p:nvCxnSpPr>
+        <p:spPr>
+          <a:xfrm flipV="1">
+            <a:off x="2695157" y="3621716"/>
+            <a:ext cx="0" cy="154303"/>
+          </a:xfrm>
+          <a:prstGeom prst="line">
+            <a:avLst/>
+          </a:prstGeom>
+          <a:ln w="22225">
+            <a:solidFill>
+              <a:schemeClr val="tx1"/>
+            </a:solidFill>
+          </a:ln>
+        </p:spPr>
+        <p:style>
+          <a:lnRef idx="1">
+            <a:schemeClr val="accent1"/>
+          </a:lnRef>
+          <a:fillRef idx="0">
+            <a:schemeClr val="accent1"/>
+          </a:fillRef>
+          <a:effectRef idx="0">
+            <a:schemeClr val="accent1"/>
+          </a:effectRef>
+          <a:fontRef idx="minor">
+            <a:schemeClr val="tx1"/>
+          </a:fontRef>
+        </p:style>
+      </p:cxnSp>
+      <p:cxnSp>
+        <p:nvCxnSpPr>
+          <p:cNvPr id="82" name="Gerader Verbinder 81">
+            <a:extLst>
+              <a:ext uri="{FF2B5EF4-FFF2-40B4-BE49-F238E27FC236}">
+                <a16:creationId xmlns:a16="http://schemas.microsoft.com/office/drawing/2014/main" id="{232D3747-CA47-3D57-4616-6665FE1DCB5A}"/>
+              </a:ext>
+            </a:extLst>
+          </p:cNvPr>
+          <p:cNvCxnSpPr>
+            <a:cxnSpLocks/>
+          </p:cNvCxnSpPr>
+          <p:nvPr/>
+        </p:nvCxnSpPr>
+        <p:spPr>
+          <a:xfrm flipV="1">
+            <a:off x="2701736" y="4174306"/>
+            <a:ext cx="0" cy="154303"/>
+          </a:xfrm>
+          <a:prstGeom prst="line">
+            <a:avLst/>
+          </a:prstGeom>
+          <a:ln w="22225">
+            <a:solidFill>
+              <a:schemeClr val="tx1"/>
+            </a:solidFill>
+          </a:ln>
+        </p:spPr>
+        <p:style>
+          <a:lnRef idx="1">
+            <a:schemeClr val="accent1"/>
+          </a:lnRef>
+          <a:fillRef idx="0">
+            <a:schemeClr val="accent1"/>
+          </a:fillRef>
+          <a:effectRef idx="0">
+            <a:schemeClr val="accent1"/>
+          </a:effectRef>
+          <a:fontRef idx="minor">
+            <a:schemeClr val="tx1"/>
+          </a:fontRef>
+        </p:style>
+      </p:cxnSp>
+      <p:cxnSp>
+        <p:nvCxnSpPr>
+          <p:cNvPr id="83" name="Gerader Verbinder 82">
+            <a:extLst>
+              <a:ext uri="{FF2B5EF4-FFF2-40B4-BE49-F238E27FC236}">
+                <a16:creationId xmlns:a16="http://schemas.microsoft.com/office/drawing/2014/main" id="{C41BDE88-E368-3A0F-4AAF-AFBB75BA2AD2}"/>
+              </a:ext>
+            </a:extLst>
+          </p:cNvPr>
+          <p:cNvCxnSpPr>
+            <a:cxnSpLocks/>
+          </p:cNvCxnSpPr>
+          <p:nvPr/>
+        </p:nvCxnSpPr>
+        <p:spPr>
+          <a:xfrm flipV="1">
+            <a:off x="2699732" y="4617012"/>
+            <a:ext cx="0" cy="154303"/>
+          </a:xfrm>
+          <a:prstGeom prst="line">
+            <a:avLst/>
+          </a:prstGeom>
+          <a:ln w="22225">
+            <a:solidFill>
+              <a:schemeClr val="tx1"/>
+            </a:solidFill>
+          </a:ln>
+        </p:spPr>
+        <p:style>
+          <a:lnRef idx="1">
+            <a:schemeClr val="accent1"/>
+          </a:lnRef>
+          <a:fillRef idx="0">
+            <a:schemeClr val="accent1"/>
+          </a:fillRef>
+          <a:effectRef idx="0">
+            <a:schemeClr val="accent1"/>
+          </a:effectRef>
+          <a:fontRef idx="minor">
+            <a:schemeClr val="tx1"/>
+          </a:fontRef>
+        </p:style>
+      </p:cxnSp>
+      <p:cxnSp>
+        <p:nvCxnSpPr>
+          <p:cNvPr id="84" name="Gerader Verbinder 83">
+            <a:extLst>
+              <a:ext uri="{FF2B5EF4-FFF2-40B4-BE49-F238E27FC236}">
+                <a16:creationId xmlns:a16="http://schemas.microsoft.com/office/drawing/2014/main" id="{2938F4BA-A7A7-4437-3842-9E656D1E7F12}"/>
+              </a:ext>
+            </a:extLst>
+          </p:cNvPr>
+          <p:cNvCxnSpPr>
+            <a:cxnSpLocks/>
+          </p:cNvCxnSpPr>
+          <p:nvPr/>
+        </p:nvCxnSpPr>
+        <p:spPr>
+          <a:xfrm flipV="1">
+            <a:off x="2701736" y="5038543"/>
+            <a:ext cx="0" cy="154303"/>
+          </a:xfrm>
+          <a:prstGeom prst="line">
+            <a:avLst/>
+          </a:prstGeom>
+          <a:ln w="22225">
+            <a:solidFill>
+              <a:schemeClr val="tx1"/>
+            </a:solidFill>
+          </a:ln>
+        </p:spPr>
+        <p:style>
+          <a:lnRef idx="1">
+            <a:schemeClr val="accent1"/>
+          </a:lnRef>
+          <a:fillRef idx="0">
+            <a:schemeClr val="accent1"/>
+          </a:fillRef>
+          <a:effectRef idx="0">
+            <a:schemeClr val="accent1"/>
+          </a:effectRef>
+          <a:fontRef idx="minor">
+            <a:schemeClr val="tx1"/>
+          </a:fontRef>
+        </p:style>
+      </p:cxnSp>
+      <p:cxnSp>
+        <p:nvCxnSpPr>
+          <p:cNvPr id="85" name="Gerader Verbinder 84">
+            <a:extLst>
+              <a:ext uri="{FF2B5EF4-FFF2-40B4-BE49-F238E27FC236}">
+                <a16:creationId xmlns:a16="http://schemas.microsoft.com/office/drawing/2014/main" id="{F173C14A-6696-9AB8-B23F-997463E0CF56}"/>
+              </a:ext>
+            </a:extLst>
+          </p:cNvPr>
+          <p:cNvCxnSpPr>
+            <a:cxnSpLocks/>
+          </p:cNvCxnSpPr>
+          <p:nvPr/>
+        </p:nvCxnSpPr>
+        <p:spPr>
+          <a:xfrm flipV="1">
+            <a:off x="2701736" y="5467475"/>
+            <a:ext cx="0" cy="154303"/>
+          </a:xfrm>
+          <a:prstGeom prst="line">
+            <a:avLst/>
+          </a:prstGeom>
+          <a:ln w="22225">
+            <a:solidFill>
+              <a:schemeClr val="tx1"/>
+            </a:solidFill>
+          </a:ln>
+        </p:spPr>
+        <p:style>
+          <a:lnRef idx="1">
+            <a:schemeClr val="accent1"/>
+          </a:lnRef>
+          <a:fillRef idx="0">
+            <a:schemeClr val="accent1"/>
+          </a:fillRef>
+          <a:effectRef idx="0">
+            <a:schemeClr val="accent1"/>
+          </a:effectRef>
+          <a:fontRef idx="minor">
+            <a:schemeClr val="tx1"/>
+          </a:fontRef>
+        </p:style>
+      </p:cxnSp>
+      <p:cxnSp>
+        <p:nvCxnSpPr>
+          <p:cNvPr id="86" name="Gerader Verbinder 85">
+            <a:extLst>
+              <a:ext uri="{FF2B5EF4-FFF2-40B4-BE49-F238E27FC236}">
+                <a16:creationId xmlns:a16="http://schemas.microsoft.com/office/drawing/2014/main" id="{8234A4EA-17CA-7A17-F217-BE78C61AD5CD}"/>
+              </a:ext>
+            </a:extLst>
+          </p:cNvPr>
+          <p:cNvCxnSpPr>
+            <a:cxnSpLocks/>
+          </p:cNvCxnSpPr>
+          <p:nvPr/>
+        </p:nvCxnSpPr>
+        <p:spPr>
+          <a:xfrm flipV="1">
+            <a:off x="2712889" y="5909655"/>
+            <a:ext cx="0" cy="154303"/>
+          </a:xfrm>
+          <a:prstGeom prst="line">
+            <a:avLst/>
+          </a:prstGeom>
+          <a:ln w="22225">
+            <a:solidFill>
+              <a:schemeClr val="tx1"/>
+            </a:solidFill>
+          </a:ln>
+        </p:spPr>
+        <p:style>
+          <a:lnRef idx="1">
+            <a:schemeClr val="accent1"/>
+          </a:lnRef>
+          <a:fillRef idx="0">
+            <a:schemeClr val="accent1"/>
+          </a:fillRef>
+          <a:effectRef idx="0">
+            <a:schemeClr val="accent1"/>
+          </a:effectRef>
+          <a:fontRef idx="minor">
+            <a:schemeClr val="tx1"/>
+          </a:fontRef>
+        </p:style>
+      </p:cxnSp>
+      <p:sp>
+        <p:nvSpPr>
+          <p:cNvPr id="87" name="Rechteck 86">
+            <a:extLst>
+              <a:ext uri="{FF2B5EF4-FFF2-40B4-BE49-F238E27FC236}">
+                <a16:creationId xmlns:a16="http://schemas.microsoft.com/office/drawing/2014/main" id="{DD0FE1DD-A7A0-627F-E28C-9CC57BAE27C6}"/>
+              </a:ext>
+            </a:extLst>
+          </p:cNvPr>
+          <p:cNvSpPr/>
+          <p:nvPr/>
+        </p:nvSpPr>
+        <p:spPr>
+          <a:xfrm>
+            <a:off x="4259540" y="3341998"/>
+            <a:ext cx="2815563" cy="273141"/>
+          </a:xfrm>
+          <a:prstGeom prst="rect">
+            <a:avLst/>
+          </a:prstGeom>
+          <a:noFill/>
+          <a:ln>
+            <a:solidFill>
+              <a:schemeClr val="tx1"/>
+            </a:solidFill>
+          </a:ln>
+        </p:spPr>
+        <p:style>
+          <a:lnRef idx="2">
+            <a:schemeClr val="accent1">
+              <a:shade val="50000"/>
+            </a:schemeClr>
+          </a:lnRef>
+          <a:fillRef idx="1">
+            <a:schemeClr val="accent1"/>
+          </a:fillRef>
+          <a:effectRef idx="0">
+            <a:schemeClr val="accent1"/>
+          </a:effectRef>
+          <a:fontRef idx="minor">
+            <a:schemeClr val="lt1"/>
+          </a:fontRef>
+        </p:style>
+        <p:txBody>
+          <a:bodyPr rtlCol="0" anchor="ctr"/>
+          <a:lstStyle/>
+          <a:p>
+            <a:pPr algn="ctr"/>
+            <a:r>
+              <a:rPr lang="de-CH" sz="1000" b="1" dirty="0" err="1">
+                <a:solidFill>
+                  <a:schemeClr val="tx1"/>
+                </a:solidFill>
+                <a:latin typeface="Arial" panose="020B0604020202020204" pitchFamily="34" charset="0"/>
+                <a:cs typeface="Arial" panose="020B0604020202020204" pitchFamily="34" charset="0"/>
+              </a:rPr>
+              <a:t>eventClickQrMusicianButton</a:t>
+            </a:r>
+            <a:r>
+              <a:rPr lang="de-CH" sz="1000" b="1" dirty="0">
+                <a:solidFill>
+                  <a:schemeClr val="tx1"/>
+                </a:solidFill>
+                <a:latin typeface="Arial" panose="020B0604020202020204" pitchFamily="34" charset="0"/>
+                <a:cs typeface="Arial" panose="020B0604020202020204" pitchFamily="34" charset="0"/>
+              </a:rPr>
+              <a:t>()</a:t>
+            </a:r>
+          </a:p>
+        </p:txBody>
+      </p:sp>
+      <p:sp>
+        <p:nvSpPr>
+          <p:cNvPr id="88" name="Rechteck 87">
+            <a:extLst>
+              <a:ext uri="{FF2B5EF4-FFF2-40B4-BE49-F238E27FC236}">
+                <a16:creationId xmlns:a16="http://schemas.microsoft.com/office/drawing/2014/main" id="{49ECADBF-6FDC-4B24-C089-F189DF373D84}"/>
+              </a:ext>
+            </a:extLst>
+          </p:cNvPr>
+          <p:cNvSpPr/>
+          <p:nvPr/>
+        </p:nvSpPr>
+        <p:spPr>
+          <a:xfrm>
+            <a:off x="4256249" y="3782757"/>
+            <a:ext cx="2815563" cy="396026"/>
+          </a:xfrm>
+          <a:prstGeom prst="rect">
+            <a:avLst/>
+          </a:prstGeom>
+          <a:noFill/>
+          <a:ln>
+            <a:solidFill>
+              <a:schemeClr val="tx1"/>
+            </a:solidFill>
+          </a:ln>
+        </p:spPr>
+        <p:style>
+          <a:lnRef idx="2">
+            <a:schemeClr val="accent1">
+              <a:shade val="50000"/>
+            </a:schemeClr>
+          </a:lnRef>
+          <a:fillRef idx="1">
+            <a:schemeClr val="accent1"/>
+          </a:fillRef>
+          <a:effectRef idx="0">
+            <a:schemeClr val="accent1"/>
+          </a:effectRef>
+          <a:fontRef idx="minor">
+            <a:schemeClr val="lt1"/>
+          </a:fontRef>
+        </p:style>
+        <p:txBody>
+          <a:bodyPr rtlCol="0" anchor="ctr"/>
+          <a:lstStyle/>
+          <a:p>
+            <a:pPr algn="ctr"/>
+            <a:r>
+              <a:rPr lang="de-CH" sz="1000" b="1" dirty="0" err="1">
+                <a:solidFill>
+                  <a:schemeClr val="tx1"/>
+                </a:solidFill>
+                <a:latin typeface="Arial" panose="020B0604020202020204" pitchFamily="34" charset="0"/>
+                <a:cs typeface="Arial" panose="020B0604020202020204" pitchFamily="34" charset="0"/>
+              </a:rPr>
+              <a:t>setActiveCategory</a:t>
+            </a:r>
+            <a:endParaRPr lang="de-CH" sz="1000" b="1" dirty="0">
+              <a:solidFill>
+                <a:schemeClr val="tx1"/>
+              </a:solidFill>
+              <a:latin typeface="Arial" panose="020B0604020202020204" pitchFamily="34" charset="0"/>
+              <a:cs typeface="Arial" panose="020B0604020202020204" pitchFamily="34" charset="0"/>
+            </a:endParaRPr>
+          </a:p>
+          <a:p>
+            <a:pPr algn="ctr"/>
+            <a:r>
+              <a:rPr lang="de-CH" sz="1000" b="1" dirty="0" err="1">
+                <a:solidFill>
+                  <a:schemeClr val="tx1"/>
+                </a:solidFill>
+                <a:latin typeface="Arial" panose="020B0604020202020204" pitchFamily="34" charset="0"/>
+                <a:cs typeface="Arial" panose="020B0604020202020204" pitchFamily="34" charset="0"/>
+              </a:rPr>
+              <a:t>QrStrings.getQrCategoryMusicianString</a:t>
+            </a:r>
+            <a:r>
+              <a:rPr lang="de-CH" sz="1000" b="1" dirty="0">
+                <a:solidFill>
+                  <a:schemeClr val="tx1"/>
+                </a:solidFill>
+                <a:latin typeface="Arial" panose="020B0604020202020204" pitchFamily="34" charset="0"/>
+                <a:cs typeface="Arial" panose="020B0604020202020204" pitchFamily="34" charset="0"/>
+              </a:rPr>
+              <a:t>()</a:t>
+            </a:r>
+          </a:p>
+        </p:txBody>
+      </p:sp>
+      <p:sp>
+        <p:nvSpPr>
+          <p:cNvPr id="89" name="Rechteck 88">
+            <a:extLst>
+              <a:ext uri="{FF2B5EF4-FFF2-40B4-BE49-F238E27FC236}">
+                <a16:creationId xmlns:a16="http://schemas.microsoft.com/office/drawing/2014/main" id="{1285B87C-4621-C8DA-5B9F-0CB27C15C33A}"/>
+              </a:ext>
+            </a:extLst>
+          </p:cNvPr>
+          <p:cNvSpPr/>
+          <p:nvPr/>
+        </p:nvSpPr>
+        <p:spPr>
+          <a:xfrm>
+            <a:off x="4256248" y="4343875"/>
+            <a:ext cx="2815563" cy="273141"/>
+          </a:xfrm>
+          <a:prstGeom prst="rect">
+            <a:avLst/>
+          </a:prstGeom>
+          <a:noFill/>
+          <a:ln>
+            <a:solidFill>
+              <a:schemeClr val="tx1"/>
+            </a:solidFill>
+          </a:ln>
+        </p:spPr>
+        <p:style>
+          <a:lnRef idx="2">
+            <a:schemeClr val="accent1">
+              <a:shade val="50000"/>
+            </a:schemeClr>
+          </a:lnRef>
+          <a:fillRef idx="1">
+            <a:schemeClr val="accent1"/>
+          </a:fillRef>
+          <a:effectRef idx="0">
+            <a:schemeClr val="accent1"/>
+          </a:effectRef>
+          <a:fontRef idx="minor">
+            <a:schemeClr val="lt1"/>
+          </a:fontRef>
+        </p:style>
+        <p:txBody>
+          <a:bodyPr rtlCol="0" anchor="ctr"/>
+          <a:lstStyle/>
+          <a:p>
+            <a:pPr algn="ctr"/>
+            <a:r>
+              <a:rPr lang="en-US" sz="1000" b="1" dirty="0" err="1">
+                <a:solidFill>
+                  <a:schemeClr val="tx1"/>
+                </a:solidFill>
+                <a:latin typeface="Arial" panose="020B0604020202020204" pitchFamily="34" charset="0"/>
+                <a:cs typeface="Arial" panose="020B0604020202020204" pitchFamily="34" charset="0"/>
+              </a:rPr>
+              <a:t>g_files_active_number</a:t>
+            </a:r>
+            <a:r>
+              <a:rPr lang="en-US" sz="1000" b="1" dirty="0">
+                <a:solidFill>
+                  <a:schemeClr val="tx1"/>
+                </a:solidFill>
+                <a:latin typeface="Arial" panose="020B0604020202020204" pitchFamily="34" charset="0"/>
+                <a:cs typeface="Arial" panose="020B0604020202020204" pitchFamily="34" charset="0"/>
+              </a:rPr>
+              <a:t> = 1</a:t>
+            </a:r>
+            <a:endParaRPr lang="de-CH" sz="1000" b="1" dirty="0">
+              <a:solidFill>
+                <a:schemeClr val="tx1"/>
+              </a:solidFill>
+              <a:latin typeface="Arial" panose="020B0604020202020204" pitchFamily="34" charset="0"/>
+              <a:cs typeface="Arial" panose="020B0604020202020204" pitchFamily="34" charset="0"/>
+            </a:endParaRPr>
+          </a:p>
+        </p:txBody>
+      </p:sp>
+      <p:sp>
+        <p:nvSpPr>
+          <p:cNvPr id="90" name="Rechteck 89">
+            <a:extLst>
+              <a:ext uri="{FF2B5EF4-FFF2-40B4-BE49-F238E27FC236}">
+                <a16:creationId xmlns:a16="http://schemas.microsoft.com/office/drawing/2014/main" id="{0053092B-B19A-4887-D9D4-2936345D327D}"/>
+              </a:ext>
+            </a:extLst>
+          </p:cNvPr>
+          <p:cNvSpPr/>
+          <p:nvPr/>
+        </p:nvSpPr>
+        <p:spPr>
+          <a:xfrm>
+            <a:off x="4256248" y="4768836"/>
+            <a:ext cx="2815563" cy="273141"/>
+          </a:xfrm>
+          <a:prstGeom prst="rect">
+            <a:avLst/>
+          </a:prstGeom>
+          <a:noFill/>
+          <a:ln>
+            <a:solidFill>
+              <a:schemeClr val="tx1"/>
+            </a:solidFill>
+          </a:ln>
+        </p:spPr>
+        <p:style>
+          <a:lnRef idx="2">
+            <a:schemeClr val="accent1">
+              <a:shade val="50000"/>
+            </a:schemeClr>
+          </a:lnRef>
+          <a:fillRef idx="1">
+            <a:schemeClr val="accent1"/>
+          </a:fillRef>
+          <a:effectRef idx="0">
+            <a:schemeClr val="accent1"/>
+          </a:effectRef>
+          <a:fontRef idx="minor">
+            <a:schemeClr val="lt1"/>
+          </a:fontRef>
+        </p:style>
+        <p:txBody>
+          <a:bodyPr rtlCol="0" anchor="ctr"/>
+          <a:lstStyle/>
+          <a:p>
+            <a:pPr algn="ctr"/>
+            <a:r>
+              <a:rPr lang="de-CH" sz="1000" b="1" dirty="0" err="1">
+                <a:solidFill>
+                  <a:schemeClr val="tx1"/>
+                </a:solidFill>
+                <a:latin typeface="Arial" panose="020B0604020202020204" pitchFamily="34" charset="0"/>
+                <a:cs typeface="Arial" panose="020B0604020202020204" pitchFamily="34" charset="0"/>
+              </a:rPr>
+              <a:t>setMusicianDropdown</a:t>
+            </a:r>
+            <a:r>
+              <a:rPr lang="de-CH" sz="1000" b="1" dirty="0">
+                <a:solidFill>
+                  <a:schemeClr val="tx1"/>
+                </a:solidFill>
+                <a:latin typeface="Arial" panose="020B0604020202020204" pitchFamily="34" charset="0"/>
+                <a:cs typeface="Arial" panose="020B0604020202020204" pitchFamily="34" charset="0"/>
+              </a:rPr>
+              <a:t>()</a:t>
+            </a:r>
+          </a:p>
+        </p:txBody>
+      </p:sp>
+      <p:sp>
+        <p:nvSpPr>
+          <p:cNvPr id="91" name="Rechteck 90">
+            <a:extLst>
+              <a:ext uri="{FF2B5EF4-FFF2-40B4-BE49-F238E27FC236}">
+                <a16:creationId xmlns:a16="http://schemas.microsoft.com/office/drawing/2014/main" id="{27837ACD-754B-BA6A-2556-9CEC83CCC713}"/>
+              </a:ext>
+            </a:extLst>
+          </p:cNvPr>
+          <p:cNvSpPr/>
+          <p:nvPr/>
+        </p:nvSpPr>
+        <p:spPr>
+          <a:xfrm>
+            <a:off x="4256248" y="5195759"/>
+            <a:ext cx="2815563" cy="273141"/>
+          </a:xfrm>
+          <a:prstGeom prst="rect">
+            <a:avLst/>
+          </a:prstGeom>
+          <a:noFill/>
+          <a:ln>
+            <a:solidFill>
+              <a:schemeClr val="tx1"/>
+            </a:solidFill>
+          </a:ln>
+        </p:spPr>
+        <p:style>
+          <a:lnRef idx="2">
+            <a:schemeClr val="accent1">
+              <a:shade val="50000"/>
+            </a:schemeClr>
+          </a:lnRef>
+          <a:fillRef idx="1">
+            <a:schemeClr val="accent1"/>
+          </a:fillRef>
+          <a:effectRef idx="0">
+            <a:schemeClr val="accent1"/>
+          </a:effectRef>
+          <a:fontRef idx="minor">
+            <a:schemeClr val="lt1"/>
+          </a:fontRef>
+        </p:style>
+        <p:txBody>
+          <a:bodyPr rtlCol="0" anchor="ctr"/>
+          <a:lstStyle/>
+          <a:p>
+            <a:pPr algn="ctr"/>
+            <a:r>
+              <a:rPr lang="de-CH" sz="1000" b="1" dirty="0" err="1">
+                <a:solidFill>
+                  <a:schemeClr val="tx1"/>
+                </a:solidFill>
+                <a:latin typeface="Arial" panose="020B0604020202020204" pitchFamily="34" charset="0"/>
+                <a:cs typeface="Arial" panose="020B0604020202020204" pitchFamily="34" charset="0"/>
+              </a:rPr>
+              <a:t>setControlsMusician</a:t>
+            </a:r>
+            <a:r>
+              <a:rPr lang="de-CH" sz="1000" b="1" dirty="0">
+                <a:solidFill>
+                  <a:schemeClr val="tx1"/>
+                </a:solidFill>
+                <a:latin typeface="Arial" panose="020B0604020202020204" pitchFamily="34" charset="0"/>
+                <a:cs typeface="Arial" panose="020B0604020202020204" pitchFamily="34" charset="0"/>
+              </a:rPr>
+              <a:t>()</a:t>
+            </a:r>
+          </a:p>
+        </p:txBody>
+      </p:sp>
+      <p:sp>
+        <p:nvSpPr>
+          <p:cNvPr id="92" name="Rechteck 91">
+            <a:extLst>
+              <a:ext uri="{FF2B5EF4-FFF2-40B4-BE49-F238E27FC236}">
+                <a16:creationId xmlns:a16="http://schemas.microsoft.com/office/drawing/2014/main" id="{236A2FA6-D15E-6C74-D04D-60CCBD7B1BA1}"/>
+              </a:ext>
+            </a:extLst>
+          </p:cNvPr>
+          <p:cNvSpPr/>
+          <p:nvPr/>
+        </p:nvSpPr>
+        <p:spPr>
+          <a:xfrm>
+            <a:off x="4256248" y="5629937"/>
+            <a:ext cx="2815563" cy="273141"/>
+          </a:xfrm>
+          <a:prstGeom prst="rect">
+            <a:avLst/>
+          </a:prstGeom>
+          <a:noFill/>
+          <a:ln>
+            <a:solidFill>
+              <a:schemeClr val="tx1"/>
+            </a:solidFill>
+          </a:ln>
+        </p:spPr>
+        <p:style>
+          <a:lnRef idx="2">
+            <a:schemeClr val="accent1">
+              <a:shade val="50000"/>
+            </a:schemeClr>
+          </a:lnRef>
+          <a:fillRef idx="1">
+            <a:schemeClr val="accent1"/>
+          </a:fillRef>
+          <a:effectRef idx="0">
+            <a:schemeClr val="accent1"/>
+          </a:effectRef>
+          <a:fontRef idx="minor">
+            <a:schemeClr val="lt1"/>
+          </a:fontRef>
+        </p:style>
+        <p:txBody>
+          <a:bodyPr rtlCol="0" anchor="ctr"/>
+          <a:lstStyle/>
+          <a:p>
+            <a:pPr algn="ctr"/>
+            <a:r>
+              <a:rPr lang="de-CH" sz="1000" b="1" dirty="0" err="1">
+                <a:solidFill>
+                  <a:schemeClr val="tx1"/>
+                </a:solidFill>
+                <a:latin typeface="Arial" panose="020B0604020202020204" pitchFamily="34" charset="0"/>
+                <a:cs typeface="Arial" panose="020B0604020202020204" pitchFamily="34" charset="0"/>
+              </a:rPr>
+              <a:t>displayControlMusician</a:t>
+            </a:r>
+            <a:r>
+              <a:rPr lang="de-CH" sz="1000" b="1" dirty="0">
+                <a:solidFill>
+                  <a:schemeClr val="tx1"/>
+                </a:solidFill>
+                <a:latin typeface="Arial" panose="020B0604020202020204" pitchFamily="34" charset="0"/>
+                <a:cs typeface="Arial" panose="020B0604020202020204" pitchFamily="34" charset="0"/>
+              </a:rPr>
+              <a:t>()</a:t>
+            </a:r>
+          </a:p>
+        </p:txBody>
+      </p:sp>
+      <p:sp>
+        <p:nvSpPr>
+          <p:cNvPr id="93" name="Rechteck 92">
+            <a:extLst>
+              <a:ext uri="{FF2B5EF4-FFF2-40B4-BE49-F238E27FC236}">
+                <a16:creationId xmlns:a16="http://schemas.microsoft.com/office/drawing/2014/main" id="{3EF5F666-822A-060B-060A-01A4D1E239B8}"/>
+              </a:ext>
+            </a:extLst>
+          </p:cNvPr>
+          <p:cNvSpPr/>
+          <p:nvPr/>
+        </p:nvSpPr>
+        <p:spPr>
+          <a:xfrm>
+            <a:off x="4256248" y="6070687"/>
+            <a:ext cx="2815563" cy="273141"/>
+          </a:xfrm>
+          <a:prstGeom prst="rect">
+            <a:avLst/>
+          </a:prstGeom>
+          <a:noFill/>
+          <a:ln>
+            <a:solidFill>
+              <a:schemeClr val="tx1"/>
+            </a:solidFill>
+          </a:ln>
+        </p:spPr>
+        <p:style>
+          <a:lnRef idx="2">
+            <a:schemeClr val="accent1">
+              <a:shade val="50000"/>
+            </a:schemeClr>
+          </a:lnRef>
+          <a:fillRef idx="1">
+            <a:schemeClr val="accent1"/>
+          </a:fillRef>
+          <a:effectRef idx="0">
+            <a:schemeClr val="accent1"/>
+          </a:effectRef>
+          <a:fontRef idx="minor">
+            <a:schemeClr val="lt1"/>
+          </a:fontRef>
+        </p:style>
+        <p:txBody>
+          <a:bodyPr rtlCol="0" anchor="ctr"/>
+          <a:lstStyle/>
+          <a:p>
+            <a:pPr algn="ctr"/>
+            <a:r>
+              <a:rPr lang="de-CH" sz="1000" b="1" dirty="0" err="1">
+                <a:solidFill>
+                  <a:schemeClr val="tx1"/>
+                </a:solidFill>
+                <a:latin typeface="Arial" panose="020B0604020202020204" pitchFamily="34" charset="0"/>
+                <a:cs typeface="Arial" panose="020B0604020202020204" pitchFamily="34" charset="0"/>
+              </a:rPr>
+              <a:t>setCategoryButtonMusicianSelected</a:t>
+            </a:r>
+            <a:r>
+              <a:rPr lang="de-CH" sz="1000" b="1" dirty="0">
+                <a:solidFill>
+                  <a:schemeClr val="tx1"/>
+                </a:solidFill>
+                <a:latin typeface="Arial" panose="020B0604020202020204" pitchFamily="34" charset="0"/>
+                <a:cs typeface="Arial" panose="020B0604020202020204" pitchFamily="34" charset="0"/>
+              </a:rPr>
+              <a:t>()</a:t>
+            </a:r>
+          </a:p>
+        </p:txBody>
+      </p:sp>
+      <p:cxnSp>
+        <p:nvCxnSpPr>
+          <p:cNvPr id="94" name="Gerader Verbinder 93">
+            <a:extLst>
+              <a:ext uri="{FF2B5EF4-FFF2-40B4-BE49-F238E27FC236}">
+                <a16:creationId xmlns:a16="http://schemas.microsoft.com/office/drawing/2014/main" id="{602A9E1C-BD42-0B43-2AF6-F9BC82001481}"/>
+              </a:ext>
+            </a:extLst>
+          </p:cNvPr>
+          <p:cNvCxnSpPr>
+            <a:cxnSpLocks/>
+          </p:cNvCxnSpPr>
+          <p:nvPr/>
+        </p:nvCxnSpPr>
+        <p:spPr>
+          <a:xfrm flipV="1">
+            <a:off x="5629134" y="3615139"/>
+            <a:ext cx="0" cy="154303"/>
+          </a:xfrm>
+          <a:prstGeom prst="line">
+            <a:avLst/>
+          </a:prstGeom>
+          <a:ln w="22225">
+            <a:solidFill>
+              <a:schemeClr val="tx1"/>
+            </a:solidFill>
+          </a:ln>
+        </p:spPr>
+        <p:style>
+          <a:lnRef idx="1">
+            <a:schemeClr val="accent1"/>
+          </a:lnRef>
+          <a:fillRef idx="0">
+            <a:schemeClr val="accent1"/>
+          </a:fillRef>
+          <a:effectRef idx="0">
+            <a:schemeClr val="accent1"/>
+          </a:effectRef>
+          <a:fontRef idx="minor">
+            <a:schemeClr val="tx1"/>
+          </a:fontRef>
+        </p:style>
+      </p:cxnSp>
+      <p:cxnSp>
+        <p:nvCxnSpPr>
+          <p:cNvPr id="95" name="Gerader Verbinder 94">
+            <a:extLst>
+              <a:ext uri="{FF2B5EF4-FFF2-40B4-BE49-F238E27FC236}">
+                <a16:creationId xmlns:a16="http://schemas.microsoft.com/office/drawing/2014/main" id="{6D953655-A235-D55F-4B28-9053459A0E45}"/>
+              </a:ext>
+            </a:extLst>
+          </p:cNvPr>
+          <p:cNvCxnSpPr>
+            <a:cxnSpLocks/>
+          </p:cNvCxnSpPr>
+          <p:nvPr/>
+        </p:nvCxnSpPr>
+        <p:spPr>
+          <a:xfrm flipV="1">
+            <a:off x="5635713" y="4167729"/>
+            <a:ext cx="0" cy="154303"/>
+          </a:xfrm>
+          <a:prstGeom prst="line">
+            <a:avLst/>
+          </a:prstGeom>
+          <a:ln w="22225">
+            <a:solidFill>
+              <a:schemeClr val="tx1"/>
+            </a:solidFill>
+          </a:ln>
+        </p:spPr>
+        <p:style>
+          <a:lnRef idx="1">
+            <a:schemeClr val="accent1"/>
+          </a:lnRef>
+          <a:fillRef idx="0">
+            <a:schemeClr val="accent1"/>
+          </a:fillRef>
+          <a:effectRef idx="0">
+            <a:schemeClr val="accent1"/>
+          </a:effectRef>
+          <a:fontRef idx="minor">
+            <a:schemeClr val="tx1"/>
+          </a:fontRef>
+        </p:style>
+      </p:cxnSp>
+      <p:cxnSp>
+        <p:nvCxnSpPr>
+          <p:cNvPr id="96" name="Gerader Verbinder 95">
+            <a:extLst>
+              <a:ext uri="{FF2B5EF4-FFF2-40B4-BE49-F238E27FC236}">
+                <a16:creationId xmlns:a16="http://schemas.microsoft.com/office/drawing/2014/main" id="{250CAFE1-6BA1-24AC-A926-C1AC79CB90FD}"/>
+              </a:ext>
+            </a:extLst>
+          </p:cNvPr>
+          <p:cNvCxnSpPr>
+            <a:cxnSpLocks/>
+          </p:cNvCxnSpPr>
+          <p:nvPr/>
+        </p:nvCxnSpPr>
+        <p:spPr>
+          <a:xfrm flipV="1">
+            <a:off x="5633709" y="4610435"/>
+            <a:ext cx="0" cy="154303"/>
+          </a:xfrm>
+          <a:prstGeom prst="line">
+            <a:avLst/>
+          </a:prstGeom>
+          <a:ln w="22225">
+            <a:solidFill>
+              <a:schemeClr val="tx1"/>
+            </a:solidFill>
+          </a:ln>
+        </p:spPr>
+        <p:style>
+          <a:lnRef idx="1">
+            <a:schemeClr val="accent1"/>
+          </a:lnRef>
+          <a:fillRef idx="0">
+            <a:schemeClr val="accent1"/>
+          </a:fillRef>
+          <a:effectRef idx="0">
+            <a:schemeClr val="accent1"/>
+          </a:effectRef>
+          <a:fontRef idx="minor">
+            <a:schemeClr val="tx1"/>
+          </a:fontRef>
+        </p:style>
+      </p:cxnSp>
+      <p:cxnSp>
+        <p:nvCxnSpPr>
+          <p:cNvPr id="97" name="Gerader Verbinder 96">
+            <a:extLst>
+              <a:ext uri="{FF2B5EF4-FFF2-40B4-BE49-F238E27FC236}">
+                <a16:creationId xmlns:a16="http://schemas.microsoft.com/office/drawing/2014/main" id="{1FEC9DF9-0381-AFAE-87B0-223387C2D9C6}"/>
+              </a:ext>
+            </a:extLst>
+          </p:cNvPr>
+          <p:cNvCxnSpPr>
+            <a:cxnSpLocks/>
+          </p:cNvCxnSpPr>
+          <p:nvPr/>
+        </p:nvCxnSpPr>
+        <p:spPr>
+          <a:xfrm flipV="1">
+            <a:off x="5635713" y="5031966"/>
+            <a:ext cx="0" cy="154303"/>
+          </a:xfrm>
+          <a:prstGeom prst="line">
+            <a:avLst/>
+          </a:prstGeom>
+          <a:ln w="22225">
+            <a:solidFill>
+              <a:schemeClr val="tx1"/>
+            </a:solidFill>
+          </a:ln>
+        </p:spPr>
+        <p:style>
+          <a:lnRef idx="1">
+            <a:schemeClr val="accent1"/>
+          </a:lnRef>
+          <a:fillRef idx="0">
+            <a:schemeClr val="accent1"/>
+          </a:fillRef>
+          <a:effectRef idx="0">
+            <a:schemeClr val="accent1"/>
+          </a:effectRef>
+          <a:fontRef idx="minor">
+            <a:schemeClr val="tx1"/>
+          </a:fontRef>
+        </p:style>
+      </p:cxnSp>
+      <p:cxnSp>
+        <p:nvCxnSpPr>
+          <p:cNvPr id="98" name="Gerader Verbinder 97">
+            <a:extLst>
+              <a:ext uri="{FF2B5EF4-FFF2-40B4-BE49-F238E27FC236}">
+                <a16:creationId xmlns:a16="http://schemas.microsoft.com/office/drawing/2014/main" id="{52CFBA0A-5E8C-DB6E-C7C4-425C2C43BE20}"/>
+              </a:ext>
+            </a:extLst>
+          </p:cNvPr>
+          <p:cNvCxnSpPr>
+            <a:cxnSpLocks/>
+          </p:cNvCxnSpPr>
+          <p:nvPr/>
+        </p:nvCxnSpPr>
+        <p:spPr>
+          <a:xfrm flipV="1">
+            <a:off x="5635713" y="5460898"/>
+            <a:ext cx="0" cy="154303"/>
+          </a:xfrm>
+          <a:prstGeom prst="line">
+            <a:avLst/>
+          </a:prstGeom>
+          <a:ln w="22225">
+            <a:solidFill>
+              <a:schemeClr val="tx1"/>
+            </a:solidFill>
+          </a:ln>
+        </p:spPr>
+        <p:style>
+          <a:lnRef idx="1">
+            <a:schemeClr val="accent1"/>
+          </a:lnRef>
+          <a:fillRef idx="0">
+            <a:schemeClr val="accent1"/>
+          </a:fillRef>
+          <a:effectRef idx="0">
+            <a:schemeClr val="accent1"/>
+          </a:effectRef>
+          <a:fontRef idx="minor">
+            <a:schemeClr val="tx1"/>
+          </a:fontRef>
+        </p:style>
+      </p:cxnSp>
+      <p:cxnSp>
+        <p:nvCxnSpPr>
+          <p:cNvPr id="99" name="Gerader Verbinder 98">
+            <a:extLst>
+              <a:ext uri="{FF2B5EF4-FFF2-40B4-BE49-F238E27FC236}">
+                <a16:creationId xmlns:a16="http://schemas.microsoft.com/office/drawing/2014/main" id="{62D0012E-4686-399F-B789-63914F097F4C}"/>
+              </a:ext>
+            </a:extLst>
+          </p:cNvPr>
+          <p:cNvCxnSpPr>
+            <a:cxnSpLocks/>
+          </p:cNvCxnSpPr>
+          <p:nvPr/>
+        </p:nvCxnSpPr>
+        <p:spPr>
+          <a:xfrm flipV="1">
+            <a:off x="5646866" y="5903078"/>
+            <a:ext cx="0" cy="154303"/>
+          </a:xfrm>
+          <a:prstGeom prst="line">
+            <a:avLst/>
+          </a:prstGeom>
+          <a:ln w="22225">
+            <a:solidFill>
+              <a:schemeClr val="tx1"/>
+            </a:solidFill>
+          </a:ln>
+        </p:spPr>
+        <p:style>
+          <a:lnRef idx="1">
+            <a:schemeClr val="accent1"/>
+          </a:lnRef>
+          <a:fillRef idx="0">
+            <a:schemeClr val="accent1"/>
+          </a:fillRef>
+          <a:effectRef idx="0">
+            <a:schemeClr val="accent1"/>
+          </a:effectRef>
+          <a:fontRef idx="minor">
+            <a:schemeClr val="tx1"/>
+          </a:fontRef>
+        </p:style>
+      </p:cxnSp>
+    </p:spTree>
+    <p:extLst>
+      <p:ext uri="{BB962C8B-B14F-4D97-AF65-F5344CB8AC3E}">
+        <p14:creationId xmlns:p14="http://schemas.microsoft.com/office/powerpoint/2010/main" val="1371969128"/>
+      </p:ext>
+    </p:extLst>
+  </p:cSld>
+  <p:clrMapOvr>
+    <a:masterClrMapping/>
+  </p:clrMapOvr>
+</p:sld>
+</file>
+
+<file path=ppt/slides/slide4.xml><?xml version="1.0" encoding="utf-8"?>
+<p:sld xmlns:a="http://schemas.openxmlformats.org/drawingml/2006/main" xmlns:r="http://schemas.openxmlformats.org/officeDocument/2006/relationships" xmlns:p="http://schemas.openxmlformats.org/presentationml/2006/main">
+  <p:cSld>
+    <p:spTree>
+      <p:nvGrpSpPr>
+        <p:cNvPr id="1" name=""/>
+        <p:cNvGrpSpPr/>
+        <p:nvPr/>
+      </p:nvGrpSpPr>
+      <p:grpSpPr>
+        <a:xfrm>
+          <a:off x="0" y="0"/>
+          <a:ext cx="0" cy="0"/>
+          <a:chOff x="0" y="0"/>
+          <a:chExt cx="0" cy="0"/>
+        </a:xfrm>
+      </p:grpSpPr>
+      <p:sp>
+        <p:nvSpPr>
+          <p:cNvPr id="4" name="Rechteck 3">
+            <a:extLst>
+              <a:ext uri="{FF2B5EF4-FFF2-40B4-BE49-F238E27FC236}">
+                <a16:creationId xmlns:a16="http://schemas.microsoft.com/office/drawing/2014/main" id="{BBBAA595-355E-D1B0-28D6-A96B1D9C314A}"/>
+              </a:ext>
+            </a:extLst>
+          </p:cNvPr>
+          <p:cNvSpPr/>
+          <p:nvPr/>
+        </p:nvSpPr>
+        <p:spPr>
+          <a:xfrm>
+            <a:off x="5165339" y="890276"/>
+            <a:ext cx="2186411" cy="273141"/>
+          </a:xfrm>
+          <a:prstGeom prst="rect">
+            <a:avLst/>
+          </a:prstGeom>
+          <a:noFill/>
+          <a:ln>
+            <a:solidFill>
+              <a:schemeClr val="tx1"/>
+            </a:solidFill>
+          </a:ln>
+        </p:spPr>
+        <p:style>
+          <a:lnRef idx="2">
+            <a:schemeClr val="accent1">
+              <a:shade val="50000"/>
+            </a:schemeClr>
+          </a:lnRef>
+          <a:fillRef idx="1">
+            <a:schemeClr val="accent1"/>
+          </a:fillRef>
+          <a:effectRef idx="0">
+            <a:schemeClr val="accent1"/>
+          </a:effectRef>
+          <a:fontRef idx="minor">
+            <a:schemeClr val="lt1"/>
+          </a:fontRef>
+        </p:style>
+        <p:txBody>
+          <a:bodyPr rtlCol="0" anchor="ctr"/>
+          <a:lstStyle/>
+          <a:p>
+            <a:pPr algn="ctr"/>
+            <a:r>
+              <a:rPr lang="de-CH" sz="1000" b="1" dirty="0" err="1">
+                <a:solidFill>
+                  <a:schemeClr val="tx1"/>
+                </a:solidFill>
+                <a:latin typeface="Arial" panose="020B0604020202020204" pitchFamily="34" charset="0"/>
+                <a:cs typeface="Arial" panose="020B0604020202020204" pitchFamily="34" charset="0"/>
+              </a:rPr>
+              <a:t>setControlsSupporter</a:t>
+            </a:r>
+            <a:r>
+              <a:rPr lang="de-CH" sz="1000" b="1" dirty="0">
+                <a:solidFill>
+                  <a:schemeClr val="tx1"/>
+                </a:solidFill>
+                <a:latin typeface="Arial" panose="020B0604020202020204" pitchFamily="34" charset="0"/>
+                <a:cs typeface="Arial" panose="020B0604020202020204" pitchFamily="34" charset="0"/>
+              </a:rPr>
+              <a:t>()</a:t>
+            </a:r>
+          </a:p>
+        </p:txBody>
+      </p:sp>
+      <p:sp>
+        <p:nvSpPr>
+          <p:cNvPr id="5" name="Rechteck 4">
+            <a:extLst>
+              <a:ext uri="{FF2B5EF4-FFF2-40B4-BE49-F238E27FC236}">
+                <a16:creationId xmlns:a16="http://schemas.microsoft.com/office/drawing/2014/main" id="{C760D38B-2796-93AE-2EB5-AC53119DCBBF}"/>
+              </a:ext>
+            </a:extLst>
+          </p:cNvPr>
+          <p:cNvSpPr/>
+          <p:nvPr/>
+        </p:nvSpPr>
+        <p:spPr>
+          <a:xfrm>
+            <a:off x="5174835" y="1232271"/>
+            <a:ext cx="2186411" cy="273141"/>
+          </a:xfrm>
+          <a:prstGeom prst="rect">
+            <a:avLst/>
+          </a:prstGeom>
+          <a:noFill/>
+          <a:ln>
+            <a:solidFill>
+              <a:schemeClr val="tx1"/>
+            </a:solidFill>
+          </a:ln>
+        </p:spPr>
+        <p:style>
+          <a:lnRef idx="2">
+            <a:schemeClr val="accent1">
+              <a:shade val="50000"/>
+            </a:schemeClr>
+          </a:lnRef>
+          <a:fillRef idx="1">
+            <a:schemeClr val="accent1"/>
+          </a:fillRef>
+          <a:effectRef idx="0">
+            <a:schemeClr val="accent1"/>
+          </a:effectRef>
+          <a:fontRef idx="minor">
+            <a:schemeClr val="lt1"/>
+          </a:fontRef>
+        </p:style>
+        <p:txBody>
+          <a:bodyPr rtlCol="0" anchor="ctr"/>
+          <a:lstStyle/>
+          <a:p>
+            <a:pPr algn="ctr"/>
+            <a:r>
+              <a:rPr lang="de-CH" sz="1000" b="1" dirty="0" err="1">
+                <a:solidFill>
+                  <a:schemeClr val="tx1"/>
+                </a:solidFill>
+                <a:latin typeface="Arial" panose="020B0604020202020204" pitchFamily="34" charset="0"/>
+                <a:cs typeface="Arial" panose="020B0604020202020204" pitchFamily="34" charset="0"/>
+              </a:rPr>
+              <a:t>setControlsSponsor</a:t>
+            </a:r>
+            <a:r>
+              <a:rPr lang="de-CH" sz="1000" b="1" dirty="0">
+                <a:solidFill>
+                  <a:schemeClr val="tx1"/>
+                </a:solidFill>
+                <a:latin typeface="Arial" panose="020B0604020202020204" pitchFamily="34" charset="0"/>
+                <a:cs typeface="Arial" panose="020B0604020202020204" pitchFamily="34" charset="0"/>
+              </a:rPr>
+              <a:t>()</a:t>
+            </a:r>
+          </a:p>
+        </p:txBody>
+      </p:sp>
+      <p:sp>
+        <p:nvSpPr>
+          <p:cNvPr id="6" name="Rechteck 5">
+            <a:extLst>
+              <a:ext uri="{FF2B5EF4-FFF2-40B4-BE49-F238E27FC236}">
+                <a16:creationId xmlns:a16="http://schemas.microsoft.com/office/drawing/2014/main" id="{F09DE159-FF86-0976-4D6A-B4258A402C56}"/>
+              </a:ext>
+            </a:extLst>
+          </p:cNvPr>
+          <p:cNvSpPr/>
+          <p:nvPr/>
+        </p:nvSpPr>
+        <p:spPr>
+          <a:xfrm>
+            <a:off x="5177211" y="1537114"/>
+            <a:ext cx="2186411" cy="273141"/>
+          </a:xfrm>
+          <a:prstGeom prst="rect">
+            <a:avLst/>
+          </a:prstGeom>
+          <a:noFill/>
+          <a:ln>
+            <a:solidFill>
+              <a:schemeClr val="tx1"/>
+            </a:solidFill>
+          </a:ln>
+        </p:spPr>
+        <p:style>
+          <a:lnRef idx="2">
+            <a:schemeClr val="accent1">
+              <a:shade val="50000"/>
+            </a:schemeClr>
+          </a:lnRef>
+          <a:fillRef idx="1">
+            <a:schemeClr val="accent1"/>
+          </a:fillRef>
+          <a:effectRef idx="0">
+            <a:schemeClr val="accent1"/>
+          </a:effectRef>
+          <a:fontRef idx="minor">
+            <a:schemeClr val="lt1"/>
+          </a:fontRef>
+        </p:style>
+        <p:txBody>
+          <a:bodyPr rtlCol="0" anchor="ctr"/>
+          <a:lstStyle/>
+          <a:p>
+            <a:pPr algn="ctr"/>
+            <a:r>
+              <a:rPr lang="de-CH" sz="1000" b="1" dirty="0" err="1">
+                <a:solidFill>
+                  <a:schemeClr val="tx1"/>
+                </a:solidFill>
+                <a:latin typeface="Arial" panose="020B0604020202020204" pitchFamily="34" charset="0"/>
+                <a:cs typeface="Arial" panose="020B0604020202020204" pitchFamily="34" charset="0"/>
+              </a:rPr>
+              <a:t>setControlsFree</a:t>
+            </a:r>
+            <a:r>
+              <a:rPr lang="de-CH" sz="1000" b="1" dirty="0">
+                <a:solidFill>
+                  <a:schemeClr val="tx1"/>
+                </a:solidFill>
+                <a:latin typeface="Arial" panose="020B0604020202020204" pitchFamily="34" charset="0"/>
+                <a:cs typeface="Arial" panose="020B0604020202020204" pitchFamily="34" charset="0"/>
+              </a:rPr>
+              <a:t>()</a:t>
+            </a:r>
+          </a:p>
+        </p:txBody>
+      </p:sp>
+      <p:sp>
+        <p:nvSpPr>
+          <p:cNvPr id="7" name="Rechteck 6">
+            <a:extLst>
+              <a:ext uri="{FF2B5EF4-FFF2-40B4-BE49-F238E27FC236}">
+                <a16:creationId xmlns:a16="http://schemas.microsoft.com/office/drawing/2014/main" id="{735306F8-ADF2-2ABD-78A5-B5C55A6BA676}"/>
+              </a:ext>
+            </a:extLst>
+          </p:cNvPr>
+          <p:cNvSpPr/>
+          <p:nvPr/>
+        </p:nvSpPr>
+        <p:spPr>
+          <a:xfrm>
+            <a:off x="5179405" y="1857449"/>
+            <a:ext cx="2186411" cy="273141"/>
+          </a:xfrm>
+          <a:prstGeom prst="rect">
+            <a:avLst/>
+          </a:prstGeom>
+          <a:noFill/>
+          <a:ln>
+            <a:solidFill>
+              <a:schemeClr val="tx1"/>
+            </a:solidFill>
+          </a:ln>
+        </p:spPr>
+        <p:style>
+          <a:lnRef idx="2">
+            <a:schemeClr val="accent1">
+              <a:shade val="50000"/>
+            </a:schemeClr>
+          </a:lnRef>
+          <a:fillRef idx="1">
+            <a:schemeClr val="accent1"/>
+          </a:fillRef>
+          <a:effectRef idx="0">
+            <a:schemeClr val="accent1"/>
+          </a:effectRef>
+          <a:fontRef idx="minor">
+            <a:schemeClr val="lt1"/>
+          </a:fontRef>
+        </p:style>
+        <p:txBody>
+          <a:bodyPr rtlCol="0" anchor="ctr"/>
+          <a:lstStyle/>
+          <a:p>
+            <a:pPr algn="ctr"/>
+            <a:r>
+              <a:rPr lang="de-CH" sz="1000" b="1" dirty="0" err="1">
+                <a:solidFill>
+                  <a:schemeClr val="tx1"/>
+                </a:solidFill>
+                <a:latin typeface="Arial" panose="020B0604020202020204" pitchFamily="34" charset="0"/>
+                <a:cs typeface="Arial" panose="020B0604020202020204" pitchFamily="34" charset="0"/>
+              </a:rPr>
+              <a:t>setControlsMusician</a:t>
+            </a:r>
+            <a:r>
+              <a:rPr lang="de-CH" sz="1000" b="1" dirty="0">
+                <a:solidFill>
+                  <a:schemeClr val="tx1"/>
+                </a:solidFill>
+                <a:latin typeface="Arial" panose="020B0604020202020204" pitchFamily="34" charset="0"/>
+                <a:cs typeface="Arial" panose="020B0604020202020204" pitchFamily="34" charset="0"/>
+              </a:rPr>
+              <a:t>()</a:t>
+            </a:r>
+          </a:p>
+        </p:txBody>
+      </p:sp>
+      <p:sp>
+        <p:nvSpPr>
+          <p:cNvPr id="9" name="Rechteck 8">
+            <a:extLst>
+              <a:ext uri="{FF2B5EF4-FFF2-40B4-BE49-F238E27FC236}">
+                <a16:creationId xmlns:a16="http://schemas.microsoft.com/office/drawing/2014/main" id="{0EDD1E5E-E726-BBBC-B8E1-DCD9190554B3}"/>
+              </a:ext>
+            </a:extLst>
+          </p:cNvPr>
+          <p:cNvSpPr/>
+          <p:nvPr/>
+        </p:nvSpPr>
+        <p:spPr>
+          <a:xfrm>
+            <a:off x="1453830" y="910010"/>
+            <a:ext cx="2086641" cy="1240314"/>
+          </a:xfrm>
+          <a:prstGeom prst="rect">
+            <a:avLst/>
+          </a:prstGeom>
+          <a:noFill/>
+          <a:ln>
+            <a:solidFill>
+              <a:schemeClr val="tx1"/>
+            </a:solidFill>
+          </a:ln>
+        </p:spPr>
+        <p:style>
+          <a:lnRef idx="2">
+            <a:schemeClr val="accent1">
+              <a:shade val="50000"/>
+            </a:schemeClr>
+          </a:lnRef>
+          <a:fillRef idx="1">
+            <a:schemeClr val="accent1"/>
+          </a:fillRef>
+          <a:effectRef idx="0">
+            <a:schemeClr val="accent1"/>
+          </a:effectRef>
+          <a:fontRef idx="minor">
+            <a:schemeClr val="lt1"/>
+          </a:fontRef>
+        </p:style>
+        <p:txBody>
+          <a:bodyPr rtlCol="0" anchor="ctr"/>
+          <a:lstStyle/>
+          <a:p>
+            <a:pPr algn="ctr"/>
+            <a:r>
+              <a:rPr lang="de-CH" sz="1000" b="1" dirty="0" err="1">
+                <a:solidFill>
+                  <a:schemeClr val="tx1"/>
+                </a:solidFill>
+                <a:latin typeface="Arial" panose="020B0604020202020204" pitchFamily="34" charset="0"/>
+                <a:cs typeface="Arial" panose="020B0604020202020204" pitchFamily="34" charset="0"/>
+              </a:rPr>
+              <a:t>eventSelectFileDropdown</a:t>
+            </a:r>
+            <a:r>
+              <a:rPr lang="de-CH" sz="1000" b="1" dirty="0">
+                <a:solidFill>
+                  <a:schemeClr val="tx1"/>
+                </a:solidFill>
+                <a:latin typeface="Arial" panose="020B0604020202020204" pitchFamily="34" charset="0"/>
+                <a:cs typeface="Arial" panose="020B0604020202020204" pitchFamily="34" charset="0"/>
+              </a:rPr>
+              <a:t>()</a:t>
+            </a:r>
+          </a:p>
+          <a:p>
+            <a:pPr algn="ctr"/>
+            <a:endParaRPr lang="de-CH" sz="1000" b="1" dirty="0">
+              <a:solidFill>
+                <a:schemeClr val="tx1"/>
+              </a:solidFill>
+              <a:latin typeface="Arial" panose="020B0604020202020204" pitchFamily="34" charset="0"/>
+              <a:cs typeface="Arial" panose="020B0604020202020204" pitchFamily="34" charset="0"/>
+            </a:endParaRPr>
+          </a:p>
+          <a:p>
+            <a:pPr algn="ctr"/>
+            <a:r>
+              <a:rPr lang="de-CH" sz="1000" b="1" dirty="0">
+                <a:solidFill>
+                  <a:schemeClr val="tx1"/>
+                </a:solidFill>
+                <a:latin typeface="Arial" panose="020B0604020202020204" pitchFamily="34" charset="0"/>
+                <a:cs typeface="Arial" panose="020B0604020202020204" pitchFamily="34" charset="0"/>
+              </a:rPr>
+              <a:t>Set </a:t>
+            </a:r>
+            <a:r>
+              <a:rPr lang="de-CH" sz="1000" b="1" dirty="0" err="1">
+                <a:solidFill>
+                  <a:schemeClr val="tx1"/>
+                </a:solidFill>
+                <a:latin typeface="Arial" panose="020B0604020202020204" pitchFamily="34" charset="0"/>
+                <a:cs typeface="Arial" panose="020B0604020202020204" pitchFamily="34" charset="0"/>
+              </a:rPr>
+              <a:t>g_files_active_number</a:t>
+            </a:r>
+            <a:endParaRPr lang="de-CH" sz="1000" b="1" dirty="0">
+              <a:solidFill>
+                <a:schemeClr val="tx1"/>
+              </a:solidFill>
+              <a:latin typeface="Arial" panose="020B0604020202020204" pitchFamily="34" charset="0"/>
+              <a:cs typeface="Arial" panose="020B0604020202020204" pitchFamily="34" charset="0"/>
+            </a:endParaRPr>
+          </a:p>
+          <a:p>
+            <a:pPr algn="ctr"/>
+            <a:endParaRPr lang="de-CH" sz="1000" b="1" dirty="0">
+              <a:solidFill>
+                <a:schemeClr val="tx1"/>
+              </a:solidFill>
+              <a:latin typeface="Arial" panose="020B0604020202020204" pitchFamily="34" charset="0"/>
+              <a:cs typeface="Arial" panose="020B0604020202020204" pitchFamily="34" charset="0"/>
+            </a:endParaRPr>
+          </a:p>
+          <a:p>
+            <a:pPr algn="ctr"/>
+            <a:r>
+              <a:rPr lang="de-CH" sz="1000" b="1" dirty="0">
+                <a:solidFill>
+                  <a:schemeClr val="tx1"/>
+                </a:solidFill>
+                <a:latin typeface="Arial" panose="020B0604020202020204" pitchFamily="34" charset="0"/>
+                <a:cs typeface="Arial" panose="020B0604020202020204" pitchFamily="34" charset="0"/>
+              </a:rPr>
+              <a:t>Call </a:t>
+            </a:r>
+            <a:r>
+              <a:rPr lang="de-CH" sz="1000" b="1" dirty="0" err="1">
+                <a:solidFill>
+                  <a:schemeClr val="tx1"/>
+                </a:solidFill>
+                <a:latin typeface="Arial" panose="020B0604020202020204" pitchFamily="34" charset="0"/>
+                <a:cs typeface="Arial" panose="020B0604020202020204" pitchFamily="34" charset="0"/>
+              </a:rPr>
+              <a:t>getActiveCategory</a:t>
+            </a:r>
+            <a:r>
+              <a:rPr lang="de-CH" sz="1000" b="1" dirty="0">
+                <a:solidFill>
+                  <a:schemeClr val="tx1"/>
+                </a:solidFill>
+                <a:latin typeface="Arial" panose="020B0604020202020204" pitchFamily="34" charset="0"/>
+                <a:cs typeface="Arial" panose="020B0604020202020204" pitchFamily="34" charset="0"/>
+              </a:rPr>
+              <a:t>()</a:t>
+            </a:r>
+          </a:p>
+        </p:txBody>
+      </p:sp>
+      <p:cxnSp>
+        <p:nvCxnSpPr>
+          <p:cNvPr id="12" name="Gerader Verbinder 11">
+            <a:extLst>
+              <a:ext uri="{FF2B5EF4-FFF2-40B4-BE49-F238E27FC236}">
+                <a16:creationId xmlns:a16="http://schemas.microsoft.com/office/drawing/2014/main" id="{FD738117-B248-2DC8-7EC5-D116D6472926}"/>
+              </a:ext>
+            </a:extLst>
+          </p:cNvPr>
+          <p:cNvCxnSpPr>
+            <a:cxnSpLocks/>
+            <a:stCxn id="4" idx="1"/>
+            <a:endCxn id="25" idx="3"/>
+          </p:cNvCxnSpPr>
+          <p:nvPr/>
+        </p:nvCxnSpPr>
+        <p:spPr>
+          <a:xfrm flipH="1">
+            <a:off x="4250030" y="1026847"/>
+            <a:ext cx="915309" cy="500408"/>
+          </a:xfrm>
+          <a:prstGeom prst="line">
+            <a:avLst/>
+          </a:prstGeom>
+          <a:ln w="22225">
+            <a:solidFill>
+              <a:schemeClr val="tx1"/>
+            </a:solidFill>
+          </a:ln>
+        </p:spPr>
+        <p:style>
+          <a:lnRef idx="1">
+            <a:schemeClr val="accent1"/>
+          </a:lnRef>
+          <a:fillRef idx="0">
+            <a:schemeClr val="accent1"/>
+          </a:fillRef>
+          <a:effectRef idx="0">
+            <a:schemeClr val="accent1"/>
+          </a:effectRef>
+          <a:fontRef idx="minor">
+            <a:schemeClr val="tx1"/>
+          </a:fontRef>
+        </p:style>
+      </p:cxnSp>
+      <p:cxnSp>
+        <p:nvCxnSpPr>
+          <p:cNvPr id="14" name="Gerader Verbinder 13">
+            <a:extLst>
+              <a:ext uri="{FF2B5EF4-FFF2-40B4-BE49-F238E27FC236}">
+                <a16:creationId xmlns:a16="http://schemas.microsoft.com/office/drawing/2014/main" id="{3B24161C-3BB1-1A5C-3953-96854FE34D18}"/>
+              </a:ext>
+            </a:extLst>
+          </p:cNvPr>
+          <p:cNvCxnSpPr>
+            <a:cxnSpLocks/>
+            <a:stCxn id="5" idx="1"/>
+            <a:endCxn id="25" idx="3"/>
+          </p:cNvCxnSpPr>
+          <p:nvPr/>
+        </p:nvCxnSpPr>
+        <p:spPr>
+          <a:xfrm flipH="1">
+            <a:off x="4250030" y="1368842"/>
+            <a:ext cx="924805" cy="158413"/>
+          </a:xfrm>
+          <a:prstGeom prst="line">
+            <a:avLst/>
+          </a:prstGeom>
+          <a:ln w="22225">
+            <a:solidFill>
+              <a:schemeClr val="tx1"/>
+            </a:solidFill>
+          </a:ln>
+        </p:spPr>
+        <p:style>
+          <a:lnRef idx="1">
+            <a:schemeClr val="accent1"/>
+          </a:lnRef>
+          <a:fillRef idx="0">
+            <a:schemeClr val="accent1"/>
+          </a:fillRef>
+          <a:effectRef idx="0">
+            <a:schemeClr val="accent1"/>
+          </a:effectRef>
+          <a:fontRef idx="minor">
+            <a:schemeClr val="tx1"/>
+          </a:fontRef>
+        </p:style>
+      </p:cxnSp>
+      <p:cxnSp>
+        <p:nvCxnSpPr>
+          <p:cNvPr id="17" name="Gerader Verbinder 16">
+            <a:extLst>
+              <a:ext uri="{FF2B5EF4-FFF2-40B4-BE49-F238E27FC236}">
+                <a16:creationId xmlns:a16="http://schemas.microsoft.com/office/drawing/2014/main" id="{11B3E7D6-F180-B986-AB0B-DD830E689E72}"/>
+              </a:ext>
+            </a:extLst>
+          </p:cNvPr>
+          <p:cNvCxnSpPr>
+            <a:cxnSpLocks/>
+            <a:stCxn id="6" idx="1"/>
+          </p:cNvCxnSpPr>
+          <p:nvPr/>
+        </p:nvCxnSpPr>
+        <p:spPr>
+          <a:xfrm flipH="1" flipV="1">
+            <a:off x="4264096" y="1510433"/>
+            <a:ext cx="913115" cy="163252"/>
+          </a:xfrm>
+          <a:prstGeom prst="line">
+            <a:avLst/>
+          </a:prstGeom>
+          <a:ln w="22225">
+            <a:solidFill>
+              <a:schemeClr val="tx1"/>
+            </a:solidFill>
+          </a:ln>
+        </p:spPr>
+        <p:style>
+          <a:lnRef idx="1">
+            <a:schemeClr val="accent1"/>
+          </a:lnRef>
+          <a:fillRef idx="0">
+            <a:schemeClr val="accent1"/>
+          </a:fillRef>
+          <a:effectRef idx="0">
+            <a:schemeClr val="accent1"/>
+          </a:effectRef>
+          <a:fontRef idx="minor">
+            <a:schemeClr val="tx1"/>
+          </a:fontRef>
+        </p:style>
+      </p:cxnSp>
+      <p:cxnSp>
+        <p:nvCxnSpPr>
+          <p:cNvPr id="20" name="Gerader Verbinder 19">
+            <a:extLst>
+              <a:ext uri="{FF2B5EF4-FFF2-40B4-BE49-F238E27FC236}">
+                <a16:creationId xmlns:a16="http://schemas.microsoft.com/office/drawing/2014/main" id="{655FEAE4-A8C3-DD49-30C2-ACA7B798B87E}"/>
+              </a:ext>
+            </a:extLst>
+          </p:cNvPr>
+          <p:cNvCxnSpPr>
+            <a:cxnSpLocks/>
+          </p:cNvCxnSpPr>
+          <p:nvPr/>
+        </p:nvCxnSpPr>
+        <p:spPr>
+          <a:xfrm flipH="1">
+            <a:off x="3546142" y="1528610"/>
+            <a:ext cx="418272" cy="11800"/>
+          </a:xfrm>
+          <a:prstGeom prst="line">
+            <a:avLst/>
+          </a:prstGeom>
+          <a:ln w="22225">
+            <a:solidFill>
+              <a:schemeClr val="tx1"/>
+            </a:solidFill>
+          </a:ln>
+        </p:spPr>
+        <p:style>
+          <a:lnRef idx="1">
+            <a:schemeClr val="accent1"/>
+          </a:lnRef>
+          <a:fillRef idx="0">
+            <a:schemeClr val="accent1"/>
+          </a:fillRef>
+          <a:effectRef idx="0">
+            <a:schemeClr val="accent1"/>
+          </a:effectRef>
+          <a:fontRef idx="minor">
+            <a:schemeClr val="tx1"/>
+          </a:fontRef>
+        </p:style>
+      </p:cxnSp>
+      <p:sp>
+        <p:nvSpPr>
+          <p:cNvPr id="25" name="Raute 24">
+            <a:extLst>
+              <a:ext uri="{FF2B5EF4-FFF2-40B4-BE49-F238E27FC236}">
+                <a16:creationId xmlns:a16="http://schemas.microsoft.com/office/drawing/2014/main" id="{5104E79B-591F-442F-E112-B386D6751741}"/>
+              </a:ext>
+            </a:extLst>
+          </p:cNvPr>
+          <p:cNvSpPr/>
+          <p:nvPr/>
+        </p:nvSpPr>
+        <p:spPr>
+          <a:xfrm>
+            <a:off x="3940844" y="1392397"/>
+            <a:ext cx="309186" cy="269715"/>
+          </a:xfrm>
+          <a:prstGeom prst="diamond">
+            <a:avLst/>
+          </a:prstGeom>
+          <a:noFill/>
+          <a:ln w="19050">
+            <a:solidFill>
+              <a:schemeClr val="tx1"/>
+            </a:solidFill>
+          </a:ln>
+        </p:spPr>
+        <p:style>
+          <a:lnRef idx="2">
+            <a:schemeClr val="accent1">
+              <a:shade val="50000"/>
+            </a:schemeClr>
+          </a:lnRef>
+          <a:fillRef idx="1">
+            <a:schemeClr val="accent1"/>
+          </a:fillRef>
+          <a:effectRef idx="0">
+            <a:schemeClr val="accent1"/>
+          </a:effectRef>
+          <a:fontRef idx="minor">
+            <a:schemeClr val="lt1"/>
+          </a:fontRef>
+        </p:style>
+        <p:txBody>
+          <a:bodyPr rtlCol="0" anchor="ctr"/>
+          <a:lstStyle/>
+          <a:p>
+            <a:pPr algn="ctr"/>
+            <a:endParaRPr lang="de-CH"/>
+          </a:p>
+        </p:txBody>
+      </p:sp>
+      <p:cxnSp>
+        <p:nvCxnSpPr>
+          <p:cNvPr id="28" name="Gerader Verbinder 27">
+            <a:extLst>
+              <a:ext uri="{FF2B5EF4-FFF2-40B4-BE49-F238E27FC236}">
+                <a16:creationId xmlns:a16="http://schemas.microsoft.com/office/drawing/2014/main" id="{CB6E6E69-A92B-57FC-7FD0-4C02E7B717F6}"/>
+              </a:ext>
+            </a:extLst>
+          </p:cNvPr>
+          <p:cNvCxnSpPr>
+            <a:cxnSpLocks/>
+            <a:endCxn id="25" idx="3"/>
+          </p:cNvCxnSpPr>
+          <p:nvPr/>
+        </p:nvCxnSpPr>
+        <p:spPr>
+          <a:xfrm flipH="1" flipV="1">
+            <a:off x="4250030" y="1527255"/>
+            <a:ext cx="927181" cy="433663"/>
+          </a:xfrm>
+          <a:prstGeom prst="line">
+            <a:avLst/>
+          </a:prstGeom>
+          <a:ln w="22225">
+            <a:solidFill>
+              <a:schemeClr val="tx1"/>
+            </a:solidFill>
+          </a:ln>
+        </p:spPr>
+        <p:style>
+          <a:lnRef idx="1">
+            <a:schemeClr val="accent1"/>
+          </a:lnRef>
+          <a:fillRef idx="0">
+            <a:schemeClr val="accent1"/>
+          </a:fillRef>
+          <a:effectRef idx="0">
+            <a:schemeClr val="accent1"/>
+          </a:effectRef>
+          <a:fontRef idx="minor">
+            <a:schemeClr val="tx1"/>
+          </a:fontRef>
+        </p:style>
+      </p:cxnSp>
+    </p:spTree>
+    <p:extLst>
+      <p:ext uri="{BB962C8B-B14F-4D97-AF65-F5344CB8AC3E}">
+        <p14:creationId xmlns:p14="http://schemas.microsoft.com/office/powerpoint/2010/main" val="4166412168"/>
+      </p:ext>
+    </p:extLst>
+  </p:cSld>
+  <p:clrMapOvr>
+    <a:masterClrMapping/>
+  </p:clrMapOvr>
+</p:sld>
+</file>
+
+<file path=ppt/slides/slide5.xml><?xml version="1.0" encoding="utf-8"?>
+<p:sld xmlns:a="http://schemas.openxmlformats.org/drawingml/2006/main" xmlns:r="http://schemas.openxmlformats.org/officeDocument/2006/relationships" xmlns:p="http://schemas.openxmlformats.org/presentationml/2006/main">
+  <p:cSld>
+    <p:spTree>
+      <p:nvGrpSpPr>
+        <p:cNvPr id="1" name=""/>
+        <p:cNvGrpSpPr/>
+        <p:nvPr/>
+      </p:nvGrpSpPr>
+      <p:grpSpPr>
+        <a:xfrm>
+          <a:off x="0" y="0"/>
+          <a:ext cx="0" cy="0"/>
+          <a:chOff x="0" y="0"/>
+          <a:chExt cx="0" cy="0"/>
+        </a:xfrm>
+      </p:grpSpPr>
+      <p:sp>
+        <p:nvSpPr>
+          <p:cNvPr id="4" name="Rechteck 3">
+            <a:extLst>
+              <a:ext uri="{FF2B5EF4-FFF2-40B4-BE49-F238E27FC236}">
+                <a16:creationId xmlns:a16="http://schemas.microsoft.com/office/drawing/2014/main" id="{BDD0B79D-E4B3-8CA6-157B-555BE34A1FF1}"/>
+              </a:ext>
+            </a:extLst>
+          </p:cNvPr>
+          <p:cNvSpPr/>
+          <p:nvPr/>
+        </p:nvSpPr>
+        <p:spPr>
+          <a:xfrm>
+            <a:off x="2027100" y="1310399"/>
+            <a:ext cx="1033092" cy="591553"/>
+          </a:xfrm>
+          <a:prstGeom prst="rect">
+            <a:avLst/>
+          </a:prstGeom>
+          <a:noFill/>
+          <a:ln>
+            <a:solidFill>
+              <a:schemeClr val="tx1"/>
+            </a:solidFill>
+          </a:ln>
+        </p:spPr>
+        <p:style>
+          <a:lnRef idx="2">
+            <a:schemeClr val="accent1">
+              <a:shade val="50000"/>
+            </a:schemeClr>
+          </a:lnRef>
+          <a:fillRef idx="1">
+            <a:schemeClr val="accent1"/>
+          </a:fillRef>
+          <a:effectRef idx="0">
+            <a:schemeClr val="accent1"/>
+          </a:effectRef>
+          <a:fontRef idx="minor">
+            <a:schemeClr val="lt1"/>
+          </a:fontRef>
+        </p:style>
+        <p:txBody>
+          <a:bodyPr rtlCol="0" anchor="ctr"/>
+          <a:lstStyle/>
+          <a:p>
+            <a:pPr algn="ctr"/>
+            <a:r>
+              <a:rPr lang="de-CH" sz="1400" dirty="0">
+                <a:solidFill>
+                  <a:schemeClr val="tx1"/>
+                </a:solidFill>
+                <a:latin typeface="Arial" panose="020B0604020202020204" pitchFamily="34" charset="0"/>
+                <a:cs typeface="Arial" panose="020B0604020202020204" pitchFamily="34" charset="0"/>
+              </a:rPr>
+              <a:t>Bank</a:t>
+            </a:r>
+          </a:p>
+        </p:txBody>
+      </p:sp>
+      <p:cxnSp>
+        <p:nvCxnSpPr>
+          <p:cNvPr id="5" name="Gerade Verbindung mit Pfeil 4">
+            <a:extLst>
+              <a:ext uri="{FF2B5EF4-FFF2-40B4-BE49-F238E27FC236}">
+                <a16:creationId xmlns:a16="http://schemas.microsoft.com/office/drawing/2014/main" id="{08227329-66D1-96D9-2D70-F139A4A7FFBE}"/>
+              </a:ext>
+            </a:extLst>
+          </p:cNvPr>
+          <p:cNvCxnSpPr>
+            <a:cxnSpLocks/>
+          </p:cNvCxnSpPr>
+          <p:nvPr/>
+        </p:nvCxnSpPr>
+        <p:spPr>
+          <a:xfrm>
+            <a:off x="1329153" y="1625239"/>
             <a:ext cx="694484" cy="1"/>
           </a:xfrm>
           <a:prstGeom prst="straightConnector1">
@@ -6439,10 +12032,10 @@
       </p:cxnSp>
       <p:sp>
         <p:nvSpPr>
-          <p:cNvPr id="38" name="Rechteck 37">
-            <a:extLst>
-              <a:ext uri="{FF2B5EF4-FFF2-40B4-BE49-F238E27FC236}">
-                <a16:creationId xmlns:a16="http://schemas.microsoft.com/office/drawing/2014/main" id="{1C0A0171-AF5A-4EC4-8218-C4653691B08C}"/>
+          <p:cNvPr id="6" name="Rechteck 5">
+            <a:extLst>
+              <a:ext uri="{FF2B5EF4-FFF2-40B4-BE49-F238E27FC236}">
+                <a16:creationId xmlns:a16="http://schemas.microsoft.com/office/drawing/2014/main" id="{9B6DDB94-8041-90D5-1262-83933878EF9F}"/>
               </a:ext>
             </a:extLst>
           </p:cNvPr>
@@ -6451,7 +12044,7 @@
         </p:nvSpPr>
         <p:spPr>
           <a:xfrm>
-            <a:off x="1114381" y="3532993"/>
+            <a:off x="1163149" y="1362817"/>
             <a:ext cx="960065" cy="262422"/>
           </a:xfrm>
           <a:prstGeom prst="rect">
@@ -6491,17 +12084,88 @@
                 <a:latin typeface="Arial" panose="020B0604020202020204" pitchFamily="34" charset="0"/>
                 <a:cs typeface="Arial" panose="020B0604020202020204" pitchFamily="34" charset="0"/>
               </a:rPr>
-              <a:t>1. Stage</a:t>
+              <a:t>Fee</a:t>
+            </a:r>
+          </a:p>
+        </p:txBody>
+      </p:sp>
+      <p:sp>
+        <p:nvSpPr>
+          <p:cNvPr id="7" name="Rechteck 6">
+            <a:extLst>
+              <a:ext uri="{FF2B5EF4-FFF2-40B4-BE49-F238E27FC236}">
+                <a16:creationId xmlns:a16="http://schemas.microsoft.com/office/drawing/2014/main" id="{36C7399E-6E6B-5591-C294-1D8E8BB83CBB}"/>
+              </a:ext>
+            </a:extLst>
+          </p:cNvPr>
+          <p:cNvSpPr/>
+          <p:nvPr/>
+        </p:nvSpPr>
+        <p:spPr>
+          <a:xfrm>
+            <a:off x="3764460" y="1316495"/>
+            <a:ext cx="1075764" cy="591553"/>
+          </a:xfrm>
+          <a:prstGeom prst="rect">
+            <a:avLst/>
+          </a:prstGeom>
+          <a:noFill/>
+          <a:ln>
+            <a:solidFill>
+              <a:schemeClr val="tx1"/>
+            </a:solidFill>
+          </a:ln>
+        </p:spPr>
+        <p:style>
+          <a:lnRef idx="2">
+            <a:schemeClr val="accent1">
+              <a:shade val="50000"/>
+            </a:schemeClr>
+          </a:lnRef>
+          <a:fillRef idx="1">
+            <a:schemeClr val="accent1"/>
+          </a:fillRef>
+          <a:effectRef idx="0">
+            <a:schemeClr val="accent1"/>
+          </a:effectRef>
+          <a:fontRef idx="minor">
+            <a:schemeClr val="lt1"/>
+          </a:fontRef>
+        </p:style>
+        <p:txBody>
+          <a:bodyPr rtlCol="0" anchor="ctr"/>
+          <a:lstStyle/>
+          <a:p>
+            <a:pPr algn="ctr"/>
+            <a:r>
+              <a:rPr lang="de-CH" sz="1400" dirty="0" err="1">
+                <a:solidFill>
+                  <a:schemeClr val="tx1"/>
+                </a:solidFill>
+                <a:latin typeface="Arial" panose="020B0604020202020204" pitchFamily="34" charset="0"/>
+                <a:cs typeface="Arial" panose="020B0604020202020204" pitchFamily="34" charset="0"/>
+              </a:rPr>
+              <a:t>Application</a:t>
+            </a:r>
+            <a:r>
+              <a:rPr lang="de-CH" sz="1400" dirty="0">
+                <a:solidFill>
+                  <a:schemeClr val="tx1"/>
+                </a:solidFill>
+                <a:latin typeface="Arial" panose="020B0604020202020204" pitchFamily="34" charset="0"/>
+                <a:cs typeface="Arial" panose="020B0604020202020204" pitchFamily="34" charset="0"/>
+              </a:rPr>
+              <a:t> Adressen</a:t>
             </a:r>
           </a:p>
         </p:txBody>
       </p:sp>
       <p:cxnSp>
         <p:nvCxnSpPr>
-          <p:cNvPr id="39" name="Gerade Verbindung mit Pfeil 38">
-            <a:extLst>
-              <a:ext uri="{FF2B5EF4-FFF2-40B4-BE49-F238E27FC236}">
-                <a16:creationId xmlns:a16="http://schemas.microsoft.com/office/drawing/2014/main" id="{E58695C2-5A58-443B-8ED1-678B19BCAE39}"/>
+          <p:cNvPr id="8" name="Gerade Verbindung mit Pfeil 7">
+            <a:extLst>
+              <a:ext uri="{FF2B5EF4-FFF2-40B4-BE49-F238E27FC236}">
+                <a16:creationId xmlns:a16="http://schemas.microsoft.com/office/drawing/2014/main" id="{9DEB0797-FB74-71F3-C46E-947141068634}"/>
               </a:ext>
             </a:extLst>
           </p:cNvPr>
@@ -6512,8 +12176,8 @@
         </p:nvCxnSpPr>
         <p:spPr>
           <a:xfrm>
-            <a:off x="3484452" y="3825135"/>
-            <a:ext cx="987873" cy="0"/>
+            <a:off x="3066513" y="1631335"/>
+            <a:ext cx="694484" cy="1"/>
           </a:xfrm>
           <a:prstGeom prst="straightConnector1">
             <a:avLst/>
@@ -6542,10 +12206,10 @@
       </p:cxnSp>
       <p:sp>
         <p:nvSpPr>
-          <p:cNvPr id="40" name="Rechteck 39">
-            <a:extLst>
-              <a:ext uri="{FF2B5EF4-FFF2-40B4-BE49-F238E27FC236}">
-                <a16:creationId xmlns:a16="http://schemas.microsoft.com/office/drawing/2014/main" id="{0BD6B303-1F38-418A-B654-A9362653B5B1}"/>
+          <p:cNvPr id="9" name="Rechteck 8">
+            <a:extLst>
+              <a:ext uri="{FF2B5EF4-FFF2-40B4-BE49-F238E27FC236}">
+                <a16:creationId xmlns:a16="http://schemas.microsoft.com/office/drawing/2014/main" id="{325A5C08-6E26-538B-A93A-E6731DFC9F76}"/>
               </a:ext>
             </a:extLst>
           </p:cNvPr>
@@ -6554,8 +12218,8 @@
         </p:nvSpPr>
         <p:spPr>
           <a:xfrm>
-            <a:off x="3366292" y="3556559"/>
-            <a:ext cx="1153877" cy="262422"/>
+            <a:off x="2900509" y="1368913"/>
+            <a:ext cx="960065" cy="262422"/>
           </a:xfrm>
           <a:prstGeom prst="rect">
             <a:avLst/>
@@ -6594,17 +12258,101 @@
                 <a:latin typeface="Arial" panose="020B0604020202020204" pitchFamily="34" charset="0"/>
                 <a:cs typeface="Arial" panose="020B0604020202020204" pitchFamily="34" charset="0"/>
               </a:rPr>
-              <a:t>2. Commit</a:t>
+              <a:t>Input </a:t>
+            </a:r>
+          </a:p>
+        </p:txBody>
+      </p:sp>
+      <p:sp>
+        <p:nvSpPr>
+          <p:cNvPr id="10" name="Rechteck 9">
+            <a:extLst>
+              <a:ext uri="{FF2B5EF4-FFF2-40B4-BE49-F238E27FC236}">
+                <a16:creationId xmlns:a16="http://schemas.microsoft.com/office/drawing/2014/main" id="{2E81E6A8-0E47-607E-935B-159F4EF662E3}"/>
+              </a:ext>
+            </a:extLst>
+          </p:cNvPr>
+          <p:cNvSpPr/>
+          <p:nvPr/>
+        </p:nvSpPr>
+        <p:spPr>
+          <a:xfrm>
+            <a:off x="5544966" y="1310399"/>
+            <a:ext cx="1075764" cy="591553"/>
+          </a:xfrm>
+          <a:prstGeom prst="rect">
+            <a:avLst/>
+          </a:prstGeom>
+          <a:noFill/>
+          <a:ln>
+            <a:solidFill>
+              <a:schemeClr val="tx1"/>
+            </a:solidFill>
+          </a:ln>
+        </p:spPr>
+        <p:style>
+          <a:lnRef idx="2">
+            <a:schemeClr val="accent1">
+              <a:shade val="50000"/>
+            </a:schemeClr>
+          </a:lnRef>
+          <a:fillRef idx="1">
+            <a:schemeClr val="accent1"/>
+          </a:fillRef>
+          <a:effectRef idx="0">
+            <a:schemeClr val="accent1"/>
+          </a:effectRef>
+          <a:fontRef idx="minor">
+            <a:schemeClr val="lt1"/>
+          </a:fontRef>
+        </p:style>
+        <p:txBody>
+          <a:bodyPr rtlCol="0" anchor="ctr"/>
+          <a:lstStyle/>
+          <a:p>
+            <a:pPr algn="ctr"/>
+            <a:r>
+              <a:rPr lang="de-CH" sz="1400" dirty="0" err="1">
+                <a:solidFill>
+                  <a:schemeClr val="tx1"/>
+                </a:solidFill>
+                <a:latin typeface="Arial" panose="020B0604020202020204" pitchFamily="34" charset="0"/>
+                <a:cs typeface="Arial" panose="020B0604020202020204" pitchFamily="34" charset="0"/>
+              </a:rPr>
+              <a:t>Application</a:t>
+            </a:r>
+            <a:r>
+              <a:rPr lang="de-CH" sz="1400" dirty="0">
+                <a:solidFill>
+                  <a:schemeClr val="tx1"/>
+                </a:solidFill>
+                <a:latin typeface="Arial" panose="020B0604020202020204" pitchFamily="34" charset="0"/>
+                <a:cs typeface="Arial" panose="020B0604020202020204" pitchFamily="34" charset="0"/>
+              </a:rPr>
+              <a:t> </a:t>
+            </a:r>
+          </a:p>
+          <a:p>
+            <a:pPr algn="ctr"/>
+            <a:r>
+              <a:rPr lang="de-CH" sz="1400" dirty="0">
+                <a:solidFill>
+                  <a:schemeClr val="tx1"/>
+                </a:solidFill>
+                <a:latin typeface="Arial" panose="020B0604020202020204" pitchFamily="34" charset="0"/>
+                <a:cs typeface="Arial" panose="020B0604020202020204" pitchFamily="34" charset="0"/>
+              </a:rPr>
+              <a:t>QR Code</a:t>
             </a:r>
           </a:p>
         </p:txBody>
       </p:sp>
       <p:cxnSp>
         <p:nvCxnSpPr>
-          <p:cNvPr id="41" name="Gerade Verbindung mit Pfeil 40">
-            <a:extLst>
-              <a:ext uri="{FF2B5EF4-FFF2-40B4-BE49-F238E27FC236}">
-                <a16:creationId xmlns:a16="http://schemas.microsoft.com/office/drawing/2014/main" id="{E09832B2-B1C6-4C82-8627-CCD98B4EA5BA}"/>
+          <p:cNvPr id="11" name="Gerade Verbindung mit Pfeil 10">
+            <a:extLst>
+              <a:ext uri="{FF2B5EF4-FFF2-40B4-BE49-F238E27FC236}">
+                <a16:creationId xmlns:a16="http://schemas.microsoft.com/office/drawing/2014/main" id="{E2659023-5CC0-FBEB-F3E9-81AC10F4BC9D}"/>
               </a:ext>
             </a:extLst>
           </p:cNvPr>
@@ -6615,8 +12363,8 @@
         </p:nvCxnSpPr>
         <p:spPr>
           <a:xfrm>
-            <a:off x="5954685" y="3784927"/>
-            <a:ext cx="798077" cy="0"/>
+            <a:off x="4860171" y="1625239"/>
+            <a:ext cx="694484" cy="1"/>
           </a:xfrm>
           <a:prstGeom prst="straightConnector1">
             <a:avLst/>
@@ -6645,10 +12393,10 @@
       </p:cxnSp>
       <p:sp>
         <p:nvSpPr>
-          <p:cNvPr id="42" name="Rechteck 41">
-            <a:extLst>
-              <a:ext uri="{FF2B5EF4-FFF2-40B4-BE49-F238E27FC236}">
-                <a16:creationId xmlns:a16="http://schemas.microsoft.com/office/drawing/2014/main" id="{661688D7-B73F-4E57-BF7D-72FA2EAF0521}"/>
+          <p:cNvPr id="12" name="Rechteck 11">
+            <a:extLst>
+              <a:ext uri="{FF2B5EF4-FFF2-40B4-BE49-F238E27FC236}">
+                <a16:creationId xmlns:a16="http://schemas.microsoft.com/office/drawing/2014/main" id="{1805DDC9-11EE-6C58-D0C4-E1CCE3B56B1C}"/>
               </a:ext>
             </a:extLst>
           </p:cNvPr>
@@ -6657,8 +12405,8 @@
         </p:nvSpPr>
         <p:spPr>
           <a:xfrm>
-            <a:off x="5904488" y="3541063"/>
-            <a:ext cx="848480" cy="262422"/>
+            <a:off x="4694167" y="1362817"/>
+            <a:ext cx="960065" cy="262422"/>
           </a:xfrm>
           <a:prstGeom prst="rect">
             <a:avLst/>
@@ -6697,17 +12445,17 @@
                 <a:latin typeface="Arial" panose="020B0604020202020204" pitchFamily="34" charset="0"/>
                 <a:cs typeface="Arial" panose="020B0604020202020204" pitchFamily="34" charset="0"/>
               </a:rPr>
-              <a:t>3. Push</a:t>
-            </a:r>
-          </a:p>
-        </p:txBody>
-      </p:sp>
-      <p:sp>
-        <p:nvSpPr>
-          <p:cNvPr id="43" name="Rechteck 42">
-            <a:extLst>
-              <a:ext uri="{FF2B5EF4-FFF2-40B4-BE49-F238E27FC236}">
-                <a16:creationId xmlns:a16="http://schemas.microsoft.com/office/drawing/2014/main" id="{DDDA8A10-5EDA-4BE3-838C-790284E91963}"/>
+              <a:t>Save</a:t>
+            </a:r>
+          </a:p>
+        </p:txBody>
+      </p:sp>
+      <p:sp>
+        <p:nvSpPr>
+          <p:cNvPr id="13" name="Rechteck 12">
+            <a:extLst>
+              <a:ext uri="{FF2B5EF4-FFF2-40B4-BE49-F238E27FC236}">
+                <a16:creationId xmlns:a16="http://schemas.microsoft.com/office/drawing/2014/main" id="{2885D8E2-170A-9823-8B50-F1576816504F}"/>
               </a:ext>
             </a:extLst>
           </p:cNvPr>
@@ -6716,10 +12464,288 @@
         </p:nvSpPr>
         <p:spPr>
           <a:xfrm>
-            <a:off x="4502573" y="5109946"/>
-            <a:ext cx="1407482" cy="879948"/>
+            <a:off x="5691187" y="1976250"/>
+            <a:ext cx="708249" cy="273141"/>
           </a:xfrm>
           <a:prstGeom prst="rect">
+            <a:avLst/>
+          </a:prstGeom>
+          <a:solidFill>
+            <a:schemeClr val="accent6">
+              <a:lumMod val="20000"/>
+              <a:lumOff val="80000"/>
+            </a:schemeClr>
+          </a:solidFill>
+          <a:ln>
+            <a:solidFill>
+              <a:schemeClr val="tx1"/>
+            </a:solidFill>
+          </a:ln>
+        </p:spPr>
+        <p:style>
+          <a:lnRef idx="2">
+            <a:schemeClr val="accent1">
+              <a:shade val="50000"/>
+            </a:schemeClr>
+          </a:lnRef>
+          <a:fillRef idx="1">
+            <a:schemeClr val="accent1"/>
+          </a:fillRef>
+          <a:effectRef idx="0">
+            <a:schemeClr val="accent1"/>
+          </a:effectRef>
+          <a:fontRef idx="minor">
+            <a:schemeClr val="lt1"/>
+          </a:fontRef>
+        </p:style>
+        <p:txBody>
+          <a:bodyPr rtlCol="0" anchor="ctr"/>
+          <a:lstStyle/>
+          <a:p>
+            <a:pPr algn="ctr"/>
+            <a:r>
+              <a:rPr lang="de-CH" sz="1000" b="1" dirty="0" err="1">
+                <a:solidFill>
+                  <a:schemeClr val="tx1"/>
+                </a:solidFill>
+                <a:latin typeface="Arial" panose="020B0604020202020204" pitchFamily="34" charset="0"/>
+                <a:cs typeface="Arial" panose="020B0604020202020204" pitchFamily="34" charset="0"/>
+              </a:rPr>
+              <a:t>QrFiles</a:t>
+            </a:r>
+            <a:endParaRPr lang="de-CH" sz="1000" b="1" dirty="0">
+              <a:solidFill>
+                <a:schemeClr val="tx1"/>
+              </a:solidFill>
+              <a:latin typeface="Arial" panose="020B0604020202020204" pitchFamily="34" charset="0"/>
+              <a:cs typeface="Arial" panose="020B0604020202020204" pitchFamily="34" charset="0"/>
+            </a:endParaRPr>
+          </a:p>
+        </p:txBody>
+      </p:sp>
+      <p:sp>
+        <p:nvSpPr>
+          <p:cNvPr id="14" name="Rechteck 13">
+            <a:extLst>
+              <a:ext uri="{FF2B5EF4-FFF2-40B4-BE49-F238E27FC236}">
+                <a16:creationId xmlns:a16="http://schemas.microsoft.com/office/drawing/2014/main" id="{DDEDA53E-3ABB-65D6-9083-1D1EB77386CD}"/>
+              </a:ext>
+            </a:extLst>
+          </p:cNvPr>
+          <p:cNvSpPr/>
+          <p:nvPr/>
+        </p:nvSpPr>
+        <p:spPr>
+          <a:xfrm>
+            <a:off x="5228689" y="2416248"/>
+            <a:ext cx="1628926" cy="273141"/>
+          </a:xfrm>
+          <a:prstGeom prst="rect">
+            <a:avLst/>
+          </a:prstGeom>
+          <a:solidFill>
+            <a:schemeClr val="accent6">
+              <a:lumMod val="20000"/>
+              <a:lumOff val="80000"/>
+            </a:schemeClr>
+          </a:solidFill>
+          <a:ln>
+            <a:solidFill>
+              <a:schemeClr val="tx1"/>
+            </a:solidFill>
+          </a:ln>
+        </p:spPr>
+        <p:style>
+          <a:lnRef idx="2">
+            <a:schemeClr val="accent1">
+              <a:shade val="50000"/>
+            </a:schemeClr>
+          </a:lnRef>
+          <a:fillRef idx="1">
+            <a:schemeClr val="accent1"/>
+          </a:fillRef>
+          <a:effectRef idx="0">
+            <a:schemeClr val="accent1"/>
+          </a:effectRef>
+          <a:fontRef idx="minor">
+            <a:schemeClr val="lt1"/>
+          </a:fontRef>
+        </p:style>
+        <p:txBody>
+          <a:bodyPr rtlCol="0" anchor="ctr"/>
+          <a:lstStyle/>
+          <a:p>
+            <a:pPr algn="ctr"/>
+            <a:r>
+              <a:rPr lang="de-CH" sz="1000" b="1" dirty="0">
+                <a:solidFill>
+                  <a:schemeClr val="tx1"/>
+                </a:solidFill>
+                <a:latin typeface="Arial" panose="020B0604020202020204" pitchFamily="34" charset="0"/>
+                <a:cs typeface="Arial" panose="020B0604020202020204" pitchFamily="34" charset="0"/>
+              </a:rPr>
+              <a:t>Season_202i_202j</a:t>
+            </a:r>
+          </a:p>
+        </p:txBody>
+      </p:sp>
+      <p:cxnSp>
+        <p:nvCxnSpPr>
+          <p:cNvPr id="15" name="Gerader Verbinder 14">
+            <a:extLst>
+              <a:ext uri="{FF2B5EF4-FFF2-40B4-BE49-F238E27FC236}">
+                <a16:creationId xmlns:a16="http://schemas.microsoft.com/office/drawing/2014/main" id="{F3899E16-97C4-764F-A358-640572F3356D}"/>
+              </a:ext>
+            </a:extLst>
+          </p:cNvPr>
+          <p:cNvCxnSpPr>
+            <a:cxnSpLocks/>
+          </p:cNvCxnSpPr>
+          <p:nvPr/>
+        </p:nvCxnSpPr>
+        <p:spPr>
+          <a:xfrm flipV="1">
+            <a:off x="6043152" y="2249739"/>
+            <a:ext cx="0" cy="166815"/>
+          </a:xfrm>
+          <a:prstGeom prst="line">
+            <a:avLst/>
+          </a:prstGeom>
+        </p:spPr>
+        <p:style>
+          <a:lnRef idx="1">
+            <a:schemeClr val="accent1"/>
+          </a:lnRef>
+          <a:fillRef idx="0">
+            <a:schemeClr val="accent1"/>
+          </a:fillRef>
+          <a:effectRef idx="0">
+            <a:schemeClr val="accent1"/>
+          </a:effectRef>
+          <a:fontRef idx="minor">
+            <a:schemeClr val="tx1"/>
+          </a:fontRef>
+        </p:style>
+      </p:cxnSp>
+      <p:cxnSp>
+        <p:nvCxnSpPr>
+          <p:cNvPr id="16" name="Gerader Verbinder 15">
+            <a:extLst>
+              <a:ext uri="{FF2B5EF4-FFF2-40B4-BE49-F238E27FC236}">
+                <a16:creationId xmlns:a16="http://schemas.microsoft.com/office/drawing/2014/main" id="{61F5E9D5-1B72-63B9-5B6D-ADED30E9E471}"/>
+              </a:ext>
+            </a:extLst>
+          </p:cNvPr>
+          <p:cNvCxnSpPr>
+            <a:cxnSpLocks/>
+          </p:cNvCxnSpPr>
+          <p:nvPr/>
+        </p:nvCxnSpPr>
+        <p:spPr>
+          <a:xfrm flipV="1">
+            <a:off x="6036156" y="2689389"/>
+            <a:ext cx="0" cy="166815"/>
+          </a:xfrm>
+          <a:prstGeom prst="line">
+            <a:avLst/>
+          </a:prstGeom>
+        </p:spPr>
+        <p:style>
+          <a:lnRef idx="1">
+            <a:schemeClr val="accent1"/>
+          </a:lnRef>
+          <a:fillRef idx="0">
+            <a:schemeClr val="accent1"/>
+          </a:fillRef>
+          <a:effectRef idx="0">
+            <a:schemeClr val="accent1"/>
+          </a:effectRef>
+          <a:fontRef idx="minor">
+            <a:schemeClr val="tx1"/>
+          </a:fontRef>
+        </p:style>
+      </p:cxnSp>
+      <p:sp>
+        <p:nvSpPr>
+          <p:cNvPr id="17" name="Flussdiagramm: Karte 16">
+            <a:extLst>
+              <a:ext uri="{FF2B5EF4-FFF2-40B4-BE49-F238E27FC236}">
+                <a16:creationId xmlns:a16="http://schemas.microsoft.com/office/drawing/2014/main" id="{73F5F999-047B-25EE-62F1-23D7598D5FE1}"/>
+              </a:ext>
+            </a:extLst>
+          </p:cNvPr>
+          <p:cNvSpPr/>
+          <p:nvPr/>
+        </p:nvSpPr>
+        <p:spPr>
+          <a:xfrm>
+            <a:off x="5345879" y="2857995"/>
+            <a:ext cx="1288003" cy="296211"/>
+          </a:xfrm>
+          <a:prstGeom prst="flowChartPunchedCard">
+            <a:avLst/>
+          </a:prstGeom>
+          <a:solidFill>
+            <a:srgbClr val="E2F0D9"/>
+          </a:solidFill>
+          <a:ln>
+            <a:solidFill>
+              <a:schemeClr val="tx1"/>
+            </a:solidFill>
+          </a:ln>
+        </p:spPr>
+        <p:style>
+          <a:lnRef idx="2">
+            <a:schemeClr val="accent1">
+              <a:shade val="50000"/>
+            </a:schemeClr>
+          </a:lnRef>
+          <a:fillRef idx="1">
+            <a:schemeClr val="accent1"/>
+          </a:fillRef>
+          <a:effectRef idx="0">
+            <a:schemeClr val="accent1"/>
+          </a:effectRef>
+          <a:fontRef idx="minor">
+            <a:schemeClr val="lt1"/>
+          </a:fontRef>
+        </p:style>
+        <p:txBody>
+          <a:bodyPr rtlCol="0" anchor="ctr"/>
+          <a:lstStyle/>
+          <a:p>
+            <a:pPr algn="ctr"/>
+            <a:r>
+              <a:rPr lang="de-CH" sz="1000" b="1" dirty="0">
+                <a:solidFill>
+                  <a:schemeClr val="tx1"/>
+                </a:solidFill>
+                <a:latin typeface="Arial" panose="020B0604020202020204" pitchFamily="34" charset="0"/>
+                <a:cs typeface="Arial" panose="020B0604020202020204" pitchFamily="34" charset="0"/>
+              </a:rPr>
+              <a:t>Supporter.xml</a:t>
+            </a:r>
+          </a:p>
+        </p:txBody>
+      </p:sp>
+      <p:sp>
+        <p:nvSpPr>
+          <p:cNvPr id="19" name="Flussdiagramm: Karte 18">
+            <a:extLst>
+              <a:ext uri="{FF2B5EF4-FFF2-40B4-BE49-F238E27FC236}">
+                <a16:creationId xmlns:a16="http://schemas.microsoft.com/office/drawing/2014/main" id="{27FF814F-DA42-FBD9-DF18-45947B1D519B}"/>
+              </a:ext>
+            </a:extLst>
+          </p:cNvPr>
+          <p:cNvSpPr/>
+          <p:nvPr/>
+        </p:nvSpPr>
+        <p:spPr>
+          <a:xfrm>
+            <a:off x="3479983" y="1957999"/>
+            <a:ext cx="1572241" cy="296211"/>
+          </a:xfrm>
+          <a:prstGeom prst="flowChartPunchedCard">
             <a:avLst/>
           </a:prstGeom>
           <a:noFill/>
@@ -6751,111 +12777,73 @@
           <a:p>
             <a:pPr algn="ctr"/>
             <a:r>
-              <a:rPr lang="de-CH" sz="1400" dirty="0">
-                <a:solidFill>
-                  <a:schemeClr val="tx1"/>
-                </a:solidFill>
-                <a:latin typeface="Arial" panose="020B0604020202020204" pitchFamily="34" charset="0"/>
-                <a:cs typeface="Arial" panose="020B0604020202020204" pitchFamily="34" charset="0"/>
-              </a:rPr>
-              <a:t>Hostpoint</a:t>
-            </a:r>
-          </a:p>
-          <a:p>
-            <a:pPr algn="ctr"/>
-            <a:r>
-              <a:rPr lang="de-CH" sz="1400" dirty="0">
-                <a:solidFill>
-                  <a:schemeClr val="tx1"/>
-                </a:solidFill>
-                <a:latin typeface="Arial" panose="020B0604020202020204" pitchFamily="34" charset="0"/>
-                <a:cs typeface="Arial" panose="020B0604020202020204" pitchFamily="34" charset="0"/>
-              </a:rPr>
-              <a:t>Server</a:t>
-            </a:r>
-          </a:p>
-          <a:p>
-            <a:pPr algn="ctr"/>
-            <a:r>
-              <a:rPr lang="de-CH" sz="1400" dirty="0">
-                <a:solidFill>
-                  <a:schemeClr val="tx1"/>
-                </a:solidFill>
-                <a:latin typeface="Arial" panose="020B0604020202020204" pitchFamily="34" charset="0"/>
-                <a:cs typeface="Arial" panose="020B0604020202020204" pitchFamily="34" charset="0"/>
-              </a:rPr>
-              <a:t>Quellcode</a:t>
-            </a:r>
-          </a:p>
-        </p:txBody>
-      </p:sp>
-      <p:cxnSp>
-        <p:nvCxnSpPr>
-          <p:cNvPr id="45" name="Gerade Verbindung mit Pfeil 44">
-            <a:extLst>
-              <a:ext uri="{FF2B5EF4-FFF2-40B4-BE49-F238E27FC236}">
-                <a16:creationId xmlns:a16="http://schemas.microsoft.com/office/drawing/2014/main" id="{BEB6B669-6415-4680-8B4D-58D1EDBEF03F}"/>
-              </a:ext>
-            </a:extLst>
-          </p:cNvPr>
-          <p:cNvCxnSpPr>
-            <a:cxnSpLocks/>
-          </p:cNvCxnSpPr>
-          <p:nvPr/>
-        </p:nvCxnSpPr>
+              <a:rPr lang="de-CH" sz="1000" b="1" dirty="0">
+                <a:solidFill>
+                  <a:schemeClr val="tx1"/>
+                </a:solidFill>
+                <a:latin typeface="Arial" panose="020B0604020202020204" pitchFamily="34" charset="0"/>
+                <a:cs typeface="Arial" panose="020B0604020202020204" pitchFamily="34" charset="0"/>
+              </a:rPr>
+              <a:t>JazzLiveAdressen.csv</a:t>
+            </a:r>
+          </a:p>
+        </p:txBody>
+      </p:sp>
+    </p:spTree>
+    <p:extLst>
+      <p:ext uri="{BB962C8B-B14F-4D97-AF65-F5344CB8AC3E}">
+        <p14:creationId xmlns:p14="http://schemas.microsoft.com/office/powerpoint/2010/main" val="1912554520"/>
+      </p:ext>
+    </p:extLst>
+  </p:cSld>
+  <p:clrMapOvr>
+    <a:masterClrMapping/>
+  </p:clrMapOvr>
+</p:sld>
+</file>
+
+<file path=ppt/slides/slide6.xml><?xml version="1.0" encoding="utf-8"?>
+<p:sld xmlns:a="http://schemas.openxmlformats.org/drawingml/2006/main" xmlns:r="http://schemas.openxmlformats.org/officeDocument/2006/relationships" xmlns:p="http://schemas.openxmlformats.org/presentationml/2006/main">
+  <p:cSld>
+    <p:spTree>
+      <p:nvGrpSpPr>
+        <p:cNvPr id="1" name=""/>
+        <p:cNvGrpSpPr/>
+        <p:nvPr/>
+      </p:nvGrpSpPr>
+      <p:grpSpPr>
+        <a:xfrm>
+          <a:off x="0" y="0"/>
+          <a:ext cx="0" cy="0"/>
+          <a:chOff x="0" y="0"/>
+          <a:chExt cx="0" cy="0"/>
+        </a:xfrm>
+      </p:grpSpPr>
+      <p:sp>
+        <p:nvSpPr>
+          <p:cNvPr id="6" name="Rechteck 5">
+            <a:extLst>
+              <a:ext uri="{FF2B5EF4-FFF2-40B4-BE49-F238E27FC236}">
+                <a16:creationId xmlns:a16="http://schemas.microsoft.com/office/drawing/2014/main" id="{25F0A89C-B30B-8D47-3EAC-FF278CE70BF9}"/>
+              </a:ext>
+            </a:extLst>
+          </p:cNvPr>
+          <p:cNvSpPr/>
+          <p:nvPr/>
+        </p:nvSpPr>
         <p:spPr>
           <a:xfrm>
-            <a:off x="5230121" y="4425680"/>
-            <a:ext cx="0" cy="677661"/>
-          </a:xfrm>
-          <a:prstGeom prst="straightConnector1">
-            <a:avLst/>
-          </a:prstGeom>
-          <a:ln w="15875">
+            <a:off x="1730133" y="2417722"/>
+            <a:ext cx="723623" cy="273141"/>
+          </a:xfrm>
+          <a:prstGeom prst="rect">
+            <a:avLst/>
+          </a:prstGeom>
+          <a:noFill/>
+          <a:ln>
             <a:solidFill>
               <a:schemeClr val="tx1"/>
             </a:solidFill>
-            <a:tailEnd type="triangle"/>
-          </a:ln>
-        </p:spPr>
-        <p:style>
-          <a:lnRef idx="1">
-            <a:schemeClr val="accent1"/>
-          </a:lnRef>
-          <a:fillRef idx="0">
-            <a:schemeClr val="accent1"/>
-          </a:fillRef>
-          <a:effectRef idx="0">
-            <a:schemeClr val="accent1"/>
-          </a:effectRef>
-          <a:fontRef idx="minor">
-            <a:schemeClr val="tx1"/>
-          </a:fontRef>
-        </p:style>
-      </p:cxnSp>
-      <p:sp>
-        <p:nvSpPr>
-          <p:cNvPr id="46" name="Rechteck 45">
-            <a:extLst>
-              <a:ext uri="{FF2B5EF4-FFF2-40B4-BE49-F238E27FC236}">
-                <a16:creationId xmlns:a16="http://schemas.microsoft.com/office/drawing/2014/main" id="{51397496-7019-4692-92B2-11C22F2052C2}"/>
-              </a:ext>
-            </a:extLst>
-          </p:cNvPr>
-          <p:cNvSpPr/>
-          <p:nvPr/>
-        </p:nvSpPr>
-        <p:spPr>
-          <a:xfrm rot="5400000">
-            <a:off x="4976924" y="4603492"/>
-            <a:ext cx="848480" cy="262422"/>
-          </a:xfrm>
-          <a:prstGeom prst="rect">
-            <a:avLst/>
-          </a:prstGeom>
-          <a:noFill/>
-          <a:ln w="3175">
-            <a:noFill/>
           </a:ln>
         </p:spPr>
         <p:style>
@@ -6880,85 +12868,50 @@
           <a:p>
             <a:pPr algn="ctr"/>
             <a:r>
-              <a:rPr lang="de-CH" sz="1400" b="1" i="1" dirty="0">
-                <a:solidFill>
-                  <a:schemeClr val="tx1"/>
-                </a:solidFill>
-                <a:latin typeface="Arial" panose="020B0604020202020204" pitchFamily="34" charset="0"/>
-                <a:cs typeface="Arial" panose="020B0604020202020204" pitchFamily="34" charset="0"/>
-              </a:rPr>
-              <a:t>5. FTP</a:t>
-            </a:r>
-          </a:p>
-        </p:txBody>
-      </p:sp>
-      <p:cxnSp>
-        <p:nvCxnSpPr>
-          <p:cNvPr id="44" name="Gerade Verbindung mit Pfeil 43">
-            <a:extLst>
-              <a:ext uri="{FF2B5EF4-FFF2-40B4-BE49-F238E27FC236}">
-                <a16:creationId xmlns:a16="http://schemas.microsoft.com/office/drawing/2014/main" id="{7D860BD5-CC52-4809-8C7D-A8C31545B852}"/>
-              </a:ext>
-            </a:extLst>
-          </p:cNvPr>
-          <p:cNvCxnSpPr>
-            <a:cxnSpLocks/>
-          </p:cNvCxnSpPr>
-          <p:nvPr/>
-        </p:nvCxnSpPr>
-        <p:spPr>
-          <a:xfrm flipH="1">
-            <a:off x="5954686" y="4143904"/>
-            <a:ext cx="731469" cy="0"/>
-          </a:xfrm>
-          <a:prstGeom prst="straightConnector1">
-            <a:avLst/>
-          </a:prstGeom>
-          <a:ln w="15875">
+              <a:rPr lang="de-CH" sz="1000" b="1" dirty="0" err="1">
+                <a:solidFill>
+                  <a:schemeClr val="tx1"/>
+                </a:solidFill>
+                <a:latin typeface="Arial" panose="020B0604020202020204" pitchFamily="34" charset="0"/>
+                <a:cs typeface="Arial" panose="020B0604020202020204" pitchFamily="34" charset="0"/>
+              </a:rPr>
+              <a:t>QrCode</a:t>
+            </a:r>
+            <a:endParaRPr lang="de-CH" sz="1000" b="1" dirty="0">
+              <a:solidFill>
+                <a:schemeClr val="tx1"/>
+              </a:solidFill>
+              <a:latin typeface="Arial" panose="020B0604020202020204" pitchFamily="34" charset="0"/>
+              <a:cs typeface="Arial" panose="020B0604020202020204" pitchFamily="34" charset="0"/>
+            </a:endParaRPr>
+          </a:p>
+        </p:txBody>
+      </p:sp>
+      <p:sp>
+        <p:nvSpPr>
+          <p:cNvPr id="7" name="Rechteck 6">
+            <a:extLst>
+              <a:ext uri="{FF2B5EF4-FFF2-40B4-BE49-F238E27FC236}">
+                <a16:creationId xmlns:a16="http://schemas.microsoft.com/office/drawing/2014/main" id="{9F3DB395-F2DE-000D-8348-9F725B03DC73}"/>
+              </a:ext>
+            </a:extLst>
+          </p:cNvPr>
+          <p:cNvSpPr/>
+          <p:nvPr/>
+        </p:nvSpPr>
+        <p:spPr>
+          <a:xfrm>
+            <a:off x="1764612" y="1960520"/>
+            <a:ext cx="622946" cy="273141"/>
+          </a:xfrm>
+          <a:prstGeom prst="rect">
+            <a:avLst/>
+          </a:prstGeom>
+          <a:noFill/>
+          <a:ln>
             <a:solidFill>
               <a:schemeClr val="tx1"/>
             </a:solidFill>
-            <a:tailEnd type="triangle"/>
-          </a:ln>
-        </p:spPr>
-        <p:style>
-          <a:lnRef idx="1">
-            <a:schemeClr val="accent1"/>
-          </a:lnRef>
-          <a:fillRef idx="0">
-            <a:schemeClr val="accent1"/>
-          </a:fillRef>
-          <a:effectRef idx="0">
-            <a:schemeClr val="accent1"/>
-          </a:effectRef>
-          <a:fontRef idx="minor">
-            <a:schemeClr val="tx1"/>
-          </a:fontRef>
-        </p:style>
-      </p:cxnSp>
-      <p:sp>
-        <p:nvSpPr>
-          <p:cNvPr id="47" name="Rechteck 46">
-            <a:extLst>
-              <a:ext uri="{FF2B5EF4-FFF2-40B4-BE49-F238E27FC236}">
-                <a16:creationId xmlns:a16="http://schemas.microsoft.com/office/drawing/2014/main" id="{196C28A0-D4D6-45A5-B2BA-856FFC4E3A0C}"/>
-              </a:ext>
-            </a:extLst>
-          </p:cNvPr>
-          <p:cNvSpPr/>
-          <p:nvPr/>
-        </p:nvSpPr>
-        <p:spPr>
-          <a:xfrm>
-            <a:off x="5938938" y="3881482"/>
-            <a:ext cx="848480" cy="262422"/>
-          </a:xfrm>
-          <a:prstGeom prst="rect">
-            <a:avLst/>
-          </a:prstGeom>
-          <a:noFill/>
-          <a:ln w="3175">
-            <a:noFill/>
           </a:ln>
         </p:spPr>
         <p:style>
@@ -6983,24 +12936,898 @@
           <a:p>
             <a:pPr algn="ctr"/>
             <a:r>
-              <a:rPr lang="de-CH" sz="1400" b="1" i="1" dirty="0">
-                <a:solidFill>
-                  <a:schemeClr val="tx1"/>
-                </a:solidFill>
-                <a:latin typeface="Arial" panose="020B0604020202020204" pitchFamily="34" charset="0"/>
-                <a:cs typeface="Arial" panose="020B0604020202020204" pitchFamily="34" charset="0"/>
-              </a:rPr>
-              <a:t>4. Pull</a:t>
-            </a:r>
-          </a:p>
-        </p:txBody>
-      </p:sp>
+              <a:rPr lang="de-CH" sz="1000" b="1" dirty="0" err="1">
+                <a:solidFill>
+                  <a:schemeClr val="tx1"/>
+                </a:solidFill>
+                <a:latin typeface="Arial" panose="020B0604020202020204" pitchFamily="34" charset="0"/>
+                <a:cs typeface="Arial" panose="020B0604020202020204" pitchFamily="34" charset="0"/>
+              </a:rPr>
+              <a:t>www</a:t>
+            </a:r>
+            <a:endParaRPr lang="de-CH" sz="1000" b="1" dirty="0">
+              <a:solidFill>
+                <a:schemeClr val="tx1"/>
+              </a:solidFill>
+              <a:latin typeface="Arial" panose="020B0604020202020204" pitchFamily="34" charset="0"/>
+              <a:cs typeface="Arial" panose="020B0604020202020204" pitchFamily="34" charset="0"/>
+            </a:endParaRPr>
+          </a:p>
+        </p:txBody>
+      </p:sp>
+      <p:cxnSp>
+        <p:nvCxnSpPr>
+          <p:cNvPr id="8" name="Gerader Verbinder 7">
+            <a:extLst>
+              <a:ext uri="{FF2B5EF4-FFF2-40B4-BE49-F238E27FC236}">
+                <a16:creationId xmlns:a16="http://schemas.microsoft.com/office/drawing/2014/main" id="{1AB71F81-8539-A2D6-6709-36BE2AD5421A}"/>
+              </a:ext>
+            </a:extLst>
+          </p:cNvPr>
+          <p:cNvCxnSpPr>
+            <a:cxnSpLocks/>
+          </p:cNvCxnSpPr>
+          <p:nvPr/>
+        </p:nvCxnSpPr>
+        <p:spPr>
+          <a:xfrm flipV="1">
+            <a:off x="2073144" y="2250907"/>
+            <a:ext cx="0" cy="166815"/>
+          </a:xfrm>
+          <a:prstGeom prst="line">
+            <a:avLst/>
+          </a:prstGeom>
+        </p:spPr>
+        <p:style>
+          <a:lnRef idx="1">
+            <a:schemeClr val="accent1"/>
+          </a:lnRef>
+          <a:fillRef idx="0">
+            <a:schemeClr val="accent1"/>
+          </a:fillRef>
+          <a:effectRef idx="0">
+            <a:schemeClr val="accent1"/>
+          </a:effectRef>
+          <a:fontRef idx="minor">
+            <a:schemeClr val="tx1"/>
+          </a:fontRef>
+        </p:style>
+      </p:cxnSp>
+      <p:sp>
+        <p:nvSpPr>
+          <p:cNvPr id="9" name="Rechteck 8">
+            <a:extLst>
+              <a:ext uri="{FF2B5EF4-FFF2-40B4-BE49-F238E27FC236}">
+                <a16:creationId xmlns:a16="http://schemas.microsoft.com/office/drawing/2014/main" id="{D4B419AF-F88D-D775-9AAF-74485768E888}"/>
+              </a:ext>
+            </a:extLst>
+          </p:cNvPr>
+          <p:cNvSpPr/>
+          <p:nvPr/>
+        </p:nvSpPr>
+        <p:spPr>
+          <a:xfrm>
+            <a:off x="1730132" y="2883855"/>
+            <a:ext cx="723623" cy="273141"/>
+          </a:xfrm>
+          <a:prstGeom prst="rect">
+            <a:avLst/>
+          </a:prstGeom>
+          <a:noFill/>
+          <a:ln>
+            <a:solidFill>
+              <a:schemeClr val="tx1"/>
+            </a:solidFill>
+          </a:ln>
+        </p:spPr>
+        <p:style>
+          <a:lnRef idx="2">
+            <a:schemeClr val="accent1">
+              <a:shade val="50000"/>
+            </a:schemeClr>
+          </a:lnRef>
+          <a:fillRef idx="1">
+            <a:schemeClr val="accent1"/>
+          </a:fillRef>
+          <a:effectRef idx="0">
+            <a:schemeClr val="accent1"/>
+          </a:effectRef>
+          <a:fontRef idx="minor">
+            <a:schemeClr val="lt1"/>
+          </a:fontRef>
+        </p:style>
+        <p:txBody>
+          <a:bodyPr rtlCol="0" anchor="ctr"/>
+          <a:lstStyle/>
+          <a:p>
+            <a:pPr algn="ctr"/>
+            <a:r>
+              <a:rPr lang="de-CH" sz="1000" b="1" dirty="0" err="1">
+                <a:solidFill>
+                  <a:schemeClr val="tx1"/>
+                </a:solidFill>
+                <a:latin typeface="Arial" panose="020B0604020202020204" pitchFamily="34" charset="0"/>
+                <a:cs typeface="Arial" panose="020B0604020202020204" pitchFamily="34" charset="0"/>
+              </a:rPr>
+              <a:t>QFiles</a:t>
+            </a:r>
+            <a:r>
+              <a:rPr lang="de-CH" sz="1000" b="1" dirty="0">
+                <a:solidFill>
+                  <a:schemeClr val="tx1"/>
+                </a:solidFill>
+                <a:latin typeface="Arial" panose="020B0604020202020204" pitchFamily="34" charset="0"/>
+                <a:cs typeface="Arial" panose="020B0604020202020204" pitchFamily="34" charset="0"/>
+              </a:rPr>
+              <a:t> </a:t>
+            </a:r>
+          </a:p>
+        </p:txBody>
+      </p:sp>
+      <p:cxnSp>
+        <p:nvCxnSpPr>
+          <p:cNvPr id="11" name="Gerader Verbinder 10">
+            <a:extLst>
+              <a:ext uri="{FF2B5EF4-FFF2-40B4-BE49-F238E27FC236}">
+                <a16:creationId xmlns:a16="http://schemas.microsoft.com/office/drawing/2014/main" id="{9A492860-0E46-4971-226F-1B10739DF666}"/>
+              </a:ext>
+            </a:extLst>
+          </p:cNvPr>
+          <p:cNvCxnSpPr>
+            <a:cxnSpLocks/>
+          </p:cNvCxnSpPr>
+          <p:nvPr/>
+        </p:nvCxnSpPr>
+        <p:spPr>
+          <a:xfrm flipV="1">
+            <a:off x="2074170" y="2704684"/>
+            <a:ext cx="0" cy="166815"/>
+          </a:xfrm>
+          <a:prstGeom prst="line">
+            <a:avLst/>
+          </a:prstGeom>
+        </p:spPr>
+        <p:style>
+          <a:lnRef idx="1">
+            <a:schemeClr val="accent1"/>
+          </a:lnRef>
+          <a:fillRef idx="0">
+            <a:schemeClr val="accent1"/>
+          </a:fillRef>
+          <a:effectRef idx="0">
+            <a:schemeClr val="accent1"/>
+          </a:effectRef>
+          <a:fontRef idx="minor">
+            <a:schemeClr val="tx1"/>
+          </a:fontRef>
+        </p:style>
+      </p:cxnSp>
+      <p:sp>
+        <p:nvSpPr>
+          <p:cNvPr id="14" name="Rechteck 13">
+            <a:extLst>
+              <a:ext uri="{FF2B5EF4-FFF2-40B4-BE49-F238E27FC236}">
+                <a16:creationId xmlns:a16="http://schemas.microsoft.com/office/drawing/2014/main" id="{A3DD7DDB-EFA1-79A6-E9DB-AE5D48D5BB6E}"/>
+              </a:ext>
+            </a:extLst>
+          </p:cNvPr>
+          <p:cNvSpPr/>
+          <p:nvPr/>
+        </p:nvSpPr>
+        <p:spPr>
+          <a:xfrm>
+            <a:off x="671008" y="3928888"/>
+            <a:ext cx="1410591" cy="273141"/>
+          </a:xfrm>
+          <a:prstGeom prst="rect">
+            <a:avLst/>
+          </a:prstGeom>
+          <a:noFill/>
+          <a:ln>
+            <a:solidFill>
+              <a:schemeClr val="tx1"/>
+            </a:solidFill>
+          </a:ln>
+        </p:spPr>
+        <p:style>
+          <a:lnRef idx="2">
+            <a:schemeClr val="accent1">
+              <a:shade val="50000"/>
+            </a:schemeClr>
+          </a:lnRef>
+          <a:fillRef idx="1">
+            <a:schemeClr val="accent1"/>
+          </a:fillRef>
+          <a:effectRef idx="0">
+            <a:schemeClr val="accent1"/>
+          </a:effectRef>
+          <a:fontRef idx="minor">
+            <a:schemeClr val="lt1"/>
+          </a:fontRef>
+        </p:style>
+        <p:txBody>
+          <a:bodyPr rtlCol="0" anchor="ctr"/>
+          <a:lstStyle/>
+          <a:p>
+            <a:pPr algn="ctr"/>
+            <a:r>
+              <a:rPr lang="de-CH" sz="1000" b="1" dirty="0">
+                <a:solidFill>
+                  <a:schemeClr val="tx1"/>
+                </a:solidFill>
+                <a:latin typeface="Arial" panose="020B0604020202020204" pitchFamily="34" charset="0"/>
+                <a:cs typeface="Arial" panose="020B0604020202020204" pitchFamily="34" charset="0"/>
+              </a:rPr>
+              <a:t>Season_2021_2022</a:t>
+            </a:r>
+          </a:p>
+        </p:txBody>
+      </p:sp>
+      <p:sp>
+        <p:nvSpPr>
+          <p:cNvPr id="15" name="Rechteck 14">
+            <a:extLst>
+              <a:ext uri="{FF2B5EF4-FFF2-40B4-BE49-F238E27FC236}">
+                <a16:creationId xmlns:a16="http://schemas.microsoft.com/office/drawing/2014/main" id="{26885B72-1285-C3D2-AF0A-BE2DC8E41BCA}"/>
+              </a:ext>
+            </a:extLst>
+          </p:cNvPr>
+          <p:cNvSpPr/>
+          <p:nvPr/>
+        </p:nvSpPr>
+        <p:spPr>
+          <a:xfrm>
+            <a:off x="2137993" y="3928888"/>
+            <a:ext cx="1410591" cy="273141"/>
+          </a:xfrm>
+          <a:prstGeom prst="rect">
+            <a:avLst/>
+          </a:prstGeom>
+          <a:noFill/>
+          <a:ln>
+            <a:solidFill>
+              <a:schemeClr val="tx1"/>
+            </a:solidFill>
+            <a:prstDash val="dash"/>
+          </a:ln>
+        </p:spPr>
+        <p:style>
+          <a:lnRef idx="2">
+            <a:schemeClr val="accent1">
+              <a:shade val="50000"/>
+            </a:schemeClr>
+          </a:lnRef>
+          <a:fillRef idx="1">
+            <a:schemeClr val="accent1"/>
+          </a:fillRef>
+          <a:effectRef idx="0">
+            <a:schemeClr val="accent1"/>
+          </a:effectRef>
+          <a:fontRef idx="minor">
+            <a:schemeClr val="lt1"/>
+          </a:fontRef>
+        </p:style>
+        <p:txBody>
+          <a:bodyPr rtlCol="0" anchor="ctr"/>
+          <a:lstStyle/>
+          <a:p>
+            <a:pPr algn="ctr"/>
+            <a:r>
+              <a:rPr lang="de-CH" sz="1000" i="1" dirty="0">
+                <a:solidFill>
+                  <a:schemeClr val="tx1"/>
+                </a:solidFill>
+                <a:latin typeface="Arial" panose="020B0604020202020204" pitchFamily="34" charset="0"/>
+                <a:cs typeface="Arial" panose="020B0604020202020204" pitchFamily="34" charset="0"/>
+              </a:rPr>
+              <a:t>Season_2022_2023</a:t>
+            </a:r>
+          </a:p>
+        </p:txBody>
+      </p:sp>
+      <p:cxnSp>
+        <p:nvCxnSpPr>
+          <p:cNvPr id="16" name="Gerader Verbinder 15">
+            <a:extLst>
+              <a:ext uri="{FF2B5EF4-FFF2-40B4-BE49-F238E27FC236}">
+                <a16:creationId xmlns:a16="http://schemas.microsoft.com/office/drawing/2014/main" id="{30DBE0B0-941C-B86D-48B8-305906AD16B2}"/>
+              </a:ext>
+            </a:extLst>
+          </p:cNvPr>
+          <p:cNvCxnSpPr>
+            <a:cxnSpLocks/>
+            <a:endCxn id="9" idx="2"/>
+          </p:cNvCxnSpPr>
+          <p:nvPr/>
+        </p:nvCxnSpPr>
+        <p:spPr>
+          <a:xfrm flipH="1" flipV="1">
+            <a:off x="2091944" y="3156996"/>
+            <a:ext cx="742815" cy="745715"/>
+          </a:xfrm>
+          <a:prstGeom prst="line">
+            <a:avLst/>
+          </a:prstGeom>
+        </p:spPr>
+        <p:style>
+          <a:lnRef idx="1">
+            <a:schemeClr val="accent1"/>
+          </a:lnRef>
+          <a:fillRef idx="0">
+            <a:schemeClr val="accent1"/>
+          </a:fillRef>
+          <a:effectRef idx="0">
+            <a:schemeClr val="accent1"/>
+          </a:effectRef>
+          <a:fontRef idx="minor">
+            <a:schemeClr val="tx1"/>
+          </a:fontRef>
+        </p:style>
+      </p:cxnSp>
+      <p:cxnSp>
+        <p:nvCxnSpPr>
+          <p:cNvPr id="18" name="Gerader Verbinder 17">
+            <a:extLst>
+              <a:ext uri="{FF2B5EF4-FFF2-40B4-BE49-F238E27FC236}">
+                <a16:creationId xmlns:a16="http://schemas.microsoft.com/office/drawing/2014/main" id="{E3B0226F-9061-6D12-0B6A-2D6AF0A4036D}"/>
+              </a:ext>
+            </a:extLst>
+          </p:cNvPr>
+          <p:cNvCxnSpPr>
+            <a:cxnSpLocks/>
+          </p:cNvCxnSpPr>
+          <p:nvPr/>
+        </p:nvCxnSpPr>
+        <p:spPr>
+          <a:xfrm flipV="1">
+            <a:off x="1339225" y="3169352"/>
+            <a:ext cx="644001" cy="733359"/>
+          </a:xfrm>
+          <a:prstGeom prst="line">
+            <a:avLst/>
+          </a:prstGeom>
+        </p:spPr>
+        <p:style>
+          <a:lnRef idx="1">
+            <a:schemeClr val="accent1"/>
+          </a:lnRef>
+          <a:fillRef idx="0">
+            <a:schemeClr val="accent1"/>
+          </a:fillRef>
+          <a:effectRef idx="0">
+            <a:schemeClr val="accent1"/>
+          </a:effectRef>
+          <a:fontRef idx="minor">
+            <a:schemeClr val="tx1"/>
+          </a:fontRef>
+        </p:style>
+      </p:cxnSp>
+      <p:sp>
+        <p:nvSpPr>
+          <p:cNvPr id="21" name="Flussdiagramm: Karte 20">
+            <a:extLst>
+              <a:ext uri="{FF2B5EF4-FFF2-40B4-BE49-F238E27FC236}">
+                <a16:creationId xmlns:a16="http://schemas.microsoft.com/office/drawing/2014/main" id="{87545955-15D0-5955-154A-909BF6396F15}"/>
+              </a:ext>
+            </a:extLst>
+          </p:cNvPr>
+          <p:cNvSpPr/>
+          <p:nvPr/>
+        </p:nvSpPr>
+        <p:spPr>
+          <a:xfrm>
+            <a:off x="671008" y="4366919"/>
+            <a:ext cx="1288003" cy="296211"/>
+          </a:xfrm>
+          <a:prstGeom prst="flowChartPunchedCard">
+            <a:avLst/>
+          </a:prstGeom>
+          <a:noFill/>
+          <a:ln>
+            <a:solidFill>
+              <a:schemeClr val="tx1"/>
+            </a:solidFill>
+          </a:ln>
+        </p:spPr>
+        <p:style>
+          <a:lnRef idx="2">
+            <a:schemeClr val="accent1">
+              <a:shade val="50000"/>
+            </a:schemeClr>
+          </a:lnRef>
+          <a:fillRef idx="1">
+            <a:schemeClr val="accent1"/>
+          </a:fillRef>
+          <a:effectRef idx="0">
+            <a:schemeClr val="accent1"/>
+          </a:effectRef>
+          <a:fontRef idx="minor">
+            <a:schemeClr val="lt1"/>
+          </a:fontRef>
+        </p:style>
+        <p:txBody>
+          <a:bodyPr rtlCol="0" anchor="ctr"/>
+          <a:lstStyle/>
+          <a:p>
+            <a:pPr algn="ctr"/>
+            <a:r>
+              <a:rPr lang="de-CH" sz="1000" b="1" dirty="0">
+                <a:solidFill>
+                  <a:schemeClr val="tx1"/>
+                </a:solidFill>
+                <a:latin typeface="Arial" panose="020B0604020202020204" pitchFamily="34" charset="0"/>
+                <a:cs typeface="Arial" panose="020B0604020202020204" pitchFamily="34" charset="0"/>
+              </a:rPr>
+              <a:t>Supporter.xml</a:t>
+            </a:r>
+          </a:p>
+        </p:txBody>
+      </p:sp>
+      <p:cxnSp>
+        <p:nvCxnSpPr>
+          <p:cNvPr id="22" name="Gerader Verbinder 21">
+            <a:extLst>
+              <a:ext uri="{FF2B5EF4-FFF2-40B4-BE49-F238E27FC236}">
+                <a16:creationId xmlns:a16="http://schemas.microsoft.com/office/drawing/2014/main" id="{C5CFD2E4-0351-49D3-42B8-990A72E3DD35}"/>
+              </a:ext>
+            </a:extLst>
+          </p:cNvPr>
+          <p:cNvCxnSpPr>
+            <a:cxnSpLocks/>
+          </p:cNvCxnSpPr>
+          <p:nvPr/>
+        </p:nvCxnSpPr>
+        <p:spPr>
+          <a:xfrm flipV="1">
+            <a:off x="1371683" y="4202029"/>
+            <a:ext cx="0" cy="166815"/>
+          </a:xfrm>
+          <a:prstGeom prst="line">
+            <a:avLst/>
+          </a:prstGeom>
+        </p:spPr>
+        <p:style>
+          <a:lnRef idx="1">
+            <a:schemeClr val="accent1"/>
+          </a:lnRef>
+          <a:fillRef idx="0">
+            <a:schemeClr val="accent1"/>
+          </a:fillRef>
+          <a:effectRef idx="0">
+            <a:schemeClr val="accent1"/>
+          </a:effectRef>
+          <a:fontRef idx="minor">
+            <a:schemeClr val="tx1"/>
+          </a:fontRef>
+        </p:style>
+      </p:cxnSp>
+      <p:sp>
+        <p:nvSpPr>
+          <p:cNvPr id="23" name="Textfeld 22">
+            <a:extLst>
+              <a:ext uri="{FF2B5EF4-FFF2-40B4-BE49-F238E27FC236}">
+                <a16:creationId xmlns:a16="http://schemas.microsoft.com/office/drawing/2014/main" id="{9F08B5DB-ADE5-353C-D879-839AC28CB233}"/>
+              </a:ext>
+            </a:extLst>
+          </p:cNvPr>
+          <p:cNvSpPr txBox="1"/>
+          <p:nvPr/>
+        </p:nvSpPr>
+        <p:spPr>
+          <a:xfrm>
+            <a:off x="2422274" y="3619061"/>
+            <a:ext cx="309185" cy="246221"/>
+          </a:xfrm>
+          <a:prstGeom prst="rect">
+            <a:avLst/>
+          </a:prstGeom>
+          <a:noFill/>
+        </p:spPr>
+        <p:txBody>
+          <a:bodyPr wrap="square" rtlCol="0">
+            <a:spAutoFit/>
+          </a:bodyPr>
+          <a:lstStyle/>
+          <a:p>
+            <a:r>
+              <a:rPr lang="de-CH" sz="1000" b="1" dirty="0">
+                <a:latin typeface="Arial" panose="020B0604020202020204" pitchFamily="34" charset="0"/>
+                <a:cs typeface="Arial" panose="020B0604020202020204" pitchFamily="34" charset="0"/>
+              </a:rPr>
+              <a:t>1</a:t>
+            </a:r>
+          </a:p>
+        </p:txBody>
+      </p:sp>
+      <p:sp>
+        <p:nvSpPr>
+          <p:cNvPr id="24" name="Textfeld 23">
+            <a:extLst>
+              <a:ext uri="{FF2B5EF4-FFF2-40B4-BE49-F238E27FC236}">
+                <a16:creationId xmlns:a16="http://schemas.microsoft.com/office/drawing/2014/main" id="{7EDF8BE4-9489-10B7-C3DE-89EF7E97EFCA}"/>
+              </a:ext>
+            </a:extLst>
+          </p:cNvPr>
+          <p:cNvSpPr txBox="1"/>
+          <p:nvPr/>
+        </p:nvSpPr>
+        <p:spPr>
+          <a:xfrm>
+            <a:off x="1472179" y="3626568"/>
+            <a:ext cx="309185" cy="246221"/>
+          </a:xfrm>
+          <a:prstGeom prst="rect">
+            <a:avLst/>
+          </a:prstGeom>
+          <a:noFill/>
+        </p:spPr>
+        <p:txBody>
+          <a:bodyPr wrap="square" rtlCol="0">
+            <a:spAutoFit/>
+          </a:bodyPr>
+          <a:lstStyle/>
+          <a:p>
+            <a:r>
+              <a:rPr lang="de-CH" sz="1000" b="1" dirty="0">
+                <a:latin typeface="Arial" panose="020B0604020202020204" pitchFamily="34" charset="0"/>
+                <a:cs typeface="Arial" panose="020B0604020202020204" pitchFamily="34" charset="0"/>
+              </a:rPr>
+              <a:t>2</a:t>
+            </a:r>
+          </a:p>
+        </p:txBody>
+      </p:sp>
+      <p:sp>
+        <p:nvSpPr>
+          <p:cNvPr id="26" name="Textfeld 25">
+            <a:extLst>
+              <a:ext uri="{FF2B5EF4-FFF2-40B4-BE49-F238E27FC236}">
+                <a16:creationId xmlns:a16="http://schemas.microsoft.com/office/drawing/2014/main" id="{96C2EFF4-12CC-C08F-EB53-8B9AF7878B7B}"/>
+              </a:ext>
+            </a:extLst>
+          </p:cNvPr>
+          <p:cNvSpPr txBox="1"/>
+          <p:nvPr/>
+        </p:nvSpPr>
+        <p:spPr>
+          <a:xfrm>
+            <a:off x="2327620" y="4285436"/>
+            <a:ext cx="1288003" cy="553998"/>
+          </a:xfrm>
+          <a:prstGeom prst="rect">
+            <a:avLst/>
+          </a:prstGeom>
+          <a:noFill/>
+        </p:spPr>
+        <p:txBody>
+          <a:bodyPr wrap="square" rtlCol="0">
+            <a:spAutoFit/>
+          </a:bodyPr>
+          <a:lstStyle/>
+          <a:p>
+            <a:pPr algn="ctr"/>
+            <a:r>
+              <a:rPr lang="de-CH" sz="1000" b="1" dirty="0" err="1">
+                <a:latin typeface="Arial" panose="020B0604020202020204" pitchFamily="34" charset="0"/>
+                <a:cs typeface="Arial" panose="020B0604020202020204" pitchFamily="34" charset="0"/>
+              </a:rPr>
+              <a:t>Returned</a:t>
+            </a:r>
+            <a:endParaRPr lang="de-CH" sz="1000" b="1" dirty="0">
+              <a:latin typeface="Arial" panose="020B0604020202020204" pitchFamily="34" charset="0"/>
+              <a:cs typeface="Arial" panose="020B0604020202020204" pitchFamily="34" charset="0"/>
+            </a:endParaRPr>
+          </a:p>
+          <a:p>
+            <a:pPr algn="ctr"/>
+            <a:r>
+              <a:rPr lang="de-CH" sz="1000" b="1" dirty="0" err="1">
+                <a:latin typeface="Arial" panose="020B0604020202020204" pitchFamily="34" charset="0"/>
+                <a:cs typeface="Arial" panose="020B0604020202020204" pitchFamily="34" charset="0"/>
+              </a:rPr>
+              <a:t>season</a:t>
+            </a:r>
+            <a:r>
+              <a:rPr lang="de-CH" sz="1000" b="1" dirty="0">
+                <a:latin typeface="Arial" panose="020B0604020202020204" pitchFamily="34" charset="0"/>
+                <a:cs typeface="Arial" panose="020B0604020202020204" pitchFamily="34" charset="0"/>
+              </a:rPr>
+              <a:t> </a:t>
+            </a:r>
+            <a:r>
+              <a:rPr lang="de-CH" sz="1000" b="1" dirty="0" err="1">
+                <a:latin typeface="Arial" panose="020B0604020202020204" pitchFamily="34" charset="0"/>
+                <a:cs typeface="Arial" panose="020B0604020202020204" pitchFamily="34" charset="0"/>
+              </a:rPr>
+              <a:t>start</a:t>
+            </a:r>
+            <a:r>
+              <a:rPr lang="de-CH" sz="1000" b="1" dirty="0">
+                <a:latin typeface="Arial" panose="020B0604020202020204" pitchFamily="34" charset="0"/>
+                <a:cs typeface="Arial" panose="020B0604020202020204" pitchFamily="34" charset="0"/>
+              </a:rPr>
+              <a:t> </a:t>
+            </a:r>
+            <a:r>
+              <a:rPr lang="de-CH" sz="1000" b="1" dirty="0" err="1">
+                <a:latin typeface="Arial" panose="020B0604020202020204" pitchFamily="34" charset="0"/>
+                <a:cs typeface="Arial" panose="020B0604020202020204" pitchFamily="34" charset="0"/>
+              </a:rPr>
+              <a:t>year</a:t>
+            </a:r>
+            <a:endParaRPr lang="de-CH" sz="1000" b="1" dirty="0">
+              <a:latin typeface="Arial" panose="020B0604020202020204" pitchFamily="34" charset="0"/>
+              <a:cs typeface="Arial" panose="020B0604020202020204" pitchFamily="34" charset="0"/>
+            </a:endParaRPr>
+          </a:p>
+          <a:p>
+            <a:pPr algn="ctr"/>
+            <a:r>
+              <a:rPr lang="de-CH" sz="1000" b="1" dirty="0">
+                <a:latin typeface="Arial" panose="020B0604020202020204" pitchFamily="34" charset="0"/>
+                <a:cs typeface="Arial" panose="020B0604020202020204" pitchFamily="34" charset="0"/>
+              </a:rPr>
+              <a:t>2021</a:t>
+            </a:r>
+          </a:p>
+        </p:txBody>
+      </p:sp>
+      <p:sp>
+        <p:nvSpPr>
+          <p:cNvPr id="27" name="Rechteck 26">
+            <a:extLst>
+              <a:ext uri="{FF2B5EF4-FFF2-40B4-BE49-F238E27FC236}">
+                <a16:creationId xmlns:a16="http://schemas.microsoft.com/office/drawing/2014/main" id="{5E73D831-5DC0-261C-EB8C-13DD69735889}"/>
+              </a:ext>
+            </a:extLst>
+          </p:cNvPr>
+          <p:cNvSpPr/>
+          <p:nvPr/>
+        </p:nvSpPr>
+        <p:spPr>
+          <a:xfrm>
+            <a:off x="3108856" y="2878228"/>
+            <a:ext cx="434409" cy="273141"/>
+          </a:xfrm>
+          <a:prstGeom prst="rect">
+            <a:avLst/>
+          </a:prstGeom>
+          <a:noFill/>
+          <a:ln>
+            <a:solidFill>
+              <a:schemeClr val="tx1"/>
+            </a:solidFill>
+          </a:ln>
+        </p:spPr>
+        <p:style>
+          <a:lnRef idx="2">
+            <a:schemeClr val="accent1">
+              <a:shade val="50000"/>
+            </a:schemeClr>
+          </a:lnRef>
+          <a:fillRef idx="1">
+            <a:schemeClr val="accent1"/>
+          </a:fillRef>
+          <a:effectRef idx="0">
+            <a:schemeClr val="accent1"/>
+          </a:effectRef>
+          <a:fontRef idx="minor">
+            <a:schemeClr val="lt1"/>
+          </a:fontRef>
+        </p:style>
+        <p:txBody>
+          <a:bodyPr rtlCol="0" anchor="ctr"/>
+          <a:lstStyle/>
+          <a:p>
+            <a:pPr algn="ctr"/>
+            <a:r>
+              <a:rPr lang="de-CH" sz="1000" b="1" dirty="0" err="1">
+                <a:solidFill>
+                  <a:schemeClr val="tx1"/>
+                </a:solidFill>
+                <a:latin typeface="Arial" panose="020B0604020202020204" pitchFamily="34" charset="0"/>
+                <a:cs typeface="Arial" panose="020B0604020202020204" pitchFamily="34" charset="0"/>
+              </a:rPr>
+              <a:t>Php</a:t>
+            </a:r>
+            <a:endParaRPr lang="de-CH" sz="1000" b="1" dirty="0">
+              <a:solidFill>
+                <a:schemeClr val="tx1"/>
+              </a:solidFill>
+              <a:latin typeface="Arial" panose="020B0604020202020204" pitchFamily="34" charset="0"/>
+              <a:cs typeface="Arial" panose="020B0604020202020204" pitchFamily="34" charset="0"/>
+            </a:endParaRPr>
+          </a:p>
+        </p:txBody>
+      </p:sp>
+      <p:sp>
+        <p:nvSpPr>
+          <p:cNvPr id="28" name="Flussdiagramm: Karte 27">
+            <a:extLst>
+              <a:ext uri="{FF2B5EF4-FFF2-40B4-BE49-F238E27FC236}">
+                <a16:creationId xmlns:a16="http://schemas.microsoft.com/office/drawing/2014/main" id="{6C354107-ADB4-7CC4-151F-3B925AB25BC2}"/>
+              </a:ext>
+            </a:extLst>
+          </p:cNvPr>
+          <p:cNvSpPr/>
+          <p:nvPr/>
+        </p:nvSpPr>
+        <p:spPr>
+          <a:xfrm>
+            <a:off x="2711719" y="3336037"/>
+            <a:ext cx="1465586" cy="296211"/>
+          </a:xfrm>
+          <a:prstGeom prst="flowChartPunchedCard">
+            <a:avLst/>
+          </a:prstGeom>
+          <a:noFill/>
+          <a:ln>
+            <a:solidFill>
+              <a:schemeClr val="tx1"/>
+            </a:solidFill>
+          </a:ln>
+        </p:spPr>
+        <p:style>
+          <a:lnRef idx="2">
+            <a:schemeClr val="accent1">
+              <a:shade val="50000"/>
+            </a:schemeClr>
+          </a:lnRef>
+          <a:fillRef idx="1">
+            <a:schemeClr val="accent1"/>
+          </a:fillRef>
+          <a:effectRef idx="0">
+            <a:schemeClr val="accent1"/>
+          </a:effectRef>
+          <a:fontRef idx="minor">
+            <a:schemeClr val="lt1"/>
+          </a:fontRef>
+        </p:style>
+        <p:txBody>
+          <a:bodyPr rtlCol="0" anchor="ctr"/>
+          <a:lstStyle/>
+          <a:p>
+            <a:pPr algn="ctr"/>
+            <a:r>
+              <a:rPr lang="de-CH" sz="1000" b="1" dirty="0" err="1">
+                <a:solidFill>
+                  <a:schemeClr val="tx1"/>
+                </a:solidFill>
+                <a:latin typeface="Arial" panose="020B0604020202020204" pitchFamily="34" charset="0"/>
+                <a:cs typeface="Arial" panose="020B0604020202020204" pitchFamily="34" charset="0"/>
+              </a:rPr>
+              <a:t>SeasonStartYear.php</a:t>
+            </a:r>
+            <a:endParaRPr lang="de-CH" sz="1000" b="1" dirty="0">
+              <a:solidFill>
+                <a:schemeClr val="tx1"/>
+              </a:solidFill>
+              <a:latin typeface="Arial" panose="020B0604020202020204" pitchFamily="34" charset="0"/>
+              <a:cs typeface="Arial" panose="020B0604020202020204" pitchFamily="34" charset="0"/>
+            </a:endParaRPr>
+          </a:p>
+        </p:txBody>
+      </p:sp>
+      <p:cxnSp>
+        <p:nvCxnSpPr>
+          <p:cNvPr id="31" name="Gerader Verbinder 30">
+            <a:extLst>
+              <a:ext uri="{FF2B5EF4-FFF2-40B4-BE49-F238E27FC236}">
+                <a16:creationId xmlns:a16="http://schemas.microsoft.com/office/drawing/2014/main" id="{A240F823-DE60-B92B-BD2C-FE99B1E843E5}"/>
+              </a:ext>
+            </a:extLst>
+          </p:cNvPr>
+          <p:cNvCxnSpPr>
+            <a:cxnSpLocks/>
+          </p:cNvCxnSpPr>
+          <p:nvPr/>
+        </p:nvCxnSpPr>
+        <p:spPr>
+          <a:xfrm flipV="1">
+            <a:off x="3301705" y="2788091"/>
+            <a:ext cx="0" cy="90137"/>
+          </a:xfrm>
+          <a:prstGeom prst="line">
+            <a:avLst/>
+          </a:prstGeom>
+        </p:spPr>
+        <p:style>
+          <a:lnRef idx="1">
+            <a:schemeClr val="accent1"/>
+          </a:lnRef>
+          <a:fillRef idx="0">
+            <a:schemeClr val="accent1"/>
+          </a:fillRef>
+          <a:effectRef idx="0">
+            <a:schemeClr val="accent1"/>
+          </a:effectRef>
+          <a:fontRef idx="minor">
+            <a:schemeClr val="tx1"/>
+          </a:fontRef>
+        </p:style>
+      </p:cxnSp>
+      <p:cxnSp>
+        <p:nvCxnSpPr>
+          <p:cNvPr id="33" name="Gerader Verbinder 32">
+            <a:extLst>
+              <a:ext uri="{FF2B5EF4-FFF2-40B4-BE49-F238E27FC236}">
+                <a16:creationId xmlns:a16="http://schemas.microsoft.com/office/drawing/2014/main" id="{71C2D585-A553-D24D-AFCE-BC6D5B995B47}"/>
+              </a:ext>
+            </a:extLst>
+          </p:cNvPr>
+          <p:cNvCxnSpPr>
+            <a:cxnSpLocks/>
+          </p:cNvCxnSpPr>
+          <p:nvPr/>
+        </p:nvCxnSpPr>
+        <p:spPr>
+          <a:xfrm flipV="1">
+            <a:off x="3326060" y="3151369"/>
+            <a:ext cx="0" cy="166815"/>
+          </a:xfrm>
+          <a:prstGeom prst="line">
+            <a:avLst/>
+          </a:prstGeom>
+        </p:spPr>
+        <p:style>
+          <a:lnRef idx="1">
+            <a:schemeClr val="accent1"/>
+          </a:lnRef>
+          <a:fillRef idx="0">
+            <a:schemeClr val="accent1"/>
+          </a:fillRef>
+          <a:effectRef idx="0">
+            <a:schemeClr val="accent1"/>
+          </a:effectRef>
+          <a:fontRef idx="minor">
+            <a:schemeClr val="tx1"/>
+          </a:fontRef>
+        </p:style>
+      </p:cxnSp>
+      <p:cxnSp>
+        <p:nvCxnSpPr>
+          <p:cNvPr id="34" name="Gerader Verbinder 33">
+            <a:extLst>
+              <a:ext uri="{FF2B5EF4-FFF2-40B4-BE49-F238E27FC236}">
+                <a16:creationId xmlns:a16="http://schemas.microsoft.com/office/drawing/2014/main" id="{920B7085-3D91-52BC-094C-57B0D0705897}"/>
+              </a:ext>
+            </a:extLst>
+          </p:cNvPr>
+          <p:cNvCxnSpPr>
+            <a:cxnSpLocks/>
+          </p:cNvCxnSpPr>
+          <p:nvPr/>
+        </p:nvCxnSpPr>
+        <p:spPr>
+          <a:xfrm flipV="1">
+            <a:off x="2081599" y="2790265"/>
+            <a:ext cx="1220106" cy="13045"/>
+          </a:xfrm>
+          <a:prstGeom prst="line">
+            <a:avLst/>
+          </a:prstGeom>
+        </p:spPr>
+        <p:style>
+          <a:lnRef idx="1">
+            <a:schemeClr val="accent1"/>
+          </a:lnRef>
+          <a:fillRef idx="0">
+            <a:schemeClr val="accent1"/>
+          </a:fillRef>
+          <a:effectRef idx="0">
+            <a:schemeClr val="accent1"/>
+          </a:effectRef>
+          <a:fontRef idx="minor">
+            <a:schemeClr val="tx1"/>
+          </a:fontRef>
+        </p:style>
+      </p:cxnSp>
       <p:pic>
         <p:nvPicPr>
-          <p:cNvPr id="16" name="Grafik 15">
-            <a:extLst>
-              <a:ext uri="{FF2B5EF4-FFF2-40B4-BE49-F238E27FC236}">
-                <a16:creationId xmlns:a16="http://schemas.microsoft.com/office/drawing/2014/main" id="{F280928B-088E-C5DC-48E5-61D674D79B2C}"/>
+          <p:cNvPr id="37" name="Grafik 36">
+            <a:extLst>
+              <a:ext uri="{FF2B5EF4-FFF2-40B4-BE49-F238E27FC236}">
+                <a16:creationId xmlns:a16="http://schemas.microsoft.com/office/drawing/2014/main" id="{4DFFC958-0C03-6069-3020-EC4F37F9CAA6}"/>
               </a:ext>
             </a:extLst>
           </p:cNvPr>
@@ -7017,6 +13844,949 @@
         </p:blipFill>
         <p:spPr>
           <a:xfrm>
+            <a:off x="148107" y="102553"/>
+            <a:ext cx="4343083" cy="1734737"/>
+          </a:xfrm>
+          <a:prstGeom prst="rect">
+            <a:avLst/>
+          </a:prstGeom>
+        </p:spPr>
+      </p:pic>
+      <p:sp>
+        <p:nvSpPr>
+          <p:cNvPr id="38" name="Pfeil: nach rechts 37">
+            <a:extLst>
+              <a:ext uri="{FF2B5EF4-FFF2-40B4-BE49-F238E27FC236}">
+                <a16:creationId xmlns:a16="http://schemas.microsoft.com/office/drawing/2014/main" id="{626AD047-F685-D572-9D03-CA61CEDD64E4}"/>
+              </a:ext>
+            </a:extLst>
+          </p:cNvPr>
+          <p:cNvSpPr/>
+          <p:nvPr/>
+        </p:nvSpPr>
+        <p:spPr>
+          <a:xfrm>
+            <a:off x="2053744" y="4389902"/>
+            <a:ext cx="309185" cy="273141"/>
+          </a:xfrm>
+          <a:prstGeom prst="rightArrow">
+            <a:avLst/>
+          </a:prstGeom>
+        </p:spPr>
+        <p:style>
+          <a:lnRef idx="2">
+            <a:schemeClr val="accent1">
+              <a:shade val="50000"/>
+            </a:schemeClr>
+          </a:lnRef>
+          <a:fillRef idx="1">
+            <a:schemeClr val="accent1"/>
+          </a:fillRef>
+          <a:effectRef idx="0">
+            <a:schemeClr val="accent1"/>
+          </a:effectRef>
+          <a:fontRef idx="minor">
+            <a:schemeClr val="lt1"/>
+          </a:fontRef>
+        </p:style>
+        <p:txBody>
+          <a:bodyPr rtlCol="0" anchor="ctr"/>
+          <a:lstStyle/>
+          <a:p>
+            <a:pPr algn="ctr"/>
+            <a:endParaRPr lang="de-CH"/>
+          </a:p>
+        </p:txBody>
+      </p:sp>
+    </p:spTree>
+    <p:extLst>
+      <p:ext uri="{BB962C8B-B14F-4D97-AF65-F5344CB8AC3E}">
+        <p14:creationId xmlns:p14="http://schemas.microsoft.com/office/powerpoint/2010/main" val="1263695532"/>
+      </p:ext>
+    </p:extLst>
+  </p:cSld>
+  <p:clrMapOvr>
+    <a:masterClrMapping/>
+  </p:clrMapOvr>
+</p:sld>
+</file>
+
+<file path=ppt/slides/slide7.xml><?xml version="1.0" encoding="utf-8"?>
+<p:sld xmlns:a="http://schemas.openxmlformats.org/drawingml/2006/main" xmlns:r="http://schemas.openxmlformats.org/officeDocument/2006/relationships" xmlns:p="http://schemas.openxmlformats.org/presentationml/2006/main">
+  <p:cSld>
+    <p:spTree>
+      <p:nvGrpSpPr>
+        <p:cNvPr id="1" name=""/>
+        <p:cNvGrpSpPr/>
+        <p:nvPr/>
+      </p:nvGrpSpPr>
+      <p:grpSpPr>
+        <a:xfrm>
+          <a:off x="0" y="0"/>
+          <a:ext cx="0" cy="0"/>
+          <a:chOff x="0" y="0"/>
+          <a:chExt cx="0" cy="0"/>
+        </a:xfrm>
+      </p:grpSpPr>
+      <p:sp>
+        <p:nvSpPr>
+          <p:cNvPr id="34" name="Rechteck 33">
+            <a:extLst>
+              <a:ext uri="{FF2B5EF4-FFF2-40B4-BE49-F238E27FC236}">
+                <a16:creationId xmlns:a16="http://schemas.microsoft.com/office/drawing/2014/main" id="{2AC48952-86F7-4066-BA0C-BD6EC49EBED9}"/>
+              </a:ext>
+            </a:extLst>
+          </p:cNvPr>
+          <p:cNvSpPr/>
+          <p:nvPr/>
+        </p:nvSpPr>
+        <p:spPr>
+          <a:xfrm>
+            <a:off x="2027100" y="3480575"/>
+            <a:ext cx="1407482" cy="879948"/>
+          </a:xfrm>
+          <a:prstGeom prst="rect">
+            <a:avLst/>
+          </a:prstGeom>
+          <a:noFill/>
+          <a:ln>
+            <a:solidFill>
+              <a:schemeClr val="tx1"/>
+            </a:solidFill>
+          </a:ln>
+        </p:spPr>
+        <p:style>
+          <a:lnRef idx="2">
+            <a:schemeClr val="accent1">
+              <a:shade val="50000"/>
+            </a:schemeClr>
+          </a:lnRef>
+          <a:fillRef idx="1">
+            <a:schemeClr val="accent1"/>
+          </a:fillRef>
+          <a:effectRef idx="0">
+            <a:schemeClr val="accent1"/>
+          </a:effectRef>
+          <a:fontRef idx="minor">
+            <a:schemeClr val="lt1"/>
+          </a:fontRef>
+        </p:style>
+        <p:txBody>
+          <a:bodyPr rtlCol="0" anchor="ctr"/>
+          <a:lstStyle/>
+          <a:p>
+            <a:pPr algn="ctr"/>
+            <a:r>
+              <a:rPr lang="de-CH" sz="1400" dirty="0">
+                <a:solidFill>
+                  <a:schemeClr val="tx1"/>
+                </a:solidFill>
+                <a:latin typeface="Arial" panose="020B0604020202020204" pitchFamily="34" charset="0"/>
+                <a:cs typeface="Arial" panose="020B0604020202020204" pitchFamily="34" charset="0"/>
+              </a:rPr>
+              <a:t>Vorstufe-</a:t>
+            </a:r>
+          </a:p>
+          <a:p>
+            <a:pPr algn="ctr"/>
+            <a:r>
+              <a:rPr lang="de-CH" sz="1400" dirty="0">
+                <a:solidFill>
+                  <a:schemeClr val="tx1"/>
+                </a:solidFill>
+                <a:latin typeface="Arial" panose="020B0604020202020204" pitchFamily="34" charset="0"/>
+                <a:cs typeface="Arial" panose="020B0604020202020204" pitchFamily="34" charset="0"/>
+              </a:rPr>
+              <a:t>Repository</a:t>
+            </a:r>
+          </a:p>
+        </p:txBody>
+      </p:sp>
+      <p:sp>
+        <p:nvSpPr>
+          <p:cNvPr id="35" name="Rechteck 34">
+            <a:extLst>
+              <a:ext uri="{FF2B5EF4-FFF2-40B4-BE49-F238E27FC236}">
+                <a16:creationId xmlns:a16="http://schemas.microsoft.com/office/drawing/2014/main" id="{0945EA82-B834-4309-8FB9-81AC052F20CE}"/>
+              </a:ext>
+            </a:extLst>
+          </p:cNvPr>
+          <p:cNvSpPr/>
+          <p:nvPr/>
+        </p:nvSpPr>
+        <p:spPr>
+          <a:xfrm>
+            <a:off x="4502573" y="3472013"/>
+            <a:ext cx="1407482" cy="879948"/>
+          </a:xfrm>
+          <a:prstGeom prst="rect">
+            <a:avLst/>
+          </a:prstGeom>
+          <a:noFill/>
+          <a:ln>
+            <a:solidFill>
+              <a:schemeClr val="tx1"/>
+            </a:solidFill>
+          </a:ln>
+        </p:spPr>
+        <p:style>
+          <a:lnRef idx="2">
+            <a:schemeClr val="accent1">
+              <a:shade val="50000"/>
+            </a:schemeClr>
+          </a:lnRef>
+          <a:fillRef idx="1">
+            <a:schemeClr val="accent1"/>
+          </a:fillRef>
+          <a:effectRef idx="0">
+            <a:schemeClr val="accent1"/>
+          </a:effectRef>
+          <a:fontRef idx="minor">
+            <a:schemeClr val="lt1"/>
+          </a:fontRef>
+        </p:style>
+        <p:txBody>
+          <a:bodyPr rtlCol="0" anchor="ctr"/>
+          <a:lstStyle/>
+          <a:p>
+            <a:pPr algn="ctr"/>
+            <a:r>
+              <a:rPr lang="de-CH" sz="1400" dirty="0">
+                <a:solidFill>
+                  <a:schemeClr val="tx1"/>
+                </a:solidFill>
+                <a:latin typeface="Arial" panose="020B0604020202020204" pitchFamily="34" charset="0"/>
+                <a:cs typeface="Arial" panose="020B0604020202020204" pitchFamily="34" charset="0"/>
+              </a:rPr>
+              <a:t>Lokales Computer</a:t>
+            </a:r>
+          </a:p>
+          <a:p>
+            <a:pPr algn="ctr"/>
+            <a:r>
+              <a:rPr lang="de-CH" sz="1400" dirty="0">
+                <a:solidFill>
+                  <a:schemeClr val="tx1"/>
+                </a:solidFill>
+                <a:latin typeface="Arial" panose="020B0604020202020204" pitchFamily="34" charset="0"/>
+                <a:cs typeface="Arial" panose="020B0604020202020204" pitchFamily="34" charset="0"/>
+              </a:rPr>
+              <a:t>Repository</a:t>
+            </a:r>
+          </a:p>
+        </p:txBody>
+      </p:sp>
+      <p:sp>
+        <p:nvSpPr>
+          <p:cNvPr id="36" name="Rechteck 35">
+            <a:extLst>
+              <a:ext uri="{FF2B5EF4-FFF2-40B4-BE49-F238E27FC236}">
+                <a16:creationId xmlns:a16="http://schemas.microsoft.com/office/drawing/2014/main" id="{DAAFEABE-C481-430C-BE61-D49BFF226C7D}"/>
+              </a:ext>
+            </a:extLst>
+          </p:cNvPr>
+          <p:cNvSpPr/>
+          <p:nvPr/>
+        </p:nvSpPr>
+        <p:spPr>
+          <a:xfrm>
+            <a:off x="6752762" y="3472013"/>
+            <a:ext cx="1407482" cy="879948"/>
+          </a:xfrm>
+          <a:prstGeom prst="rect">
+            <a:avLst/>
+          </a:prstGeom>
+          <a:noFill/>
+          <a:ln>
+            <a:solidFill>
+              <a:schemeClr val="tx1"/>
+            </a:solidFill>
+          </a:ln>
+        </p:spPr>
+        <p:style>
+          <a:lnRef idx="2">
+            <a:schemeClr val="accent1">
+              <a:shade val="50000"/>
+            </a:schemeClr>
+          </a:lnRef>
+          <a:fillRef idx="1">
+            <a:schemeClr val="accent1"/>
+          </a:fillRef>
+          <a:effectRef idx="0">
+            <a:schemeClr val="accent1"/>
+          </a:effectRef>
+          <a:fontRef idx="minor">
+            <a:schemeClr val="lt1"/>
+          </a:fontRef>
+        </p:style>
+        <p:txBody>
+          <a:bodyPr rtlCol="0" anchor="ctr"/>
+          <a:lstStyle/>
+          <a:p>
+            <a:pPr algn="ctr"/>
+            <a:r>
+              <a:rPr lang="de-CH" sz="1400" dirty="0">
+                <a:solidFill>
+                  <a:schemeClr val="tx1"/>
+                </a:solidFill>
+                <a:latin typeface="Arial" panose="020B0604020202020204" pitchFamily="34" charset="0"/>
+                <a:cs typeface="Arial" panose="020B0604020202020204" pitchFamily="34" charset="0"/>
+              </a:rPr>
+              <a:t>GitHub </a:t>
+            </a:r>
+          </a:p>
+          <a:p>
+            <a:pPr algn="ctr"/>
+            <a:r>
+              <a:rPr lang="de-CH" sz="1400" dirty="0">
+                <a:solidFill>
+                  <a:schemeClr val="tx1"/>
+                </a:solidFill>
+                <a:latin typeface="Arial" panose="020B0604020202020204" pitchFamily="34" charset="0"/>
+                <a:cs typeface="Arial" panose="020B0604020202020204" pitchFamily="34" charset="0"/>
+              </a:rPr>
+              <a:t>Server</a:t>
+            </a:r>
+          </a:p>
+          <a:p>
+            <a:pPr algn="ctr"/>
+            <a:r>
+              <a:rPr lang="de-CH" sz="1400" dirty="0">
+                <a:solidFill>
+                  <a:schemeClr val="tx1"/>
+                </a:solidFill>
+                <a:latin typeface="Arial" panose="020B0604020202020204" pitchFamily="34" charset="0"/>
+                <a:cs typeface="Arial" panose="020B0604020202020204" pitchFamily="34" charset="0"/>
+              </a:rPr>
+              <a:t>Repository</a:t>
+            </a:r>
+          </a:p>
+        </p:txBody>
+      </p:sp>
+      <p:cxnSp>
+        <p:nvCxnSpPr>
+          <p:cNvPr id="37" name="Gerade Verbindung mit Pfeil 36">
+            <a:extLst>
+              <a:ext uri="{FF2B5EF4-FFF2-40B4-BE49-F238E27FC236}">
+                <a16:creationId xmlns:a16="http://schemas.microsoft.com/office/drawing/2014/main" id="{6F0F54C1-4E92-481A-8D30-CF1742F14802}"/>
+              </a:ext>
+            </a:extLst>
+          </p:cNvPr>
+          <p:cNvCxnSpPr>
+            <a:cxnSpLocks/>
+          </p:cNvCxnSpPr>
+          <p:nvPr/>
+        </p:nvCxnSpPr>
+        <p:spPr>
+          <a:xfrm>
+            <a:off x="1280385" y="3795415"/>
+            <a:ext cx="694484" cy="1"/>
+          </a:xfrm>
+          <a:prstGeom prst="straightConnector1">
+            <a:avLst/>
+          </a:prstGeom>
+          <a:ln w="15875">
+            <a:solidFill>
+              <a:schemeClr val="tx1"/>
+            </a:solidFill>
+            <a:tailEnd type="triangle"/>
+          </a:ln>
+        </p:spPr>
+        <p:style>
+          <a:lnRef idx="1">
+            <a:schemeClr val="accent1"/>
+          </a:lnRef>
+          <a:fillRef idx="0">
+            <a:schemeClr val="accent1"/>
+          </a:fillRef>
+          <a:effectRef idx="0">
+            <a:schemeClr val="accent1"/>
+          </a:effectRef>
+          <a:fontRef idx="minor">
+            <a:schemeClr val="tx1"/>
+          </a:fontRef>
+        </p:style>
+      </p:cxnSp>
+      <p:sp>
+        <p:nvSpPr>
+          <p:cNvPr id="38" name="Rechteck 37">
+            <a:extLst>
+              <a:ext uri="{FF2B5EF4-FFF2-40B4-BE49-F238E27FC236}">
+                <a16:creationId xmlns:a16="http://schemas.microsoft.com/office/drawing/2014/main" id="{1C0A0171-AF5A-4EC4-8218-C4653691B08C}"/>
+              </a:ext>
+            </a:extLst>
+          </p:cNvPr>
+          <p:cNvSpPr/>
+          <p:nvPr/>
+        </p:nvSpPr>
+        <p:spPr>
+          <a:xfrm>
+            <a:off x="1114381" y="3532993"/>
+            <a:ext cx="960065" cy="262422"/>
+          </a:xfrm>
+          <a:prstGeom prst="rect">
+            <a:avLst/>
+          </a:prstGeom>
+          <a:noFill/>
+          <a:ln w="3175">
+            <a:noFill/>
+          </a:ln>
+        </p:spPr>
+        <p:style>
+          <a:lnRef idx="2">
+            <a:schemeClr val="accent1">
+              <a:shade val="50000"/>
+            </a:schemeClr>
+          </a:lnRef>
+          <a:fillRef idx="1">
+            <a:schemeClr val="accent1"/>
+          </a:fillRef>
+          <a:effectRef idx="0">
+            <a:schemeClr val="accent1"/>
+          </a:effectRef>
+          <a:fontRef idx="minor">
+            <a:schemeClr val="lt1"/>
+          </a:fontRef>
+        </p:style>
+        <p:txBody>
+          <a:bodyPr rtlCol="0" anchor="ctr"/>
+          <a:lstStyle/>
+          <a:p>
+            <a:pPr algn="ctr"/>
+            <a:r>
+              <a:rPr lang="de-CH" sz="1400" b="1" i="1" dirty="0">
+                <a:solidFill>
+                  <a:schemeClr val="tx1"/>
+                </a:solidFill>
+                <a:latin typeface="Arial" panose="020B0604020202020204" pitchFamily="34" charset="0"/>
+                <a:cs typeface="Arial" panose="020B0604020202020204" pitchFamily="34" charset="0"/>
+              </a:rPr>
+              <a:t>1. Stage</a:t>
+            </a:r>
+          </a:p>
+        </p:txBody>
+      </p:sp>
+      <p:cxnSp>
+        <p:nvCxnSpPr>
+          <p:cNvPr id="39" name="Gerade Verbindung mit Pfeil 38">
+            <a:extLst>
+              <a:ext uri="{FF2B5EF4-FFF2-40B4-BE49-F238E27FC236}">
+                <a16:creationId xmlns:a16="http://schemas.microsoft.com/office/drawing/2014/main" id="{E58695C2-5A58-443B-8ED1-678B19BCAE39}"/>
+              </a:ext>
+            </a:extLst>
+          </p:cNvPr>
+          <p:cNvCxnSpPr>
+            <a:cxnSpLocks/>
+          </p:cNvCxnSpPr>
+          <p:nvPr/>
+        </p:nvCxnSpPr>
+        <p:spPr>
+          <a:xfrm>
+            <a:off x="3484452" y="3825135"/>
+            <a:ext cx="987873" cy="0"/>
+          </a:xfrm>
+          <a:prstGeom prst="straightConnector1">
+            <a:avLst/>
+          </a:prstGeom>
+          <a:ln w="15875">
+            <a:solidFill>
+              <a:schemeClr val="tx1"/>
+            </a:solidFill>
+            <a:tailEnd type="triangle"/>
+          </a:ln>
+        </p:spPr>
+        <p:style>
+          <a:lnRef idx="1">
+            <a:schemeClr val="accent1"/>
+          </a:lnRef>
+          <a:fillRef idx="0">
+            <a:schemeClr val="accent1"/>
+          </a:fillRef>
+          <a:effectRef idx="0">
+            <a:schemeClr val="accent1"/>
+          </a:effectRef>
+          <a:fontRef idx="minor">
+            <a:schemeClr val="tx1"/>
+          </a:fontRef>
+        </p:style>
+      </p:cxnSp>
+      <p:sp>
+        <p:nvSpPr>
+          <p:cNvPr id="40" name="Rechteck 39">
+            <a:extLst>
+              <a:ext uri="{FF2B5EF4-FFF2-40B4-BE49-F238E27FC236}">
+                <a16:creationId xmlns:a16="http://schemas.microsoft.com/office/drawing/2014/main" id="{0BD6B303-1F38-418A-B654-A9362653B5B1}"/>
+              </a:ext>
+            </a:extLst>
+          </p:cNvPr>
+          <p:cNvSpPr/>
+          <p:nvPr/>
+        </p:nvSpPr>
+        <p:spPr>
+          <a:xfrm>
+            <a:off x="3366292" y="3556559"/>
+            <a:ext cx="1153877" cy="262422"/>
+          </a:xfrm>
+          <a:prstGeom prst="rect">
+            <a:avLst/>
+          </a:prstGeom>
+          <a:noFill/>
+          <a:ln w="3175">
+            <a:noFill/>
+          </a:ln>
+        </p:spPr>
+        <p:style>
+          <a:lnRef idx="2">
+            <a:schemeClr val="accent1">
+              <a:shade val="50000"/>
+            </a:schemeClr>
+          </a:lnRef>
+          <a:fillRef idx="1">
+            <a:schemeClr val="accent1"/>
+          </a:fillRef>
+          <a:effectRef idx="0">
+            <a:schemeClr val="accent1"/>
+          </a:effectRef>
+          <a:fontRef idx="minor">
+            <a:schemeClr val="lt1"/>
+          </a:fontRef>
+        </p:style>
+        <p:txBody>
+          <a:bodyPr rtlCol="0" anchor="ctr"/>
+          <a:lstStyle/>
+          <a:p>
+            <a:pPr algn="ctr"/>
+            <a:r>
+              <a:rPr lang="de-CH" sz="1400" b="1" i="1" dirty="0">
+                <a:solidFill>
+                  <a:schemeClr val="tx1"/>
+                </a:solidFill>
+                <a:latin typeface="Arial" panose="020B0604020202020204" pitchFamily="34" charset="0"/>
+                <a:cs typeface="Arial" panose="020B0604020202020204" pitchFamily="34" charset="0"/>
+              </a:rPr>
+              <a:t>2. Commit</a:t>
+            </a:r>
+          </a:p>
+        </p:txBody>
+      </p:sp>
+      <p:cxnSp>
+        <p:nvCxnSpPr>
+          <p:cNvPr id="41" name="Gerade Verbindung mit Pfeil 40">
+            <a:extLst>
+              <a:ext uri="{FF2B5EF4-FFF2-40B4-BE49-F238E27FC236}">
+                <a16:creationId xmlns:a16="http://schemas.microsoft.com/office/drawing/2014/main" id="{E09832B2-B1C6-4C82-8627-CCD98B4EA5BA}"/>
+              </a:ext>
+            </a:extLst>
+          </p:cNvPr>
+          <p:cNvCxnSpPr>
+            <a:cxnSpLocks/>
+          </p:cNvCxnSpPr>
+          <p:nvPr/>
+        </p:nvCxnSpPr>
+        <p:spPr>
+          <a:xfrm>
+            <a:off x="5954685" y="3784927"/>
+            <a:ext cx="798077" cy="0"/>
+          </a:xfrm>
+          <a:prstGeom prst="straightConnector1">
+            <a:avLst/>
+          </a:prstGeom>
+          <a:ln w="15875">
+            <a:solidFill>
+              <a:schemeClr val="tx1"/>
+            </a:solidFill>
+            <a:tailEnd type="triangle"/>
+          </a:ln>
+        </p:spPr>
+        <p:style>
+          <a:lnRef idx="1">
+            <a:schemeClr val="accent1"/>
+          </a:lnRef>
+          <a:fillRef idx="0">
+            <a:schemeClr val="accent1"/>
+          </a:fillRef>
+          <a:effectRef idx="0">
+            <a:schemeClr val="accent1"/>
+          </a:effectRef>
+          <a:fontRef idx="minor">
+            <a:schemeClr val="tx1"/>
+          </a:fontRef>
+        </p:style>
+      </p:cxnSp>
+      <p:sp>
+        <p:nvSpPr>
+          <p:cNvPr id="42" name="Rechteck 41">
+            <a:extLst>
+              <a:ext uri="{FF2B5EF4-FFF2-40B4-BE49-F238E27FC236}">
+                <a16:creationId xmlns:a16="http://schemas.microsoft.com/office/drawing/2014/main" id="{661688D7-B73F-4E57-BF7D-72FA2EAF0521}"/>
+              </a:ext>
+            </a:extLst>
+          </p:cNvPr>
+          <p:cNvSpPr/>
+          <p:nvPr/>
+        </p:nvSpPr>
+        <p:spPr>
+          <a:xfrm>
+            <a:off x="5904488" y="3541063"/>
+            <a:ext cx="848480" cy="262422"/>
+          </a:xfrm>
+          <a:prstGeom prst="rect">
+            <a:avLst/>
+          </a:prstGeom>
+          <a:noFill/>
+          <a:ln w="3175">
+            <a:noFill/>
+          </a:ln>
+        </p:spPr>
+        <p:style>
+          <a:lnRef idx="2">
+            <a:schemeClr val="accent1">
+              <a:shade val="50000"/>
+            </a:schemeClr>
+          </a:lnRef>
+          <a:fillRef idx="1">
+            <a:schemeClr val="accent1"/>
+          </a:fillRef>
+          <a:effectRef idx="0">
+            <a:schemeClr val="accent1"/>
+          </a:effectRef>
+          <a:fontRef idx="minor">
+            <a:schemeClr val="lt1"/>
+          </a:fontRef>
+        </p:style>
+        <p:txBody>
+          <a:bodyPr rtlCol="0" anchor="ctr"/>
+          <a:lstStyle/>
+          <a:p>
+            <a:pPr algn="ctr"/>
+            <a:r>
+              <a:rPr lang="de-CH" sz="1400" b="1" i="1" dirty="0">
+                <a:solidFill>
+                  <a:schemeClr val="tx1"/>
+                </a:solidFill>
+                <a:latin typeface="Arial" panose="020B0604020202020204" pitchFamily="34" charset="0"/>
+                <a:cs typeface="Arial" panose="020B0604020202020204" pitchFamily="34" charset="0"/>
+              </a:rPr>
+              <a:t>3. Push</a:t>
+            </a:r>
+          </a:p>
+        </p:txBody>
+      </p:sp>
+      <p:sp>
+        <p:nvSpPr>
+          <p:cNvPr id="43" name="Rechteck 42">
+            <a:extLst>
+              <a:ext uri="{FF2B5EF4-FFF2-40B4-BE49-F238E27FC236}">
+                <a16:creationId xmlns:a16="http://schemas.microsoft.com/office/drawing/2014/main" id="{DDDA8A10-5EDA-4BE3-838C-790284E91963}"/>
+              </a:ext>
+            </a:extLst>
+          </p:cNvPr>
+          <p:cNvSpPr/>
+          <p:nvPr/>
+        </p:nvSpPr>
+        <p:spPr>
+          <a:xfrm>
+            <a:off x="4502573" y="5109946"/>
+            <a:ext cx="1407482" cy="879948"/>
+          </a:xfrm>
+          <a:prstGeom prst="rect">
+            <a:avLst/>
+          </a:prstGeom>
+          <a:noFill/>
+          <a:ln>
+            <a:solidFill>
+              <a:schemeClr val="tx1"/>
+            </a:solidFill>
+          </a:ln>
+        </p:spPr>
+        <p:style>
+          <a:lnRef idx="2">
+            <a:schemeClr val="accent1">
+              <a:shade val="50000"/>
+            </a:schemeClr>
+          </a:lnRef>
+          <a:fillRef idx="1">
+            <a:schemeClr val="accent1"/>
+          </a:fillRef>
+          <a:effectRef idx="0">
+            <a:schemeClr val="accent1"/>
+          </a:effectRef>
+          <a:fontRef idx="minor">
+            <a:schemeClr val="lt1"/>
+          </a:fontRef>
+        </p:style>
+        <p:txBody>
+          <a:bodyPr rtlCol="0" anchor="ctr"/>
+          <a:lstStyle/>
+          <a:p>
+            <a:pPr algn="ctr"/>
+            <a:r>
+              <a:rPr lang="de-CH" sz="1400" dirty="0">
+                <a:solidFill>
+                  <a:schemeClr val="tx1"/>
+                </a:solidFill>
+                <a:latin typeface="Arial" panose="020B0604020202020204" pitchFamily="34" charset="0"/>
+                <a:cs typeface="Arial" panose="020B0604020202020204" pitchFamily="34" charset="0"/>
+              </a:rPr>
+              <a:t>Hostpoint</a:t>
+            </a:r>
+          </a:p>
+          <a:p>
+            <a:pPr algn="ctr"/>
+            <a:r>
+              <a:rPr lang="de-CH" sz="1400" dirty="0">
+                <a:solidFill>
+                  <a:schemeClr val="tx1"/>
+                </a:solidFill>
+                <a:latin typeface="Arial" panose="020B0604020202020204" pitchFamily="34" charset="0"/>
+                <a:cs typeface="Arial" panose="020B0604020202020204" pitchFamily="34" charset="0"/>
+              </a:rPr>
+              <a:t>Server</a:t>
+            </a:r>
+          </a:p>
+          <a:p>
+            <a:pPr algn="ctr"/>
+            <a:r>
+              <a:rPr lang="de-CH" sz="1400" dirty="0">
+                <a:solidFill>
+                  <a:schemeClr val="tx1"/>
+                </a:solidFill>
+                <a:latin typeface="Arial" panose="020B0604020202020204" pitchFamily="34" charset="0"/>
+                <a:cs typeface="Arial" panose="020B0604020202020204" pitchFamily="34" charset="0"/>
+              </a:rPr>
+              <a:t>Quellcode</a:t>
+            </a:r>
+          </a:p>
+        </p:txBody>
+      </p:sp>
+      <p:cxnSp>
+        <p:nvCxnSpPr>
+          <p:cNvPr id="45" name="Gerade Verbindung mit Pfeil 44">
+            <a:extLst>
+              <a:ext uri="{FF2B5EF4-FFF2-40B4-BE49-F238E27FC236}">
+                <a16:creationId xmlns:a16="http://schemas.microsoft.com/office/drawing/2014/main" id="{BEB6B669-6415-4680-8B4D-58D1EDBEF03F}"/>
+              </a:ext>
+            </a:extLst>
+          </p:cNvPr>
+          <p:cNvCxnSpPr>
+            <a:cxnSpLocks/>
+          </p:cNvCxnSpPr>
+          <p:nvPr/>
+        </p:nvCxnSpPr>
+        <p:spPr>
+          <a:xfrm>
+            <a:off x="5230121" y="4425680"/>
+            <a:ext cx="0" cy="677661"/>
+          </a:xfrm>
+          <a:prstGeom prst="straightConnector1">
+            <a:avLst/>
+          </a:prstGeom>
+          <a:ln w="15875">
+            <a:solidFill>
+              <a:schemeClr val="tx1"/>
+            </a:solidFill>
+            <a:tailEnd type="triangle"/>
+          </a:ln>
+        </p:spPr>
+        <p:style>
+          <a:lnRef idx="1">
+            <a:schemeClr val="accent1"/>
+          </a:lnRef>
+          <a:fillRef idx="0">
+            <a:schemeClr val="accent1"/>
+          </a:fillRef>
+          <a:effectRef idx="0">
+            <a:schemeClr val="accent1"/>
+          </a:effectRef>
+          <a:fontRef idx="minor">
+            <a:schemeClr val="tx1"/>
+          </a:fontRef>
+        </p:style>
+      </p:cxnSp>
+      <p:sp>
+        <p:nvSpPr>
+          <p:cNvPr id="46" name="Rechteck 45">
+            <a:extLst>
+              <a:ext uri="{FF2B5EF4-FFF2-40B4-BE49-F238E27FC236}">
+                <a16:creationId xmlns:a16="http://schemas.microsoft.com/office/drawing/2014/main" id="{51397496-7019-4692-92B2-11C22F2052C2}"/>
+              </a:ext>
+            </a:extLst>
+          </p:cNvPr>
+          <p:cNvSpPr/>
+          <p:nvPr/>
+        </p:nvSpPr>
+        <p:spPr>
+          <a:xfrm rot="5400000">
+            <a:off x="4976924" y="4603492"/>
+            <a:ext cx="848480" cy="262422"/>
+          </a:xfrm>
+          <a:prstGeom prst="rect">
+            <a:avLst/>
+          </a:prstGeom>
+          <a:noFill/>
+          <a:ln w="3175">
+            <a:noFill/>
+          </a:ln>
+        </p:spPr>
+        <p:style>
+          <a:lnRef idx="2">
+            <a:schemeClr val="accent1">
+              <a:shade val="50000"/>
+            </a:schemeClr>
+          </a:lnRef>
+          <a:fillRef idx="1">
+            <a:schemeClr val="accent1"/>
+          </a:fillRef>
+          <a:effectRef idx="0">
+            <a:schemeClr val="accent1"/>
+          </a:effectRef>
+          <a:fontRef idx="minor">
+            <a:schemeClr val="lt1"/>
+          </a:fontRef>
+        </p:style>
+        <p:txBody>
+          <a:bodyPr rtlCol="0" anchor="ctr"/>
+          <a:lstStyle/>
+          <a:p>
+            <a:pPr algn="ctr"/>
+            <a:r>
+              <a:rPr lang="de-CH" sz="1400" b="1" i="1" dirty="0">
+                <a:solidFill>
+                  <a:schemeClr val="tx1"/>
+                </a:solidFill>
+                <a:latin typeface="Arial" panose="020B0604020202020204" pitchFamily="34" charset="0"/>
+                <a:cs typeface="Arial" panose="020B0604020202020204" pitchFamily="34" charset="0"/>
+              </a:rPr>
+              <a:t>5. FTP</a:t>
+            </a:r>
+          </a:p>
+        </p:txBody>
+      </p:sp>
+      <p:cxnSp>
+        <p:nvCxnSpPr>
+          <p:cNvPr id="44" name="Gerade Verbindung mit Pfeil 43">
+            <a:extLst>
+              <a:ext uri="{FF2B5EF4-FFF2-40B4-BE49-F238E27FC236}">
+                <a16:creationId xmlns:a16="http://schemas.microsoft.com/office/drawing/2014/main" id="{7D860BD5-CC52-4809-8C7D-A8C31545B852}"/>
+              </a:ext>
+            </a:extLst>
+          </p:cNvPr>
+          <p:cNvCxnSpPr>
+            <a:cxnSpLocks/>
+          </p:cNvCxnSpPr>
+          <p:nvPr/>
+        </p:nvCxnSpPr>
+        <p:spPr>
+          <a:xfrm flipH="1">
+            <a:off x="5954686" y="4143904"/>
+            <a:ext cx="731469" cy="0"/>
+          </a:xfrm>
+          <a:prstGeom prst="straightConnector1">
+            <a:avLst/>
+          </a:prstGeom>
+          <a:ln w="15875">
+            <a:solidFill>
+              <a:schemeClr val="tx1"/>
+            </a:solidFill>
+            <a:tailEnd type="triangle"/>
+          </a:ln>
+        </p:spPr>
+        <p:style>
+          <a:lnRef idx="1">
+            <a:schemeClr val="accent1"/>
+          </a:lnRef>
+          <a:fillRef idx="0">
+            <a:schemeClr val="accent1"/>
+          </a:fillRef>
+          <a:effectRef idx="0">
+            <a:schemeClr val="accent1"/>
+          </a:effectRef>
+          <a:fontRef idx="minor">
+            <a:schemeClr val="tx1"/>
+          </a:fontRef>
+        </p:style>
+      </p:cxnSp>
+      <p:sp>
+        <p:nvSpPr>
+          <p:cNvPr id="47" name="Rechteck 46">
+            <a:extLst>
+              <a:ext uri="{FF2B5EF4-FFF2-40B4-BE49-F238E27FC236}">
+                <a16:creationId xmlns:a16="http://schemas.microsoft.com/office/drawing/2014/main" id="{196C28A0-D4D6-45A5-B2BA-856FFC4E3A0C}"/>
+              </a:ext>
+            </a:extLst>
+          </p:cNvPr>
+          <p:cNvSpPr/>
+          <p:nvPr/>
+        </p:nvSpPr>
+        <p:spPr>
+          <a:xfrm>
+            <a:off x="5938938" y="3881482"/>
+            <a:ext cx="848480" cy="262422"/>
+          </a:xfrm>
+          <a:prstGeom prst="rect">
+            <a:avLst/>
+          </a:prstGeom>
+          <a:noFill/>
+          <a:ln w="3175">
+            <a:noFill/>
+          </a:ln>
+        </p:spPr>
+        <p:style>
+          <a:lnRef idx="2">
+            <a:schemeClr val="accent1">
+              <a:shade val="50000"/>
+            </a:schemeClr>
+          </a:lnRef>
+          <a:fillRef idx="1">
+            <a:schemeClr val="accent1"/>
+          </a:fillRef>
+          <a:effectRef idx="0">
+            <a:schemeClr val="accent1"/>
+          </a:effectRef>
+          <a:fontRef idx="minor">
+            <a:schemeClr val="lt1"/>
+          </a:fontRef>
+        </p:style>
+        <p:txBody>
+          <a:bodyPr rtlCol="0" anchor="ctr"/>
+          <a:lstStyle/>
+          <a:p>
+            <a:pPr algn="ctr"/>
+            <a:r>
+              <a:rPr lang="de-CH" sz="1400" b="1" i="1" dirty="0">
+                <a:solidFill>
+                  <a:schemeClr val="tx1"/>
+                </a:solidFill>
+                <a:latin typeface="Arial" panose="020B0604020202020204" pitchFamily="34" charset="0"/>
+                <a:cs typeface="Arial" panose="020B0604020202020204" pitchFamily="34" charset="0"/>
+              </a:rPr>
+              <a:t>4. Pull</a:t>
+            </a:r>
+          </a:p>
+        </p:txBody>
+      </p:sp>
+      <p:pic>
+        <p:nvPicPr>
+          <p:cNvPr id="16" name="Grafik 15">
+            <a:extLst>
+              <a:ext uri="{FF2B5EF4-FFF2-40B4-BE49-F238E27FC236}">
+                <a16:creationId xmlns:a16="http://schemas.microsoft.com/office/drawing/2014/main" id="{F280928B-088E-C5DC-48E5-61D674D79B2C}"/>
+              </a:ext>
+            </a:extLst>
+          </p:cNvPr>
+          <p:cNvPicPr>
+            <a:picLocks noChangeAspect="1"/>
+          </p:cNvPicPr>
+          <p:nvPr/>
+        </p:nvPicPr>
+        <p:blipFill>
+          <a:blip r:embed="rId2"/>
+          <a:stretch>
+            <a:fillRect/>
+          </a:stretch>
+        </p:blipFill>
+        <p:spPr>
+          <a:xfrm>
             <a:off x="8602166" y="1041536"/>
             <a:ext cx="2378859" cy="3327224"/>
           </a:xfrm>
@@ -7319,6 +15089,293 @@
           </a:p>
         </p:txBody>
       </p:sp>
+      <p:sp>
+        <p:nvSpPr>
+          <p:cNvPr id="23" name="Rechteck 22">
+            <a:extLst>
+              <a:ext uri="{FF2B5EF4-FFF2-40B4-BE49-F238E27FC236}">
+                <a16:creationId xmlns:a16="http://schemas.microsoft.com/office/drawing/2014/main" id="{740F312D-AEB8-FB0C-BBE5-AAF88B1DE26E}"/>
+              </a:ext>
+            </a:extLst>
+          </p:cNvPr>
+          <p:cNvSpPr/>
+          <p:nvPr/>
+        </p:nvSpPr>
+        <p:spPr>
+          <a:xfrm>
+            <a:off x="3652306" y="890276"/>
+            <a:ext cx="2815563" cy="273141"/>
+          </a:xfrm>
+          <a:prstGeom prst="rect">
+            <a:avLst/>
+          </a:prstGeom>
+          <a:noFill/>
+          <a:ln>
+            <a:solidFill>
+              <a:schemeClr val="tx1"/>
+            </a:solidFill>
+          </a:ln>
+        </p:spPr>
+        <p:style>
+          <a:lnRef idx="2">
+            <a:schemeClr val="accent1">
+              <a:shade val="50000"/>
+            </a:schemeClr>
+          </a:lnRef>
+          <a:fillRef idx="1">
+            <a:schemeClr val="accent1"/>
+          </a:fillRef>
+          <a:effectRef idx="0">
+            <a:schemeClr val="accent1"/>
+          </a:effectRef>
+          <a:fontRef idx="minor">
+            <a:schemeClr val="lt1"/>
+          </a:fontRef>
+        </p:style>
+        <p:txBody>
+          <a:bodyPr rtlCol="0" anchor="ctr"/>
+          <a:lstStyle/>
+          <a:p>
+            <a:pPr algn="ctr"/>
+            <a:r>
+              <a:rPr lang="de-CH" sz="1000" b="1" dirty="0">
+                <a:solidFill>
+                  <a:schemeClr val="tx1"/>
+                </a:solidFill>
+                <a:latin typeface="Arial" panose="020B0604020202020204" pitchFamily="34" charset="0"/>
+                <a:cs typeface="Arial" panose="020B0604020202020204" pitchFamily="34" charset="0"/>
+              </a:rPr>
+              <a:t>o </a:t>
+            </a:r>
+          </a:p>
+        </p:txBody>
+      </p:sp>
+      <p:sp>
+        <p:nvSpPr>
+          <p:cNvPr id="24" name="Rechteck 23">
+            <a:extLst>
+              <a:ext uri="{FF2B5EF4-FFF2-40B4-BE49-F238E27FC236}">
+                <a16:creationId xmlns:a16="http://schemas.microsoft.com/office/drawing/2014/main" id="{29209024-17DF-9E16-AECB-9BF7C6425DDC}"/>
+              </a:ext>
+            </a:extLst>
+          </p:cNvPr>
+          <p:cNvSpPr/>
+          <p:nvPr/>
+        </p:nvSpPr>
+        <p:spPr>
+          <a:xfrm>
+            <a:off x="3661802" y="1232271"/>
+            <a:ext cx="2815563" cy="273141"/>
+          </a:xfrm>
+          <a:prstGeom prst="rect">
+            <a:avLst/>
+          </a:prstGeom>
+          <a:noFill/>
+          <a:ln>
+            <a:solidFill>
+              <a:schemeClr val="tx1"/>
+            </a:solidFill>
+          </a:ln>
+        </p:spPr>
+        <p:style>
+          <a:lnRef idx="2">
+            <a:schemeClr val="accent1">
+              <a:shade val="50000"/>
+            </a:schemeClr>
+          </a:lnRef>
+          <a:fillRef idx="1">
+            <a:schemeClr val="accent1"/>
+          </a:fillRef>
+          <a:effectRef idx="0">
+            <a:schemeClr val="accent1"/>
+          </a:effectRef>
+          <a:fontRef idx="minor">
+            <a:schemeClr val="lt1"/>
+          </a:fontRef>
+        </p:style>
+        <p:txBody>
+          <a:bodyPr rtlCol="0" anchor="ctr"/>
+          <a:lstStyle/>
+          <a:p>
+            <a:pPr algn="ctr"/>
+            <a:r>
+              <a:rPr lang="de-CH" sz="1000" b="1" dirty="0">
+                <a:solidFill>
+                  <a:schemeClr val="tx1"/>
+                </a:solidFill>
+                <a:latin typeface="Arial" panose="020B0604020202020204" pitchFamily="34" charset="0"/>
+                <a:cs typeface="Arial" panose="020B0604020202020204" pitchFamily="34" charset="0"/>
+              </a:rPr>
+              <a:t>on </a:t>
+            </a:r>
+          </a:p>
+        </p:txBody>
+      </p:sp>
+      <p:sp>
+        <p:nvSpPr>
+          <p:cNvPr id="25" name="Rechteck 24">
+            <a:extLst>
+              <a:ext uri="{FF2B5EF4-FFF2-40B4-BE49-F238E27FC236}">
+                <a16:creationId xmlns:a16="http://schemas.microsoft.com/office/drawing/2014/main" id="{0ACAB82A-8DC5-C232-B36C-570DE3986100}"/>
+              </a:ext>
+            </a:extLst>
+          </p:cNvPr>
+          <p:cNvSpPr/>
+          <p:nvPr/>
+        </p:nvSpPr>
+        <p:spPr>
+          <a:xfrm>
+            <a:off x="3664178" y="1537114"/>
+            <a:ext cx="2815563" cy="273141"/>
+          </a:xfrm>
+          <a:prstGeom prst="rect">
+            <a:avLst/>
+          </a:prstGeom>
+          <a:noFill/>
+          <a:ln>
+            <a:solidFill>
+              <a:schemeClr val="tx1"/>
+            </a:solidFill>
+          </a:ln>
+        </p:spPr>
+        <p:style>
+          <a:lnRef idx="2">
+            <a:schemeClr val="accent1">
+              <a:shade val="50000"/>
+            </a:schemeClr>
+          </a:lnRef>
+          <a:fillRef idx="1">
+            <a:schemeClr val="accent1"/>
+          </a:fillRef>
+          <a:effectRef idx="0">
+            <a:schemeClr val="accent1"/>
+          </a:effectRef>
+          <a:fontRef idx="minor">
+            <a:schemeClr val="lt1"/>
+          </a:fontRef>
+        </p:style>
+        <p:txBody>
+          <a:bodyPr rtlCol="0" anchor="ctr"/>
+          <a:lstStyle/>
+          <a:p>
+            <a:pPr algn="ctr"/>
+            <a:r>
+              <a:rPr lang="de-CH" sz="1000" b="1" dirty="0">
+                <a:solidFill>
+                  <a:schemeClr val="tx1"/>
+                </a:solidFill>
+                <a:latin typeface="Arial" panose="020B0604020202020204" pitchFamily="34" charset="0"/>
+                <a:cs typeface="Arial" panose="020B0604020202020204" pitchFamily="34" charset="0"/>
+              </a:rPr>
+              <a:t>on </a:t>
+            </a:r>
+          </a:p>
+        </p:txBody>
+      </p:sp>
+      <p:sp>
+        <p:nvSpPr>
+          <p:cNvPr id="26" name="Rechteck 25">
+            <a:extLst>
+              <a:ext uri="{FF2B5EF4-FFF2-40B4-BE49-F238E27FC236}">
+                <a16:creationId xmlns:a16="http://schemas.microsoft.com/office/drawing/2014/main" id="{705D4B7F-18CB-CE92-A606-E50B4A70E9FA}"/>
+              </a:ext>
+            </a:extLst>
+          </p:cNvPr>
+          <p:cNvSpPr/>
+          <p:nvPr/>
+        </p:nvSpPr>
+        <p:spPr>
+          <a:xfrm>
+            <a:off x="3666372" y="1857449"/>
+            <a:ext cx="2815563" cy="273141"/>
+          </a:xfrm>
+          <a:prstGeom prst="rect">
+            <a:avLst/>
+          </a:prstGeom>
+          <a:noFill/>
+          <a:ln>
+            <a:solidFill>
+              <a:schemeClr val="tx1"/>
+            </a:solidFill>
+          </a:ln>
+        </p:spPr>
+        <p:style>
+          <a:lnRef idx="2">
+            <a:schemeClr val="accent1">
+              <a:shade val="50000"/>
+            </a:schemeClr>
+          </a:lnRef>
+          <a:fillRef idx="1">
+            <a:schemeClr val="accent1"/>
+          </a:fillRef>
+          <a:effectRef idx="0">
+            <a:schemeClr val="accent1"/>
+          </a:effectRef>
+          <a:fontRef idx="minor">
+            <a:schemeClr val="lt1"/>
+          </a:fontRef>
+        </p:style>
+        <p:txBody>
+          <a:bodyPr rtlCol="0" anchor="ctr"/>
+          <a:lstStyle/>
+          <a:p>
+            <a:pPr algn="ctr"/>
+            <a:r>
+              <a:rPr lang="de-CH" sz="1000" b="1" dirty="0">
+                <a:solidFill>
+                  <a:schemeClr val="tx1"/>
+                </a:solidFill>
+                <a:latin typeface="Arial" panose="020B0604020202020204" pitchFamily="34" charset="0"/>
+                <a:cs typeface="Arial" panose="020B0604020202020204" pitchFamily="34" charset="0"/>
+              </a:rPr>
+              <a:t>on </a:t>
+            </a:r>
+          </a:p>
+        </p:txBody>
+      </p:sp>
+      <p:cxnSp>
+        <p:nvCxnSpPr>
+          <p:cNvPr id="27" name="Gerader Verbinder 26">
+            <a:extLst>
+              <a:ext uri="{FF2B5EF4-FFF2-40B4-BE49-F238E27FC236}">
+                <a16:creationId xmlns:a16="http://schemas.microsoft.com/office/drawing/2014/main" id="{FF2F3485-F839-F466-F771-BD63D393A9C8}"/>
+              </a:ext>
+            </a:extLst>
+          </p:cNvPr>
+          <p:cNvCxnSpPr>
+            <a:cxnSpLocks/>
+          </p:cNvCxnSpPr>
+          <p:nvPr/>
+        </p:nvCxnSpPr>
+        <p:spPr>
+          <a:xfrm flipV="1">
+            <a:off x="5061376" y="735973"/>
+            <a:ext cx="0" cy="154303"/>
+          </a:xfrm>
+          <a:prstGeom prst="line">
+            <a:avLst/>
+          </a:prstGeom>
+          <a:ln w="22225">
+            <a:solidFill>
+              <a:schemeClr val="tx1"/>
+            </a:solidFill>
+          </a:ln>
+        </p:spPr>
+        <p:style>
+          <a:lnRef idx="1">
+            <a:schemeClr val="accent1"/>
+          </a:lnRef>
+          <a:fillRef idx="0">
+            <a:schemeClr val="accent1"/>
+          </a:fillRef>
+          <a:effectRef idx="0">
+            <a:schemeClr val="accent1"/>
+          </a:effectRef>
+          <a:fontRef idx="minor">
+            <a:schemeClr val="tx1"/>
+          </a:fontRef>
+        </p:style>
+      </p:cxnSp>
     </p:spTree>
     <p:extLst>
       <p:ext uri="{BB962C8B-B14F-4D97-AF65-F5344CB8AC3E}">

--- a/Descriptions/WwwQrCodeImages.pptx
+++ b/Descriptions/WwwQrCodeImages.pptx
@@ -250,7 +250,7 @@
           <a:p>
             <a:fld id="{9A42C61D-D669-4B9E-81E6-AA43D08BFCD1}" type="datetimeFigureOut">
               <a:rPr lang="de-CH" smtClean="0"/>
-              <a:t>15.05.2022</a:t>
+              <a:t>16.05.2022</a:t>
             </a:fld>
             <a:endParaRPr lang="de-CH"/>
           </a:p>
@@ -420,7 +420,7 @@
           <a:p>
             <a:fld id="{9A42C61D-D669-4B9E-81E6-AA43D08BFCD1}" type="datetimeFigureOut">
               <a:rPr lang="de-CH" smtClean="0"/>
-              <a:t>15.05.2022</a:t>
+              <a:t>16.05.2022</a:t>
             </a:fld>
             <a:endParaRPr lang="de-CH"/>
           </a:p>
@@ -600,7 +600,7 @@
           <a:p>
             <a:fld id="{9A42C61D-D669-4B9E-81E6-AA43D08BFCD1}" type="datetimeFigureOut">
               <a:rPr lang="de-CH" smtClean="0"/>
-              <a:t>15.05.2022</a:t>
+              <a:t>16.05.2022</a:t>
             </a:fld>
             <a:endParaRPr lang="de-CH"/>
           </a:p>
@@ -770,7 +770,7 @@
           <a:p>
             <a:fld id="{9A42C61D-D669-4B9E-81E6-AA43D08BFCD1}" type="datetimeFigureOut">
               <a:rPr lang="de-CH" smtClean="0"/>
-              <a:t>15.05.2022</a:t>
+              <a:t>16.05.2022</a:t>
             </a:fld>
             <a:endParaRPr lang="de-CH"/>
           </a:p>
@@ -1016,7 +1016,7 @@
           <a:p>
             <a:fld id="{9A42C61D-D669-4B9E-81E6-AA43D08BFCD1}" type="datetimeFigureOut">
               <a:rPr lang="de-CH" smtClean="0"/>
-              <a:t>15.05.2022</a:t>
+              <a:t>16.05.2022</a:t>
             </a:fld>
             <a:endParaRPr lang="de-CH"/>
           </a:p>
@@ -1248,7 +1248,7 @@
           <a:p>
             <a:fld id="{9A42C61D-D669-4B9E-81E6-AA43D08BFCD1}" type="datetimeFigureOut">
               <a:rPr lang="de-CH" smtClean="0"/>
-              <a:t>15.05.2022</a:t>
+              <a:t>16.05.2022</a:t>
             </a:fld>
             <a:endParaRPr lang="de-CH"/>
           </a:p>
@@ -1615,7 +1615,7 @@
           <a:p>
             <a:fld id="{9A42C61D-D669-4B9E-81E6-AA43D08BFCD1}" type="datetimeFigureOut">
               <a:rPr lang="de-CH" smtClean="0"/>
-              <a:t>15.05.2022</a:t>
+              <a:t>16.05.2022</a:t>
             </a:fld>
             <a:endParaRPr lang="de-CH"/>
           </a:p>
@@ -1733,7 +1733,7 @@
           <a:p>
             <a:fld id="{9A42C61D-D669-4B9E-81E6-AA43D08BFCD1}" type="datetimeFigureOut">
               <a:rPr lang="de-CH" smtClean="0"/>
-              <a:t>15.05.2022</a:t>
+              <a:t>16.05.2022</a:t>
             </a:fld>
             <a:endParaRPr lang="de-CH"/>
           </a:p>
@@ -1828,7 +1828,7 @@
           <a:p>
             <a:fld id="{9A42C61D-D669-4B9E-81E6-AA43D08BFCD1}" type="datetimeFigureOut">
               <a:rPr lang="de-CH" smtClean="0"/>
-              <a:t>15.05.2022</a:t>
+              <a:t>16.05.2022</a:t>
             </a:fld>
             <a:endParaRPr lang="de-CH"/>
           </a:p>
@@ -2105,7 +2105,7 @@
           <a:p>
             <a:fld id="{9A42C61D-D669-4B9E-81E6-AA43D08BFCD1}" type="datetimeFigureOut">
               <a:rPr lang="de-CH" smtClean="0"/>
-              <a:t>15.05.2022</a:t>
+              <a:t>16.05.2022</a:t>
             </a:fld>
             <a:endParaRPr lang="de-CH"/>
           </a:p>
@@ -2358,7 +2358,7 @@
           <a:p>
             <a:fld id="{9A42C61D-D669-4B9E-81E6-AA43D08BFCD1}" type="datetimeFigureOut">
               <a:rPr lang="de-CH" smtClean="0"/>
-              <a:t>15.05.2022</a:t>
+              <a:t>16.05.2022</a:t>
             </a:fld>
             <a:endParaRPr lang="de-CH"/>
           </a:p>
@@ -2571,7 +2571,7 @@
           <a:p>
             <a:fld id="{9A42C61D-D669-4B9E-81E6-AA43D08BFCD1}" type="datetimeFigureOut">
               <a:rPr lang="de-CH" smtClean="0"/>
-              <a:t>15.05.2022</a:t>
+              <a:t>16.05.2022</a:t>
             </a:fld>
             <a:endParaRPr lang="de-CH"/>
           </a:p>
@@ -6367,7 +6367,7 @@
         </p:nvSpPr>
         <p:spPr>
           <a:xfrm>
-            <a:off x="279101" y="3755975"/>
+            <a:off x="279101" y="3319747"/>
             <a:ext cx="1025444" cy="215444"/>
           </a:xfrm>
           <a:prstGeom prst="rect">
@@ -6405,8 +6405,8 @@
         </p:nvSpPr>
         <p:spPr>
           <a:xfrm>
-            <a:off x="1261872" y="668348"/>
-            <a:ext cx="4200143" cy="391984"/>
+            <a:off x="1261872" y="232120"/>
+            <a:ext cx="4341974" cy="391984"/>
           </a:xfrm>
           <a:prstGeom prst="rect">
             <a:avLst/>
@@ -6519,8 +6519,8 @@
         </p:nvSpPr>
         <p:spPr>
           <a:xfrm>
-            <a:off x="1258581" y="1237123"/>
-            <a:ext cx="4200143" cy="373159"/>
+            <a:off x="1258581" y="800895"/>
+            <a:ext cx="4341974" cy="373159"/>
           </a:xfrm>
           <a:prstGeom prst="rect">
             <a:avLst/>
@@ -6683,8 +6683,8 @@
         </p:nvSpPr>
         <p:spPr>
           <a:xfrm>
-            <a:off x="1258580" y="1752979"/>
-            <a:ext cx="4200143" cy="355417"/>
+            <a:off x="1258580" y="1316751"/>
+            <a:ext cx="4341974" cy="355417"/>
           </a:xfrm>
           <a:prstGeom prst="rect">
             <a:avLst/>
@@ -6857,8 +6857,8 @@
         </p:nvSpPr>
         <p:spPr>
           <a:xfrm>
-            <a:off x="1258580" y="2263284"/>
-            <a:ext cx="4200143" cy="355417"/>
+            <a:off x="1258580" y="1827056"/>
+            <a:ext cx="4341974" cy="355417"/>
           </a:xfrm>
           <a:prstGeom prst="rect">
             <a:avLst/>
@@ -7031,8 +7031,8 @@
         </p:nvSpPr>
         <p:spPr>
           <a:xfrm>
-            <a:off x="1258580" y="2787744"/>
-            <a:ext cx="4200143" cy="276975"/>
+            <a:off x="1258580" y="2351516"/>
+            <a:ext cx="4341974" cy="276975"/>
           </a:xfrm>
           <a:prstGeom prst="rect">
             <a:avLst/>
@@ -7122,8 +7122,8 @@
         </p:nvSpPr>
         <p:spPr>
           <a:xfrm>
-            <a:off x="1258580" y="5589007"/>
-            <a:ext cx="4200143" cy="273141"/>
+            <a:off x="1258580" y="5563840"/>
+            <a:ext cx="4341974" cy="273141"/>
           </a:xfrm>
           <a:prstGeom prst="rect">
             <a:avLst/>
@@ -7195,7 +7195,7 @@
         </p:nvCxnSpPr>
         <p:spPr>
           <a:xfrm flipV="1">
-            <a:off x="3293608" y="1069505"/>
+            <a:off x="3293608" y="633277"/>
             <a:ext cx="0" cy="154303"/>
           </a:xfrm>
           <a:prstGeom prst="line">
@@ -7238,7 +7238,7 @@
         </p:nvCxnSpPr>
         <p:spPr>
           <a:xfrm flipV="1">
-            <a:off x="3300187" y="1595608"/>
+            <a:off x="3300187" y="1159380"/>
             <a:ext cx="0" cy="154303"/>
           </a:xfrm>
           <a:prstGeom prst="line">
@@ -7281,7 +7281,7 @@
         </p:nvCxnSpPr>
         <p:spPr>
           <a:xfrm flipV="1">
-            <a:off x="3298183" y="2104883"/>
+            <a:off x="3298183" y="1668655"/>
             <a:ext cx="0" cy="154303"/>
           </a:xfrm>
           <a:prstGeom prst="line">
@@ -7324,7 +7324,7 @@
         </p:nvCxnSpPr>
         <p:spPr>
           <a:xfrm flipV="1">
-            <a:off x="3300187" y="2623950"/>
+            <a:off x="3300187" y="2187722"/>
             <a:ext cx="0" cy="154303"/>
           </a:xfrm>
           <a:prstGeom prst="line">
@@ -7367,7 +7367,7 @@
         </p:nvCxnSpPr>
         <p:spPr>
           <a:xfrm flipV="1">
-            <a:off x="3300187" y="4064818"/>
+            <a:off x="3300187" y="3628590"/>
             <a:ext cx="0" cy="154303"/>
           </a:xfrm>
           <a:prstGeom prst="line">
@@ -7408,8 +7408,8 @@
         </p:nvSpPr>
         <p:spPr>
           <a:xfrm>
-            <a:off x="1253287" y="5996876"/>
-            <a:ext cx="4200143" cy="273141"/>
+            <a:off x="1253287" y="5971709"/>
+            <a:ext cx="4341974" cy="273141"/>
           </a:xfrm>
           <a:prstGeom prst="rect">
             <a:avLst/>
@@ -7479,8 +7479,8 @@
         </p:nvSpPr>
         <p:spPr>
           <a:xfrm>
-            <a:off x="6287619" y="1268519"/>
-            <a:ext cx="4200143" cy="481392"/>
+            <a:off x="6925183" y="1268519"/>
+            <a:ext cx="4341974" cy="481392"/>
           </a:xfrm>
           <a:prstGeom prst="rect">
             <a:avLst/>
@@ -7640,8 +7640,8 @@
         </p:nvSpPr>
         <p:spPr>
           <a:xfrm>
-            <a:off x="6289626" y="1897949"/>
-            <a:ext cx="4200143" cy="273141"/>
+            <a:off x="6927190" y="1897949"/>
+            <a:ext cx="4341974" cy="273141"/>
           </a:xfrm>
           <a:prstGeom prst="rect">
             <a:avLst/>
@@ -7733,7 +7733,7 @@
         </p:nvCxnSpPr>
         <p:spPr>
           <a:xfrm flipV="1">
-            <a:off x="3313343" y="5855564"/>
+            <a:off x="3313343" y="5830397"/>
             <a:ext cx="0" cy="154303"/>
           </a:xfrm>
           <a:prstGeom prst="line">
@@ -7776,7 +7776,7 @@
         </p:nvCxnSpPr>
         <p:spPr>
           <a:xfrm flipV="1">
-            <a:off x="3316633" y="6263427"/>
+            <a:off x="3316633" y="6238260"/>
             <a:ext cx="0" cy="154303"/>
           </a:xfrm>
           <a:prstGeom prst="line">
@@ -7817,8 +7817,8 @@
         </p:nvSpPr>
         <p:spPr>
           <a:xfrm>
-            <a:off x="6292002" y="2301951"/>
-            <a:ext cx="4200143" cy="273141"/>
+            <a:off x="6929566" y="2301951"/>
+            <a:ext cx="4341974" cy="273141"/>
           </a:xfrm>
           <a:prstGeom prst="rect">
             <a:avLst/>
@@ -7930,7 +7930,7 @@
         </p:nvCxnSpPr>
         <p:spPr>
           <a:xfrm flipV="1">
-            <a:off x="8366693" y="1742828"/>
+            <a:off x="9004257" y="1742828"/>
             <a:ext cx="0" cy="154303"/>
           </a:xfrm>
           <a:prstGeom prst="line">
@@ -7973,7 +7973,7 @@
         </p:nvCxnSpPr>
         <p:spPr>
           <a:xfrm flipV="1">
-            <a:off x="8369265" y="2157752"/>
+            <a:off x="9006829" y="2157752"/>
             <a:ext cx="0" cy="154303"/>
           </a:xfrm>
           <a:prstGeom prst="line">
@@ -8014,8 +8014,8 @@
         </p:nvSpPr>
         <p:spPr>
           <a:xfrm>
-            <a:off x="1261872" y="3692386"/>
-            <a:ext cx="4200143" cy="377119"/>
+            <a:off x="1261872" y="3256158"/>
+            <a:ext cx="4341974" cy="377119"/>
           </a:xfrm>
           <a:prstGeom prst="rect">
             <a:avLst/>
@@ -8139,7 +8139,7 @@
                 <a:latin typeface="Arial" panose="020B0604020202020204" pitchFamily="34" charset="0"/>
                 <a:cs typeface="Arial" panose="020B0604020202020204" pitchFamily="34" charset="0"/>
               </a:rPr>
-              <a:t>create</a:t>
+              <a:t>array</a:t>
             </a:r>
             <a:r>
               <a:rPr lang="de-CH" sz="1000" b="1" dirty="0">
@@ -8159,7 +8159,87 @@
                 <a:latin typeface="Arial" panose="020B0604020202020204" pitchFamily="34" charset="0"/>
                 <a:cs typeface="Arial" panose="020B0604020202020204" pitchFamily="34" charset="0"/>
               </a:rPr>
-              <a:t>array</a:t>
+              <a:t>defining</a:t>
+            </a:r>
+            <a:r>
+              <a:rPr lang="de-CH" sz="1000" b="1" dirty="0">
+                <a:solidFill>
+                  <a:schemeClr val="tx1"/>
+                </a:solidFill>
+                <a:latin typeface="Arial" panose="020B0604020202020204" pitchFamily="34" charset="0"/>
+                <a:cs typeface="Arial" panose="020B0604020202020204" pitchFamily="34" charset="0"/>
+              </a:rPr>
+              <a:t> </a:t>
+            </a:r>
+            <a:r>
+              <a:rPr lang="de-CH" sz="1000" b="1" dirty="0" err="1">
+                <a:solidFill>
+                  <a:schemeClr val="tx1"/>
+                </a:solidFill>
+                <a:latin typeface="Arial" panose="020B0604020202020204" pitchFamily="34" charset="0"/>
+                <a:cs typeface="Arial" panose="020B0604020202020204" pitchFamily="34" charset="0"/>
+              </a:rPr>
+              <a:t>files</a:t>
+            </a:r>
+            <a:r>
+              <a:rPr lang="de-CH" sz="1000" b="1" dirty="0">
+                <a:solidFill>
+                  <a:schemeClr val="tx1"/>
+                </a:solidFill>
+                <a:latin typeface="Arial" panose="020B0604020202020204" pitchFamily="34" charset="0"/>
+                <a:cs typeface="Arial" panose="020B0604020202020204" pitchFamily="34" charset="0"/>
+              </a:rPr>
+              <a:t> </a:t>
+            </a:r>
+            <a:r>
+              <a:rPr lang="de-CH" sz="1000" b="1" dirty="0" err="1">
+                <a:solidFill>
+                  <a:schemeClr val="tx1"/>
+                </a:solidFill>
+                <a:latin typeface="Arial" panose="020B0604020202020204" pitchFamily="34" charset="0"/>
+                <a:cs typeface="Arial" panose="020B0604020202020204" pitchFamily="34" charset="0"/>
+              </a:rPr>
+              <a:t>to</a:t>
+            </a:r>
+            <a:r>
+              <a:rPr lang="de-CH" sz="1000" b="1" dirty="0">
+                <a:solidFill>
+                  <a:schemeClr val="tx1"/>
+                </a:solidFill>
+                <a:latin typeface="Arial" panose="020B0604020202020204" pitchFamily="34" charset="0"/>
+                <a:cs typeface="Arial" panose="020B0604020202020204" pitchFamily="34" charset="0"/>
+              </a:rPr>
+              <a:t> </a:t>
+            </a:r>
+            <a:r>
+              <a:rPr lang="de-CH" sz="1000" b="1" dirty="0" err="1">
+                <a:solidFill>
+                  <a:schemeClr val="tx1"/>
+                </a:solidFill>
+                <a:latin typeface="Arial" panose="020B0604020202020204" pitchFamily="34" charset="0"/>
+                <a:cs typeface="Arial" panose="020B0604020202020204" pitchFamily="34" charset="0"/>
+              </a:rPr>
+              <a:t>be</a:t>
+            </a:r>
+            <a:r>
+              <a:rPr lang="de-CH" sz="1000" b="1" dirty="0">
+                <a:solidFill>
+                  <a:schemeClr val="tx1"/>
+                </a:solidFill>
+                <a:latin typeface="Arial" panose="020B0604020202020204" pitchFamily="34" charset="0"/>
+                <a:cs typeface="Arial" panose="020B0604020202020204" pitchFamily="34" charset="0"/>
+              </a:rPr>
+              <a:t> registered and </a:t>
+            </a:r>
+            <a:r>
+              <a:rPr lang="de-CH" sz="1000" b="1" dirty="0" err="1">
+                <a:solidFill>
+                  <a:schemeClr val="tx1"/>
+                </a:solidFill>
+                <a:latin typeface="Arial" panose="020B0604020202020204" pitchFamily="34" charset="0"/>
+                <a:cs typeface="Arial" panose="020B0604020202020204" pitchFamily="34" charset="0"/>
+              </a:rPr>
+              <a:t>uploaded</a:t>
             </a:r>
             <a:endParaRPr lang="de-CH" sz="1000" b="1" dirty="0">
               <a:solidFill>
@@ -8187,7 +8267,7 @@
         </p:nvCxnSpPr>
         <p:spPr>
           <a:xfrm flipV="1">
-            <a:off x="3303479" y="3523347"/>
+            <a:off x="3303479" y="3087119"/>
             <a:ext cx="0" cy="154303"/>
           </a:xfrm>
           <a:prstGeom prst="line">
@@ -8228,8 +8308,8 @@
         </p:nvSpPr>
         <p:spPr>
           <a:xfrm>
-            <a:off x="1261872" y="4209842"/>
-            <a:ext cx="4200143" cy="805848"/>
+            <a:off x="1261872" y="3773613"/>
+            <a:ext cx="4341974" cy="1220007"/>
           </a:xfrm>
           <a:prstGeom prst="rect">
             <a:avLst/>
@@ -8363,7 +8443,7 @@
                 <a:latin typeface="Arial" panose="020B0604020202020204" pitchFamily="34" charset="0"/>
                 <a:cs typeface="Arial" panose="020B0604020202020204" pitchFamily="34" charset="0"/>
               </a:rPr>
-              <a:t>setDataOfAppendedQrFilesNodeAndUpload</a:t>
+              <a:t>setDataOfAppendedQrFilesNodeAndUploadSupporter</a:t>
             </a:r>
             <a:r>
               <a:rPr lang="en-US" sz="1000" b="1" dirty="0">
@@ -8384,6 +8464,155 @@
                 <a:cs typeface="Arial" panose="020B0604020202020204" pitchFamily="34" charset="0"/>
               </a:rPr>
               <a:t>SupportData</a:t>
+            </a:r>
+            <a:r>
+              <a:rPr lang="en-US" sz="1000" b="1" dirty="0">
+                <a:solidFill>
+                  <a:schemeClr val="tx1"/>
+                </a:solidFill>
+                <a:latin typeface="Arial" panose="020B0604020202020204" pitchFamily="34" charset="0"/>
+                <a:cs typeface="Arial" panose="020B0604020202020204" pitchFamily="34" charset="0"/>
+              </a:rPr>
+              <a:t>)</a:t>
+            </a:r>
+          </a:p>
+          <a:p>
+            <a:pPr algn="ctr"/>
+            <a:r>
+              <a:rPr lang="en-US" sz="1000" b="1" dirty="0" err="1">
+                <a:solidFill>
+                  <a:schemeClr val="tx1"/>
+                </a:solidFill>
+                <a:latin typeface="Arial" panose="020B0604020202020204" pitchFamily="34" charset="0"/>
+                <a:cs typeface="Arial" panose="020B0604020202020204" pitchFamily="34" charset="0"/>
+              </a:rPr>
+              <a:t>uploadQrFileImageAndTextSupporter</a:t>
+            </a:r>
+            <a:r>
+              <a:rPr lang="en-US" sz="1000" b="1" dirty="0">
+                <a:solidFill>
+                  <a:schemeClr val="tx1"/>
+                </a:solidFill>
+                <a:latin typeface="Arial" panose="020B0604020202020204" pitchFamily="34" charset="0"/>
+                <a:cs typeface="Arial" panose="020B0604020202020204" pitchFamily="34" charset="0"/>
+              </a:rPr>
+              <a:t>((</a:t>
+            </a:r>
+            <a:r>
+              <a:rPr lang="en-US" sz="1000" b="1" dirty="0" err="1">
+                <a:solidFill>
+                  <a:schemeClr val="tx1"/>
+                </a:solidFill>
+                <a:latin typeface="Arial" panose="020B0604020202020204" pitchFamily="34" charset="0"/>
+                <a:cs typeface="Arial" panose="020B0604020202020204" pitchFamily="34" charset="0"/>
+              </a:rPr>
+              <a:t>file_number</a:t>
+            </a:r>
+            <a:r>
+              <a:rPr lang="en-US" sz="1000" b="1" dirty="0">
+                <a:solidFill>
+                  <a:schemeClr val="tx1"/>
+                </a:solidFill>
+                <a:latin typeface="Arial" panose="020B0604020202020204" pitchFamily="34" charset="0"/>
+                <a:cs typeface="Arial" panose="020B0604020202020204" pitchFamily="34" charset="0"/>
+              </a:rPr>
+              <a:t>, </a:t>
+            </a:r>
+            <a:r>
+              <a:rPr lang="en-US" sz="1000" b="1" dirty="0" err="1">
+                <a:solidFill>
+                  <a:schemeClr val="tx1"/>
+                </a:solidFill>
+                <a:latin typeface="Arial" panose="020B0604020202020204" pitchFamily="34" charset="0"/>
+                <a:cs typeface="Arial" panose="020B0604020202020204" pitchFamily="34" charset="0"/>
+              </a:rPr>
+              <a:t>qr_xml</a:t>
+            </a:r>
+            <a:r>
+              <a:rPr lang="en-US" sz="1000" b="1" dirty="0">
+                <a:solidFill>
+                  <a:schemeClr val="tx1"/>
+                </a:solidFill>
+                <a:latin typeface="Arial" panose="020B0604020202020204" pitchFamily="34" charset="0"/>
+                <a:cs typeface="Arial" panose="020B0604020202020204" pitchFamily="34" charset="0"/>
+              </a:rPr>
+              <a:t>)</a:t>
+            </a:r>
+          </a:p>
+          <a:p>
+            <a:pPr algn="ctr"/>
+            <a:r>
+              <a:rPr lang="en-US" sz="1000" b="1" dirty="0" err="1">
+                <a:solidFill>
+                  <a:schemeClr val="tx1"/>
+                </a:solidFill>
+                <a:latin typeface="Arial" panose="020B0604020202020204" pitchFamily="34" charset="0"/>
+                <a:cs typeface="Arial" panose="020B0604020202020204" pitchFamily="34" charset="0"/>
+              </a:rPr>
+              <a:t>generateQrCodeOnePersonDataUrl</a:t>
+            </a:r>
+            <a:r>
+              <a:rPr lang="en-US" sz="1000" b="1" dirty="0">
+                <a:solidFill>
+                  <a:schemeClr val="tx1"/>
+                </a:solidFill>
+                <a:latin typeface="Arial" panose="020B0604020202020204" pitchFamily="34" charset="0"/>
+                <a:cs typeface="Arial" panose="020B0604020202020204" pitchFamily="34" charset="0"/>
+              </a:rPr>
+              <a:t>(</a:t>
+            </a:r>
+            <a:r>
+              <a:rPr lang="en-US" sz="1000" b="1" dirty="0" err="1">
+                <a:solidFill>
+                  <a:schemeClr val="tx1"/>
+                </a:solidFill>
+                <a:latin typeface="Arial" panose="020B0604020202020204" pitchFamily="34" charset="0"/>
+                <a:cs typeface="Arial" panose="020B0604020202020204" pitchFamily="34" charset="0"/>
+              </a:rPr>
+              <a:t>qr_text</a:t>
+            </a:r>
+            <a:r>
+              <a:rPr lang="en-US" sz="1000" b="1" dirty="0">
+                <a:solidFill>
+                  <a:schemeClr val="tx1"/>
+                </a:solidFill>
+                <a:latin typeface="Arial" panose="020B0604020202020204" pitchFamily="34" charset="0"/>
+                <a:cs typeface="Arial" panose="020B0604020202020204" pitchFamily="34" charset="0"/>
+              </a:rPr>
+              <a:t>)</a:t>
+            </a:r>
+          </a:p>
+          <a:p>
+            <a:pPr algn="ctr"/>
+            <a:r>
+              <a:rPr lang="en-US" sz="1000" b="1" dirty="0" err="1">
+                <a:solidFill>
+                  <a:schemeClr val="tx1"/>
+                </a:solidFill>
+                <a:latin typeface="Arial" panose="020B0604020202020204" pitchFamily="34" charset="0"/>
+                <a:cs typeface="Arial" panose="020B0604020202020204" pitchFamily="34" charset="0"/>
+              </a:rPr>
+              <a:t>saveFileWithJQueryPostFunction</a:t>
+            </a:r>
+            <a:r>
+              <a:rPr lang="en-US" sz="1000" b="1" dirty="0">
+                <a:solidFill>
+                  <a:schemeClr val="tx1"/>
+                </a:solidFill>
+                <a:latin typeface="Arial" panose="020B0604020202020204" pitchFamily="34" charset="0"/>
+                <a:cs typeface="Arial" panose="020B0604020202020204" pitchFamily="34" charset="0"/>
+              </a:rPr>
+              <a:t>(</a:t>
+            </a:r>
+            <a:r>
+              <a:rPr lang="en-US" sz="1000" b="1" i="1" dirty="0">
+                <a:solidFill>
+                  <a:schemeClr val="tx1"/>
+                </a:solidFill>
+                <a:latin typeface="Arial" panose="020B0604020202020204" pitchFamily="34" charset="0"/>
+                <a:cs typeface="Arial" panose="020B0604020202020204" pitchFamily="34" charset="0"/>
+              </a:rPr>
+              <a:t>path, content</a:t>
             </a:r>
             <a:r>
               <a:rPr lang="en-US" sz="1000" b="1" dirty="0">
@@ -8444,7 +8673,7 @@
         </p:nvCxnSpPr>
         <p:spPr>
           <a:xfrm flipV="1">
-            <a:off x="3293608" y="5015375"/>
+            <a:off x="3293608" y="4990208"/>
             <a:ext cx="0" cy="154303"/>
           </a:xfrm>
           <a:prstGeom prst="line">
@@ -8485,8 +8714,8 @@
         </p:nvSpPr>
         <p:spPr>
           <a:xfrm>
-            <a:off x="1240130" y="5159888"/>
-            <a:ext cx="4200143" cy="273141"/>
+            <a:off x="1240130" y="5134721"/>
+            <a:ext cx="4341974" cy="273141"/>
           </a:xfrm>
           <a:prstGeom prst="rect">
             <a:avLst/>
@@ -8565,7 +8794,7 @@
         </p:nvCxnSpPr>
         <p:spPr>
           <a:xfrm flipV="1">
-            <a:off x="3289280" y="5433029"/>
+            <a:off x="3289280" y="5407862"/>
             <a:ext cx="0" cy="154303"/>
           </a:xfrm>
           <a:prstGeom prst="line">
@@ -8608,7 +8837,7 @@
         </p:nvCxnSpPr>
         <p:spPr>
           <a:xfrm flipV="1">
-            <a:off x="8354501" y="1114216"/>
+            <a:off x="8992065" y="1114216"/>
             <a:ext cx="0" cy="154303"/>
           </a:xfrm>
           <a:prstGeom prst="line">
@@ -8649,7 +8878,7 @@
         </p:nvSpPr>
         <p:spPr>
           <a:xfrm>
-            <a:off x="437596" y="5169678"/>
+            <a:off x="446882" y="5144511"/>
             <a:ext cx="1025444" cy="215444"/>
           </a:xfrm>
           <a:prstGeom prst="rect">
@@ -8687,7 +8916,7 @@
         </p:nvSpPr>
         <p:spPr>
           <a:xfrm>
-            <a:off x="636203" y="5615523"/>
+            <a:off x="384533" y="5590356"/>
             <a:ext cx="1025444" cy="215444"/>
           </a:xfrm>
           <a:prstGeom prst="rect">
@@ -8706,7 +8935,7 @@
                 <a:latin typeface="Arial" panose="020B0604020202020204" pitchFamily="34" charset="0"/>
                 <a:cs typeface="Arial" panose="020B0604020202020204" pitchFamily="34" charset="0"/>
               </a:rPr>
-              <a:t>QrFiles.js</a:t>
+              <a:t>QrCodeFiles.js</a:t>
             </a:r>
           </a:p>
         </p:txBody>
@@ -8725,7 +8954,7 @@
         </p:nvSpPr>
         <p:spPr>
           <a:xfrm>
-            <a:off x="624011" y="6025724"/>
+            <a:off x="372341" y="6000557"/>
             <a:ext cx="1025444" cy="215444"/>
           </a:xfrm>
           <a:prstGeom prst="rect">
@@ -8744,7 +8973,7 @@
                 <a:latin typeface="Arial" panose="020B0604020202020204" pitchFamily="34" charset="0"/>
                 <a:cs typeface="Arial" panose="020B0604020202020204" pitchFamily="34" charset="0"/>
               </a:rPr>
-              <a:t>QrFiles.js</a:t>
+              <a:t>QrCodeFiles.js</a:t>
             </a:r>
           </a:p>
         </p:txBody>
@@ -8763,7 +8992,7 @@
         </p:nvSpPr>
         <p:spPr>
           <a:xfrm>
-            <a:off x="636203" y="706389"/>
+            <a:off x="636203" y="270161"/>
             <a:ext cx="1025444" cy="338554"/>
           </a:xfrm>
           <a:prstGeom prst="rect">
@@ -8810,7 +9039,7 @@
         </p:nvSpPr>
         <p:spPr>
           <a:xfrm>
-            <a:off x="647737" y="1318359"/>
+            <a:off x="396067" y="882131"/>
             <a:ext cx="1025444" cy="215444"/>
           </a:xfrm>
           <a:prstGeom prst="rect">
@@ -8829,7 +9058,7 @@
                 <a:latin typeface="Arial" panose="020B0604020202020204" pitchFamily="34" charset="0"/>
                 <a:cs typeface="Arial" panose="020B0604020202020204" pitchFamily="34" charset="0"/>
               </a:rPr>
-              <a:t>QrFiles.js</a:t>
+              <a:t>QrCodeFiles.js</a:t>
             </a:r>
           </a:p>
         </p:txBody>
@@ -8848,8 +9077,8 @@
         </p:nvSpPr>
         <p:spPr>
           <a:xfrm>
-            <a:off x="297524" y="4406341"/>
-            <a:ext cx="1025444" cy="461665"/>
+            <a:off x="142613" y="3944946"/>
+            <a:ext cx="1180355" cy="461665"/>
           </a:xfrm>
           <a:prstGeom prst="rect">
             <a:avLst/>
@@ -8885,7 +9114,7 @@
                 <a:latin typeface="Arial" panose="020B0604020202020204" pitchFamily="34" charset="0"/>
                 <a:cs typeface="Arial" panose="020B0604020202020204" pitchFamily="34" charset="0"/>
               </a:rPr>
-              <a:t>QrFilesXml,js</a:t>
+              <a:t>QrCodeFilesXml,js</a:t>
             </a:r>
             <a:endParaRPr lang="de-CH" sz="800" b="1" dirty="0">
               <a:latin typeface="Arial" panose="020B0604020202020204" pitchFamily="34" charset="0"/>
@@ -8908,7 +9137,7 @@
         </p:nvSpPr>
         <p:spPr>
           <a:xfrm>
-            <a:off x="10466743" y="1416074"/>
+            <a:off x="6045740" y="1416074"/>
             <a:ext cx="1025444" cy="215444"/>
           </a:xfrm>
           <a:prstGeom prst="rect">
@@ -8946,8 +9175,8 @@
         </p:nvSpPr>
         <p:spPr>
           <a:xfrm>
-            <a:off x="1261872" y="3226823"/>
-            <a:ext cx="4200143" cy="292900"/>
+            <a:off x="1261872" y="2790595"/>
+            <a:ext cx="4341974" cy="292900"/>
           </a:xfrm>
           <a:prstGeom prst="rect">
             <a:avLst/>
@@ -9059,7 +9288,7 @@
         </p:nvCxnSpPr>
         <p:spPr>
           <a:xfrm flipV="1">
-            <a:off x="3303402" y="3064719"/>
+            <a:off x="3303402" y="2628491"/>
             <a:ext cx="0" cy="154303"/>
           </a:xfrm>
           <a:prstGeom prst="line">
@@ -9100,7 +9329,7 @@
         </p:nvSpPr>
         <p:spPr>
           <a:xfrm>
-            <a:off x="10487762" y="1918209"/>
+            <a:off x="6066759" y="1918209"/>
             <a:ext cx="1025444" cy="215444"/>
           </a:xfrm>
           <a:prstGeom prst="rect">
@@ -9138,7 +9367,7 @@
         </p:nvSpPr>
         <p:spPr>
           <a:xfrm>
-            <a:off x="10514760" y="2312055"/>
+            <a:off x="6066759" y="2323802"/>
             <a:ext cx="1025444" cy="215444"/>
           </a:xfrm>
           <a:prstGeom prst="rect">
@@ -9178,7 +9407,7 @@
         </p:nvCxnSpPr>
         <p:spPr>
           <a:xfrm flipV="1">
-            <a:off x="8360054" y="2575092"/>
+            <a:off x="8997618" y="2575092"/>
             <a:ext cx="0" cy="154303"/>
           </a:xfrm>
           <a:prstGeom prst="line">
@@ -9219,8 +9448,8 @@
         </p:nvSpPr>
         <p:spPr>
           <a:xfrm>
-            <a:off x="6287618" y="2729395"/>
-            <a:ext cx="4200143" cy="377119"/>
+            <a:off x="6925182" y="2729395"/>
+            <a:ext cx="4341974" cy="377119"/>
           </a:xfrm>
           <a:prstGeom prst="rect">
             <a:avLst/>
@@ -9392,7 +9621,7 @@
         </p:nvCxnSpPr>
         <p:spPr>
           <a:xfrm flipV="1">
-            <a:off x="8370379" y="3098115"/>
+            <a:off x="9007943" y="3098115"/>
             <a:ext cx="0" cy="154303"/>
           </a:xfrm>
           <a:prstGeom prst="line">
@@ -9433,8 +9662,8 @@
         </p:nvSpPr>
         <p:spPr>
           <a:xfrm>
-            <a:off x="6289392" y="3243139"/>
-            <a:ext cx="4200143" cy="805848"/>
+            <a:off x="6926956" y="3243139"/>
+            <a:ext cx="4341974" cy="1267630"/>
           </a:xfrm>
           <a:prstGeom prst="rect">
             <a:avLst/>
@@ -9475,7 +9704,7 @@
                 <a:latin typeface="Arial" panose="020B0604020202020204" pitchFamily="34" charset="0"/>
                 <a:cs typeface="Arial" panose="020B0604020202020204" pitchFamily="34" charset="0"/>
               </a:rPr>
-              <a:t>registerAndUploadQrFilesXmlConcert</a:t>
+              <a:t>registerAndUploadQrFilesXmlMusician</a:t>
             </a:r>
             <a:r>
               <a:rPr lang="en-US" sz="1000" b="1" dirty="0">
@@ -9568,7 +9797,7 @@
                 <a:latin typeface="Arial" panose="020B0604020202020204" pitchFamily="34" charset="0"/>
                 <a:cs typeface="Arial" panose="020B0604020202020204" pitchFamily="34" charset="0"/>
               </a:rPr>
-              <a:t>setDataOfAppendedQrFilesNodeAndUploadConcert</a:t>
+              <a:t>setDataOfAppendedQrFilesNodeAndUploadMusician</a:t>
             </a:r>
             <a:r>
               <a:rPr lang="en-US" sz="1000" b="1" dirty="0">
@@ -9589,6 +9818,155 @@
                 <a:cs typeface="Arial" panose="020B0604020202020204" pitchFamily="34" charset="0"/>
               </a:rPr>
               <a:t>ConcertData</a:t>
+            </a:r>
+            <a:r>
+              <a:rPr lang="en-US" sz="1000" b="1" dirty="0">
+                <a:solidFill>
+                  <a:schemeClr val="tx1"/>
+                </a:solidFill>
+                <a:latin typeface="Arial" panose="020B0604020202020204" pitchFamily="34" charset="0"/>
+                <a:cs typeface="Arial" panose="020B0604020202020204" pitchFamily="34" charset="0"/>
+              </a:rPr>
+              <a:t>)</a:t>
+            </a:r>
+          </a:p>
+          <a:p>
+            <a:pPr algn="ctr"/>
+            <a:r>
+              <a:rPr lang="en-US" sz="1000" b="1" dirty="0" err="1">
+                <a:solidFill>
+                  <a:schemeClr val="tx1"/>
+                </a:solidFill>
+                <a:latin typeface="Arial" panose="020B0604020202020204" pitchFamily="34" charset="0"/>
+                <a:cs typeface="Arial" panose="020B0604020202020204" pitchFamily="34" charset="0"/>
+              </a:rPr>
+              <a:t>uploadQrFileImageAndTextMusician</a:t>
+            </a:r>
+            <a:r>
+              <a:rPr lang="en-US" sz="1000" b="1" dirty="0">
+                <a:solidFill>
+                  <a:schemeClr val="tx1"/>
+                </a:solidFill>
+                <a:latin typeface="Arial" panose="020B0604020202020204" pitchFamily="34" charset="0"/>
+                <a:cs typeface="Arial" panose="020B0604020202020204" pitchFamily="34" charset="0"/>
+              </a:rPr>
+              <a:t>((</a:t>
+            </a:r>
+            <a:r>
+              <a:rPr lang="en-US" sz="1000" b="1" dirty="0" err="1">
+                <a:solidFill>
+                  <a:schemeClr val="tx1"/>
+                </a:solidFill>
+                <a:latin typeface="Arial" panose="020B0604020202020204" pitchFamily="34" charset="0"/>
+                <a:cs typeface="Arial" panose="020B0604020202020204" pitchFamily="34" charset="0"/>
+              </a:rPr>
+              <a:t>file_number</a:t>
+            </a:r>
+            <a:r>
+              <a:rPr lang="en-US" sz="1000" b="1" dirty="0">
+                <a:solidFill>
+                  <a:schemeClr val="tx1"/>
+                </a:solidFill>
+                <a:latin typeface="Arial" panose="020B0604020202020204" pitchFamily="34" charset="0"/>
+                <a:cs typeface="Arial" panose="020B0604020202020204" pitchFamily="34" charset="0"/>
+              </a:rPr>
+              <a:t>, </a:t>
+            </a:r>
+            <a:r>
+              <a:rPr lang="en-US" sz="1000" b="1" dirty="0" err="1">
+                <a:solidFill>
+                  <a:schemeClr val="tx1"/>
+                </a:solidFill>
+                <a:latin typeface="Arial" panose="020B0604020202020204" pitchFamily="34" charset="0"/>
+                <a:cs typeface="Arial" panose="020B0604020202020204" pitchFamily="34" charset="0"/>
+              </a:rPr>
+              <a:t>qr_xml</a:t>
+            </a:r>
+            <a:r>
+              <a:rPr lang="en-US" sz="1000" b="1" dirty="0">
+                <a:solidFill>
+                  <a:schemeClr val="tx1"/>
+                </a:solidFill>
+                <a:latin typeface="Arial" panose="020B0604020202020204" pitchFamily="34" charset="0"/>
+                <a:cs typeface="Arial" panose="020B0604020202020204" pitchFamily="34" charset="0"/>
+              </a:rPr>
+              <a:t>)</a:t>
+            </a:r>
+          </a:p>
+          <a:p>
+            <a:pPr algn="ctr"/>
+            <a:r>
+              <a:rPr lang="en-US" sz="1000" b="1" dirty="0" err="1">
+                <a:solidFill>
+                  <a:schemeClr val="tx1"/>
+                </a:solidFill>
+                <a:latin typeface="Arial" panose="020B0604020202020204" pitchFamily="34" charset="0"/>
+                <a:cs typeface="Arial" panose="020B0604020202020204" pitchFamily="34" charset="0"/>
+              </a:rPr>
+              <a:t>generateQrCodeOnePersonDataUrl</a:t>
+            </a:r>
+            <a:r>
+              <a:rPr lang="en-US" sz="1000" b="1" dirty="0">
+                <a:solidFill>
+                  <a:schemeClr val="tx1"/>
+                </a:solidFill>
+                <a:latin typeface="Arial" panose="020B0604020202020204" pitchFamily="34" charset="0"/>
+                <a:cs typeface="Arial" panose="020B0604020202020204" pitchFamily="34" charset="0"/>
+              </a:rPr>
+              <a:t>(</a:t>
+            </a:r>
+            <a:r>
+              <a:rPr lang="en-US" sz="1000" b="1" dirty="0" err="1">
+                <a:solidFill>
+                  <a:schemeClr val="tx1"/>
+                </a:solidFill>
+                <a:latin typeface="Arial" panose="020B0604020202020204" pitchFamily="34" charset="0"/>
+                <a:cs typeface="Arial" panose="020B0604020202020204" pitchFamily="34" charset="0"/>
+              </a:rPr>
+              <a:t>qr_text</a:t>
+            </a:r>
+            <a:r>
+              <a:rPr lang="en-US" sz="1000" b="1" dirty="0">
+                <a:solidFill>
+                  <a:schemeClr val="tx1"/>
+                </a:solidFill>
+                <a:latin typeface="Arial" panose="020B0604020202020204" pitchFamily="34" charset="0"/>
+                <a:cs typeface="Arial" panose="020B0604020202020204" pitchFamily="34" charset="0"/>
+              </a:rPr>
+              <a:t>)</a:t>
+            </a:r>
+          </a:p>
+          <a:p>
+            <a:pPr algn="ctr"/>
+            <a:r>
+              <a:rPr lang="en-US" sz="1000" b="1" dirty="0" err="1">
+                <a:solidFill>
+                  <a:schemeClr val="tx1"/>
+                </a:solidFill>
+                <a:latin typeface="Arial" panose="020B0604020202020204" pitchFamily="34" charset="0"/>
+                <a:cs typeface="Arial" panose="020B0604020202020204" pitchFamily="34" charset="0"/>
+              </a:rPr>
+              <a:t>saveFileWithJQueryPostFunction</a:t>
+            </a:r>
+            <a:r>
+              <a:rPr lang="en-US" sz="1000" b="1" dirty="0">
+                <a:solidFill>
+                  <a:schemeClr val="tx1"/>
+                </a:solidFill>
+                <a:latin typeface="Arial" panose="020B0604020202020204" pitchFamily="34" charset="0"/>
+                <a:cs typeface="Arial" panose="020B0604020202020204" pitchFamily="34" charset="0"/>
+              </a:rPr>
+              <a:t>(</a:t>
+            </a:r>
+            <a:r>
+              <a:rPr lang="en-US" sz="1000" b="1" i="1" dirty="0">
+                <a:solidFill>
+                  <a:schemeClr val="tx1"/>
+                </a:solidFill>
+                <a:latin typeface="Arial" panose="020B0604020202020204" pitchFamily="34" charset="0"/>
+                <a:cs typeface="Arial" panose="020B0604020202020204" pitchFamily="34" charset="0"/>
+              </a:rPr>
+              <a:t>path, content</a:t>
             </a:r>
             <a:r>
               <a:rPr lang="en-US" sz="1000" b="1" dirty="0">
@@ -9649,7 +10027,7 @@
         </p:nvCxnSpPr>
         <p:spPr>
           <a:xfrm flipV="1">
-            <a:off x="8366693" y="4048987"/>
+            <a:off x="9004257" y="4510382"/>
             <a:ext cx="0" cy="154303"/>
           </a:xfrm>
           <a:prstGeom prst="line">
@@ -9676,6 +10054,256 @@
           </a:fontRef>
         </p:style>
       </p:cxnSp>
+      <p:sp>
+        <p:nvSpPr>
+          <p:cNvPr id="46" name="Textfeld 45">
+            <a:extLst>
+              <a:ext uri="{FF2B5EF4-FFF2-40B4-BE49-F238E27FC236}">
+                <a16:creationId xmlns:a16="http://schemas.microsoft.com/office/drawing/2014/main" id="{FD93EFBA-73C3-88D4-4DF7-3A57B9513CAE}"/>
+              </a:ext>
+            </a:extLst>
+          </p:cNvPr>
+          <p:cNvSpPr txBox="1"/>
+          <p:nvPr/>
+        </p:nvSpPr>
+        <p:spPr>
+          <a:xfrm>
+            <a:off x="236428" y="3243139"/>
+            <a:ext cx="1025444" cy="215444"/>
+          </a:xfrm>
+          <a:prstGeom prst="rect">
+            <a:avLst/>
+          </a:prstGeom>
+          <a:noFill/>
+        </p:spPr>
+        <p:txBody>
+          <a:bodyPr wrap="square" rtlCol="0">
+            <a:spAutoFit/>
+          </a:bodyPr>
+          <a:lstStyle/>
+          <a:p>
+            <a:r>
+              <a:rPr lang="de-CH" sz="800" b="1" dirty="0">
+                <a:latin typeface="Arial" panose="020B0604020202020204" pitchFamily="34" charset="0"/>
+                <a:cs typeface="Arial" panose="020B0604020202020204" pitchFamily="34" charset="0"/>
+              </a:rPr>
+              <a:t>SupporterData.js</a:t>
+            </a:r>
+          </a:p>
+        </p:txBody>
+      </p:sp>
+      <p:sp>
+        <p:nvSpPr>
+          <p:cNvPr id="47" name="Textfeld 46">
+            <a:extLst>
+              <a:ext uri="{FF2B5EF4-FFF2-40B4-BE49-F238E27FC236}">
+                <a16:creationId xmlns:a16="http://schemas.microsoft.com/office/drawing/2014/main" id="{3E5162A3-FD5D-F62F-6291-7157AA935AFE}"/>
+              </a:ext>
+            </a:extLst>
+          </p:cNvPr>
+          <p:cNvSpPr txBox="1"/>
+          <p:nvPr/>
+        </p:nvSpPr>
+        <p:spPr>
+          <a:xfrm>
+            <a:off x="372341" y="2367588"/>
+            <a:ext cx="1025444" cy="215444"/>
+          </a:xfrm>
+          <a:prstGeom prst="rect">
+            <a:avLst/>
+          </a:prstGeom>
+          <a:noFill/>
+        </p:spPr>
+        <p:txBody>
+          <a:bodyPr wrap="square" rtlCol="0">
+            <a:spAutoFit/>
+          </a:bodyPr>
+          <a:lstStyle/>
+          <a:p>
+            <a:r>
+              <a:rPr lang="de-CH" sz="800" b="1" dirty="0">
+                <a:latin typeface="Arial" panose="020B0604020202020204" pitchFamily="34" charset="0"/>
+                <a:cs typeface="Arial" panose="020B0604020202020204" pitchFamily="34" charset="0"/>
+              </a:rPr>
+              <a:t>QrCodeFiles.js</a:t>
+            </a:r>
+          </a:p>
+        </p:txBody>
+      </p:sp>
+      <p:sp>
+        <p:nvSpPr>
+          <p:cNvPr id="48" name="Textfeld 47">
+            <a:extLst>
+              <a:ext uri="{FF2B5EF4-FFF2-40B4-BE49-F238E27FC236}">
+                <a16:creationId xmlns:a16="http://schemas.microsoft.com/office/drawing/2014/main" id="{2A0DD84F-7B7F-CDF2-67DD-256B0BD07716}"/>
+              </a:ext>
+            </a:extLst>
+          </p:cNvPr>
+          <p:cNvSpPr txBox="1"/>
+          <p:nvPr/>
+        </p:nvSpPr>
+        <p:spPr>
+          <a:xfrm>
+            <a:off x="383678" y="1872432"/>
+            <a:ext cx="1025444" cy="215444"/>
+          </a:xfrm>
+          <a:prstGeom prst="rect">
+            <a:avLst/>
+          </a:prstGeom>
+          <a:noFill/>
+        </p:spPr>
+        <p:txBody>
+          <a:bodyPr wrap="square" rtlCol="0">
+            <a:spAutoFit/>
+          </a:bodyPr>
+          <a:lstStyle/>
+          <a:p>
+            <a:r>
+              <a:rPr lang="de-CH" sz="800" b="1" dirty="0">
+                <a:latin typeface="Arial" panose="020B0604020202020204" pitchFamily="34" charset="0"/>
+                <a:cs typeface="Arial" panose="020B0604020202020204" pitchFamily="34" charset="0"/>
+              </a:rPr>
+              <a:t>QrCodeFiles.js</a:t>
+            </a:r>
+          </a:p>
+        </p:txBody>
+      </p:sp>
+      <p:sp>
+        <p:nvSpPr>
+          <p:cNvPr id="49" name="Textfeld 48">
+            <a:extLst>
+              <a:ext uri="{FF2B5EF4-FFF2-40B4-BE49-F238E27FC236}">
+                <a16:creationId xmlns:a16="http://schemas.microsoft.com/office/drawing/2014/main" id="{C1E0871D-4B5F-D999-CE7A-CE399123765D}"/>
+              </a:ext>
+            </a:extLst>
+          </p:cNvPr>
+          <p:cNvSpPr txBox="1"/>
+          <p:nvPr/>
+        </p:nvSpPr>
+        <p:spPr>
+          <a:xfrm>
+            <a:off x="401728" y="1394082"/>
+            <a:ext cx="1025444" cy="215444"/>
+          </a:xfrm>
+          <a:prstGeom prst="rect">
+            <a:avLst/>
+          </a:prstGeom>
+          <a:noFill/>
+        </p:spPr>
+        <p:txBody>
+          <a:bodyPr wrap="square" rtlCol="0">
+            <a:spAutoFit/>
+          </a:bodyPr>
+          <a:lstStyle/>
+          <a:p>
+            <a:r>
+              <a:rPr lang="de-CH" sz="800" b="1" dirty="0">
+                <a:latin typeface="Arial" panose="020B0604020202020204" pitchFamily="34" charset="0"/>
+                <a:cs typeface="Arial" panose="020B0604020202020204" pitchFamily="34" charset="0"/>
+              </a:rPr>
+              <a:t>QrCodeFiles.js</a:t>
+            </a:r>
+          </a:p>
+        </p:txBody>
+      </p:sp>
+      <p:sp>
+        <p:nvSpPr>
+          <p:cNvPr id="50" name="Textfeld 49">
+            <a:extLst>
+              <a:ext uri="{FF2B5EF4-FFF2-40B4-BE49-F238E27FC236}">
+                <a16:creationId xmlns:a16="http://schemas.microsoft.com/office/drawing/2014/main" id="{9B85AAA8-68D2-E72A-AC56-C5C05C6DDC16}"/>
+              </a:ext>
+            </a:extLst>
+          </p:cNvPr>
+          <p:cNvSpPr txBox="1"/>
+          <p:nvPr/>
+        </p:nvSpPr>
+        <p:spPr>
+          <a:xfrm>
+            <a:off x="6075434" y="2810232"/>
+            <a:ext cx="1025444" cy="215444"/>
+          </a:xfrm>
+          <a:prstGeom prst="rect">
+            <a:avLst/>
+          </a:prstGeom>
+          <a:noFill/>
+        </p:spPr>
+        <p:txBody>
+          <a:bodyPr wrap="square" rtlCol="0">
+            <a:spAutoFit/>
+          </a:bodyPr>
+          <a:lstStyle/>
+          <a:p>
+            <a:r>
+              <a:rPr lang="de-CH" sz="800" b="1" dirty="0">
+                <a:latin typeface="Arial" panose="020B0604020202020204" pitchFamily="34" charset="0"/>
+                <a:cs typeface="Arial" panose="020B0604020202020204" pitchFamily="34" charset="0"/>
+              </a:rPr>
+              <a:t>ConcertData.js</a:t>
+            </a:r>
+          </a:p>
+        </p:txBody>
+      </p:sp>
+      <p:sp>
+        <p:nvSpPr>
+          <p:cNvPr id="51" name="Textfeld 50">
+            <a:extLst>
+              <a:ext uri="{FF2B5EF4-FFF2-40B4-BE49-F238E27FC236}">
+                <a16:creationId xmlns:a16="http://schemas.microsoft.com/office/drawing/2014/main" id="{7C47FD44-71DF-0036-8B9D-ED4AA384E6EE}"/>
+              </a:ext>
+            </a:extLst>
+          </p:cNvPr>
+          <p:cNvSpPr txBox="1"/>
+          <p:nvPr/>
+        </p:nvSpPr>
+        <p:spPr>
+          <a:xfrm>
+            <a:off x="5886967" y="3520654"/>
+            <a:ext cx="1180355" cy="461665"/>
+          </a:xfrm>
+          <a:prstGeom prst="rect">
+            <a:avLst/>
+          </a:prstGeom>
+          <a:noFill/>
+        </p:spPr>
+        <p:txBody>
+          <a:bodyPr wrap="square" rtlCol="0">
+            <a:spAutoFit/>
+          </a:bodyPr>
+          <a:lstStyle/>
+          <a:p>
+            <a:r>
+              <a:rPr lang="de-CH" sz="800" b="1" dirty="0">
+                <a:latin typeface="Arial" panose="020B0604020202020204" pitchFamily="34" charset="0"/>
+                <a:cs typeface="Arial" panose="020B0604020202020204" pitchFamily="34" charset="0"/>
+              </a:rPr>
+              <a:t>ConcertData.js</a:t>
+            </a:r>
+          </a:p>
+          <a:p>
+            <a:r>
+              <a:rPr lang="de-CH" sz="800" b="1" dirty="0">
+                <a:latin typeface="Arial" panose="020B0604020202020204" pitchFamily="34" charset="0"/>
+                <a:cs typeface="Arial" panose="020B0604020202020204" pitchFamily="34" charset="0"/>
+              </a:rPr>
+              <a:t>SeasonXml.js</a:t>
+            </a:r>
+          </a:p>
+          <a:p>
+            <a:r>
+              <a:rPr lang="de-CH" sz="800" b="1" dirty="0" err="1">
+                <a:latin typeface="Arial" panose="020B0604020202020204" pitchFamily="34" charset="0"/>
+                <a:cs typeface="Arial" panose="020B0604020202020204" pitchFamily="34" charset="0"/>
+              </a:rPr>
+              <a:t>QrCodeFilesXml,js</a:t>
+            </a:r>
+            <a:endParaRPr lang="de-CH" sz="800" b="1" dirty="0">
+              <a:latin typeface="Arial" panose="020B0604020202020204" pitchFamily="34" charset="0"/>
+              <a:cs typeface="Arial" panose="020B0604020202020204" pitchFamily="34" charset="0"/>
+            </a:endParaRPr>
+          </a:p>
+        </p:txBody>
+      </p:sp>
     </p:spTree>
     <p:extLst>
       <p:ext uri="{BB962C8B-B14F-4D97-AF65-F5344CB8AC3E}">

--- a/Descriptions/WwwQrCodeImages.pptx
+++ b/Descriptions/WwwQrCodeImages.pptx
@@ -2994,7 +2994,7 @@
         </p:nvSpPr>
         <p:spPr>
           <a:xfrm>
-            <a:off x="1036320" y="2166628"/>
+            <a:off x="1036320" y="2669968"/>
             <a:ext cx="3919728" cy="2893052"/>
           </a:xfrm>
           <a:prstGeom prst="rect">
@@ -3038,12 +3038,987 @@
           </a:p>
         </p:txBody>
       </p:sp>
+      <p:sp>
+        <p:nvSpPr>
+          <p:cNvPr id="7" name="Rechteck 6">
+            <a:extLst>
+              <a:ext uri="{FF2B5EF4-FFF2-40B4-BE49-F238E27FC236}">
+                <a16:creationId xmlns:a16="http://schemas.microsoft.com/office/drawing/2014/main" id="{9A61A60D-2FDE-533A-B5F4-429239D11023}"/>
+              </a:ext>
+            </a:extLst>
+          </p:cNvPr>
+          <p:cNvSpPr/>
+          <p:nvPr/>
+        </p:nvSpPr>
+        <p:spPr>
+          <a:xfrm>
+            <a:off x="6676743" y="2566336"/>
+            <a:ext cx="3919728" cy="2996684"/>
+          </a:xfrm>
+          <a:prstGeom prst="rect">
+            <a:avLst/>
+          </a:prstGeom>
+          <a:noFill/>
+          <a:ln>
+            <a:solidFill>
+              <a:schemeClr val="tx1"/>
+            </a:solidFill>
+          </a:ln>
+        </p:spPr>
+        <p:style>
+          <a:lnRef idx="2">
+            <a:schemeClr val="accent1">
+              <a:shade val="50000"/>
+            </a:schemeClr>
+          </a:lnRef>
+          <a:fillRef idx="1">
+            <a:schemeClr val="accent1"/>
+          </a:fillRef>
+          <a:effectRef idx="0">
+            <a:schemeClr val="accent1"/>
+          </a:effectRef>
+          <a:fontRef idx="minor">
+            <a:schemeClr val="lt1"/>
+          </a:fontRef>
+        </p:style>
+        <p:txBody>
+          <a:bodyPr rtlCol="0" anchor="ctr"/>
+          <a:lstStyle/>
+          <a:p>
+            <a:pPr algn="ctr"/>
+            <a:endParaRPr lang="de-CH" sz="1000" b="1" dirty="0">
+              <a:solidFill>
+                <a:schemeClr val="tx1"/>
+              </a:solidFill>
+              <a:latin typeface="Arial" panose="020B0604020202020204" pitchFamily="34" charset="0"/>
+              <a:cs typeface="Arial" panose="020B0604020202020204" pitchFamily="34" charset="0"/>
+            </a:endParaRPr>
+          </a:p>
+        </p:txBody>
+      </p:sp>
+      <p:sp>
+        <p:nvSpPr>
+          <p:cNvPr id="8" name="Textfeld 7">
+            <a:extLst>
+              <a:ext uri="{FF2B5EF4-FFF2-40B4-BE49-F238E27FC236}">
+                <a16:creationId xmlns:a16="http://schemas.microsoft.com/office/drawing/2014/main" id="{EEDEF138-DEC4-FA23-EFBD-977AE97D8DB3}"/>
+              </a:ext>
+            </a:extLst>
+          </p:cNvPr>
+          <p:cNvSpPr txBox="1"/>
+          <p:nvPr/>
+        </p:nvSpPr>
+        <p:spPr>
+          <a:xfrm>
+            <a:off x="1036319" y="2669968"/>
+            <a:ext cx="2593253" cy="230832"/>
+          </a:xfrm>
+          <a:prstGeom prst="rect">
+            <a:avLst/>
+          </a:prstGeom>
+          <a:noFill/>
+        </p:spPr>
+        <p:txBody>
+          <a:bodyPr wrap="square" rtlCol="0">
+            <a:spAutoFit/>
+          </a:bodyPr>
+          <a:lstStyle/>
+          <a:p>
+            <a:r>
+              <a:rPr lang="de-CH" sz="900" b="1" dirty="0" err="1">
+                <a:latin typeface="Arial" panose="020B0604020202020204" pitchFamily="34" charset="0"/>
+                <a:cs typeface="Arial" panose="020B0604020202020204" pitchFamily="34" charset="0"/>
+              </a:rPr>
+              <a:t>cl_div_supporter_card_front</a:t>
+            </a:r>
+            <a:r>
+              <a:rPr lang="de-CH" sz="900" b="1" dirty="0">
+                <a:latin typeface="Arial" panose="020B0604020202020204" pitchFamily="34" charset="0"/>
+                <a:cs typeface="Arial" panose="020B0604020202020204" pitchFamily="34" charset="0"/>
+              </a:rPr>
+              <a:t>  78 X 48 mm</a:t>
+            </a:r>
+          </a:p>
+        </p:txBody>
+      </p:sp>
+      <p:sp>
+        <p:nvSpPr>
+          <p:cNvPr id="9" name="Textfeld 8">
+            <a:extLst>
+              <a:ext uri="{FF2B5EF4-FFF2-40B4-BE49-F238E27FC236}">
+                <a16:creationId xmlns:a16="http://schemas.microsoft.com/office/drawing/2014/main" id="{63120305-67F4-1425-2085-63676B88AD87}"/>
+              </a:ext>
+            </a:extLst>
+          </p:cNvPr>
+          <p:cNvSpPr txBox="1"/>
+          <p:nvPr/>
+        </p:nvSpPr>
+        <p:spPr>
+          <a:xfrm>
+            <a:off x="6676742" y="2621200"/>
+            <a:ext cx="3076857" cy="230832"/>
+          </a:xfrm>
+          <a:prstGeom prst="rect">
+            <a:avLst/>
+          </a:prstGeom>
+          <a:noFill/>
+        </p:spPr>
+        <p:txBody>
+          <a:bodyPr wrap="square" rtlCol="0">
+            <a:spAutoFit/>
+          </a:bodyPr>
+          <a:lstStyle/>
+          <a:p>
+            <a:r>
+              <a:rPr lang="de-CH" sz="900" b="1" dirty="0" err="1">
+                <a:latin typeface="Arial" panose="020B0604020202020204" pitchFamily="34" charset="0"/>
+                <a:cs typeface="Arial" panose="020B0604020202020204" pitchFamily="34" charset="0"/>
+              </a:rPr>
+              <a:t>cl_div_supporter_card_reverse</a:t>
+            </a:r>
+            <a:r>
+              <a:rPr lang="de-CH" sz="900" b="1" dirty="0">
+                <a:latin typeface="Arial" panose="020B0604020202020204" pitchFamily="34" charset="0"/>
+                <a:cs typeface="Arial" panose="020B0604020202020204" pitchFamily="34" charset="0"/>
+              </a:rPr>
+              <a:t> 78 X 48 mm</a:t>
+            </a:r>
+          </a:p>
+        </p:txBody>
+      </p:sp>
+      <p:sp>
+        <p:nvSpPr>
+          <p:cNvPr id="10" name="Rechteck 9">
+            <a:extLst>
+              <a:ext uri="{FF2B5EF4-FFF2-40B4-BE49-F238E27FC236}">
+                <a16:creationId xmlns:a16="http://schemas.microsoft.com/office/drawing/2014/main" id="{81AD996F-B251-9CE6-29DE-D6A21FC4B5C0}"/>
+              </a:ext>
+            </a:extLst>
+          </p:cNvPr>
+          <p:cNvSpPr/>
+          <p:nvPr/>
+        </p:nvSpPr>
+        <p:spPr>
+          <a:xfrm>
+            <a:off x="1146048" y="2956480"/>
+            <a:ext cx="3718560" cy="310122"/>
+          </a:xfrm>
+          <a:prstGeom prst="rect">
+            <a:avLst/>
+          </a:prstGeom>
+          <a:noFill/>
+          <a:ln>
+            <a:solidFill>
+              <a:schemeClr val="tx1"/>
+            </a:solidFill>
+          </a:ln>
+        </p:spPr>
+        <p:style>
+          <a:lnRef idx="2">
+            <a:schemeClr val="accent1">
+              <a:shade val="50000"/>
+            </a:schemeClr>
+          </a:lnRef>
+          <a:fillRef idx="1">
+            <a:schemeClr val="accent1"/>
+          </a:fillRef>
+          <a:effectRef idx="0">
+            <a:schemeClr val="accent1"/>
+          </a:effectRef>
+          <a:fontRef idx="minor">
+            <a:schemeClr val="lt1"/>
+          </a:fontRef>
+        </p:style>
+        <p:txBody>
+          <a:bodyPr rtlCol="0" anchor="ctr"/>
+          <a:lstStyle/>
+          <a:p>
+            <a:pPr algn="ctr"/>
+            <a:endParaRPr lang="de-CH" sz="1000" b="1" dirty="0">
+              <a:solidFill>
+                <a:schemeClr val="tx1"/>
+              </a:solidFill>
+              <a:latin typeface="Arial" panose="020B0604020202020204" pitchFamily="34" charset="0"/>
+              <a:cs typeface="Arial" panose="020B0604020202020204" pitchFamily="34" charset="0"/>
+            </a:endParaRPr>
+          </a:p>
+        </p:txBody>
+      </p:sp>
+      <p:sp>
+        <p:nvSpPr>
+          <p:cNvPr id="11" name="Textfeld 10">
+            <a:extLst>
+              <a:ext uri="{FF2B5EF4-FFF2-40B4-BE49-F238E27FC236}">
+                <a16:creationId xmlns:a16="http://schemas.microsoft.com/office/drawing/2014/main" id="{2726B3D1-0C78-E55A-EEB0-419BFB8D98DE}"/>
+              </a:ext>
+            </a:extLst>
+          </p:cNvPr>
+          <p:cNvSpPr txBox="1"/>
+          <p:nvPr/>
+        </p:nvSpPr>
+        <p:spPr>
+          <a:xfrm>
+            <a:off x="1111889" y="2934686"/>
+            <a:ext cx="2593253" cy="230832"/>
+          </a:xfrm>
+          <a:prstGeom prst="rect">
+            <a:avLst/>
+          </a:prstGeom>
+          <a:noFill/>
+        </p:spPr>
+        <p:txBody>
+          <a:bodyPr wrap="square" rtlCol="0">
+            <a:spAutoFit/>
+          </a:bodyPr>
+          <a:lstStyle/>
+          <a:p>
+            <a:r>
+              <a:rPr lang="de-CH" sz="900" b="1" dirty="0">
+                <a:latin typeface="Arial" panose="020B0604020202020204" pitchFamily="34" charset="0"/>
+                <a:cs typeface="Arial" panose="020B0604020202020204" pitchFamily="34" charset="0"/>
+              </a:rPr>
+              <a:t>cl_div_supporter</a:t>
+            </a:r>
+            <a:r>
+              <a:rPr lang="de-CH" sz="900" b="1">
+                <a:latin typeface="Arial" panose="020B0604020202020204" pitchFamily="34" charset="0"/>
+                <a:cs typeface="Arial" panose="020B0604020202020204" pitchFamily="34" charset="0"/>
+              </a:rPr>
+              <a:t>_card_</a:t>
+            </a:r>
+            <a:r>
+              <a:rPr lang="de-CH" sz="900" b="1" dirty="0" err="1">
+                <a:latin typeface="Arial" panose="020B0604020202020204" pitchFamily="34" charset="0"/>
+                <a:cs typeface="Arial" panose="020B0604020202020204" pitchFamily="34" charset="0"/>
+              </a:rPr>
+              <a:t>logo</a:t>
+            </a:r>
+            <a:endParaRPr lang="de-CH" sz="900" b="1" dirty="0">
+              <a:latin typeface="Arial" panose="020B0604020202020204" pitchFamily="34" charset="0"/>
+              <a:cs typeface="Arial" panose="020B0604020202020204" pitchFamily="34" charset="0"/>
+            </a:endParaRPr>
+          </a:p>
+        </p:txBody>
+      </p:sp>
+      <p:sp>
+        <p:nvSpPr>
+          <p:cNvPr id="12" name="Rechteck 11">
+            <a:extLst>
+              <a:ext uri="{FF2B5EF4-FFF2-40B4-BE49-F238E27FC236}">
+                <a16:creationId xmlns:a16="http://schemas.microsoft.com/office/drawing/2014/main" id="{5B63D0F0-5E43-37A3-6DCE-E1B835A25B4C}"/>
+              </a:ext>
+            </a:extLst>
+          </p:cNvPr>
+          <p:cNvSpPr/>
+          <p:nvPr/>
+        </p:nvSpPr>
+        <p:spPr>
+          <a:xfrm>
+            <a:off x="1161024" y="3314370"/>
+            <a:ext cx="3718560" cy="310122"/>
+          </a:xfrm>
+          <a:prstGeom prst="rect">
+            <a:avLst/>
+          </a:prstGeom>
+          <a:noFill/>
+          <a:ln>
+            <a:solidFill>
+              <a:schemeClr val="tx1"/>
+            </a:solidFill>
+          </a:ln>
+        </p:spPr>
+        <p:style>
+          <a:lnRef idx="2">
+            <a:schemeClr val="accent1">
+              <a:shade val="50000"/>
+            </a:schemeClr>
+          </a:lnRef>
+          <a:fillRef idx="1">
+            <a:schemeClr val="accent1"/>
+          </a:fillRef>
+          <a:effectRef idx="0">
+            <a:schemeClr val="accent1"/>
+          </a:effectRef>
+          <a:fontRef idx="minor">
+            <a:schemeClr val="lt1"/>
+          </a:fontRef>
+        </p:style>
+        <p:txBody>
+          <a:bodyPr rtlCol="0" anchor="ctr"/>
+          <a:lstStyle/>
+          <a:p>
+            <a:pPr algn="ctr"/>
+            <a:endParaRPr lang="de-CH" sz="1000" b="1" dirty="0">
+              <a:solidFill>
+                <a:schemeClr val="tx1"/>
+              </a:solidFill>
+              <a:latin typeface="Arial" panose="020B0604020202020204" pitchFamily="34" charset="0"/>
+              <a:cs typeface="Arial" panose="020B0604020202020204" pitchFamily="34" charset="0"/>
+            </a:endParaRPr>
+          </a:p>
+        </p:txBody>
+      </p:sp>
+      <p:sp>
+        <p:nvSpPr>
+          <p:cNvPr id="13" name="Textfeld 12">
+            <a:extLst>
+              <a:ext uri="{FF2B5EF4-FFF2-40B4-BE49-F238E27FC236}">
+                <a16:creationId xmlns:a16="http://schemas.microsoft.com/office/drawing/2014/main" id="{9A9CCC90-41D9-F167-F613-3F072FAA5BF9}"/>
+              </a:ext>
+            </a:extLst>
+          </p:cNvPr>
+          <p:cNvSpPr txBox="1"/>
+          <p:nvPr/>
+        </p:nvSpPr>
+        <p:spPr>
+          <a:xfrm>
+            <a:off x="1161024" y="3296082"/>
+            <a:ext cx="2593253" cy="230832"/>
+          </a:xfrm>
+          <a:prstGeom prst="rect">
+            <a:avLst/>
+          </a:prstGeom>
+          <a:noFill/>
+        </p:spPr>
+        <p:txBody>
+          <a:bodyPr wrap="square" rtlCol="0">
+            <a:spAutoFit/>
+          </a:bodyPr>
+          <a:lstStyle/>
+          <a:p>
+            <a:r>
+              <a:rPr lang="de-CH" sz="900" b="1" dirty="0" err="1">
+                <a:latin typeface="Arial" panose="020B0604020202020204" pitchFamily="34" charset="0"/>
+                <a:cs typeface="Arial" panose="020B0604020202020204" pitchFamily="34" charset="0"/>
+              </a:rPr>
+              <a:t>cl_div_supporter_card_name</a:t>
+            </a:r>
+            <a:endParaRPr lang="de-CH" sz="900" b="1" dirty="0">
+              <a:latin typeface="Arial" panose="020B0604020202020204" pitchFamily="34" charset="0"/>
+              <a:cs typeface="Arial" panose="020B0604020202020204" pitchFamily="34" charset="0"/>
+            </a:endParaRPr>
+          </a:p>
+        </p:txBody>
+      </p:sp>
+      <p:sp>
+        <p:nvSpPr>
+          <p:cNvPr id="14" name="Rechteck 13">
+            <a:extLst>
+              <a:ext uri="{FF2B5EF4-FFF2-40B4-BE49-F238E27FC236}">
+                <a16:creationId xmlns:a16="http://schemas.microsoft.com/office/drawing/2014/main" id="{5A1230E4-8BEB-584B-8EDC-3CEDD409232D}"/>
+              </a:ext>
+            </a:extLst>
+          </p:cNvPr>
+          <p:cNvSpPr/>
+          <p:nvPr/>
+        </p:nvSpPr>
+        <p:spPr>
+          <a:xfrm>
+            <a:off x="1161024" y="3665327"/>
+            <a:ext cx="3718560" cy="1794061"/>
+          </a:xfrm>
+          <a:prstGeom prst="rect">
+            <a:avLst/>
+          </a:prstGeom>
+          <a:noFill/>
+          <a:ln>
+            <a:solidFill>
+              <a:schemeClr val="tx1"/>
+            </a:solidFill>
+          </a:ln>
+        </p:spPr>
+        <p:style>
+          <a:lnRef idx="2">
+            <a:schemeClr val="accent1">
+              <a:shade val="50000"/>
+            </a:schemeClr>
+          </a:lnRef>
+          <a:fillRef idx="1">
+            <a:schemeClr val="accent1"/>
+          </a:fillRef>
+          <a:effectRef idx="0">
+            <a:schemeClr val="accent1"/>
+          </a:effectRef>
+          <a:fontRef idx="minor">
+            <a:schemeClr val="lt1"/>
+          </a:fontRef>
+        </p:style>
+        <p:txBody>
+          <a:bodyPr rtlCol="0" anchor="ctr"/>
+          <a:lstStyle/>
+          <a:p>
+            <a:pPr algn="ctr"/>
+            <a:endParaRPr lang="de-CH" sz="1000" b="1" dirty="0">
+              <a:solidFill>
+                <a:schemeClr val="tx1"/>
+              </a:solidFill>
+              <a:latin typeface="Arial" panose="020B0604020202020204" pitchFamily="34" charset="0"/>
+              <a:cs typeface="Arial" panose="020B0604020202020204" pitchFamily="34" charset="0"/>
+            </a:endParaRPr>
+          </a:p>
+        </p:txBody>
+      </p:sp>
+      <p:sp>
+        <p:nvSpPr>
+          <p:cNvPr id="15" name="Textfeld 14">
+            <a:extLst>
+              <a:ext uri="{FF2B5EF4-FFF2-40B4-BE49-F238E27FC236}">
+                <a16:creationId xmlns:a16="http://schemas.microsoft.com/office/drawing/2014/main" id="{D6325553-BC9E-E12F-9A05-9A61D3BF051D}"/>
+              </a:ext>
+            </a:extLst>
+          </p:cNvPr>
+          <p:cNvSpPr txBox="1"/>
+          <p:nvPr/>
+        </p:nvSpPr>
+        <p:spPr>
+          <a:xfrm>
+            <a:off x="1161024" y="3665327"/>
+            <a:ext cx="2593253" cy="230832"/>
+          </a:xfrm>
+          <a:prstGeom prst="rect">
+            <a:avLst/>
+          </a:prstGeom>
+          <a:noFill/>
+        </p:spPr>
+        <p:txBody>
+          <a:bodyPr wrap="square" rtlCol="0">
+            <a:spAutoFit/>
+          </a:bodyPr>
+          <a:lstStyle/>
+          <a:p>
+            <a:r>
+              <a:rPr lang="de-CH" sz="900" b="1" dirty="0" err="1">
+                <a:latin typeface="Arial" panose="020B0604020202020204" pitchFamily="34" charset="0"/>
+                <a:cs typeface="Arial" panose="020B0604020202020204" pitchFamily="34" charset="0"/>
+              </a:rPr>
+              <a:t>cl_div_supporter_card_text_canvas</a:t>
+            </a:r>
+            <a:endParaRPr lang="de-CH" sz="900" b="1" dirty="0">
+              <a:latin typeface="Arial" panose="020B0604020202020204" pitchFamily="34" charset="0"/>
+              <a:cs typeface="Arial" panose="020B0604020202020204" pitchFamily="34" charset="0"/>
+            </a:endParaRPr>
+          </a:p>
+        </p:txBody>
+      </p:sp>
+      <p:sp>
+        <p:nvSpPr>
+          <p:cNvPr id="16" name="Rechteck 15">
+            <a:extLst>
+              <a:ext uri="{FF2B5EF4-FFF2-40B4-BE49-F238E27FC236}">
+                <a16:creationId xmlns:a16="http://schemas.microsoft.com/office/drawing/2014/main" id="{2BC134D5-E1BD-66DD-C017-5B238538DEBA}"/>
+              </a:ext>
+            </a:extLst>
+          </p:cNvPr>
+          <p:cNvSpPr/>
+          <p:nvPr/>
+        </p:nvSpPr>
+        <p:spPr>
+          <a:xfrm>
+            <a:off x="1221984" y="3950628"/>
+            <a:ext cx="1576080" cy="1411224"/>
+          </a:xfrm>
+          <a:prstGeom prst="rect">
+            <a:avLst/>
+          </a:prstGeom>
+          <a:noFill/>
+          <a:ln>
+            <a:solidFill>
+              <a:schemeClr val="tx1"/>
+            </a:solidFill>
+          </a:ln>
+        </p:spPr>
+        <p:style>
+          <a:lnRef idx="2">
+            <a:schemeClr val="accent1">
+              <a:shade val="50000"/>
+            </a:schemeClr>
+          </a:lnRef>
+          <a:fillRef idx="1">
+            <a:schemeClr val="accent1"/>
+          </a:fillRef>
+          <a:effectRef idx="0">
+            <a:schemeClr val="accent1"/>
+          </a:effectRef>
+          <a:fontRef idx="minor">
+            <a:schemeClr val="lt1"/>
+          </a:fontRef>
+        </p:style>
+        <p:txBody>
+          <a:bodyPr rtlCol="0" anchor="ctr"/>
+          <a:lstStyle/>
+          <a:p>
+            <a:pPr algn="ctr"/>
+            <a:endParaRPr lang="de-CH" sz="1000" b="1" dirty="0">
+              <a:solidFill>
+                <a:schemeClr val="tx1"/>
+              </a:solidFill>
+              <a:latin typeface="Arial" panose="020B0604020202020204" pitchFamily="34" charset="0"/>
+              <a:cs typeface="Arial" panose="020B0604020202020204" pitchFamily="34" charset="0"/>
+            </a:endParaRPr>
+          </a:p>
+        </p:txBody>
+      </p:sp>
+      <p:sp>
+        <p:nvSpPr>
+          <p:cNvPr id="17" name="Rechteck 16">
+            <a:extLst>
+              <a:ext uri="{FF2B5EF4-FFF2-40B4-BE49-F238E27FC236}">
+                <a16:creationId xmlns:a16="http://schemas.microsoft.com/office/drawing/2014/main" id="{BA89520A-F0EE-1C0C-417B-BDBE4EE933DF}"/>
+              </a:ext>
+            </a:extLst>
+          </p:cNvPr>
+          <p:cNvSpPr/>
+          <p:nvPr/>
+        </p:nvSpPr>
+        <p:spPr>
+          <a:xfrm>
+            <a:off x="2855712" y="3944531"/>
+            <a:ext cx="1946280" cy="1411224"/>
+          </a:xfrm>
+          <a:prstGeom prst="rect">
+            <a:avLst/>
+          </a:prstGeom>
+          <a:noFill/>
+          <a:ln>
+            <a:solidFill>
+              <a:schemeClr val="tx1"/>
+            </a:solidFill>
+          </a:ln>
+        </p:spPr>
+        <p:style>
+          <a:lnRef idx="2">
+            <a:schemeClr val="accent1">
+              <a:shade val="50000"/>
+            </a:schemeClr>
+          </a:lnRef>
+          <a:fillRef idx="1">
+            <a:schemeClr val="accent1"/>
+          </a:fillRef>
+          <a:effectRef idx="0">
+            <a:schemeClr val="accent1"/>
+          </a:effectRef>
+          <a:fontRef idx="minor">
+            <a:schemeClr val="lt1"/>
+          </a:fontRef>
+        </p:style>
+        <p:txBody>
+          <a:bodyPr rtlCol="0" anchor="ctr"/>
+          <a:lstStyle/>
+          <a:p>
+            <a:pPr algn="ctr"/>
+            <a:endParaRPr lang="de-CH" sz="1000" b="1" dirty="0">
+              <a:solidFill>
+                <a:schemeClr val="tx1"/>
+              </a:solidFill>
+              <a:latin typeface="Arial" panose="020B0604020202020204" pitchFamily="34" charset="0"/>
+              <a:cs typeface="Arial" panose="020B0604020202020204" pitchFamily="34" charset="0"/>
+            </a:endParaRPr>
+          </a:p>
+        </p:txBody>
+      </p:sp>
+      <p:sp>
+        <p:nvSpPr>
+          <p:cNvPr id="18" name="Textfeld 17">
+            <a:extLst>
+              <a:ext uri="{FF2B5EF4-FFF2-40B4-BE49-F238E27FC236}">
+                <a16:creationId xmlns:a16="http://schemas.microsoft.com/office/drawing/2014/main" id="{2C9233CF-6A0D-A5F0-B64A-6A84376F43B1}"/>
+              </a:ext>
+            </a:extLst>
+          </p:cNvPr>
+          <p:cNvSpPr txBox="1"/>
+          <p:nvPr/>
+        </p:nvSpPr>
+        <p:spPr>
+          <a:xfrm>
+            <a:off x="1154929" y="3960567"/>
+            <a:ext cx="1901952" cy="230832"/>
+          </a:xfrm>
+          <a:prstGeom prst="rect">
+            <a:avLst/>
+          </a:prstGeom>
+          <a:noFill/>
+        </p:spPr>
+        <p:txBody>
+          <a:bodyPr wrap="square" rtlCol="0">
+            <a:spAutoFit/>
+          </a:bodyPr>
+          <a:lstStyle/>
+          <a:p>
+            <a:r>
+              <a:rPr lang="de-CH" sz="900" b="1" dirty="0" err="1">
+                <a:latin typeface="Arial" panose="020B0604020202020204" pitchFamily="34" charset="0"/>
+                <a:cs typeface="Arial" panose="020B0604020202020204" pitchFamily="34" charset="0"/>
+              </a:rPr>
+              <a:t>cl_div_supporter_card_text</a:t>
+            </a:r>
+            <a:endParaRPr lang="de-CH" sz="900" b="1" dirty="0">
+              <a:latin typeface="Arial" panose="020B0604020202020204" pitchFamily="34" charset="0"/>
+              <a:cs typeface="Arial" panose="020B0604020202020204" pitchFamily="34" charset="0"/>
+            </a:endParaRPr>
+          </a:p>
+        </p:txBody>
+      </p:sp>
+      <p:sp>
+        <p:nvSpPr>
+          <p:cNvPr id="19" name="Textfeld 18">
+            <a:extLst>
+              <a:ext uri="{FF2B5EF4-FFF2-40B4-BE49-F238E27FC236}">
+                <a16:creationId xmlns:a16="http://schemas.microsoft.com/office/drawing/2014/main" id="{108C5F41-34C2-7E6F-EA11-E7A18353F18E}"/>
+              </a:ext>
+            </a:extLst>
+          </p:cNvPr>
+          <p:cNvSpPr txBox="1"/>
+          <p:nvPr/>
+        </p:nvSpPr>
+        <p:spPr>
+          <a:xfrm>
+            <a:off x="2805816" y="3926489"/>
+            <a:ext cx="2198472" cy="230832"/>
+          </a:xfrm>
+          <a:prstGeom prst="rect">
+            <a:avLst/>
+          </a:prstGeom>
+          <a:noFill/>
+        </p:spPr>
+        <p:txBody>
+          <a:bodyPr wrap="square" rtlCol="0">
+            <a:spAutoFit/>
+          </a:bodyPr>
+          <a:lstStyle/>
+          <a:p>
+            <a:r>
+              <a:rPr lang="de-CH" sz="900" b="1" dirty="0" err="1">
+                <a:latin typeface="Arial" panose="020B0604020202020204" pitchFamily="34" charset="0"/>
+                <a:cs typeface="Arial" panose="020B0604020202020204" pitchFamily="34" charset="0"/>
+              </a:rPr>
+              <a:t>cl_div_supporter_card_qr_image</a:t>
+            </a:r>
+            <a:endParaRPr lang="de-CH" sz="900" b="1" dirty="0">
+              <a:latin typeface="Arial" panose="020B0604020202020204" pitchFamily="34" charset="0"/>
+              <a:cs typeface="Arial" panose="020B0604020202020204" pitchFamily="34" charset="0"/>
+            </a:endParaRPr>
+          </a:p>
+        </p:txBody>
+      </p:sp>
+      <p:sp>
+        <p:nvSpPr>
+          <p:cNvPr id="20" name="Rechteck 19">
+            <a:extLst>
+              <a:ext uri="{FF2B5EF4-FFF2-40B4-BE49-F238E27FC236}">
+                <a16:creationId xmlns:a16="http://schemas.microsoft.com/office/drawing/2014/main" id="{8E6C58B6-A689-554D-A1C0-8C3695019631}"/>
+              </a:ext>
+            </a:extLst>
+          </p:cNvPr>
+          <p:cNvSpPr/>
+          <p:nvPr/>
+        </p:nvSpPr>
+        <p:spPr>
+          <a:xfrm>
+            <a:off x="2922767" y="4193896"/>
+            <a:ext cx="1791845" cy="1082612"/>
+          </a:xfrm>
+          <a:prstGeom prst="rect">
+            <a:avLst/>
+          </a:prstGeom>
+          <a:noFill/>
+          <a:ln>
+            <a:solidFill>
+              <a:schemeClr val="tx1"/>
+            </a:solidFill>
+          </a:ln>
+        </p:spPr>
+        <p:style>
+          <a:lnRef idx="2">
+            <a:schemeClr val="accent1">
+              <a:shade val="50000"/>
+            </a:schemeClr>
+          </a:lnRef>
+          <a:fillRef idx="1">
+            <a:schemeClr val="accent1"/>
+          </a:fillRef>
+          <a:effectRef idx="0">
+            <a:schemeClr val="accent1"/>
+          </a:effectRef>
+          <a:fontRef idx="minor">
+            <a:schemeClr val="lt1"/>
+          </a:fontRef>
+        </p:style>
+        <p:txBody>
+          <a:bodyPr rtlCol="0" anchor="ctr"/>
+          <a:lstStyle/>
+          <a:p>
+            <a:pPr algn="ctr"/>
+            <a:endParaRPr lang="de-CH" sz="1000" b="1" dirty="0">
+              <a:solidFill>
+                <a:schemeClr val="tx1"/>
+              </a:solidFill>
+              <a:latin typeface="Arial" panose="020B0604020202020204" pitchFamily="34" charset="0"/>
+              <a:cs typeface="Arial" panose="020B0604020202020204" pitchFamily="34" charset="0"/>
+            </a:endParaRPr>
+          </a:p>
+        </p:txBody>
+      </p:sp>
+      <p:sp>
+        <p:nvSpPr>
+          <p:cNvPr id="21" name="Textfeld 20">
+            <a:extLst>
+              <a:ext uri="{FF2B5EF4-FFF2-40B4-BE49-F238E27FC236}">
+                <a16:creationId xmlns:a16="http://schemas.microsoft.com/office/drawing/2014/main" id="{E34F62EE-6928-CB73-C959-0165B47D20CE}"/>
+              </a:ext>
+            </a:extLst>
+          </p:cNvPr>
+          <p:cNvSpPr txBox="1"/>
+          <p:nvPr/>
+        </p:nvSpPr>
+        <p:spPr>
+          <a:xfrm>
+            <a:off x="2876184" y="4232234"/>
+            <a:ext cx="1988424" cy="369332"/>
+          </a:xfrm>
+          <a:prstGeom prst="rect">
+            <a:avLst/>
+          </a:prstGeom>
+          <a:noFill/>
+        </p:spPr>
+        <p:txBody>
+          <a:bodyPr wrap="square" rtlCol="0">
+            <a:spAutoFit/>
+          </a:bodyPr>
+          <a:lstStyle/>
+          <a:p>
+            <a:r>
+              <a:rPr lang="de-CH" sz="900" b="1" dirty="0" err="1">
+                <a:latin typeface="Arial" panose="020B0604020202020204" pitchFamily="34" charset="0"/>
+                <a:cs typeface="Arial" panose="020B0604020202020204" pitchFamily="34" charset="0"/>
+              </a:rPr>
+              <a:t>id_supporter_card_qr_image</a:t>
+            </a:r>
+            <a:endParaRPr lang="de-CH" sz="900" b="1" dirty="0">
+              <a:latin typeface="Arial" panose="020B0604020202020204" pitchFamily="34" charset="0"/>
+              <a:cs typeface="Arial" panose="020B0604020202020204" pitchFamily="34" charset="0"/>
+            </a:endParaRPr>
+          </a:p>
+          <a:p>
+            <a:r>
+              <a:rPr lang="de-CH" sz="900" b="1" dirty="0" err="1">
+                <a:latin typeface="Arial" panose="020B0604020202020204" pitchFamily="34" charset="0"/>
+                <a:cs typeface="Arial" panose="020B0604020202020204" pitchFamily="34" charset="0"/>
+              </a:rPr>
+              <a:t>cl_supporter_card_qr_image</a:t>
+            </a:r>
+            <a:endParaRPr lang="de-CH" sz="900" b="1" dirty="0">
+              <a:latin typeface="Arial" panose="020B0604020202020204" pitchFamily="34" charset="0"/>
+              <a:cs typeface="Arial" panose="020B0604020202020204" pitchFamily="34" charset="0"/>
+            </a:endParaRPr>
+          </a:p>
+        </p:txBody>
+      </p:sp>
+      <p:sp>
+        <p:nvSpPr>
+          <p:cNvPr id="22" name="Rechteck 21">
+            <a:extLst>
+              <a:ext uri="{FF2B5EF4-FFF2-40B4-BE49-F238E27FC236}">
+                <a16:creationId xmlns:a16="http://schemas.microsoft.com/office/drawing/2014/main" id="{DAA13049-6140-1AD7-9768-53AAF04F3D24}"/>
+              </a:ext>
+            </a:extLst>
+          </p:cNvPr>
+          <p:cNvSpPr/>
+          <p:nvPr/>
+        </p:nvSpPr>
+        <p:spPr>
+          <a:xfrm>
+            <a:off x="6801447" y="2852031"/>
+            <a:ext cx="3701961" cy="1108535"/>
+          </a:xfrm>
+          <a:prstGeom prst="rect">
+            <a:avLst/>
+          </a:prstGeom>
+          <a:noFill/>
+          <a:ln>
+            <a:solidFill>
+              <a:schemeClr val="tx1"/>
+            </a:solidFill>
+          </a:ln>
+        </p:spPr>
+        <p:style>
+          <a:lnRef idx="2">
+            <a:schemeClr val="accent1">
+              <a:shade val="50000"/>
+            </a:schemeClr>
+          </a:lnRef>
+          <a:fillRef idx="1">
+            <a:schemeClr val="accent1"/>
+          </a:fillRef>
+          <a:effectRef idx="0">
+            <a:schemeClr val="accent1"/>
+          </a:effectRef>
+          <a:fontRef idx="minor">
+            <a:schemeClr val="lt1"/>
+          </a:fontRef>
+        </p:style>
+        <p:txBody>
+          <a:bodyPr rtlCol="0" anchor="ctr"/>
+          <a:lstStyle/>
+          <a:p>
+            <a:pPr algn="ctr"/>
+            <a:endParaRPr lang="de-CH" sz="1000" b="1" dirty="0">
+              <a:solidFill>
+                <a:schemeClr val="tx1"/>
+              </a:solidFill>
+              <a:latin typeface="Arial" panose="020B0604020202020204" pitchFamily="34" charset="0"/>
+              <a:cs typeface="Arial" panose="020B0604020202020204" pitchFamily="34" charset="0"/>
+            </a:endParaRPr>
+          </a:p>
+        </p:txBody>
+      </p:sp>
+      <p:sp>
+        <p:nvSpPr>
+          <p:cNvPr id="23" name="Textfeld 22">
+            <a:extLst>
+              <a:ext uri="{FF2B5EF4-FFF2-40B4-BE49-F238E27FC236}">
+                <a16:creationId xmlns:a16="http://schemas.microsoft.com/office/drawing/2014/main" id="{B450436E-9A0B-D1FD-9C1B-F3CDC49918AD}"/>
+              </a:ext>
+            </a:extLst>
+          </p:cNvPr>
+          <p:cNvSpPr txBox="1"/>
+          <p:nvPr/>
+        </p:nvSpPr>
+        <p:spPr>
+          <a:xfrm>
+            <a:off x="6752313" y="2900800"/>
+            <a:ext cx="3076857" cy="230832"/>
+          </a:xfrm>
+          <a:prstGeom prst="rect">
+            <a:avLst/>
+          </a:prstGeom>
+          <a:noFill/>
+        </p:spPr>
+        <p:txBody>
+          <a:bodyPr wrap="square" rtlCol="0">
+            <a:spAutoFit/>
+          </a:bodyPr>
+          <a:lstStyle/>
+          <a:p>
+            <a:r>
+              <a:rPr lang="de-CH" sz="900" b="1" dirty="0" err="1">
+                <a:latin typeface="Arial" panose="020B0604020202020204" pitchFamily="34" charset="0"/>
+                <a:cs typeface="Arial" panose="020B0604020202020204" pitchFamily="34" charset="0"/>
+              </a:rPr>
+              <a:t>cl_div_supporter_card_reverse_text</a:t>
+            </a:r>
+            <a:endParaRPr lang="de-CH" sz="900" b="1" dirty="0">
+              <a:latin typeface="Arial" panose="020B0604020202020204" pitchFamily="34" charset="0"/>
+              <a:cs typeface="Arial" panose="020B0604020202020204" pitchFamily="34" charset="0"/>
+            </a:endParaRPr>
+          </a:p>
+        </p:txBody>
+      </p:sp>
+      <p:sp>
+        <p:nvSpPr>
+          <p:cNvPr id="24" name="Rechteck 23">
+            <a:extLst>
+              <a:ext uri="{FF2B5EF4-FFF2-40B4-BE49-F238E27FC236}">
+                <a16:creationId xmlns:a16="http://schemas.microsoft.com/office/drawing/2014/main" id="{55097D92-56F1-9588-8019-B181B9291453}"/>
+              </a:ext>
+            </a:extLst>
+          </p:cNvPr>
+          <p:cNvSpPr/>
+          <p:nvPr/>
+        </p:nvSpPr>
+        <p:spPr>
+          <a:xfrm>
+            <a:off x="6801447" y="4112172"/>
+            <a:ext cx="3701961" cy="1310431"/>
+          </a:xfrm>
+          <a:prstGeom prst="rect">
+            <a:avLst/>
+          </a:prstGeom>
+          <a:noFill/>
+          <a:ln>
+            <a:solidFill>
+              <a:schemeClr val="tx1"/>
+            </a:solidFill>
+          </a:ln>
+        </p:spPr>
+        <p:style>
+          <a:lnRef idx="2">
+            <a:schemeClr val="accent1">
+              <a:shade val="50000"/>
+            </a:schemeClr>
+          </a:lnRef>
+          <a:fillRef idx="1">
+            <a:schemeClr val="accent1"/>
+          </a:fillRef>
+          <a:effectRef idx="0">
+            <a:schemeClr val="accent1"/>
+          </a:effectRef>
+          <a:fontRef idx="minor">
+            <a:schemeClr val="lt1"/>
+          </a:fontRef>
+        </p:style>
+        <p:txBody>
+          <a:bodyPr rtlCol="0" anchor="ctr"/>
+          <a:lstStyle/>
+          <a:p>
+            <a:pPr algn="ctr"/>
+            <a:endParaRPr lang="de-CH" sz="1000" b="1" dirty="0">
+              <a:solidFill>
+                <a:schemeClr val="tx1"/>
+              </a:solidFill>
+              <a:latin typeface="Arial" panose="020B0604020202020204" pitchFamily="34" charset="0"/>
+              <a:cs typeface="Arial" panose="020B0604020202020204" pitchFamily="34" charset="0"/>
+            </a:endParaRPr>
+          </a:p>
+        </p:txBody>
+      </p:sp>
+      <p:sp>
+        <p:nvSpPr>
+          <p:cNvPr id="25" name="Textfeld 24">
+            <a:extLst>
+              <a:ext uri="{FF2B5EF4-FFF2-40B4-BE49-F238E27FC236}">
+                <a16:creationId xmlns:a16="http://schemas.microsoft.com/office/drawing/2014/main" id="{9E0763B3-F99B-D9BA-CF1D-4595F5ABB37A}"/>
+              </a:ext>
+            </a:extLst>
+          </p:cNvPr>
+          <p:cNvSpPr txBox="1"/>
+          <p:nvPr/>
+        </p:nvSpPr>
+        <p:spPr>
+          <a:xfrm>
+            <a:off x="6801447" y="4186068"/>
+            <a:ext cx="3076857" cy="230832"/>
+          </a:xfrm>
+          <a:prstGeom prst="rect">
+            <a:avLst/>
+          </a:prstGeom>
+          <a:noFill/>
+        </p:spPr>
+        <p:txBody>
+          <a:bodyPr wrap="square" rtlCol="0">
+            <a:spAutoFit/>
+          </a:bodyPr>
+          <a:lstStyle/>
+          <a:p>
+            <a:r>
+              <a:rPr lang="de-CH" sz="900" b="1" dirty="0" err="1">
+                <a:latin typeface="Arial" panose="020B0604020202020204" pitchFamily="34" charset="0"/>
+                <a:cs typeface="Arial" panose="020B0604020202020204" pitchFamily="34" charset="0"/>
+              </a:rPr>
+              <a:t>cl_div_supporter_card_reverse_qr_show</a:t>
+            </a:r>
+            <a:endParaRPr lang="de-CH" sz="900" b="1" dirty="0">
+              <a:latin typeface="Arial" panose="020B0604020202020204" pitchFamily="34" charset="0"/>
+              <a:cs typeface="Arial" panose="020B0604020202020204" pitchFamily="34" charset="0"/>
+            </a:endParaRPr>
+          </a:p>
+        </p:txBody>
+      </p:sp>
       <p:pic>
         <p:nvPicPr>
-          <p:cNvPr id="5" name="Grafik 4">
-            <a:extLst>
-              <a:ext uri="{FF2B5EF4-FFF2-40B4-BE49-F238E27FC236}">
-                <a16:creationId xmlns:a16="http://schemas.microsoft.com/office/drawing/2014/main" id="{29F95C88-7E5B-AEC2-94C4-CA4C36CD6E16}"/>
+          <p:cNvPr id="29" name="Grafik 28">
+            <a:extLst>
+              <a:ext uri="{FF2B5EF4-FFF2-40B4-BE49-F238E27FC236}">
+                <a16:creationId xmlns:a16="http://schemas.microsoft.com/office/drawing/2014/main" id="{351E1D6B-8C58-E938-5AB5-C4617A450C84}"/>
               </a:ext>
             </a:extLst>
           </p:cNvPr>
@@ -3060,8 +4035,8 @@
         </p:blipFill>
         <p:spPr>
           <a:xfrm>
-            <a:off x="1723678" y="183868"/>
-            <a:ext cx="2593253" cy="1665918"/>
+            <a:off x="7165178" y="346273"/>
+            <a:ext cx="2942857" cy="1838095"/>
           </a:xfrm>
           <a:prstGeom prst="rect">
             <a:avLst/>
@@ -3070,10 +4045,10 @@
       </p:pic>
       <p:pic>
         <p:nvPicPr>
-          <p:cNvPr id="6" name="Grafik 5">
-            <a:extLst>
-              <a:ext uri="{FF2B5EF4-FFF2-40B4-BE49-F238E27FC236}">
-                <a16:creationId xmlns:a16="http://schemas.microsoft.com/office/drawing/2014/main" id="{73B7A236-8144-B638-A505-9DA7FCC381F1}"/>
+          <p:cNvPr id="31" name="Grafik 30">
+            <a:extLst>
+              <a:ext uri="{FF2B5EF4-FFF2-40B4-BE49-F238E27FC236}">
+                <a16:creationId xmlns:a16="http://schemas.microsoft.com/office/drawing/2014/main" id="{F5B4C2B2-C2AE-12FB-5891-DED8FB8FBD69}"/>
               </a:ext>
             </a:extLst>
           </p:cNvPr>
@@ -3090,989 +4065,14 @@
         </p:blipFill>
         <p:spPr>
           <a:xfrm>
-            <a:off x="7339981" y="175884"/>
-            <a:ext cx="2593253" cy="1681886"/>
+            <a:off x="1524375" y="393867"/>
+            <a:ext cx="2961905" cy="1847619"/>
           </a:xfrm>
           <a:prstGeom prst="rect">
             <a:avLst/>
           </a:prstGeom>
         </p:spPr>
       </p:pic>
-      <p:sp>
-        <p:nvSpPr>
-          <p:cNvPr id="7" name="Rechteck 6">
-            <a:extLst>
-              <a:ext uri="{FF2B5EF4-FFF2-40B4-BE49-F238E27FC236}">
-                <a16:creationId xmlns:a16="http://schemas.microsoft.com/office/drawing/2014/main" id="{9A61A60D-2FDE-533A-B5F4-429239D11023}"/>
-              </a:ext>
-            </a:extLst>
-          </p:cNvPr>
-          <p:cNvSpPr/>
-          <p:nvPr/>
-        </p:nvSpPr>
-        <p:spPr>
-          <a:xfrm>
-            <a:off x="6676743" y="2062996"/>
-            <a:ext cx="3919728" cy="2996684"/>
-          </a:xfrm>
-          <a:prstGeom prst="rect">
-            <a:avLst/>
-          </a:prstGeom>
-          <a:noFill/>
-          <a:ln>
-            <a:solidFill>
-              <a:schemeClr val="tx1"/>
-            </a:solidFill>
-          </a:ln>
-        </p:spPr>
-        <p:style>
-          <a:lnRef idx="2">
-            <a:schemeClr val="accent1">
-              <a:shade val="50000"/>
-            </a:schemeClr>
-          </a:lnRef>
-          <a:fillRef idx="1">
-            <a:schemeClr val="accent1"/>
-          </a:fillRef>
-          <a:effectRef idx="0">
-            <a:schemeClr val="accent1"/>
-          </a:effectRef>
-          <a:fontRef idx="minor">
-            <a:schemeClr val="lt1"/>
-          </a:fontRef>
-        </p:style>
-        <p:txBody>
-          <a:bodyPr rtlCol="0" anchor="ctr"/>
-          <a:lstStyle/>
-          <a:p>
-            <a:pPr algn="ctr"/>
-            <a:endParaRPr lang="de-CH" sz="1000" b="1" dirty="0">
-              <a:solidFill>
-                <a:schemeClr val="tx1"/>
-              </a:solidFill>
-              <a:latin typeface="Arial" panose="020B0604020202020204" pitchFamily="34" charset="0"/>
-              <a:cs typeface="Arial" panose="020B0604020202020204" pitchFamily="34" charset="0"/>
-            </a:endParaRPr>
-          </a:p>
-        </p:txBody>
-      </p:sp>
-      <p:sp>
-        <p:nvSpPr>
-          <p:cNvPr id="8" name="Textfeld 7">
-            <a:extLst>
-              <a:ext uri="{FF2B5EF4-FFF2-40B4-BE49-F238E27FC236}">
-                <a16:creationId xmlns:a16="http://schemas.microsoft.com/office/drawing/2014/main" id="{EEDEF138-DEC4-FA23-EFBD-977AE97D8DB3}"/>
-              </a:ext>
-            </a:extLst>
-          </p:cNvPr>
-          <p:cNvSpPr txBox="1"/>
-          <p:nvPr/>
-        </p:nvSpPr>
-        <p:spPr>
-          <a:xfrm>
-            <a:off x="1036319" y="2166628"/>
-            <a:ext cx="2593253" cy="230832"/>
-          </a:xfrm>
-          <a:prstGeom prst="rect">
-            <a:avLst/>
-          </a:prstGeom>
-          <a:noFill/>
-        </p:spPr>
-        <p:txBody>
-          <a:bodyPr wrap="square" rtlCol="0">
-            <a:spAutoFit/>
-          </a:bodyPr>
-          <a:lstStyle/>
-          <a:p>
-            <a:r>
-              <a:rPr lang="de-CH" sz="900" b="1" dirty="0" err="1">
-                <a:latin typeface="Arial" panose="020B0604020202020204" pitchFamily="34" charset="0"/>
-                <a:cs typeface="Arial" panose="020B0604020202020204" pitchFamily="34" charset="0"/>
-              </a:rPr>
-              <a:t>cl_div_supporter_card_front</a:t>
-            </a:r>
-            <a:r>
-              <a:rPr lang="de-CH" sz="900" b="1" dirty="0">
-                <a:latin typeface="Arial" panose="020B0604020202020204" pitchFamily="34" charset="0"/>
-                <a:cs typeface="Arial" panose="020B0604020202020204" pitchFamily="34" charset="0"/>
-              </a:rPr>
-              <a:t>  78 X 48 mm</a:t>
-            </a:r>
-          </a:p>
-        </p:txBody>
-      </p:sp>
-      <p:sp>
-        <p:nvSpPr>
-          <p:cNvPr id="9" name="Textfeld 8">
-            <a:extLst>
-              <a:ext uri="{FF2B5EF4-FFF2-40B4-BE49-F238E27FC236}">
-                <a16:creationId xmlns:a16="http://schemas.microsoft.com/office/drawing/2014/main" id="{63120305-67F4-1425-2085-63676B88AD87}"/>
-              </a:ext>
-            </a:extLst>
-          </p:cNvPr>
-          <p:cNvSpPr txBox="1"/>
-          <p:nvPr/>
-        </p:nvSpPr>
-        <p:spPr>
-          <a:xfrm>
-            <a:off x="6676742" y="2117860"/>
-            <a:ext cx="3076857" cy="230832"/>
-          </a:xfrm>
-          <a:prstGeom prst="rect">
-            <a:avLst/>
-          </a:prstGeom>
-          <a:noFill/>
-        </p:spPr>
-        <p:txBody>
-          <a:bodyPr wrap="square" rtlCol="0">
-            <a:spAutoFit/>
-          </a:bodyPr>
-          <a:lstStyle/>
-          <a:p>
-            <a:r>
-              <a:rPr lang="de-CH" sz="900" b="1" dirty="0" err="1">
-                <a:latin typeface="Arial" panose="020B0604020202020204" pitchFamily="34" charset="0"/>
-                <a:cs typeface="Arial" panose="020B0604020202020204" pitchFamily="34" charset="0"/>
-              </a:rPr>
-              <a:t>cl_div_supporter_card_reverse</a:t>
-            </a:r>
-            <a:r>
-              <a:rPr lang="de-CH" sz="900" b="1" dirty="0">
-                <a:latin typeface="Arial" panose="020B0604020202020204" pitchFamily="34" charset="0"/>
-                <a:cs typeface="Arial" panose="020B0604020202020204" pitchFamily="34" charset="0"/>
-              </a:rPr>
-              <a:t> 78 X 48 mm</a:t>
-            </a:r>
-          </a:p>
-        </p:txBody>
-      </p:sp>
-      <p:sp>
-        <p:nvSpPr>
-          <p:cNvPr id="10" name="Rechteck 9">
-            <a:extLst>
-              <a:ext uri="{FF2B5EF4-FFF2-40B4-BE49-F238E27FC236}">
-                <a16:creationId xmlns:a16="http://schemas.microsoft.com/office/drawing/2014/main" id="{81AD996F-B251-9CE6-29DE-D6A21FC4B5C0}"/>
-              </a:ext>
-            </a:extLst>
-          </p:cNvPr>
-          <p:cNvSpPr/>
-          <p:nvPr/>
-        </p:nvSpPr>
-        <p:spPr>
-          <a:xfrm>
-            <a:off x="1146048" y="2453140"/>
-            <a:ext cx="3718560" cy="310122"/>
-          </a:xfrm>
-          <a:prstGeom prst="rect">
-            <a:avLst/>
-          </a:prstGeom>
-          <a:noFill/>
-          <a:ln>
-            <a:solidFill>
-              <a:schemeClr val="tx1"/>
-            </a:solidFill>
-          </a:ln>
-        </p:spPr>
-        <p:style>
-          <a:lnRef idx="2">
-            <a:schemeClr val="accent1">
-              <a:shade val="50000"/>
-            </a:schemeClr>
-          </a:lnRef>
-          <a:fillRef idx="1">
-            <a:schemeClr val="accent1"/>
-          </a:fillRef>
-          <a:effectRef idx="0">
-            <a:schemeClr val="accent1"/>
-          </a:effectRef>
-          <a:fontRef idx="minor">
-            <a:schemeClr val="lt1"/>
-          </a:fontRef>
-        </p:style>
-        <p:txBody>
-          <a:bodyPr rtlCol="0" anchor="ctr"/>
-          <a:lstStyle/>
-          <a:p>
-            <a:pPr algn="ctr"/>
-            <a:endParaRPr lang="de-CH" sz="1000" b="1" dirty="0">
-              <a:solidFill>
-                <a:schemeClr val="tx1"/>
-              </a:solidFill>
-              <a:latin typeface="Arial" panose="020B0604020202020204" pitchFamily="34" charset="0"/>
-              <a:cs typeface="Arial" panose="020B0604020202020204" pitchFamily="34" charset="0"/>
-            </a:endParaRPr>
-          </a:p>
-        </p:txBody>
-      </p:sp>
-      <p:sp>
-        <p:nvSpPr>
-          <p:cNvPr id="11" name="Textfeld 10">
-            <a:extLst>
-              <a:ext uri="{FF2B5EF4-FFF2-40B4-BE49-F238E27FC236}">
-                <a16:creationId xmlns:a16="http://schemas.microsoft.com/office/drawing/2014/main" id="{2726B3D1-0C78-E55A-EEB0-419BFB8D98DE}"/>
-              </a:ext>
-            </a:extLst>
-          </p:cNvPr>
-          <p:cNvSpPr txBox="1"/>
-          <p:nvPr/>
-        </p:nvSpPr>
-        <p:spPr>
-          <a:xfrm>
-            <a:off x="1111889" y="2431346"/>
-            <a:ext cx="2593253" cy="230832"/>
-          </a:xfrm>
-          <a:prstGeom prst="rect">
-            <a:avLst/>
-          </a:prstGeom>
-          <a:noFill/>
-        </p:spPr>
-        <p:txBody>
-          <a:bodyPr wrap="square" rtlCol="0">
-            <a:spAutoFit/>
-          </a:bodyPr>
-          <a:lstStyle/>
-          <a:p>
-            <a:r>
-              <a:rPr lang="de-CH" sz="900" b="1" dirty="0">
-                <a:latin typeface="Arial" panose="020B0604020202020204" pitchFamily="34" charset="0"/>
-                <a:cs typeface="Arial" panose="020B0604020202020204" pitchFamily="34" charset="0"/>
-              </a:rPr>
-              <a:t>cl_div_supporter</a:t>
-            </a:r>
-            <a:r>
-              <a:rPr lang="de-CH" sz="900" b="1">
-                <a:latin typeface="Arial" panose="020B0604020202020204" pitchFamily="34" charset="0"/>
-                <a:cs typeface="Arial" panose="020B0604020202020204" pitchFamily="34" charset="0"/>
-              </a:rPr>
-              <a:t>_card_</a:t>
-            </a:r>
-            <a:r>
-              <a:rPr lang="de-CH" sz="900" b="1" dirty="0" err="1">
-                <a:latin typeface="Arial" panose="020B0604020202020204" pitchFamily="34" charset="0"/>
-                <a:cs typeface="Arial" panose="020B0604020202020204" pitchFamily="34" charset="0"/>
-              </a:rPr>
-              <a:t>logo</a:t>
-            </a:r>
-            <a:endParaRPr lang="de-CH" sz="900" b="1" dirty="0">
-              <a:latin typeface="Arial" panose="020B0604020202020204" pitchFamily="34" charset="0"/>
-              <a:cs typeface="Arial" panose="020B0604020202020204" pitchFamily="34" charset="0"/>
-            </a:endParaRPr>
-          </a:p>
-        </p:txBody>
-      </p:sp>
-      <p:sp>
-        <p:nvSpPr>
-          <p:cNvPr id="12" name="Rechteck 11">
-            <a:extLst>
-              <a:ext uri="{FF2B5EF4-FFF2-40B4-BE49-F238E27FC236}">
-                <a16:creationId xmlns:a16="http://schemas.microsoft.com/office/drawing/2014/main" id="{5B63D0F0-5E43-37A3-6DCE-E1B835A25B4C}"/>
-              </a:ext>
-            </a:extLst>
-          </p:cNvPr>
-          <p:cNvSpPr/>
-          <p:nvPr/>
-        </p:nvSpPr>
-        <p:spPr>
-          <a:xfrm>
-            <a:off x="1161024" y="2811030"/>
-            <a:ext cx="3718560" cy="310122"/>
-          </a:xfrm>
-          <a:prstGeom prst="rect">
-            <a:avLst/>
-          </a:prstGeom>
-          <a:noFill/>
-          <a:ln>
-            <a:solidFill>
-              <a:schemeClr val="tx1"/>
-            </a:solidFill>
-          </a:ln>
-        </p:spPr>
-        <p:style>
-          <a:lnRef idx="2">
-            <a:schemeClr val="accent1">
-              <a:shade val="50000"/>
-            </a:schemeClr>
-          </a:lnRef>
-          <a:fillRef idx="1">
-            <a:schemeClr val="accent1"/>
-          </a:fillRef>
-          <a:effectRef idx="0">
-            <a:schemeClr val="accent1"/>
-          </a:effectRef>
-          <a:fontRef idx="minor">
-            <a:schemeClr val="lt1"/>
-          </a:fontRef>
-        </p:style>
-        <p:txBody>
-          <a:bodyPr rtlCol="0" anchor="ctr"/>
-          <a:lstStyle/>
-          <a:p>
-            <a:pPr algn="ctr"/>
-            <a:endParaRPr lang="de-CH" sz="1000" b="1" dirty="0">
-              <a:solidFill>
-                <a:schemeClr val="tx1"/>
-              </a:solidFill>
-              <a:latin typeface="Arial" panose="020B0604020202020204" pitchFamily="34" charset="0"/>
-              <a:cs typeface="Arial" panose="020B0604020202020204" pitchFamily="34" charset="0"/>
-            </a:endParaRPr>
-          </a:p>
-        </p:txBody>
-      </p:sp>
-      <p:sp>
-        <p:nvSpPr>
-          <p:cNvPr id="13" name="Textfeld 12">
-            <a:extLst>
-              <a:ext uri="{FF2B5EF4-FFF2-40B4-BE49-F238E27FC236}">
-                <a16:creationId xmlns:a16="http://schemas.microsoft.com/office/drawing/2014/main" id="{9A9CCC90-41D9-F167-F613-3F072FAA5BF9}"/>
-              </a:ext>
-            </a:extLst>
-          </p:cNvPr>
-          <p:cNvSpPr txBox="1"/>
-          <p:nvPr/>
-        </p:nvSpPr>
-        <p:spPr>
-          <a:xfrm>
-            <a:off x="1161024" y="2792742"/>
-            <a:ext cx="2593253" cy="230832"/>
-          </a:xfrm>
-          <a:prstGeom prst="rect">
-            <a:avLst/>
-          </a:prstGeom>
-          <a:noFill/>
-        </p:spPr>
-        <p:txBody>
-          <a:bodyPr wrap="square" rtlCol="0">
-            <a:spAutoFit/>
-          </a:bodyPr>
-          <a:lstStyle/>
-          <a:p>
-            <a:r>
-              <a:rPr lang="de-CH" sz="900" b="1" dirty="0" err="1">
-                <a:latin typeface="Arial" panose="020B0604020202020204" pitchFamily="34" charset="0"/>
-                <a:cs typeface="Arial" panose="020B0604020202020204" pitchFamily="34" charset="0"/>
-              </a:rPr>
-              <a:t>cl_div_supporter_card_name</a:t>
-            </a:r>
-            <a:endParaRPr lang="de-CH" sz="900" b="1" dirty="0">
-              <a:latin typeface="Arial" panose="020B0604020202020204" pitchFamily="34" charset="0"/>
-              <a:cs typeface="Arial" panose="020B0604020202020204" pitchFamily="34" charset="0"/>
-            </a:endParaRPr>
-          </a:p>
-        </p:txBody>
-      </p:sp>
-      <p:sp>
-        <p:nvSpPr>
-          <p:cNvPr id="14" name="Rechteck 13">
-            <a:extLst>
-              <a:ext uri="{FF2B5EF4-FFF2-40B4-BE49-F238E27FC236}">
-                <a16:creationId xmlns:a16="http://schemas.microsoft.com/office/drawing/2014/main" id="{5A1230E4-8BEB-584B-8EDC-3CEDD409232D}"/>
-              </a:ext>
-            </a:extLst>
-          </p:cNvPr>
-          <p:cNvSpPr/>
-          <p:nvPr/>
-        </p:nvSpPr>
-        <p:spPr>
-          <a:xfrm>
-            <a:off x="1161024" y="3161987"/>
-            <a:ext cx="3718560" cy="1794061"/>
-          </a:xfrm>
-          <a:prstGeom prst="rect">
-            <a:avLst/>
-          </a:prstGeom>
-          <a:noFill/>
-          <a:ln>
-            <a:solidFill>
-              <a:schemeClr val="tx1"/>
-            </a:solidFill>
-          </a:ln>
-        </p:spPr>
-        <p:style>
-          <a:lnRef idx="2">
-            <a:schemeClr val="accent1">
-              <a:shade val="50000"/>
-            </a:schemeClr>
-          </a:lnRef>
-          <a:fillRef idx="1">
-            <a:schemeClr val="accent1"/>
-          </a:fillRef>
-          <a:effectRef idx="0">
-            <a:schemeClr val="accent1"/>
-          </a:effectRef>
-          <a:fontRef idx="minor">
-            <a:schemeClr val="lt1"/>
-          </a:fontRef>
-        </p:style>
-        <p:txBody>
-          <a:bodyPr rtlCol="0" anchor="ctr"/>
-          <a:lstStyle/>
-          <a:p>
-            <a:pPr algn="ctr"/>
-            <a:endParaRPr lang="de-CH" sz="1000" b="1" dirty="0">
-              <a:solidFill>
-                <a:schemeClr val="tx1"/>
-              </a:solidFill>
-              <a:latin typeface="Arial" panose="020B0604020202020204" pitchFamily="34" charset="0"/>
-              <a:cs typeface="Arial" panose="020B0604020202020204" pitchFamily="34" charset="0"/>
-            </a:endParaRPr>
-          </a:p>
-        </p:txBody>
-      </p:sp>
-      <p:sp>
-        <p:nvSpPr>
-          <p:cNvPr id="15" name="Textfeld 14">
-            <a:extLst>
-              <a:ext uri="{FF2B5EF4-FFF2-40B4-BE49-F238E27FC236}">
-                <a16:creationId xmlns:a16="http://schemas.microsoft.com/office/drawing/2014/main" id="{D6325553-BC9E-E12F-9A05-9A61D3BF051D}"/>
-              </a:ext>
-            </a:extLst>
-          </p:cNvPr>
-          <p:cNvSpPr txBox="1"/>
-          <p:nvPr/>
-        </p:nvSpPr>
-        <p:spPr>
-          <a:xfrm>
-            <a:off x="1161024" y="3161987"/>
-            <a:ext cx="2593253" cy="230832"/>
-          </a:xfrm>
-          <a:prstGeom prst="rect">
-            <a:avLst/>
-          </a:prstGeom>
-          <a:noFill/>
-        </p:spPr>
-        <p:txBody>
-          <a:bodyPr wrap="square" rtlCol="0">
-            <a:spAutoFit/>
-          </a:bodyPr>
-          <a:lstStyle/>
-          <a:p>
-            <a:r>
-              <a:rPr lang="de-CH" sz="900" b="1" dirty="0" err="1">
-                <a:latin typeface="Arial" panose="020B0604020202020204" pitchFamily="34" charset="0"/>
-                <a:cs typeface="Arial" panose="020B0604020202020204" pitchFamily="34" charset="0"/>
-              </a:rPr>
-              <a:t>cl_div_supporter_card_text_canvas</a:t>
-            </a:r>
-            <a:endParaRPr lang="de-CH" sz="900" b="1" dirty="0">
-              <a:latin typeface="Arial" panose="020B0604020202020204" pitchFamily="34" charset="0"/>
-              <a:cs typeface="Arial" panose="020B0604020202020204" pitchFamily="34" charset="0"/>
-            </a:endParaRPr>
-          </a:p>
-        </p:txBody>
-      </p:sp>
-      <p:sp>
-        <p:nvSpPr>
-          <p:cNvPr id="16" name="Rechteck 15">
-            <a:extLst>
-              <a:ext uri="{FF2B5EF4-FFF2-40B4-BE49-F238E27FC236}">
-                <a16:creationId xmlns:a16="http://schemas.microsoft.com/office/drawing/2014/main" id="{2BC134D5-E1BD-66DD-C017-5B238538DEBA}"/>
-              </a:ext>
-            </a:extLst>
-          </p:cNvPr>
-          <p:cNvSpPr/>
-          <p:nvPr/>
-        </p:nvSpPr>
-        <p:spPr>
-          <a:xfrm>
-            <a:off x="1221984" y="3447288"/>
-            <a:ext cx="1576080" cy="1411224"/>
-          </a:xfrm>
-          <a:prstGeom prst="rect">
-            <a:avLst/>
-          </a:prstGeom>
-          <a:noFill/>
-          <a:ln>
-            <a:solidFill>
-              <a:schemeClr val="tx1"/>
-            </a:solidFill>
-          </a:ln>
-        </p:spPr>
-        <p:style>
-          <a:lnRef idx="2">
-            <a:schemeClr val="accent1">
-              <a:shade val="50000"/>
-            </a:schemeClr>
-          </a:lnRef>
-          <a:fillRef idx="1">
-            <a:schemeClr val="accent1"/>
-          </a:fillRef>
-          <a:effectRef idx="0">
-            <a:schemeClr val="accent1"/>
-          </a:effectRef>
-          <a:fontRef idx="minor">
-            <a:schemeClr val="lt1"/>
-          </a:fontRef>
-        </p:style>
-        <p:txBody>
-          <a:bodyPr rtlCol="0" anchor="ctr"/>
-          <a:lstStyle/>
-          <a:p>
-            <a:pPr algn="ctr"/>
-            <a:endParaRPr lang="de-CH" sz="1000" b="1" dirty="0">
-              <a:solidFill>
-                <a:schemeClr val="tx1"/>
-              </a:solidFill>
-              <a:latin typeface="Arial" panose="020B0604020202020204" pitchFamily="34" charset="0"/>
-              <a:cs typeface="Arial" panose="020B0604020202020204" pitchFamily="34" charset="0"/>
-            </a:endParaRPr>
-          </a:p>
-        </p:txBody>
-      </p:sp>
-      <p:sp>
-        <p:nvSpPr>
-          <p:cNvPr id="17" name="Rechteck 16">
-            <a:extLst>
-              <a:ext uri="{FF2B5EF4-FFF2-40B4-BE49-F238E27FC236}">
-                <a16:creationId xmlns:a16="http://schemas.microsoft.com/office/drawing/2014/main" id="{BA89520A-F0EE-1C0C-417B-BDBE4EE933DF}"/>
-              </a:ext>
-            </a:extLst>
-          </p:cNvPr>
-          <p:cNvSpPr/>
-          <p:nvPr/>
-        </p:nvSpPr>
-        <p:spPr>
-          <a:xfrm>
-            <a:off x="2855712" y="3441191"/>
-            <a:ext cx="1946280" cy="1411224"/>
-          </a:xfrm>
-          <a:prstGeom prst="rect">
-            <a:avLst/>
-          </a:prstGeom>
-          <a:noFill/>
-          <a:ln>
-            <a:solidFill>
-              <a:schemeClr val="tx1"/>
-            </a:solidFill>
-          </a:ln>
-        </p:spPr>
-        <p:style>
-          <a:lnRef idx="2">
-            <a:schemeClr val="accent1">
-              <a:shade val="50000"/>
-            </a:schemeClr>
-          </a:lnRef>
-          <a:fillRef idx="1">
-            <a:schemeClr val="accent1"/>
-          </a:fillRef>
-          <a:effectRef idx="0">
-            <a:schemeClr val="accent1"/>
-          </a:effectRef>
-          <a:fontRef idx="minor">
-            <a:schemeClr val="lt1"/>
-          </a:fontRef>
-        </p:style>
-        <p:txBody>
-          <a:bodyPr rtlCol="0" anchor="ctr"/>
-          <a:lstStyle/>
-          <a:p>
-            <a:pPr algn="ctr"/>
-            <a:endParaRPr lang="de-CH" sz="1000" b="1" dirty="0">
-              <a:solidFill>
-                <a:schemeClr val="tx1"/>
-              </a:solidFill>
-              <a:latin typeface="Arial" panose="020B0604020202020204" pitchFamily="34" charset="0"/>
-              <a:cs typeface="Arial" panose="020B0604020202020204" pitchFamily="34" charset="0"/>
-            </a:endParaRPr>
-          </a:p>
-        </p:txBody>
-      </p:sp>
-      <p:sp>
-        <p:nvSpPr>
-          <p:cNvPr id="18" name="Textfeld 17">
-            <a:extLst>
-              <a:ext uri="{FF2B5EF4-FFF2-40B4-BE49-F238E27FC236}">
-                <a16:creationId xmlns:a16="http://schemas.microsoft.com/office/drawing/2014/main" id="{2C9233CF-6A0D-A5F0-B64A-6A84376F43B1}"/>
-              </a:ext>
-            </a:extLst>
-          </p:cNvPr>
-          <p:cNvSpPr txBox="1"/>
-          <p:nvPr/>
-        </p:nvSpPr>
-        <p:spPr>
-          <a:xfrm>
-            <a:off x="1154929" y="3457227"/>
-            <a:ext cx="1901952" cy="230832"/>
-          </a:xfrm>
-          <a:prstGeom prst="rect">
-            <a:avLst/>
-          </a:prstGeom>
-          <a:noFill/>
-        </p:spPr>
-        <p:txBody>
-          <a:bodyPr wrap="square" rtlCol="0">
-            <a:spAutoFit/>
-          </a:bodyPr>
-          <a:lstStyle/>
-          <a:p>
-            <a:r>
-              <a:rPr lang="de-CH" sz="900" b="1" dirty="0" err="1">
-                <a:latin typeface="Arial" panose="020B0604020202020204" pitchFamily="34" charset="0"/>
-                <a:cs typeface="Arial" panose="020B0604020202020204" pitchFamily="34" charset="0"/>
-              </a:rPr>
-              <a:t>cl_div_supporter_card_text</a:t>
-            </a:r>
-            <a:endParaRPr lang="de-CH" sz="900" b="1" dirty="0">
-              <a:latin typeface="Arial" panose="020B0604020202020204" pitchFamily="34" charset="0"/>
-              <a:cs typeface="Arial" panose="020B0604020202020204" pitchFamily="34" charset="0"/>
-            </a:endParaRPr>
-          </a:p>
-        </p:txBody>
-      </p:sp>
-      <p:sp>
-        <p:nvSpPr>
-          <p:cNvPr id="19" name="Textfeld 18">
-            <a:extLst>
-              <a:ext uri="{FF2B5EF4-FFF2-40B4-BE49-F238E27FC236}">
-                <a16:creationId xmlns:a16="http://schemas.microsoft.com/office/drawing/2014/main" id="{108C5F41-34C2-7E6F-EA11-E7A18353F18E}"/>
-              </a:ext>
-            </a:extLst>
-          </p:cNvPr>
-          <p:cNvSpPr txBox="1"/>
-          <p:nvPr/>
-        </p:nvSpPr>
-        <p:spPr>
-          <a:xfrm>
-            <a:off x="2805816" y="3423149"/>
-            <a:ext cx="2198472" cy="230832"/>
-          </a:xfrm>
-          <a:prstGeom prst="rect">
-            <a:avLst/>
-          </a:prstGeom>
-          <a:noFill/>
-        </p:spPr>
-        <p:txBody>
-          <a:bodyPr wrap="square" rtlCol="0">
-            <a:spAutoFit/>
-          </a:bodyPr>
-          <a:lstStyle/>
-          <a:p>
-            <a:r>
-              <a:rPr lang="de-CH" sz="900" b="1" dirty="0" err="1">
-                <a:latin typeface="Arial" panose="020B0604020202020204" pitchFamily="34" charset="0"/>
-                <a:cs typeface="Arial" panose="020B0604020202020204" pitchFamily="34" charset="0"/>
-              </a:rPr>
-              <a:t>cl_div_supporter_card_qr_canvas</a:t>
-            </a:r>
-            <a:endParaRPr lang="de-CH" sz="900" b="1" dirty="0">
-              <a:latin typeface="Arial" panose="020B0604020202020204" pitchFamily="34" charset="0"/>
-              <a:cs typeface="Arial" panose="020B0604020202020204" pitchFamily="34" charset="0"/>
-            </a:endParaRPr>
-          </a:p>
-        </p:txBody>
-      </p:sp>
-      <p:sp>
-        <p:nvSpPr>
-          <p:cNvPr id="20" name="Rechteck 19">
-            <a:extLst>
-              <a:ext uri="{FF2B5EF4-FFF2-40B4-BE49-F238E27FC236}">
-                <a16:creationId xmlns:a16="http://schemas.microsoft.com/office/drawing/2014/main" id="{8E6C58B6-A689-554D-A1C0-8C3695019631}"/>
-              </a:ext>
-            </a:extLst>
-          </p:cNvPr>
-          <p:cNvSpPr/>
-          <p:nvPr/>
-        </p:nvSpPr>
-        <p:spPr>
-          <a:xfrm>
-            <a:off x="2922767" y="3690556"/>
-            <a:ext cx="1791845" cy="1082612"/>
-          </a:xfrm>
-          <a:prstGeom prst="rect">
-            <a:avLst/>
-          </a:prstGeom>
-          <a:noFill/>
-          <a:ln>
-            <a:solidFill>
-              <a:schemeClr val="tx1"/>
-            </a:solidFill>
-          </a:ln>
-        </p:spPr>
-        <p:style>
-          <a:lnRef idx="2">
-            <a:schemeClr val="accent1">
-              <a:shade val="50000"/>
-            </a:schemeClr>
-          </a:lnRef>
-          <a:fillRef idx="1">
-            <a:schemeClr val="accent1"/>
-          </a:fillRef>
-          <a:effectRef idx="0">
-            <a:schemeClr val="accent1"/>
-          </a:effectRef>
-          <a:fontRef idx="minor">
-            <a:schemeClr val="lt1"/>
-          </a:fontRef>
-        </p:style>
-        <p:txBody>
-          <a:bodyPr rtlCol="0" anchor="ctr"/>
-          <a:lstStyle/>
-          <a:p>
-            <a:pPr algn="ctr"/>
-            <a:endParaRPr lang="de-CH" sz="1000" b="1" dirty="0">
-              <a:solidFill>
-                <a:schemeClr val="tx1"/>
-              </a:solidFill>
-              <a:latin typeface="Arial" panose="020B0604020202020204" pitchFamily="34" charset="0"/>
-              <a:cs typeface="Arial" panose="020B0604020202020204" pitchFamily="34" charset="0"/>
-            </a:endParaRPr>
-          </a:p>
-        </p:txBody>
-      </p:sp>
-      <p:sp>
-        <p:nvSpPr>
-          <p:cNvPr id="21" name="Textfeld 20">
-            <a:extLst>
-              <a:ext uri="{FF2B5EF4-FFF2-40B4-BE49-F238E27FC236}">
-                <a16:creationId xmlns:a16="http://schemas.microsoft.com/office/drawing/2014/main" id="{E34F62EE-6928-CB73-C959-0165B47D20CE}"/>
-              </a:ext>
-            </a:extLst>
-          </p:cNvPr>
-          <p:cNvSpPr txBox="1"/>
-          <p:nvPr/>
-        </p:nvSpPr>
-        <p:spPr>
-          <a:xfrm>
-            <a:off x="2876184" y="3728894"/>
-            <a:ext cx="1988424" cy="369332"/>
-          </a:xfrm>
-          <a:prstGeom prst="rect">
-            <a:avLst/>
-          </a:prstGeom>
-          <a:noFill/>
-        </p:spPr>
-        <p:txBody>
-          <a:bodyPr wrap="square" rtlCol="0">
-            <a:spAutoFit/>
-          </a:bodyPr>
-          <a:lstStyle/>
-          <a:p>
-            <a:r>
-              <a:rPr lang="de-CH" sz="900" b="1" dirty="0" err="1">
-                <a:latin typeface="Arial" panose="020B0604020202020204" pitchFamily="34" charset="0"/>
-                <a:cs typeface="Arial" panose="020B0604020202020204" pitchFamily="34" charset="0"/>
-              </a:rPr>
-              <a:t>id_supporter_card_qr_canvas</a:t>
-            </a:r>
-            <a:endParaRPr lang="de-CH" sz="900" b="1" dirty="0">
-              <a:latin typeface="Arial" panose="020B0604020202020204" pitchFamily="34" charset="0"/>
-              <a:cs typeface="Arial" panose="020B0604020202020204" pitchFamily="34" charset="0"/>
-            </a:endParaRPr>
-          </a:p>
-          <a:p>
-            <a:r>
-              <a:rPr lang="de-CH" sz="900" b="1" dirty="0" err="1">
-                <a:latin typeface="Arial" panose="020B0604020202020204" pitchFamily="34" charset="0"/>
-                <a:cs typeface="Arial" panose="020B0604020202020204" pitchFamily="34" charset="0"/>
-              </a:rPr>
-              <a:t>cl_supporter_card_qr_canvas</a:t>
-            </a:r>
-            <a:endParaRPr lang="de-CH" sz="900" b="1" dirty="0">
-              <a:latin typeface="Arial" panose="020B0604020202020204" pitchFamily="34" charset="0"/>
-              <a:cs typeface="Arial" panose="020B0604020202020204" pitchFamily="34" charset="0"/>
-            </a:endParaRPr>
-          </a:p>
-        </p:txBody>
-      </p:sp>
-      <p:sp>
-        <p:nvSpPr>
-          <p:cNvPr id="22" name="Rechteck 21">
-            <a:extLst>
-              <a:ext uri="{FF2B5EF4-FFF2-40B4-BE49-F238E27FC236}">
-                <a16:creationId xmlns:a16="http://schemas.microsoft.com/office/drawing/2014/main" id="{DAA13049-6140-1AD7-9768-53AAF04F3D24}"/>
-              </a:ext>
-            </a:extLst>
-          </p:cNvPr>
-          <p:cNvSpPr/>
-          <p:nvPr/>
-        </p:nvSpPr>
-        <p:spPr>
-          <a:xfrm>
-            <a:off x="6801447" y="2348691"/>
-            <a:ext cx="3701961" cy="1108535"/>
-          </a:xfrm>
-          <a:prstGeom prst="rect">
-            <a:avLst/>
-          </a:prstGeom>
-          <a:noFill/>
-          <a:ln>
-            <a:solidFill>
-              <a:schemeClr val="tx1"/>
-            </a:solidFill>
-          </a:ln>
-        </p:spPr>
-        <p:style>
-          <a:lnRef idx="2">
-            <a:schemeClr val="accent1">
-              <a:shade val="50000"/>
-            </a:schemeClr>
-          </a:lnRef>
-          <a:fillRef idx="1">
-            <a:schemeClr val="accent1"/>
-          </a:fillRef>
-          <a:effectRef idx="0">
-            <a:schemeClr val="accent1"/>
-          </a:effectRef>
-          <a:fontRef idx="minor">
-            <a:schemeClr val="lt1"/>
-          </a:fontRef>
-        </p:style>
-        <p:txBody>
-          <a:bodyPr rtlCol="0" anchor="ctr"/>
-          <a:lstStyle/>
-          <a:p>
-            <a:pPr algn="ctr"/>
-            <a:endParaRPr lang="de-CH" sz="1000" b="1" dirty="0">
-              <a:solidFill>
-                <a:schemeClr val="tx1"/>
-              </a:solidFill>
-              <a:latin typeface="Arial" panose="020B0604020202020204" pitchFamily="34" charset="0"/>
-              <a:cs typeface="Arial" panose="020B0604020202020204" pitchFamily="34" charset="0"/>
-            </a:endParaRPr>
-          </a:p>
-        </p:txBody>
-      </p:sp>
-      <p:sp>
-        <p:nvSpPr>
-          <p:cNvPr id="23" name="Textfeld 22">
-            <a:extLst>
-              <a:ext uri="{FF2B5EF4-FFF2-40B4-BE49-F238E27FC236}">
-                <a16:creationId xmlns:a16="http://schemas.microsoft.com/office/drawing/2014/main" id="{B450436E-9A0B-D1FD-9C1B-F3CDC49918AD}"/>
-              </a:ext>
-            </a:extLst>
-          </p:cNvPr>
-          <p:cNvSpPr txBox="1"/>
-          <p:nvPr/>
-        </p:nvSpPr>
-        <p:spPr>
-          <a:xfrm>
-            <a:off x="6752313" y="2397460"/>
-            <a:ext cx="3076857" cy="230832"/>
-          </a:xfrm>
-          <a:prstGeom prst="rect">
-            <a:avLst/>
-          </a:prstGeom>
-          <a:noFill/>
-        </p:spPr>
-        <p:txBody>
-          <a:bodyPr wrap="square" rtlCol="0">
-            <a:spAutoFit/>
-          </a:bodyPr>
-          <a:lstStyle/>
-          <a:p>
-            <a:r>
-              <a:rPr lang="de-CH" sz="900" b="1" dirty="0" err="1">
-                <a:latin typeface="Arial" panose="020B0604020202020204" pitchFamily="34" charset="0"/>
-                <a:cs typeface="Arial" panose="020B0604020202020204" pitchFamily="34" charset="0"/>
-              </a:rPr>
-              <a:t>cl_div_supporter_card_reverse_text</a:t>
-            </a:r>
-            <a:endParaRPr lang="de-CH" sz="900" b="1" dirty="0">
-              <a:latin typeface="Arial" panose="020B0604020202020204" pitchFamily="34" charset="0"/>
-              <a:cs typeface="Arial" panose="020B0604020202020204" pitchFamily="34" charset="0"/>
-            </a:endParaRPr>
-          </a:p>
-        </p:txBody>
-      </p:sp>
-      <p:sp>
-        <p:nvSpPr>
-          <p:cNvPr id="24" name="Rechteck 23">
-            <a:extLst>
-              <a:ext uri="{FF2B5EF4-FFF2-40B4-BE49-F238E27FC236}">
-                <a16:creationId xmlns:a16="http://schemas.microsoft.com/office/drawing/2014/main" id="{55097D92-56F1-9588-8019-B181B9291453}"/>
-              </a:ext>
-            </a:extLst>
-          </p:cNvPr>
-          <p:cNvSpPr/>
-          <p:nvPr/>
-        </p:nvSpPr>
-        <p:spPr>
-          <a:xfrm>
-            <a:off x="6801447" y="3608832"/>
-            <a:ext cx="3701961" cy="1310431"/>
-          </a:xfrm>
-          <a:prstGeom prst="rect">
-            <a:avLst/>
-          </a:prstGeom>
-          <a:noFill/>
-          <a:ln>
-            <a:solidFill>
-              <a:schemeClr val="tx1"/>
-            </a:solidFill>
-          </a:ln>
-        </p:spPr>
-        <p:style>
-          <a:lnRef idx="2">
-            <a:schemeClr val="accent1">
-              <a:shade val="50000"/>
-            </a:schemeClr>
-          </a:lnRef>
-          <a:fillRef idx="1">
-            <a:schemeClr val="accent1"/>
-          </a:fillRef>
-          <a:effectRef idx="0">
-            <a:schemeClr val="accent1"/>
-          </a:effectRef>
-          <a:fontRef idx="minor">
-            <a:schemeClr val="lt1"/>
-          </a:fontRef>
-        </p:style>
-        <p:txBody>
-          <a:bodyPr rtlCol="0" anchor="ctr"/>
-          <a:lstStyle/>
-          <a:p>
-            <a:pPr algn="ctr"/>
-            <a:endParaRPr lang="de-CH" sz="1000" b="1" dirty="0">
-              <a:solidFill>
-                <a:schemeClr val="tx1"/>
-              </a:solidFill>
-              <a:latin typeface="Arial" panose="020B0604020202020204" pitchFamily="34" charset="0"/>
-              <a:cs typeface="Arial" panose="020B0604020202020204" pitchFamily="34" charset="0"/>
-            </a:endParaRPr>
-          </a:p>
-        </p:txBody>
-      </p:sp>
-      <p:sp>
-        <p:nvSpPr>
-          <p:cNvPr id="25" name="Textfeld 24">
-            <a:extLst>
-              <a:ext uri="{FF2B5EF4-FFF2-40B4-BE49-F238E27FC236}">
-                <a16:creationId xmlns:a16="http://schemas.microsoft.com/office/drawing/2014/main" id="{9E0763B3-F99B-D9BA-CF1D-4595F5ABB37A}"/>
-              </a:ext>
-            </a:extLst>
-          </p:cNvPr>
-          <p:cNvSpPr txBox="1"/>
-          <p:nvPr/>
-        </p:nvSpPr>
-        <p:spPr>
-          <a:xfrm>
-            <a:off x="6801447" y="3682728"/>
-            <a:ext cx="3076857" cy="230832"/>
-          </a:xfrm>
-          <a:prstGeom prst="rect">
-            <a:avLst/>
-          </a:prstGeom>
-          <a:noFill/>
-        </p:spPr>
-        <p:txBody>
-          <a:bodyPr wrap="square" rtlCol="0">
-            <a:spAutoFit/>
-          </a:bodyPr>
-          <a:lstStyle/>
-          <a:p>
-            <a:r>
-              <a:rPr lang="de-CH" sz="900" b="1" dirty="0" err="1">
-                <a:latin typeface="Arial" panose="020B0604020202020204" pitchFamily="34" charset="0"/>
-                <a:cs typeface="Arial" panose="020B0604020202020204" pitchFamily="34" charset="0"/>
-              </a:rPr>
-              <a:t>cl_div_supporter_card_reverse_qr_show</a:t>
-            </a:r>
-            <a:endParaRPr lang="de-CH" sz="900" b="1" dirty="0">
-              <a:latin typeface="Arial" panose="020B0604020202020204" pitchFamily="34" charset="0"/>
-              <a:cs typeface="Arial" panose="020B0604020202020204" pitchFamily="34" charset="0"/>
-            </a:endParaRPr>
-          </a:p>
-        </p:txBody>
-      </p:sp>
     </p:spTree>
     <p:extLst>
       <p:ext uri="{BB962C8B-B14F-4D97-AF65-F5344CB8AC3E}">

--- a/Descriptions/WwwQrCodeImages.pptx
+++ b/Descriptions/WwwQrCodeImages.pptx
@@ -256,7 +256,7 @@
           <a:p>
             <a:fld id="{9A42C61D-D669-4B9E-81E6-AA43D08BFCD1}" type="datetimeFigureOut">
               <a:rPr lang="de-CH" smtClean="0"/>
-              <a:t>27.05.2022</a:t>
+              <a:t>28.05.2022</a:t>
             </a:fld>
             <a:endParaRPr lang="de-CH"/>
           </a:p>
@@ -426,7 +426,7 @@
           <a:p>
             <a:fld id="{9A42C61D-D669-4B9E-81E6-AA43D08BFCD1}" type="datetimeFigureOut">
               <a:rPr lang="de-CH" smtClean="0"/>
-              <a:t>27.05.2022</a:t>
+              <a:t>28.05.2022</a:t>
             </a:fld>
             <a:endParaRPr lang="de-CH"/>
           </a:p>
@@ -606,7 +606,7 @@
           <a:p>
             <a:fld id="{9A42C61D-D669-4B9E-81E6-AA43D08BFCD1}" type="datetimeFigureOut">
               <a:rPr lang="de-CH" smtClean="0"/>
-              <a:t>27.05.2022</a:t>
+              <a:t>28.05.2022</a:t>
             </a:fld>
             <a:endParaRPr lang="de-CH"/>
           </a:p>
@@ -776,7 +776,7 @@
           <a:p>
             <a:fld id="{9A42C61D-D669-4B9E-81E6-AA43D08BFCD1}" type="datetimeFigureOut">
               <a:rPr lang="de-CH" smtClean="0"/>
-              <a:t>27.05.2022</a:t>
+              <a:t>28.05.2022</a:t>
             </a:fld>
             <a:endParaRPr lang="de-CH"/>
           </a:p>
@@ -1022,7 +1022,7 @@
           <a:p>
             <a:fld id="{9A42C61D-D669-4B9E-81E6-AA43D08BFCD1}" type="datetimeFigureOut">
               <a:rPr lang="de-CH" smtClean="0"/>
-              <a:t>27.05.2022</a:t>
+              <a:t>28.05.2022</a:t>
             </a:fld>
             <a:endParaRPr lang="de-CH"/>
           </a:p>
@@ -1254,7 +1254,7 @@
           <a:p>
             <a:fld id="{9A42C61D-D669-4B9E-81E6-AA43D08BFCD1}" type="datetimeFigureOut">
               <a:rPr lang="de-CH" smtClean="0"/>
-              <a:t>27.05.2022</a:t>
+              <a:t>28.05.2022</a:t>
             </a:fld>
             <a:endParaRPr lang="de-CH"/>
           </a:p>
@@ -1621,7 +1621,7 @@
           <a:p>
             <a:fld id="{9A42C61D-D669-4B9E-81E6-AA43D08BFCD1}" type="datetimeFigureOut">
               <a:rPr lang="de-CH" smtClean="0"/>
-              <a:t>27.05.2022</a:t>
+              <a:t>28.05.2022</a:t>
             </a:fld>
             <a:endParaRPr lang="de-CH"/>
           </a:p>
@@ -1739,7 +1739,7 @@
           <a:p>
             <a:fld id="{9A42C61D-D669-4B9E-81E6-AA43D08BFCD1}" type="datetimeFigureOut">
               <a:rPr lang="de-CH" smtClean="0"/>
-              <a:t>27.05.2022</a:t>
+              <a:t>28.05.2022</a:t>
             </a:fld>
             <a:endParaRPr lang="de-CH"/>
           </a:p>
@@ -1834,7 +1834,7 @@
           <a:p>
             <a:fld id="{9A42C61D-D669-4B9E-81E6-AA43D08BFCD1}" type="datetimeFigureOut">
               <a:rPr lang="de-CH" smtClean="0"/>
-              <a:t>27.05.2022</a:t>
+              <a:t>28.05.2022</a:t>
             </a:fld>
             <a:endParaRPr lang="de-CH"/>
           </a:p>
@@ -2111,7 +2111,7 @@
           <a:p>
             <a:fld id="{9A42C61D-D669-4B9E-81E6-AA43D08BFCD1}" type="datetimeFigureOut">
               <a:rPr lang="de-CH" smtClean="0"/>
-              <a:t>27.05.2022</a:t>
+              <a:t>28.05.2022</a:t>
             </a:fld>
             <a:endParaRPr lang="de-CH"/>
           </a:p>
@@ -2364,7 +2364,7 @@
           <a:p>
             <a:fld id="{9A42C61D-D669-4B9E-81E6-AA43D08BFCD1}" type="datetimeFigureOut">
               <a:rPr lang="de-CH" smtClean="0"/>
-              <a:t>27.05.2022</a:t>
+              <a:t>28.05.2022</a:t>
             </a:fld>
             <a:endParaRPr lang="de-CH"/>
           </a:p>
@@ -2577,7 +2577,7 @@
           <a:p>
             <a:fld id="{9A42C61D-D669-4B9E-81E6-AA43D08BFCD1}" type="datetimeFigureOut">
               <a:rPr lang="de-CH" smtClean="0"/>
-              <a:t>27.05.2022</a:t>
+              <a:t>28.05.2022</a:t>
             </a:fld>
             <a:endParaRPr lang="de-CH"/>
           </a:p>
@@ -13252,7 +13252,7 @@
                 <a:latin typeface="Arial" panose="020B0604020202020204" pitchFamily="34" charset="0"/>
                 <a:cs typeface="Arial" panose="020B0604020202020204" pitchFamily="34" charset="0"/>
               </a:rPr>
-              <a:t>id_div_alt_one_msg</a:t>
+              <a:t>id_div_alt_one_message</a:t>
             </a:r>
             <a:r>
               <a:rPr lang="de-CH" sz="900" b="1" dirty="0">
@@ -13266,7 +13266,7 @@
                 <a:latin typeface="Arial" panose="020B0604020202020204" pitchFamily="34" charset="0"/>
                 <a:cs typeface="Arial" panose="020B0604020202020204" pitchFamily="34" charset="0"/>
               </a:rPr>
-              <a:t>cl_div_alt_one_msg</a:t>
+              <a:t>cl_div_alt_one_message</a:t>
             </a:r>
             <a:endParaRPr lang="de-CH" sz="900" b="1" dirty="0">
               <a:latin typeface="Arial" panose="020B0604020202020204" pitchFamily="34" charset="0"/>
